--- a/articles/201608/dl1.pptx
+++ b/articles/201608/dl1.pptx
@@ -8,6 +8,7 @@
     <p:sldId id="256" r:id="rId2"/>
     <p:sldId id="257" r:id="rId3"/>
     <p:sldId id="258" r:id="rId4"/>
+    <p:sldId id="259" r:id="rId5"/>
   </p:sldIdLst>
   <p:sldSz cx="9144000" cy="6858000" type="screen4x3"/>
   <p:notesSz cx="6858000" cy="9144000"/>
@@ -290,7 +291,7 @@
           <a:p>
             <a:fld id="{8B8ED27F-574F-FC40-8672-D039C32B7ACF}" type="datetimeFigureOut">
               <a:rPr kumimoji="1" lang="ja-JP" altLang="en-US" smtClean="0"/>
-              <a:t>16/08/30</a:t>
+              <a:t>16/09/04</a:t>
             </a:fld>
             <a:endParaRPr kumimoji="1" lang="ja-JP" altLang="en-US"/>
           </a:p>
@@ -492,7 +493,7 @@
           <a:p>
             <a:fld id="{8B8ED27F-574F-FC40-8672-D039C32B7ACF}" type="datetimeFigureOut">
               <a:rPr kumimoji="1" lang="ja-JP" altLang="en-US" smtClean="0"/>
-              <a:t>16/08/30</a:t>
+              <a:t>16/09/04</a:t>
             </a:fld>
             <a:endParaRPr kumimoji="1" lang="ja-JP" altLang="en-US"/>
           </a:p>
@@ -704,7 +705,7 @@
           <a:p>
             <a:fld id="{8B8ED27F-574F-FC40-8672-D039C32B7ACF}" type="datetimeFigureOut">
               <a:rPr kumimoji="1" lang="ja-JP" altLang="en-US" smtClean="0"/>
-              <a:t>16/08/30</a:t>
+              <a:t>16/09/04</a:t>
             </a:fld>
             <a:endParaRPr kumimoji="1" lang="ja-JP" altLang="en-US"/>
           </a:p>
@@ -906,7 +907,7 @@
           <a:p>
             <a:fld id="{8B8ED27F-574F-FC40-8672-D039C32B7ACF}" type="datetimeFigureOut">
               <a:rPr kumimoji="1" lang="ja-JP" altLang="en-US" smtClean="0"/>
-              <a:t>16/08/30</a:t>
+              <a:t>16/09/04</a:t>
             </a:fld>
             <a:endParaRPr kumimoji="1" lang="ja-JP" altLang="en-US"/>
           </a:p>
@@ -1152,7 +1153,7 @@
           <a:p>
             <a:fld id="{8B8ED27F-574F-FC40-8672-D039C32B7ACF}" type="datetimeFigureOut">
               <a:rPr kumimoji="1" lang="ja-JP" altLang="en-US" smtClean="0"/>
-              <a:t>16/08/30</a:t>
+              <a:t>16/09/04</a:t>
             </a:fld>
             <a:endParaRPr kumimoji="1" lang="ja-JP" altLang="en-US"/>
           </a:p>
@@ -1504,7 +1505,7 @@
           <a:p>
             <a:fld id="{8B8ED27F-574F-FC40-8672-D039C32B7ACF}" type="datetimeFigureOut">
               <a:rPr kumimoji="1" lang="ja-JP" altLang="en-US" smtClean="0"/>
-              <a:t>16/08/30</a:t>
+              <a:t>16/09/04</a:t>
             </a:fld>
             <a:endParaRPr kumimoji="1" lang="ja-JP" altLang="en-US"/>
           </a:p>
@@ -1990,7 +1991,7 @@
           <a:p>
             <a:fld id="{8B8ED27F-574F-FC40-8672-D039C32B7ACF}" type="datetimeFigureOut">
               <a:rPr kumimoji="1" lang="ja-JP" altLang="en-US" smtClean="0"/>
-              <a:t>16/08/30</a:t>
+              <a:t>16/09/04</a:t>
             </a:fld>
             <a:endParaRPr kumimoji="1" lang="ja-JP" altLang="en-US"/>
           </a:p>
@@ -2108,7 +2109,7 @@
           <a:p>
             <a:fld id="{8B8ED27F-574F-FC40-8672-D039C32B7ACF}" type="datetimeFigureOut">
               <a:rPr kumimoji="1" lang="ja-JP" altLang="en-US" smtClean="0"/>
-              <a:t>16/08/30</a:t>
+              <a:t>16/09/04</a:t>
             </a:fld>
             <a:endParaRPr kumimoji="1" lang="ja-JP" altLang="en-US"/>
           </a:p>
@@ -2203,7 +2204,7 @@
           <a:p>
             <a:fld id="{8B8ED27F-574F-FC40-8672-D039C32B7ACF}" type="datetimeFigureOut">
               <a:rPr kumimoji="1" lang="ja-JP" altLang="en-US" smtClean="0"/>
-              <a:t>16/08/30</a:t>
+              <a:t>16/09/04</a:t>
             </a:fld>
             <a:endParaRPr kumimoji="1" lang="ja-JP" altLang="en-US"/>
           </a:p>
@@ -2512,7 +2513,7 @@
           <a:p>
             <a:fld id="{8B8ED27F-574F-FC40-8672-D039C32B7ACF}" type="datetimeFigureOut">
               <a:rPr kumimoji="1" lang="ja-JP" altLang="en-US" smtClean="0"/>
-              <a:t>16/08/30</a:t>
+              <a:t>16/09/04</a:t>
             </a:fld>
             <a:endParaRPr kumimoji="1" lang="ja-JP" altLang="en-US"/>
           </a:p>
@@ -2765,7 +2766,7 @@
           <a:p>
             <a:fld id="{8B8ED27F-574F-FC40-8672-D039C32B7ACF}" type="datetimeFigureOut">
               <a:rPr kumimoji="1" lang="ja-JP" altLang="en-US" smtClean="0"/>
-              <a:t>16/08/30</a:t>
+              <a:t>16/09/04</a:t>
             </a:fld>
             <a:endParaRPr kumimoji="1" lang="ja-JP" altLang="en-US"/>
           </a:p>
@@ -3010,7 +3011,7 @@
           <a:p>
             <a:fld id="{8B8ED27F-574F-FC40-8672-D039C32B7ACF}" type="datetimeFigureOut">
               <a:rPr kumimoji="1" lang="ja-JP" altLang="en-US" smtClean="0"/>
-              <a:t>16/08/30</a:t>
+              <a:t>16/09/04</a:t>
             </a:fld>
             <a:endParaRPr kumimoji="1" lang="ja-JP" altLang="en-US"/>
           </a:p>
@@ -7399,6 +7400,5520 @@
     <p:extLst>
       <p:ext uri="{BB962C8B-B14F-4D97-AF65-F5344CB8AC3E}">
         <p14:creationId xmlns:p14="http://schemas.microsoft.com/office/powerpoint/2010/main" val="2289465125"/>
+      </p:ext>
+    </p:extLst>
+  </p:cSld>
+  <p:clrMapOvr>
+    <a:masterClrMapping/>
+  </p:clrMapOvr>
+</p:sld>
+</file>
+
+<file path=ppt/slides/slide4.xml><?xml version="1.0" encoding="utf-8"?>
+<p:sld xmlns:a="http://schemas.openxmlformats.org/drawingml/2006/main" xmlns:r="http://schemas.openxmlformats.org/officeDocument/2006/relationships" xmlns:p="http://schemas.openxmlformats.org/presentationml/2006/main">
+  <p:cSld>
+    <p:spTree>
+      <p:nvGrpSpPr>
+        <p:cNvPr id="1" name=""/>
+        <p:cNvGrpSpPr/>
+        <p:nvPr/>
+      </p:nvGrpSpPr>
+      <p:grpSpPr>
+        <a:xfrm>
+          <a:off x="0" y="0"/>
+          <a:ext cx="0" cy="0"/>
+          <a:chOff x="0" y="0"/>
+          <a:chExt cx="0" cy="0"/>
+        </a:xfrm>
+      </p:grpSpPr>
+      <p:graphicFrame>
+        <p:nvGraphicFramePr>
+          <p:cNvPr id="4" name="表 3"/>
+          <p:cNvGraphicFramePr>
+            <a:graphicFrameLocks noGrp="1"/>
+          </p:cNvGraphicFramePr>
+          <p:nvPr>
+            <p:extLst>
+              <p:ext uri="{D42A27DB-BD31-4B8C-83A1-F6EECF244321}">
+                <p14:modId xmlns:p14="http://schemas.microsoft.com/office/powerpoint/2010/main" val="4111934178"/>
+              </p:ext>
+            </p:extLst>
+          </p:nvPr>
+        </p:nvGraphicFramePr>
+        <p:xfrm>
+          <a:off x="558801" y="304800"/>
+          <a:ext cx="825501" cy="822960"/>
+        </p:xfrm>
+        <a:graphic>
+          <a:graphicData uri="http://schemas.openxmlformats.org/drawingml/2006/table">
+            <a:tbl>
+              <a:tblPr>
+                <a:tableStyleId>{C083E6E3-FA7D-4D7B-A595-EF9225AFEA82}</a:tableStyleId>
+              </a:tblPr>
+              <a:tblGrid>
+                <a:gridCol w="275167"/>
+                <a:gridCol w="275167"/>
+                <a:gridCol w="275167"/>
+              </a:tblGrid>
+              <a:tr h="245533">
+                <a:tc>
+                  <a:txBody>
+                    <a:bodyPr/>
+                    <a:lstStyle/>
+                    <a:p>
+                      <a:pPr algn="ctr"/>
+                      <a:r>
+                        <a:rPr kumimoji="1" lang="en-US" altLang="ja-JP" sz="1200" dirty="0" smtClean="0">
+                          <a:latin typeface="Seravek"/>
+                          <a:cs typeface="Seravek"/>
+                        </a:rPr>
+                        <a:t>1</a:t>
+                      </a:r>
+                      <a:endParaRPr kumimoji="1" lang="ja-JP" altLang="en-US" sz="1200" dirty="0">
+                        <a:latin typeface="Seravek"/>
+                        <a:cs typeface="Seravek"/>
+                      </a:endParaRPr>
+                    </a:p>
+                  </a:txBody>
+                  <a:tcPr>
+                    <a:lnL w="6350" cap="flat" cmpd="sng" algn="ctr">
+                      <a:solidFill>
+                        <a:prstClr val="white">
+                          <a:lumMod val="75000"/>
+                        </a:prstClr>
+                      </a:solidFill>
+                      <a:prstDash val="solid"/>
+                      <a:round/>
+                      <a:headEnd type="none" w="med" len="med"/>
+                      <a:tailEnd type="none" w="med" len="med"/>
+                    </a:lnL>
+                    <a:lnR w="6350" cap="flat" cmpd="sng" algn="ctr">
+                      <a:solidFill>
+                        <a:prstClr val="white">
+                          <a:lumMod val="75000"/>
+                        </a:prstClr>
+                      </a:solidFill>
+                      <a:prstDash val="solid"/>
+                      <a:round/>
+                      <a:headEnd type="none" w="med" len="med"/>
+                      <a:tailEnd type="none" w="med" len="med"/>
+                    </a:lnR>
+                    <a:lnT w="6350" cap="flat" cmpd="sng" algn="ctr">
+                      <a:solidFill>
+                        <a:prstClr val="white">
+                          <a:lumMod val="75000"/>
+                        </a:prstClr>
+                      </a:solidFill>
+                      <a:prstDash val="solid"/>
+                      <a:round/>
+                      <a:headEnd type="none" w="med" len="med"/>
+                      <a:tailEnd type="none" w="med" len="med"/>
+                    </a:lnT>
+                    <a:lnB w="6350" cap="flat" cmpd="sng" algn="ctr">
+                      <a:solidFill>
+                        <a:prstClr val="white">
+                          <a:lumMod val="75000"/>
+                        </a:prstClr>
+                      </a:solidFill>
+                      <a:prstDash val="solid"/>
+                      <a:round/>
+                      <a:headEnd type="none" w="med" len="med"/>
+                      <a:tailEnd type="none" w="med" len="med"/>
+                    </a:lnB>
+                    <a:solidFill>
+                      <a:schemeClr val="accent2">
+                        <a:lumMod val="40000"/>
+                        <a:lumOff val="60000"/>
+                      </a:schemeClr>
+                    </a:solidFill>
+                  </a:tcPr>
+                </a:tc>
+                <a:tc>
+                  <a:txBody>
+                    <a:bodyPr/>
+                    <a:lstStyle/>
+                    <a:p>
+                      <a:pPr algn="ctr"/>
+                      <a:r>
+                        <a:rPr kumimoji="1" lang="en-US" altLang="ja-JP" sz="1200" dirty="0" smtClean="0">
+                          <a:latin typeface="Seravek"/>
+                          <a:cs typeface="Seravek"/>
+                        </a:rPr>
+                        <a:t>2</a:t>
+                      </a:r>
+                      <a:endParaRPr kumimoji="1" lang="ja-JP" altLang="en-US" sz="1200" dirty="0">
+                        <a:latin typeface="Seravek"/>
+                        <a:cs typeface="Seravek"/>
+                      </a:endParaRPr>
+                    </a:p>
+                  </a:txBody>
+                  <a:tcPr>
+                    <a:lnL w="6350" cap="flat" cmpd="sng" algn="ctr">
+                      <a:solidFill>
+                        <a:prstClr val="white">
+                          <a:lumMod val="75000"/>
+                        </a:prstClr>
+                      </a:solidFill>
+                      <a:prstDash val="solid"/>
+                      <a:round/>
+                      <a:headEnd type="none" w="med" len="med"/>
+                      <a:tailEnd type="none" w="med" len="med"/>
+                    </a:lnL>
+                    <a:lnR w="6350" cap="flat" cmpd="sng" algn="ctr">
+                      <a:solidFill>
+                        <a:prstClr val="white">
+                          <a:lumMod val="75000"/>
+                        </a:prstClr>
+                      </a:solidFill>
+                      <a:prstDash val="solid"/>
+                      <a:round/>
+                      <a:headEnd type="none" w="med" len="med"/>
+                      <a:tailEnd type="none" w="med" len="med"/>
+                    </a:lnR>
+                    <a:lnT w="6350" cap="flat" cmpd="sng" algn="ctr">
+                      <a:solidFill>
+                        <a:prstClr val="white">
+                          <a:lumMod val="75000"/>
+                        </a:prstClr>
+                      </a:solidFill>
+                      <a:prstDash val="solid"/>
+                      <a:round/>
+                      <a:headEnd type="none" w="med" len="med"/>
+                      <a:tailEnd type="none" w="med" len="med"/>
+                    </a:lnT>
+                    <a:lnB w="6350" cap="flat" cmpd="sng" algn="ctr">
+                      <a:solidFill>
+                        <a:prstClr val="white">
+                          <a:lumMod val="75000"/>
+                        </a:prstClr>
+                      </a:solidFill>
+                      <a:prstDash val="solid"/>
+                      <a:round/>
+                      <a:headEnd type="none" w="med" len="med"/>
+                      <a:tailEnd type="none" w="med" len="med"/>
+                    </a:lnB>
+                  </a:tcPr>
+                </a:tc>
+                <a:tc>
+                  <a:txBody>
+                    <a:bodyPr/>
+                    <a:lstStyle/>
+                    <a:p>
+                      <a:pPr algn="ctr"/>
+                      <a:r>
+                        <a:rPr kumimoji="1" lang="en-US" altLang="ja-JP" sz="1200" dirty="0" smtClean="0">
+                          <a:latin typeface="Seravek"/>
+                          <a:cs typeface="Seravek"/>
+                        </a:rPr>
+                        <a:t>3</a:t>
+                      </a:r>
+                    </a:p>
+                  </a:txBody>
+                  <a:tcPr>
+                    <a:lnL w="6350" cap="flat" cmpd="sng" algn="ctr">
+                      <a:solidFill>
+                        <a:prstClr val="white">
+                          <a:lumMod val="75000"/>
+                        </a:prstClr>
+                      </a:solidFill>
+                      <a:prstDash val="solid"/>
+                      <a:round/>
+                      <a:headEnd type="none" w="med" len="med"/>
+                      <a:tailEnd type="none" w="med" len="med"/>
+                    </a:lnL>
+                    <a:lnR w="6350" cap="flat" cmpd="sng" algn="ctr">
+                      <a:solidFill>
+                        <a:prstClr val="white">
+                          <a:lumMod val="75000"/>
+                        </a:prstClr>
+                      </a:solidFill>
+                      <a:prstDash val="solid"/>
+                      <a:round/>
+                      <a:headEnd type="none" w="med" len="med"/>
+                      <a:tailEnd type="none" w="med" len="med"/>
+                    </a:lnR>
+                    <a:lnT w="6350" cap="flat" cmpd="sng" algn="ctr">
+                      <a:solidFill>
+                        <a:prstClr val="white">
+                          <a:lumMod val="75000"/>
+                        </a:prstClr>
+                      </a:solidFill>
+                      <a:prstDash val="solid"/>
+                      <a:round/>
+                      <a:headEnd type="none" w="med" len="med"/>
+                      <a:tailEnd type="none" w="med" len="med"/>
+                    </a:lnT>
+                    <a:lnB w="6350" cap="flat" cmpd="sng" algn="ctr">
+                      <a:solidFill>
+                        <a:prstClr val="white">
+                          <a:lumMod val="75000"/>
+                        </a:prstClr>
+                      </a:solidFill>
+                      <a:prstDash val="solid"/>
+                      <a:round/>
+                      <a:headEnd type="none" w="med" len="med"/>
+                      <a:tailEnd type="none" w="med" len="med"/>
+                    </a:lnB>
+                  </a:tcPr>
+                </a:tc>
+              </a:tr>
+              <a:tr h="245533">
+                <a:tc>
+                  <a:txBody>
+                    <a:bodyPr/>
+                    <a:lstStyle/>
+                    <a:p>
+                      <a:pPr algn="ctr"/>
+                      <a:r>
+                        <a:rPr kumimoji="1" lang="en-US" altLang="ja-JP" sz="1200" dirty="0" smtClean="0">
+                          <a:latin typeface="Seravek"/>
+                          <a:cs typeface="Seravek"/>
+                        </a:rPr>
+                        <a:t>4</a:t>
+                      </a:r>
+                      <a:endParaRPr kumimoji="1" lang="ja-JP" altLang="en-US" sz="1200" dirty="0">
+                        <a:latin typeface="Seravek"/>
+                        <a:cs typeface="Seravek"/>
+                      </a:endParaRPr>
+                    </a:p>
+                  </a:txBody>
+                  <a:tcPr>
+                    <a:lnL w="6350" cap="flat" cmpd="sng" algn="ctr">
+                      <a:solidFill>
+                        <a:prstClr val="white">
+                          <a:lumMod val="75000"/>
+                        </a:prstClr>
+                      </a:solidFill>
+                      <a:prstDash val="solid"/>
+                      <a:round/>
+                      <a:headEnd type="none" w="med" len="med"/>
+                      <a:tailEnd type="none" w="med" len="med"/>
+                    </a:lnL>
+                    <a:lnR w="6350" cap="flat" cmpd="sng" algn="ctr">
+                      <a:solidFill>
+                        <a:prstClr val="white">
+                          <a:lumMod val="75000"/>
+                        </a:prstClr>
+                      </a:solidFill>
+                      <a:prstDash val="solid"/>
+                      <a:round/>
+                      <a:headEnd type="none" w="med" len="med"/>
+                      <a:tailEnd type="none" w="med" len="med"/>
+                    </a:lnR>
+                    <a:lnT w="6350" cap="flat" cmpd="sng" algn="ctr">
+                      <a:solidFill>
+                        <a:prstClr val="white">
+                          <a:lumMod val="75000"/>
+                        </a:prstClr>
+                      </a:solidFill>
+                      <a:prstDash val="solid"/>
+                      <a:round/>
+                      <a:headEnd type="none" w="med" len="med"/>
+                      <a:tailEnd type="none" w="med" len="med"/>
+                    </a:lnT>
+                    <a:lnB w="6350" cap="flat" cmpd="sng" algn="ctr">
+                      <a:solidFill>
+                        <a:prstClr val="white">
+                          <a:lumMod val="75000"/>
+                        </a:prstClr>
+                      </a:solidFill>
+                      <a:prstDash val="solid"/>
+                      <a:round/>
+                      <a:headEnd type="none" w="med" len="med"/>
+                      <a:tailEnd type="none" w="med" len="med"/>
+                    </a:lnB>
+                  </a:tcPr>
+                </a:tc>
+                <a:tc>
+                  <a:txBody>
+                    <a:bodyPr/>
+                    <a:lstStyle/>
+                    <a:p>
+                      <a:pPr algn="ctr"/>
+                      <a:r>
+                        <a:rPr kumimoji="1" lang="en-US" altLang="ja-JP" sz="1200" dirty="0" smtClean="0">
+                          <a:latin typeface="Seravek"/>
+                          <a:cs typeface="Seravek"/>
+                        </a:rPr>
+                        <a:t>5</a:t>
+                      </a:r>
+                      <a:endParaRPr kumimoji="1" lang="ja-JP" altLang="en-US" sz="1200" dirty="0">
+                        <a:latin typeface="Seravek"/>
+                        <a:cs typeface="Seravek"/>
+                      </a:endParaRPr>
+                    </a:p>
+                  </a:txBody>
+                  <a:tcPr>
+                    <a:lnL w="6350" cap="flat" cmpd="sng" algn="ctr">
+                      <a:solidFill>
+                        <a:prstClr val="white">
+                          <a:lumMod val="75000"/>
+                        </a:prstClr>
+                      </a:solidFill>
+                      <a:prstDash val="solid"/>
+                      <a:round/>
+                      <a:headEnd type="none" w="med" len="med"/>
+                      <a:tailEnd type="none" w="med" len="med"/>
+                    </a:lnL>
+                    <a:lnR w="6350" cap="flat" cmpd="sng" algn="ctr">
+                      <a:solidFill>
+                        <a:prstClr val="white">
+                          <a:lumMod val="75000"/>
+                        </a:prstClr>
+                      </a:solidFill>
+                      <a:prstDash val="solid"/>
+                      <a:round/>
+                      <a:headEnd type="none" w="med" len="med"/>
+                      <a:tailEnd type="none" w="med" len="med"/>
+                    </a:lnR>
+                    <a:lnT w="6350" cap="flat" cmpd="sng" algn="ctr">
+                      <a:solidFill>
+                        <a:prstClr val="white">
+                          <a:lumMod val="75000"/>
+                        </a:prstClr>
+                      </a:solidFill>
+                      <a:prstDash val="solid"/>
+                      <a:round/>
+                      <a:headEnd type="none" w="med" len="med"/>
+                      <a:tailEnd type="none" w="med" len="med"/>
+                    </a:lnT>
+                    <a:lnB w="6350" cap="flat" cmpd="sng" algn="ctr">
+                      <a:solidFill>
+                        <a:prstClr val="white">
+                          <a:lumMod val="75000"/>
+                        </a:prstClr>
+                      </a:solidFill>
+                      <a:prstDash val="solid"/>
+                      <a:round/>
+                      <a:headEnd type="none" w="med" len="med"/>
+                      <a:tailEnd type="none" w="med" len="med"/>
+                    </a:lnB>
+                  </a:tcPr>
+                </a:tc>
+                <a:tc>
+                  <a:txBody>
+                    <a:bodyPr/>
+                    <a:lstStyle/>
+                    <a:p>
+                      <a:pPr algn="ctr"/>
+                      <a:r>
+                        <a:rPr kumimoji="1" lang="en-US" altLang="ja-JP" sz="1200" dirty="0" smtClean="0">
+                          <a:latin typeface="Seravek"/>
+                          <a:cs typeface="Seravek"/>
+                        </a:rPr>
+                        <a:t>6</a:t>
+                      </a:r>
+                      <a:endParaRPr kumimoji="1" lang="ja-JP" altLang="en-US" sz="1200" dirty="0">
+                        <a:latin typeface="Seravek"/>
+                        <a:cs typeface="Seravek"/>
+                      </a:endParaRPr>
+                    </a:p>
+                  </a:txBody>
+                  <a:tcPr>
+                    <a:lnL w="6350" cap="flat" cmpd="sng" algn="ctr">
+                      <a:solidFill>
+                        <a:prstClr val="white">
+                          <a:lumMod val="75000"/>
+                        </a:prstClr>
+                      </a:solidFill>
+                      <a:prstDash val="solid"/>
+                      <a:round/>
+                      <a:headEnd type="none" w="med" len="med"/>
+                      <a:tailEnd type="none" w="med" len="med"/>
+                    </a:lnL>
+                    <a:lnR w="6350" cap="flat" cmpd="sng" algn="ctr">
+                      <a:solidFill>
+                        <a:prstClr val="white">
+                          <a:lumMod val="75000"/>
+                        </a:prstClr>
+                      </a:solidFill>
+                      <a:prstDash val="solid"/>
+                      <a:round/>
+                      <a:headEnd type="none" w="med" len="med"/>
+                      <a:tailEnd type="none" w="med" len="med"/>
+                    </a:lnR>
+                    <a:lnT w="6350" cap="flat" cmpd="sng" algn="ctr">
+                      <a:solidFill>
+                        <a:prstClr val="white">
+                          <a:lumMod val="75000"/>
+                        </a:prstClr>
+                      </a:solidFill>
+                      <a:prstDash val="solid"/>
+                      <a:round/>
+                      <a:headEnd type="none" w="med" len="med"/>
+                      <a:tailEnd type="none" w="med" len="med"/>
+                    </a:lnT>
+                    <a:lnB w="6350" cap="flat" cmpd="sng" algn="ctr">
+                      <a:solidFill>
+                        <a:prstClr val="white">
+                          <a:lumMod val="75000"/>
+                        </a:prstClr>
+                      </a:solidFill>
+                      <a:prstDash val="solid"/>
+                      <a:round/>
+                      <a:headEnd type="none" w="med" len="med"/>
+                      <a:tailEnd type="none" w="med" len="med"/>
+                    </a:lnB>
+                  </a:tcPr>
+                </a:tc>
+              </a:tr>
+              <a:tr h="245533">
+                <a:tc>
+                  <a:txBody>
+                    <a:bodyPr/>
+                    <a:lstStyle/>
+                    <a:p>
+                      <a:pPr algn="ctr"/>
+                      <a:r>
+                        <a:rPr kumimoji="1" lang="en-US" altLang="ja-JP" sz="1200" dirty="0" smtClean="0">
+                          <a:latin typeface="Seravek"/>
+                          <a:cs typeface="Seravek"/>
+                        </a:rPr>
+                        <a:t>7</a:t>
+                      </a:r>
+                      <a:endParaRPr kumimoji="1" lang="ja-JP" altLang="en-US" sz="1200" dirty="0">
+                        <a:latin typeface="Seravek"/>
+                        <a:cs typeface="Seravek"/>
+                      </a:endParaRPr>
+                    </a:p>
+                  </a:txBody>
+                  <a:tcPr>
+                    <a:lnL w="6350" cap="flat" cmpd="sng" algn="ctr">
+                      <a:solidFill>
+                        <a:prstClr val="white">
+                          <a:lumMod val="75000"/>
+                        </a:prstClr>
+                      </a:solidFill>
+                      <a:prstDash val="solid"/>
+                      <a:round/>
+                      <a:headEnd type="none" w="med" len="med"/>
+                      <a:tailEnd type="none" w="med" len="med"/>
+                    </a:lnL>
+                    <a:lnR w="6350" cap="flat" cmpd="sng" algn="ctr">
+                      <a:solidFill>
+                        <a:prstClr val="white">
+                          <a:lumMod val="75000"/>
+                        </a:prstClr>
+                      </a:solidFill>
+                      <a:prstDash val="solid"/>
+                      <a:round/>
+                      <a:headEnd type="none" w="med" len="med"/>
+                      <a:tailEnd type="none" w="med" len="med"/>
+                    </a:lnR>
+                    <a:lnT w="6350" cap="flat" cmpd="sng" algn="ctr">
+                      <a:solidFill>
+                        <a:prstClr val="white">
+                          <a:lumMod val="75000"/>
+                        </a:prstClr>
+                      </a:solidFill>
+                      <a:prstDash val="solid"/>
+                      <a:round/>
+                      <a:headEnd type="none" w="med" len="med"/>
+                      <a:tailEnd type="none" w="med" len="med"/>
+                    </a:lnT>
+                    <a:lnB w="6350" cap="flat" cmpd="sng" algn="ctr">
+                      <a:solidFill>
+                        <a:prstClr val="white">
+                          <a:lumMod val="75000"/>
+                        </a:prstClr>
+                      </a:solidFill>
+                      <a:prstDash val="solid"/>
+                      <a:round/>
+                      <a:headEnd type="none" w="med" len="med"/>
+                      <a:tailEnd type="none" w="med" len="med"/>
+                    </a:lnB>
+                  </a:tcPr>
+                </a:tc>
+                <a:tc>
+                  <a:txBody>
+                    <a:bodyPr/>
+                    <a:lstStyle/>
+                    <a:p>
+                      <a:pPr algn="ctr"/>
+                      <a:r>
+                        <a:rPr kumimoji="1" lang="en-US" altLang="ja-JP" sz="1200" dirty="0" smtClean="0">
+                          <a:latin typeface="Seravek"/>
+                          <a:cs typeface="Seravek"/>
+                        </a:rPr>
+                        <a:t>8</a:t>
+                      </a:r>
+                      <a:endParaRPr kumimoji="1" lang="ja-JP" altLang="en-US" sz="1200" dirty="0">
+                        <a:latin typeface="Seravek"/>
+                        <a:cs typeface="Seravek"/>
+                      </a:endParaRPr>
+                    </a:p>
+                  </a:txBody>
+                  <a:tcPr>
+                    <a:lnL w="6350" cap="flat" cmpd="sng" algn="ctr">
+                      <a:solidFill>
+                        <a:prstClr val="white">
+                          <a:lumMod val="75000"/>
+                        </a:prstClr>
+                      </a:solidFill>
+                      <a:prstDash val="solid"/>
+                      <a:round/>
+                      <a:headEnd type="none" w="med" len="med"/>
+                      <a:tailEnd type="none" w="med" len="med"/>
+                    </a:lnL>
+                    <a:lnR w="6350" cap="flat" cmpd="sng" algn="ctr">
+                      <a:solidFill>
+                        <a:prstClr val="white">
+                          <a:lumMod val="75000"/>
+                        </a:prstClr>
+                      </a:solidFill>
+                      <a:prstDash val="solid"/>
+                      <a:round/>
+                      <a:headEnd type="none" w="med" len="med"/>
+                      <a:tailEnd type="none" w="med" len="med"/>
+                    </a:lnR>
+                    <a:lnT w="6350" cap="flat" cmpd="sng" algn="ctr">
+                      <a:solidFill>
+                        <a:prstClr val="white">
+                          <a:lumMod val="75000"/>
+                        </a:prstClr>
+                      </a:solidFill>
+                      <a:prstDash val="solid"/>
+                      <a:round/>
+                      <a:headEnd type="none" w="med" len="med"/>
+                      <a:tailEnd type="none" w="med" len="med"/>
+                    </a:lnT>
+                    <a:lnB w="6350" cap="flat" cmpd="sng" algn="ctr">
+                      <a:solidFill>
+                        <a:prstClr val="white">
+                          <a:lumMod val="75000"/>
+                        </a:prstClr>
+                      </a:solidFill>
+                      <a:prstDash val="solid"/>
+                      <a:round/>
+                      <a:headEnd type="none" w="med" len="med"/>
+                      <a:tailEnd type="none" w="med" len="med"/>
+                    </a:lnB>
+                  </a:tcPr>
+                </a:tc>
+                <a:tc>
+                  <a:txBody>
+                    <a:bodyPr/>
+                    <a:lstStyle/>
+                    <a:p>
+                      <a:pPr algn="ctr"/>
+                      <a:r>
+                        <a:rPr kumimoji="1" lang="en-US" altLang="ja-JP" sz="1200" dirty="0" smtClean="0">
+                          <a:latin typeface="Seravek"/>
+                          <a:cs typeface="Seravek"/>
+                        </a:rPr>
+                        <a:t>9</a:t>
+                      </a:r>
+                      <a:endParaRPr kumimoji="1" lang="ja-JP" altLang="en-US" sz="1200" dirty="0">
+                        <a:latin typeface="Seravek"/>
+                        <a:cs typeface="Seravek"/>
+                      </a:endParaRPr>
+                    </a:p>
+                  </a:txBody>
+                  <a:tcPr>
+                    <a:lnL w="6350" cap="flat" cmpd="sng" algn="ctr">
+                      <a:solidFill>
+                        <a:prstClr val="white">
+                          <a:lumMod val="75000"/>
+                        </a:prstClr>
+                      </a:solidFill>
+                      <a:prstDash val="solid"/>
+                      <a:round/>
+                      <a:headEnd type="none" w="med" len="med"/>
+                      <a:tailEnd type="none" w="med" len="med"/>
+                    </a:lnL>
+                    <a:lnR w="6350" cap="flat" cmpd="sng" algn="ctr">
+                      <a:solidFill>
+                        <a:prstClr val="white">
+                          <a:lumMod val="75000"/>
+                        </a:prstClr>
+                      </a:solidFill>
+                      <a:prstDash val="solid"/>
+                      <a:round/>
+                      <a:headEnd type="none" w="med" len="med"/>
+                      <a:tailEnd type="none" w="med" len="med"/>
+                    </a:lnR>
+                    <a:lnT w="6350" cap="flat" cmpd="sng" algn="ctr">
+                      <a:solidFill>
+                        <a:prstClr val="white">
+                          <a:lumMod val="75000"/>
+                        </a:prstClr>
+                      </a:solidFill>
+                      <a:prstDash val="solid"/>
+                      <a:round/>
+                      <a:headEnd type="none" w="med" len="med"/>
+                      <a:tailEnd type="none" w="med" len="med"/>
+                    </a:lnT>
+                    <a:lnB w="6350" cap="flat" cmpd="sng" algn="ctr">
+                      <a:solidFill>
+                        <a:prstClr val="white">
+                          <a:lumMod val="75000"/>
+                        </a:prstClr>
+                      </a:solidFill>
+                      <a:prstDash val="solid"/>
+                      <a:round/>
+                      <a:headEnd type="none" w="med" len="med"/>
+                      <a:tailEnd type="none" w="med" len="med"/>
+                    </a:lnB>
+                  </a:tcPr>
+                </a:tc>
+              </a:tr>
+            </a:tbl>
+          </a:graphicData>
+        </a:graphic>
+      </p:graphicFrame>
+      <p:sp>
+        <p:nvSpPr>
+          <p:cNvPr id="5" name="正方形/長方形 4"/>
+          <p:cNvSpPr/>
+          <p:nvPr/>
+        </p:nvSpPr>
+        <p:spPr>
+          <a:xfrm>
+            <a:off x="596903" y="333375"/>
+            <a:ext cx="501649" cy="495300"/>
+          </a:xfrm>
+          <a:prstGeom prst="rect">
+            <a:avLst/>
+          </a:prstGeom>
+          <a:noFill/>
+        </p:spPr>
+        <p:style>
+          <a:lnRef idx="2">
+            <a:schemeClr val="accent2"/>
+          </a:lnRef>
+          <a:fillRef idx="1">
+            <a:schemeClr val="lt1"/>
+          </a:fillRef>
+          <a:effectRef idx="0">
+            <a:schemeClr val="accent2"/>
+          </a:effectRef>
+          <a:fontRef idx="minor">
+            <a:schemeClr val="dk1"/>
+          </a:fontRef>
+        </p:style>
+        <p:txBody>
+          <a:bodyPr rtlCol="0" anchor="ctr"/>
+          <a:lstStyle/>
+          <a:p>
+            <a:pPr algn="ctr"/>
+            <a:endParaRPr kumimoji="1" lang="ja-JP" altLang="en-US" dirty="0"/>
+          </a:p>
+        </p:txBody>
+      </p:sp>
+      <p:graphicFrame>
+        <p:nvGraphicFramePr>
+          <p:cNvPr id="6" name="表 5"/>
+          <p:cNvGraphicFramePr>
+            <a:graphicFrameLocks noGrp="1"/>
+          </p:cNvGraphicFramePr>
+          <p:nvPr>
+            <p:extLst>
+              <p:ext uri="{D42A27DB-BD31-4B8C-83A1-F6EECF244321}">
+                <p14:modId xmlns:p14="http://schemas.microsoft.com/office/powerpoint/2010/main" val="3107956986"/>
+              </p:ext>
+            </p:extLst>
+          </p:nvPr>
+        </p:nvGraphicFramePr>
+        <p:xfrm>
+          <a:off x="2108199" y="444500"/>
+          <a:ext cx="596900" cy="548640"/>
+        </p:xfrm>
+        <a:graphic>
+          <a:graphicData uri="http://schemas.openxmlformats.org/drawingml/2006/table">
+            <a:tbl>
+              <a:tblPr firstRow="1" bandRow="1">
+                <a:tableStyleId>{2D5ABB26-0587-4C30-8999-92F81FD0307C}</a:tableStyleId>
+              </a:tblPr>
+              <a:tblGrid>
+                <a:gridCol w="298450"/>
+                <a:gridCol w="298450"/>
+              </a:tblGrid>
+              <a:tr h="273050">
+                <a:tc>
+                  <a:txBody>
+                    <a:bodyPr/>
+                    <a:lstStyle/>
+                    <a:p>
+                      <a:pPr algn="ctr"/>
+                      <a:r>
+                        <a:rPr kumimoji="1" lang="en-US" altLang="ja-JP" sz="1200" b="0" i="0" dirty="0" smtClean="0">
+                          <a:latin typeface="Seravek"/>
+                          <a:cs typeface="Seravek"/>
+                        </a:rPr>
+                        <a:t>1</a:t>
+                      </a:r>
+                      <a:endParaRPr kumimoji="1" lang="ja-JP" altLang="en-US" sz="1200" b="0" i="0" dirty="0">
+                        <a:latin typeface="Seravek"/>
+                        <a:cs typeface="Seravek"/>
+                      </a:endParaRPr>
+                    </a:p>
+                  </a:txBody>
+                  <a:tcPr>
+                    <a:lnL w="6350" cap="flat" cmpd="sng" algn="ctr">
+                      <a:solidFill>
+                        <a:prstClr val="white">
+                          <a:lumMod val="75000"/>
+                        </a:prstClr>
+                      </a:solidFill>
+                      <a:prstDash val="solid"/>
+                      <a:round/>
+                      <a:headEnd type="none" w="med" len="med"/>
+                      <a:tailEnd type="none" w="med" len="med"/>
+                    </a:lnL>
+                    <a:lnR w="6350" cap="flat" cmpd="sng" algn="ctr">
+                      <a:solidFill>
+                        <a:prstClr val="white">
+                          <a:lumMod val="75000"/>
+                        </a:prstClr>
+                      </a:solidFill>
+                      <a:prstDash val="solid"/>
+                      <a:round/>
+                      <a:headEnd type="none" w="med" len="med"/>
+                      <a:tailEnd type="none" w="med" len="med"/>
+                    </a:lnR>
+                    <a:lnT w="6350" cap="flat" cmpd="sng" algn="ctr">
+                      <a:solidFill>
+                        <a:prstClr val="white">
+                          <a:lumMod val="75000"/>
+                        </a:prstClr>
+                      </a:solidFill>
+                      <a:prstDash val="solid"/>
+                      <a:round/>
+                      <a:headEnd type="none" w="med" len="med"/>
+                      <a:tailEnd type="none" w="med" len="med"/>
+                    </a:lnT>
+                    <a:lnB w="6350" cap="flat" cmpd="sng" algn="ctr">
+                      <a:solidFill>
+                        <a:prstClr val="white">
+                          <a:lumMod val="75000"/>
+                        </a:prstClr>
+                      </a:solidFill>
+                      <a:prstDash val="solid"/>
+                      <a:round/>
+                      <a:headEnd type="none" w="med" len="med"/>
+                      <a:tailEnd type="none" w="med" len="med"/>
+                    </a:lnB>
+                  </a:tcPr>
+                </a:tc>
+                <a:tc>
+                  <a:txBody>
+                    <a:bodyPr/>
+                    <a:lstStyle/>
+                    <a:p>
+                      <a:pPr algn="ctr"/>
+                      <a:r>
+                        <a:rPr kumimoji="1" lang="en-US" altLang="ja-JP" sz="1200" b="0" i="0" dirty="0" smtClean="0">
+                          <a:latin typeface="Seravek"/>
+                          <a:cs typeface="Seravek"/>
+                        </a:rPr>
+                        <a:t>2</a:t>
+                      </a:r>
+                      <a:endParaRPr kumimoji="1" lang="ja-JP" altLang="en-US" sz="1200" b="0" i="0" dirty="0">
+                        <a:latin typeface="Seravek"/>
+                        <a:cs typeface="Seravek"/>
+                      </a:endParaRPr>
+                    </a:p>
+                  </a:txBody>
+                  <a:tcPr>
+                    <a:lnL w="6350" cap="flat" cmpd="sng" algn="ctr">
+                      <a:solidFill>
+                        <a:prstClr val="white">
+                          <a:lumMod val="75000"/>
+                        </a:prstClr>
+                      </a:solidFill>
+                      <a:prstDash val="solid"/>
+                      <a:round/>
+                      <a:headEnd type="none" w="med" len="med"/>
+                      <a:tailEnd type="none" w="med" len="med"/>
+                    </a:lnL>
+                    <a:lnR w="6350" cap="flat" cmpd="sng" algn="ctr">
+                      <a:solidFill>
+                        <a:prstClr val="white">
+                          <a:lumMod val="75000"/>
+                        </a:prstClr>
+                      </a:solidFill>
+                      <a:prstDash val="solid"/>
+                      <a:round/>
+                      <a:headEnd type="none" w="med" len="med"/>
+                      <a:tailEnd type="none" w="med" len="med"/>
+                    </a:lnR>
+                    <a:lnT w="6350" cap="flat" cmpd="sng" algn="ctr">
+                      <a:solidFill>
+                        <a:prstClr val="white">
+                          <a:lumMod val="75000"/>
+                        </a:prstClr>
+                      </a:solidFill>
+                      <a:prstDash val="solid"/>
+                      <a:round/>
+                      <a:headEnd type="none" w="med" len="med"/>
+                      <a:tailEnd type="none" w="med" len="med"/>
+                    </a:lnT>
+                    <a:lnB w="6350" cap="flat" cmpd="sng" algn="ctr">
+                      <a:solidFill>
+                        <a:prstClr val="white">
+                          <a:lumMod val="75000"/>
+                        </a:prstClr>
+                      </a:solidFill>
+                      <a:prstDash val="solid"/>
+                      <a:round/>
+                      <a:headEnd type="none" w="med" len="med"/>
+                      <a:tailEnd type="none" w="med" len="med"/>
+                    </a:lnB>
+                  </a:tcPr>
+                </a:tc>
+              </a:tr>
+              <a:tr h="273050">
+                <a:tc>
+                  <a:txBody>
+                    <a:bodyPr/>
+                    <a:lstStyle/>
+                    <a:p>
+                      <a:pPr algn="ctr"/>
+                      <a:r>
+                        <a:rPr kumimoji="1" lang="en-US" altLang="ja-JP" sz="1200" b="0" i="0" dirty="0" smtClean="0">
+                          <a:latin typeface="Seravek"/>
+                          <a:cs typeface="Seravek"/>
+                        </a:rPr>
+                        <a:t>2</a:t>
+                      </a:r>
+                      <a:endParaRPr kumimoji="1" lang="ja-JP" altLang="en-US" sz="1200" b="0" i="0" dirty="0">
+                        <a:latin typeface="Seravek"/>
+                        <a:cs typeface="Seravek"/>
+                      </a:endParaRPr>
+                    </a:p>
+                  </a:txBody>
+                  <a:tcPr>
+                    <a:lnL w="6350" cap="flat" cmpd="sng" algn="ctr">
+                      <a:solidFill>
+                        <a:prstClr val="white">
+                          <a:lumMod val="75000"/>
+                        </a:prstClr>
+                      </a:solidFill>
+                      <a:prstDash val="solid"/>
+                      <a:round/>
+                      <a:headEnd type="none" w="med" len="med"/>
+                      <a:tailEnd type="none" w="med" len="med"/>
+                    </a:lnL>
+                    <a:lnR w="6350" cap="flat" cmpd="sng" algn="ctr">
+                      <a:solidFill>
+                        <a:prstClr val="white">
+                          <a:lumMod val="75000"/>
+                        </a:prstClr>
+                      </a:solidFill>
+                      <a:prstDash val="solid"/>
+                      <a:round/>
+                      <a:headEnd type="none" w="med" len="med"/>
+                      <a:tailEnd type="none" w="med" len="med"/>
+                    </a:lnR>
+                    <a:lnT w="6350" cap="flat" cmpd="sng" algn="ctr">
+                      <a:solidFill>
+                        <a:prstClr val="white">
+                          <a:lumMod val="75000"/>
+                        </a:prstClr>
+                      </a:solidFill>
+                      <a:prstDash val="solid"/>
+                      <a:round/>
+                      <a:headEnd type="none" w="med" len="med"/>
+                      <a:tailEnd type="none" w="med" len="med"/>
+                    </a:lnT>
+                    <a:lnB w="6350" cap="flat" cmpd="sng" algn="ctr">
+                      <a:solidFill>
+                        <a:prstClr val="white">
+                          <a:lumMod val="75000"/>
+                        </a:prstClr>
+                      </a:solidFill>
+                      <a:prstDash val="solid"/>
+                      <a:round/>
+                      <a:headEnd type="none" w="med" len="med"/>
+                      <a:tailEnd type="none" w="med" len="med"/>
+                    </a:lnB>
+                  </a:tcPr>
+                </a:tc>
+                <a:tc>
+                  <a:txBody>
+                    <a:bodyPr/>
+                    <a:lstStyle/>
+                    <a:p>
+                      <a:pPr algn="ctr"/>
+                      <a:r>
+                        <a:rPr kumimoji="1" lang="en-US" altLang="ja-JP" sz="1200" b="0" i="0" dirty="0" smtClean="0">
+                          <a:latin typeface="Seravek"/>
+                          <a:cs typeface="Seravek"/>
+                        </a:rPr>
+                        <a:t>1</a:t>
+                      </a:r>
+                      <a:endParaRPr kumimoji="1" lang="ja-JP" altLang="en-US" sz="1200" b="0" i="0" dirty="0">
+                        <a:latin typeface="Seravek"/>
+                        <a:cs typeface="Seravek"/>
+                      </a:endParaRPr>
+                    </a:p>
+                  </a:txBody>
+                  <a:tcPr>
+                    <a:lnL w="6350" cap="flat" cmpd="sng" algn="ctr">
+                      <a:solidFill>
+                        <a:prstClr val="white">
+                          <a:lumMod val="75000"/>
+                        </a:prstClr>
+                      </a:solidFill>
+                      <a:prstDash val="solid"/>
+                      <a:round/>
+                      <a:headEnd type="none" w="med" len="med"/>
+                      <a:tailEnd type="none" w="med" len="med"/>
+                    </a:lnL>
+                    <a:lnR w="6350" cap="flat" cmpd="sng" algn="ctr">
+                      <a:solidFill>
+                        <a:prstClr val="white">
+                          <a:lumMod val="75000"/>
+                        </a:prstClr>
+                      </a:solidFill>
+                      <a:prstDash val="solid"/>
+                      <a:round/>
+                      <a:headEnd type="none" w="med" len="med"/>
+                      <a:tailEnd type="none" w="med" len="med"/>
+                    </a:lnR>
+                    <a:lnT w="6350" cap="flat" cmpd="sng" algn="ctr">
+                      <a:solidFill>
+                        <a:prstClr val="white">
+                          <a:lumMod val="75000"/>
+                        </a:prstClr>
+                      </a:solidFill>
+                      <a:prstDash val="solid"/>
+                      <a:round/>
+                      <a:headEnd type="none" w="med" len="med"/>
+                      <a:tailEnd type="none" w="med" len="med"/>
+                    </a:lnT>
+                    <a:lnB w="6350" cap="flat" cmpd="sng" algn="ctr">
+                      <a:solidFill>
+                        <a:prstClr val="white">
+                          <a:lumMod val="75000"/>
+                        </a:prstClr>
+                      </a:solidFill>
+                      <a:prstDash val="solid"/>
+                      <a:round/>
+                      <a:headEnd type="none" w="med" len="med"/>
+                      <a:tailEnd type="none" w="med" len="med"/>
+                    </a:lnB>
+                  </a:tcPr>
+                </a:tc>
+              </a:tr>
+            </a:tbl>
+          </a:graphicData>
+        </a:graphic>
+      </p:graphicFrame>
+      <p:graphicFrame>
+        <p:nvGraphicFramePr>
+          <p:cNvPr id="7" name="表 6"/>
+          <p:cNvGraphicFramePr>
+            <a:graphicFrameLocks noGrp="1"/>
+          </p:cNvGraphicFramePr>
+          <p:nvPr>
+            <p:extLst>
+              <p:ext uri="{D42A27DB-BD31-4B8C-83A1-F6EECF244321}">
+                <p14:modId xmlns:p14="http://schemas.microsoft.com/office/powerpoint/2010/main" val="4005531585"/>
+              </p:ext>
+            </p:extLst>
+          </p:nvPr>
+        </p:nvGraphicFramePr>
+        <p:xfrm>
+          <a:off x="3651249" y="444500"/>
+          <a:ext cx="596900" cy="546100"/>
+        </p:xfrm>
+        <a:graphic>
+          <a:graphicData uri="http://schemas.openxmlformats.org/drawingml/2006/table">
+            <a:tbl>
+              <a:tblPr firstRow="1" bandRow="1">
+                <a:tableStyleId>{2D5ABB26-0587-4C30-8999-92F81FD0307C}</a:tableStyleId>
+              </a:tblPr>
+              <a:tblGrid>
+                <a:gridCol w="298450"/>
+                <a:gridCol w="298450"/>
+              </a:tblGrid>
+              <a:tr h="273050">
+                <a:tc>
+                  <a:txBody>
+                    <a:bodyPr/>
+                    <a:lstStyle/>
+                    <a:p>
+                      <a:pPr algn="ctr"/>
+                      <a:r>
+                        <a:rPr kumimoji="1" lang="en-US" altLang="ja-JP" sz="900" b="0" i="0" dirty="0" smtClean="0">
+                          <a:solidFill>
+                            <a:srgbClr val="FF6600"/>
+                          </a:solidFill>
+                          <a:latin typeface="Seravek"/>
+                          <a:cs typeface="Seravek"/>
+                        </a:rPr>
+                        <a:t>18</a:t>
+                      </a:r>
+                      <a:endParaRPr kumimoji="1" lang="ja-JP" altLang="en-US" sz="900" b="0" i="0" dirty="0">
+                        <a:solidFill>
+                          <a:srgbClr val="FF6600"/>
+                        </a:solidFill>
+                        <a:latin typeface="Seravek"/>
+                        <a:cs typeface="Seravek"/>
+                      </a:endParaRPr>
+                    </a:p>
+                  </a:txBody>
+                  <a:tcPr>
+                    <a:lnL w="6350" cap="flat" cmpd="sng" algn="ctr">
+                      <a:solidFill>
+                        <a:prstClr val="white">
+                          <a:lumMod val="75000"/>
+                        </a:prstClr>
+                      </a:solidFill>
+                      <a:prstDash val="solid"/>
+                      <a:round/>
+                      <a:headEnd type="none" w="med" len="med"/>
+                      <a:tailEnd type="none" w="med" len="med"/>
+                    </a:lnL>
+                    <a:lnR w="6350" cap="flat" cmpd="sng" algn="ctr">
+                      <a:solidFill>
+                        <a:prstClr val="white">
+                          <a:lumMod val="75000"/>
+                        </a:prstClr>
+                      </a:solidFill>
+                      <a:prstDash val="solid"/>
+                      <a:round/>
+                      <a:headEnd type="none" w="med" len="med"/>
+                      <a:tailEnd type="none" w="med" len="med"/>
+                    </a:lnR>
+                    <a:lnT w="6350" cap="flat" cmpd="sng" algn="ctr">
+                      <a:solidFill>
+                        <a:prstClr val="white">
+                          <a:lumMod val="75000"/>
+                        </a:prstClr>
+                      </a:solidFill>
+                      <a:prstDash val="solid"/>
+                      <a:round/>
+                      <a:headEnd type="none" w="med" len="med"/>
+                      <a:tailEnd type="none" w="med" len="med"/>
+                    </a:lnT>
+                    <a:lnB w="6350" cap="flat" cmpd="sng" algn="ctr">
+                      <a:solidFill>
+                        <a:prstClr val="white">
+                          <a:lumMod val="75000"/>
+                        </a:prstClr>
+                      </a:solidFill>
+                      <a:prstDash val="solid"/>
+                      <a:round/>
+                      <a:headEnd type="none" w="med" len="med"/>
+                      <a:tailEnd type="none" w="med" len="med"/>
+                    </a:lnB>
+                  </a:tcPr>
+                </a:tc>
+                <a:tc>
+                  <a:txBody>
+                    <a:bodyPr/>
+                    <a:lstStyle/>
+                    <a:p>
+                      <a:pPr algn="ctr"/>
+                      <a:endParaRPr kumimoji="1" lang="ja-JP" altLang="en-US" sz="900" b="0" i="0" dirty="0">
+                        <a:latin typeface="Seravek"/>
+                        <a:cs typeface="Seravek"/>
+                      </a:endParaRPr>
+                    </a:p>
+                  </a:txBody>
+                  <a:tcPr>
+                    <a:lnL w="6350" cap="flat" cmpd="sng" algn="ctr">
+                      <a:solidFill>
+                        <a:prstClr val="white">
+                          <a:lumMod val="75000"/>
+                        </a:prstClr>
+                      </a:solidFill>
+                      <a:prstDash val="solid"/>
+                      <a:round/>
+                      <a:headEnd type="none" w="med" len="med"/>
+                      <a:tailEnd type="none" w="med" len="med"/>
+                    </a:lnL>
+                    <a:lnR w="6350" cap="flat" cmpd="sng" algn="ctr">
+                      <a:solidFill>
+                        <a:prstClr val="white">
+                          <a:lumMod val="75000"/>
+                        </a:prstClr>
+                      </a:solidFill>
+                      <a:prstDash val="solid"/>
+                      <a:round/>
+                      <a:headEnd type="none" w="med" len="med"/>
+                      <a:tailEnd type="none" w="med" len="med"/>
+                    </a:lnR>
+                    <a:lnT w="6350" cap="flat" cmpd="sng" algn="ctr">
+                      <a:solidFill>
+                        <a:prstClr val="white">
+                          <a:lumMod val="75000"/>
+                        </a:prstClr>
+                      </a:solidFill>
+                      <a:prstDash val="solid"/>
+                      <a:round/>
+                      <a:headEnd type="none" w="med" len="med"/>
+                      <a:tailEnd type="none" w="med" len="med"/>
+                    </a:lnT>
+                    <a:lnB w="6350" cap="flat" cmpd="sng" algn="ctr">
+                      <a:solidFill>
+                        <a:prstClr val="white">
+                          <a:lumMod val="75000"/>
+                        </a:prstClr>
+                      </a:solidFill>
+                      <a:prstDash val="solid"/>
+                      <a:round/>
+                      <a:headEnd type="none" w="med" len="med"/>
+                      <a:tailEnd type="none" w="med" len="med"/>
+                    </a:lnB>
+                  </a:tcPr>
+                </a:tc>
+              </a:tr>
+              <a:tr h="273050">
+                <a:tc>
+                  <a:txBody>
+                    <a:bodyPr/>
+                    <a:lstStyle/>
+                    <a:p>
+                      <a:pPr algn="ctr"/>
+                      <a:endParaRPr kumimoji="1" lang="ja-JP" altLang="en-US" sz="900" b="0" i="0" dirty="0">
+                        <a:latin typeface="Seravek"/>
+                        <a:cs typeface="Seravek"/>
+                      </a:endParaRPr>
+                    </a:p>
+                  </a:txBody>
+                  <a:tcPr>
+                    <a:lnL w="6350" cap="flat" cmpd="sng" algn="ctr">
+                      <a:solidFill>
+                        <a:prstClr val="white">
+                          <a:lumMod val="75000"/>
+                        </a:prstClr>
+                      </a:solidFill>
+                      <a:prstDash val="solid"/>
+                      <a:round/>
+                      <a:headEnd type="none" w="med" len="med"/>
+                      <a:tailEnd type="none" w="med" len="med"/>
+                    </a:lnL>
+                    <a:lnR w="6350" cap="flat" cmpd="sng" algn="ctr">
+                      <a:solidFill>
+                        <a:prstClr val="white">
+                          <a:lumMod val="75000"/>
+                        </a:prstClr>
+                      </a:solidFill>
+                      <a:prstDash val="solid"/>
+                      <a:round/>
+                      <a:headEnd type="none" w="med" len="med"/>
+                      <a:tailEnd type="none" w="med" len="med"/>
+                    </a:lnR>
+                    <a:lnT w="6350" cap="flat" cmpd="sng" algn="ctr">
+                      <a:solidFill>
+                        <a:prstClr val="white">
+                          <a:lumMod val="75000"/>
+                        </a:prstClr>
+                      </a:solidFill>
+                      <a:prstDash val="solid"/>
+                      <a:round/>
+                      <a:headEnd type="none" w="med" len="med"/>
+                      <a:tailEnd type="none" w="med" len="med"/>
+                    </a:lnT>
+                    <a:lnB w="6350" cap="flat" cmpd="sng" algn="ctr">
+                      <a:solidFill>
+                        <a:prstClr val="white">
+                          <a:lumMod val="75000"/>
+                        </a:prstClr>
+                      </a:solidFill>
+                      <a:prstDash val="solid"/>
+                      <a:round/>
+                      <a:headEnd type="none" w="med" len="med"/>
+                      <a:tailEnd type="none" w="med" len="med"/>
+                    </a:lnB>
+                  </a:tcPr>
+                </a:tc>
+                <a:tc>
+                  <a:txBody>
+                    <a:bodyPr/>
+                    <a:lstStyle/>
+                    <a:p>
+                      <a:pPr algn="ctr"/>
+                      <a:endParaRPr kumimoji="1" lang="ja-JP" altLang="en-US" sz="900" b="0" i="0" dirty="0">
+                        <a:latin typeface="Seravek"/>
+                        <a:cs typeface="Seravek"/>
+                      </a:endParaRPr>
+                    </a:p>
+                  </a:txBody>
+                  <a:tcPr>
+                    <a:lnL w="6350" cap="flat" cmpd="sng" algn="ctr">
+                      <a:solidFill>
+                        <a:prstClr val="white">
+                          <a:lumMod val="75000"/>
+                        </a:prstClr>
+                      </a:solidFill>
+                      <a:prstDash val="solid"/>
+                      <a:round/>
+                      <a:headEnd type="none" w="med" len="med"/>
+                      <a:tailEnd type="none" w="med" len="med"/>
+                    </a:lnL>
+                    <a:lnR w="6350" cap="flat" cmpd="sng" algn="ctr">
+                      <a:solidFill>
+                        <a:prstClr val="white">
+                          <a:lumMod val="75000"/>
+                        </a:prstClr>
+                      </a:solidFill>
+                      <a:prstDash val="solid"/>
+                      <a:round/>
+                      <a:headEnd type="none" w="med" len="med"/>
+                      <a:tailEnd type="none" w="med" len="med"/>
+                    </a:lnR>
+                    <a:lnT w="6350" cap="flat" cmpd="sng" algn="ctr">
+                      <a:solidFill>
+                        <a:prstClr val="white">
+                          <a:lumMod val="75000"/>
+                        </a:prstClr>
+                      </a:solidFill>
+                      <a:prstDash val="solid"/>
+                      <a:round/>
+                      <a:headEnd type="none" w="med" len="med"/>
+                      <a:tailEnd type="none" w="med" len="med"/>
+                    </a:lnT>
+                    <a:lnB w="6350" cap="flat" cmpd="sng" algn="ctr">
+                      <a:solidFill>
+                        <a:prstClr val="white">
+                          <a:lumMod val="75000"/>
+                        </a:prstClr>
+                      </a:solidFill>
+                      <a:prstDash val="solid"/>
+                      <a:round/>
+                      <a:headEnd type="none" w="med" len="med"/>
+                      <a:tailEnd type="none" w="med" len="med"/>
+                    </a:lnB>
+                  </a:tcPr>
+                </a:tc>
+              </a:tr>
+            </a:tbl>
+          </a:graphicData>
+        </a:graphic>
+      </p:graphicFrame>
+      <p:graphicFrame>
+        <p:nvGraphicFramePr>
+          <p:cNvPr id="8" name="表 7"/>
+          <p:cNvGraphicFramePr>
+            <a:graphicFrameLocks noGrp="1"/>
+          </p:cNvGraphicFramePr>
+          <p:nvPr>
+            <p:extLst>
+              <p:ext uri="{D42A27DB-BD31-4B8C-83A1-F6EECF244321}">
+                <p14:modId xmlns:p14="http://schemas.microsoft.com/office/powerpoint/2010/main" val="2086553072"/>
+              </p:ext>
+            </p:extLst>
+          </p:nvPr>
+        </p:nvGraphicFramePr>
+        <p:xfrm>
+          <a:off x="558801" y="1697355"/>
+          <a:ext cx="825501" cy="822960"/>
+        </p:xfrm>
+        <a:graphic>
+          <a:graphicData uri="http://schemas.openxmlformats.org/drawingml/2006/table">
+            <a:tbl>
+              <a:tblPr firstRow="1" bandRow="1">
+                <a:tableStyleId>{2D5ABB26-0587-4C30-8999-92F81FD0307C}</a:tableStyleId>
+              </a:tblPr>
+              <a:tblGrid>
+                <a:gridCol w="275167"/>
+                <a:gridCol w="275167"/>
+                <a:gridCol w="275167"/>
+              </a:tblGrid>
+              <a:tr h="245533">
+                <a:tc>
+                  <a:txBody>
+                    <a:bodyPr/>
+                    <a:lstStyle/>
+                    <a:p>
+                      <a:pPr algn="ctr"/>
+                      <a:r>
+                        <a:rPr kumimoji="1" lang="en-US" altLang="ja-JP" sz="1200" dirty="0" smtClean="0">
+                          <a:latin typeface="Seravek"/>
+                          <a:cs typeface="Seravek"/>
+                        </a:rPr>
+                        <a:t>1</a:t>
+                      </a:r>
+                      <a:endParaRPr kumimoji="1" lang="ja-JP" altLang="en-US" sz="1200" dirty="0">
+                        <a:latin typeface="Seravek"/>
+                        <a:cs typeface="Seravek"/>
+                      </a:endParaRPr>
+                    </a:p>
+                  </a:txBody>
+                  <a:tcPr>
+                    <a:lnL w="6350" cap="flat" cmpd="sng" algn="ctr">
+                      <a:solidFill>
+                        <a:prstClr val="white">
+                          <a:lumMod val="75000"/>
+                        </a:prstClr>
+                      </a:solidFill>
+                      <a:prstDash val="solid"/>
+                      <a:round/>
+                      <a:headEnd type="none" w="med" len="med"/>
+                      <a:tailEnd type="none" w="med" len="med"/>
+                    </a:lnL>
+                    <a:lnR w="6350" cap="flat" cmpd="sng" algn="ctr">
+                      <a:solidFill>
+                        <a:prstClr val="white">
+                          <a:lumMod val="75000"/>
+                        </a:prstClr>
+                      </a:solidFill>
+                      <a:prstDash val="solid"/>
+                      <a:round/>
+                      <a:headEnd type="none" w="med" len="med"/>
+                      <a:tailEnd type="none" w="med" len="med"/>
+                    </a:lnR>
+                    <a:lnT w="6350" cap="flat" cmpd="sng" algn="ctr">
+                      <a:solidFill>
+                        <a:prstClr val="white">
+                          <a:lumMod val="75000"/>
+                        </a:prstClr>
+                      </a:solidFill>
+                      <a:prstDash val="solid"/>
+                      <a:round/>
+                      <a:headEnd type="none" w="med" len="med"/>
+                      <a:tailEnd type="none" w="med" len="med"/>
+                    </a:lnT>
+                    <a:lnB w="6350" cap="flat" cmpd="sng" algn="ctr">
+                      <a:solidFill>
+                        <a:prstClr val="white">
+                          <a:lumMod val="75000"/>
+                        </a:prstClr>
+                      </a:solidFill>
+                      <a:prstDash val="solid"/>
+                      <a:round/>
+                      <a:headEnd type="none" w="med" len="med"/>
+                      <a:tailEnd type="none" w="med" len="med"/>
+                    </a:lnB>
+                  </a:tcPr>
+                </a:tc>
+                <a:tc>
+                  <a:txBody>
+                    <a:bodyPr/>
+                    <a:lstStyle/>
+                    <a:p>
+                      <a:pPr algn="ctr"/>
+                      <a:r>
+                        <a:rPr kumimoji="1" lang="en-US" altLang="ja-JP" sz="1200" dirty="0" smtClean="0">
+                          <a:latin typeface="Seravek"/>
+                          <a:cs typeface="Seravek"/>
+                        </a:rPr>
+                        <a:t>2</a:t>
+                      </a:r>
+                      <a:endParaRPr kumimoji="1" lang="ja-JP" altLang="en-US" sz="1200" dirty="0">
+                        <a:latin typeface="Seravek"/>
+                        <a:cs typeface="Seravek"/>
+                      </a:endParaRPr>
+                    </a:p>
+                  </a:txBody>
+                  <a:tcPr>
+                    <a:lnL w="6350" cap="flat" cmpd="sng" algn="ctr">
+                      <a:solidFill>
+                        <a:prstClr val="white">
+                          <a:lumMod val="75000"/>
+                        </a:prstClr>
+                      </a:solidFill>
+                      <a:prstDash val="solid"/>
+                      <a:round/>
+                      <a:headEnd type="none" w="med" len="med"/>
+                      <a:tailEnd type="none" w="med" len="med"/>
+                    </a:lnL>
+                    <a:lnR w="6350" cap="flat" cmpd="sng" algn="ctr">
+                      <a:solidFill>
+                        <a:prstClr val="white">
+                          <a:lumMod val="75000"/>
+                        </a:prstClr>
+                      </a:solidFill>
+                      <a:prstDash val="solid"/>
+                      <a:round/>
+                      <a:headEnd type="none" w="med" len="med"/>
+                      <a:tailEnd type="none" w="med" len="med"/>
+                    </a:lnR>
+                    <a:lnT w="6350" cap="flat" cmpd="sng" algn="ctr">
+                      <a:solidFill>
+                        <a:prstClr val="white">
+                          <a:lumMod val="75000"/>
+                        </a:prstClr>
+                      </a:solidFill>
+                      <a:prstDash val="solid"/>
+                      <a:round/>
+                      <a:headEnd type="none" w="med" len="med"/>
+                      <a:tailEnd type="none" w="med" len="med"/>
+                    </a:lnT>
+                    <a:lnB w="6350" cap="flat" cmpd="sng" algn="ctr">
+                      <a:solidFill>
+                        <a:prstClr val="white">
+                          <a:lumMod val="75000"/>
+                        </a:prstClr>
+                      </a:solidFill>
+                      <a:prstDash val="solid"/>
+                      <a:round/>
+                      <a:headEnd type="none" w="med" len="med"/>
+                      <a:tailEnd type="none" w="med" len="med"/>
+                    </a:lnB>
+                    <a:solidFill>
+                      <a:srgbClr val="E6B9B8"/>
+                    </a:solidFill>
+                  </a:tcPr>
+                </a:tc>
+                <a:tc>
+                  <a:txBody>
+                    <a:bodyPr/>
+                    <a:lstStyle/>
+                    <a:p>
+                      <a:pPr algn="ctr"/>
+                      <a:r>
+                        <a:rPr kumimoji="1" lang="en-US" altLang="ja-JP" sz="1200" dirty="0" smtClean="0">
+                          <a:latin typeface="Seravek"/>
+                          <a:cs typeface="Seravek"/>
+                        </a:rPr>
+                        <a:t>3</a:t>
+                      </a:r>
+                    </a:p>
+                  </a:txBody>
+                  <a:tcPr>
+                    <a:lnL w="6350" cap="flat" cmpd="sng" algn="ctr">
+                      <a:solidFill>
+                        <a:prstClr val="white">
+                          <a:lumMod val="75000"/>
+                        </a:prstClr>
+                      </a:solidFill>
+                      <a:prstDash val="solid"/>
+                      <a:round/>
+                      <a:headEnd type="none" w="med" len="med"/>
+                      <a:tailEnd type="none" w="med" len="med"/>
+                    </a:lnL>
+                    <a:lnR w="6350" cap="flat" cmpd="sng" algn="ctr">
+                      <a:solidFill>
+                        <a:prstClr val="white">
+                          <a:lumMod val="75000"/>
+                        </a:prstClr>
+                      </a:solidFill>
+                      <a:prstDash val="solid"/>
+                      <a:round/>
+                      <a:headEnd type="none" w="med" len="med"/>
+                      <a:tailEnd type="none" w="med" len="med"/>
+                    </a:lnR>
+                    <a:lnT w="6350" cap="flat" cmpd="sng" algn="ctr">
+                      <a:solidFill>
+                        <a:prstClr val="white">
+                          <a:lumMod val="75000"/>
+                        </a:prstClr>
+                      </a:solidFill>
+                      <a:prstDash val="solid"/>
+                      <a:round/>
+                      <a:headEnd type="none" w="med" len="med"/>
+                      <a:tailEnd type="none" w="med" len="med"/>
+                    </a:lnT>
+                    <a:lnB w="6350" cap="flat" cmpd="sng" algn="ctr">
+                      <a:solidFill>
+                        <a:prstClr val="white">
+                          <a:lumMod val="75000"/>
+                        </a:prstClr>
+                      </a:solidFill>
+                      <a:prstDash val="solid"/>
+                      <a:round/>
+                      <a:headEnd type="none" w="med" len="med"/>
+                      <a:tailEnd type="none" w="med" len="med"/>
+                    </a:lnB>
+                  </a:tcPr>
+                </a:tc>
+              </a:tr>
+              <a:tr h="245533">
+                <a:tc>
+                  <a:txBody>
+                    <a:bodyPr/>
+                    <a:lstStyle/>
+                    <a:p>
+                      <a:pPr algn="ctr"/>
+                      <a:r>
+                        <a:rPr kumimoji="1" lang="en-US" altLang="ja-JP" sz="1200" dirty="0" smtClean="0">
+                          <a:latin typeface="Seravek"/>
+                          <a:cs typeface="Seravek"/>
+                        </a:rPr>
+                        <a:t>4</a:t>
+                      </a:r>
+                      <a:endParaRPr kumimoji="1" lang="ja-JP" altLang="en-US" sz="1200" dirty="0">
+                        <a:latin typeface="Seravek"/>
+                        <a:cs typeface="Seravek"/>
+                      </a:endParaRPr>
+                    </a:p>
+                  </a:txBody>
+                  <a:tcPr>
+                    <a:lnL w="6350" cap="flat" cmpd="sng" algn="ctr">
+                      <a:solidFill>
+                        <a:prstClr val="white">
+                          <a:lumMod val="75000"/>
+                        </a:prstClr>
+                      </a:solidFill>
+                      <a:prstDash val="solid"/>
+                      <a:round/>
+                      <a:headEnd type="none" w="med" len="med"/>
+                      <a:tailEnd type="none" w="med" len="med"/>
+                    </a:lnL>
+                    <a:lnR w="6350" cap="flat" cmpd="sng" algn="ctr">
+                      <a:solidFill>
+                        <a:prstClr val="white">
+                          <a:lumMod val="75000"/>
+                        </a:prstClr>
+                      </a:solidFill>
+                      <a:prstDash val="solid"/>
+                      <a:round/>
+                      <a:headEnd type="none" w="med" len="med"/>
+                      <a:tailEnd type="none" w="med" len="med"/>
+                    </a:lnR>
+                    <a:lnT w="6350" cap="flat" cmpd="sng" algn="ctr">
+                      <a:solidFill>
+                        <a:prstClr val="white">
+                          <a:lumMod val="75000"/>
+                        </a:prstClr>
+                      </a:solidFill>
+                      <a:prstDash val="solid"/>
+                      <a:round/>
+                      <a:headEnd type="none" w="med" len="med"/>
+                      <a:tailEnd type="none" w="med" len="med"/>
+                    </a:lnT>
+                    <a:lnB w="6350" cap="flat" cmpd="sng" algn="ctr">
+                      <a:solidFill>
+                        <a:prstClr val="white">
+                          <a:lumMod val="75000"/>
+                        </a:prstClr>
+                      </a:solidFill>
+                      <a:prstDash val="solid"/>
+                      <a:round/>
+                      <a:headEnd type="none" w="med" len="med"/>
+                      <a:tailEnd type="none" w="med" len="med"/>
+                    </a:lnB>
+                  </a:tcPr>
+                </a:tc>
+                <a:tc>
+                  <a:txBody>
+                    <a:bodyPr/>
+                    <a:lstStyle/>
+                    <a:p>
+                      <a:pPr algn="ctr"/>
+                      <a:r>
+                        <a:rPr kumimoji="1" lang="en-US" altLang="ja-JP" sz="1200" dirty="0" smtClean="0">
+                          <a:latin typeface="Seravek"/>
+                          <a:cs typeface="Seravek"/>
+                        </a:rPr>
+                        <a:t>5</a:t>
+                      </a:r>
+                      <a:endParaRPr kumimoji="1" lang="ja-JP" altLang="en-US" sz="1200" dirty="0">
+                        <a:latin typeface="Seravek"/>
+                        <a:cs typeface="Seravek"/>
+                      </a:endParaRPr>
+                    </a:p>
+                  </a:txBody>
+                  <a:tcPr>
+                    <a:lnL w="6350" cap="flat" cmpd="sng" algn="ctr">
+                      <a:solidFill>
+                        <a:prstClr val="white">
+                          <a:lumMod val="75000"/>
+                        </a:prstClr>
+                      </a:solidFill>
+                      <a:prstDash val="solid"/>
+                      <a:round/>
+                      <a:headEnd type="none" w="med" len="med"/>
+                      <a:tailEnd type="none" w="med" len="med"/>
+                    </a:lnL>
+                    <a:lnR w="6350" cap="flat" cmpd="sng" algn="ctr">
+                      <a:solidFill>
+                        <a:prstClr val="white">
+                          <a:lumMod val="75000"/>
+                        </a:prstClr>
+                      </a:solidFill>
+                      <a:prstDash val="solid"/>
+                      <a:round/>
+                      <a:headEnd type="none" w="med" len="med"/>
+                      <a:tailEnd type="none" w="med" len="med"/>
+                    </a:lnR>
+                    <a:lnT w="6350" cap="flat" cmpd="sng" algn="ctr">
+                      <a:solidFill>
+                        <a:prstClr val="white">
+                          <a:lumMod val="75000"/>
+                        </a:prstClr>
+                      </a:solidFill>
+                      <a:prstDash val="solid"/>
+                      <a:round/>
+                      <a:headEnd type="none" w="med" len="med"/>
+                      <a:tailEnd type="none" w="med" len="med"/>
+                    </a:lnT>
+                    <a:lnB w="6350" cap="flat" cmpd="sng" algn="ctr">
+                      <a:solidFill>
+                        <a:prstClr val="white">
+                          <a:lumMod val="75000"/>
+                        </a:prstClr>
+                      </a:solidFill>
+                      <a:prstDash val="solid"/>
+                      <a:round/>
+                      <a:headEnd type="none" w="med" len="med"/>
+                      <a:tailEnd type="none" w="med" len="med"/>
+                    </a:lnB>
+                  </a:tcPr>
+                </a:tc>
+                <a:tc>
+                  <a:txBody>
+                    <a:bodyPr/>
+                    <a:lstStyle/>
+                    <a:p>
+                      <a:pPr algn="ctr"/>
+                      <a:r>
+                        <a:rPr kumimoji="1" lang="en-US" altLang="ja-JP" sz="1200" dirty="0" smtClean="0">
+                          <a:latin typeface="Seravek"/>
+                          <a:cs typeface="Seravek"/>
+                        </a:rPr>
+                        <a:t>6</a:t>
+                      </a:r>
+                      <a:endParaRPr kumimoji="1" lang="ja-JP" altLang="en-US" sz="1200" dirty="0">
+                        <a:latin typeface="Seravek"/>
+                        <a:cs typeface="Seravek"/>
+                      </a:endParaRPr>
+                    </a:p>
+                  </a:txBody>
+                  <a:tcPr>
+                    <a:lnL w="6350" cap="flat" cmpd="sng" algn="ctr">
+                      <a:solidFill>
+                        <a:prstClr val="white">
+                          <a:lumMod val="75000"/>
+                        </a:prstClr>
+                      </a:solidFill>
+                      <a:prstDash val="solid"/>
+                      <a:round/>
+                      <a:headEnd type="none" w="med" len="med"/>
+                      <a:tailEnd type="none" w="med" len="med"/>
+                    </a:lnL>
+                    <a:lnR w="6350" cap="flat" cmpd="sng" algn="ctr">
+                      <a:solidFill>
+                        <a:prstClr val="white">
+                          <a:lumMod val="75000"/>
+                        </a:prstClr>
+                      </a:solidFill>
+                      <a:prstDash val="solid"/>
+                      <a:round/>
+                      <a:headEnd type="none" w="med" len="med"/>
+                      <a:tailEnd type="none" w="med" len="med"/>
+                    </a:lnR>
+                    <a:lnT w="6350" cap="flat" cmpd="sng" algn="ctr">
+                      <a:solidFill>
+                        <a:prstClr val="white">
+                          <a:lumMod val="75000"/>
+                        </a:prstClr>
+                      </a:solidFill>
+                      <a:prstDash val="solid"/>
+                      <a:round/>
+                      <a:headEnd type="none" w="med" len="med"/>
+                      <a:tailEnd type="none" w="med" len="med"/>
+                    </a:lnT>
+                    <a:lnB w="6350" cap="flat" cmpd="sng" algn="ctr">
+                      <a:solidFill>
+                        <a:prstClr val="white">
+                          <a:lumMod val="75000"/>
+                        </a:prstClr>
+                      </a:solidFill>
+                      <a:prstDash val="solid"/>
+                      <a:round/>
+                      <a:headEnd type="none" w="med" len="med"/>
+                      <a:tailEnd type="none" w="med" len="med"/>
+                    </a:lnB>
+                  </a:tcPr>
+                </a:tc>
+              </a:tr>
+              <a:tr h="245533">
+                <a:tc>
+                  <a:txBody>
+                    <a:bodyPr/>
+                    <a:lstStyle/>
+                    <a:p>
+                      <a:pPr algn="ctr"/>
+                      <a:r>
+                        <a:rPr kumimoji="1" lang="en-US" altLang="ja-JP" sz="1200" dirty="0" smtClean="0">
+                          <a:latin typeface="Seravek"/>
+                          <a:cs typeface="Seravek"/>
+                        </a:rPr>
+                        <a:t>7</a:t>
+                      </a:r>
+                      <a:endParaRPr kumimoji="1" lang="ja-JP" altLang="en-US" sz="1200" dirty="0">
+                        <a:latin typeface="Seravek"/>
+                        <a:cs typeface="Seravek"/>
+                      </a:endParaRPr>
+                    </a:p>
+                  </a:txBody>
+                  <a:tcPr>
+                    <a:lnL w="6350" cap="flat" cmpd="sng" algn="ctr">
+                      <a:solidFill>
+                        <a:prstClr val="white">
+                          <a:lumMod val="75000"/>
+                        </a:prstClr>
+                      </a:solidFill>
+                      <a:prstDash val="solid"/>
+                      <a:round/>
+                      <a:headEnd type="none" w="med" len="med"/>
+                      <a:tailEnd type="none" w="med" len="med"/>
+                    </a:lnL>
+                    <a:lnR w="6350" cap="flat" cmpd="sng" algn="ctr">
+                      <a:solidFill>
+                        <a:prstClr val="white">
+                          <a:lumMod val="75000"/>
+                        </a:prstClr>
+                      </a:solidFill>
+                      <a:prstDash val="solid"/>
+                      <a:round/>
+                      <a:headEnd type="none" w="med" len="med"/>
+                      <a:tailEnd type="none" w="med" len="med"/>
+                    </a:lnR>
+                    <a:lnT w="6350" cap="flat" cmpd="sng" algn="ctr">
+                      <a:solidFill>
+                        <a:prstClr val="white">
+                          <a:lumMod val="75000"/>
+                        </a:prstClr>
+                      </a:solidFill>
+                      <a:prstDash val="solid"/>
+                      <a:round/>
+                      <a:headEnd type="none" w="med" len="med"/>
+                      <a:tailEnd type="none" w="med" len="med"/>
+                    </a:lnT>
+                    <a:lnB w="6350" cap="flat" cmpd="sng" algn="ctr">
+                      <a:solidFill>
+                        <a:prstClr val="white">
+                          <a:lumMod val="75000"/>
+                        </a:prstClr>
+                      </a:solidFill>
+                      <a:prstDash val="solid"/>
+                      <a:round/>
+                      <a:headEnd type="none" w="med" len="med"/>
+                      <a:tailEnd type="none" w="med" len="med"/>
+                    </a:lnB>
+                  </a:tcPr>
+                </a:tc>
+                <a:tc>
+                  <a:txBody>
+                    <a:bodyPr/>
+                    <a:lstStyle/>
+                    <a:p>
+                      <a:pPr algn="ctr"/>
+                      <a:r>
+                        <a:rPr kumimoji="1" lang="en-US" altLang="ja-JP" sz="1200" dirty="0" smtClean="0">
+                          <a:latin typeface="Seravek"/>
+                          <a:cs typeface="Seravek"/>
+                        </a:rPr>
+                        <a:t>8</a:t>
+                      </a:r>
+                      <a:endParaRPr kumimoji="1" lang="ja-JP" altLang="en-US" sz="1200" dirty="0">
+                        <a:latin typeface="Seravek"/>
+                        <a:cs typeface="Seravek"/>
+                      </a:endParaRPr>
+                    </a:p>
+                  </a:txBody>
+                  <a:tcPr>
+                    <a:lnL w="6350" cap="flat" cmpd="sng" algn="ctr">
+                      <a:solidFill>
+                        <a:prstClr val="white">
+                          <a:lumMod val="75000"/>
+                        </a:prstClr>
+                      </a:solidFill>
+                      <a:prstDash val="solid"/>
+                      <a:round/>
+                      <a:headEnd type="none" w="med" len="med"/>
+                      <a:tailEnd type="none" w="med" len="med"/>
+                    </a:lnL>
+                    <a:lnR w="6350" cap="flat" cmpd="sng" algn="ctr">
+                      <a:solidFill>
+                        <a:prstClr val="white">
+                          <a:lumMod val="75000"/>
+                        </a:prstClr>
+                      </a:solidFill>
+                      <a:prstDash val="solid"/>
+                      <a:round/>
+                      <a:headEnd type="none" w="med" len="med"/>
+                      <a:tailEnd type="none" w="med" len="med"/>
+                    </a:lnR>
+                    <a:lnT w="6350" cap="flat" cmpd="sng" algn="ctr">
+                      <a:solidFill>
+                        <a:prstClr val="white">
+                          <a:lumMod val="75000"/>
+                        </a:prstClr>
+                      </a:solidFill>
+                      <a:prstDash val="solid"/>
+                      <a:round/>
+                      <a:headEnd type="none" w="med" len="med"/>
+                      <a:tailEnd type="none" w="med" len="med"/>
+                    </a:lnT>
+                    <a:lnB w="6350" cap="flat" cmpd="sng" algn="ctr">
+                      <a:solidFill>
+                        <a:prstClr val="white">
+                          <a:lumMod val="75000"/>
+                        </a:prstClr>
+                      </a:solidFill>
+                      <a:prstDash val="solid"/>
+                      <a:round/>
+                      <a:headEnd type="none" w="med" len="med"/>
+                      <a:tailEnd type="none" w="med" len="med"/>
+                    </a:lnB>
+                  </a:tcPr>
+                </a:tc>
+                <a:tc>
+                  <a:txBody>
+                    <a:bodyPr/>
+                    <a:lstStyle/>
+                    <a:p>
+                      <a:pPr algn="ctr"/>
+                      <a:r>
+                        <a:rPr kumimoji="1" lang="en-US" altLang="ja-JP" sz="1200" dirty="0" smtClean="0">
+                          <a:latin typeface="Seravek"/>
+                          <a:cs typeface="Seravek"/>
+                        </a:rPr>
+                        <a:t>9</a:t>
+                      </a:r>
+                      <a:endParaRPr kumimoji="1" lang="ja-JP" altLang="en-US" sz="1200" dirty="0">
+                        <a:latin typeface="Seravek"/>
+                        <a:cs typeface="Seravek"/>
+                      </a:endParaRPr>
+                    </a:p>
+                  </a:txBody>
+                  <a:tcPr>
+                    <a:lnL w="6350" cap="flat" cmpd="sng" algn="ctr">
+                      <a:solidFill>
+                        <a:prstClr val="white">
+                          <a:lumMod val="75000"/>
+                        </a:prstClr>
+                      </a:solidFill>
+                      <a:prstDash val="solid"/>
+                      <a:round/>
+                      <a:headEnd type="none" w="med" len="med"/>
+                      <a:tailEnd type="none" w="med" len="med"/>
+                    </a:lnL>
+                    <a:lnR w="6350" cap="flat" cmpd="sng" algn="ctr">
+                      <a:solidFill>
+                        <a:prstClr val="white">
+                          <a:lumMod val="75000"/>
+                        </a:prstClr>
+                      </a:solidFill>
+                      <a:prstDash val="solid"/>
+                      <a:round/>
+                      <a:headEnd type="none" w="med" len="med"/>
+                      <a:tailEnd type="none" w="med" len="med"/>
+                    </a:lnR>
+                    <a:lnT w="6350" cap="flat" cmpd="sng" algn="ctr">
+                      <a:solidFill>
+                        <a:prstClr val="white">
+                          <a:lumMod val="75000"/>
+                        </a:prstClr>
+                      </a:solidFill>
+                      <a:prstDash val="solid"/>
+                      <a:round/>
+                      <a:headEnd type="none" w="med" len="med"/>
+                      <a:tailEnd type="none" w="med" len="med"/>
+                    </a:lnT>
+                    <a:lnB w="6350" cap="flat" cmpd="sng" algn="ctr">
+                      <a:solidFill>
+                        <a:prstClr val="white">
+                          <a:lumMod val="75000"/>
+                        </a:prstClr>
+                      </a:solidFill>
+                      <a:prstDash val="solid"/>
+                      <a:round/>
+                      <a:headEnd type="none" w="med" len="med"/>
+                      <a:tailEnd type="none" w="med" len="med"/>
+                    </a:lnB>
+                  </a:tcPr>
+                </a:tc>
+              </a:tr>
+            </a:tbl>
+          </a:graphicData>
+        </a:graphic>
+      </p:graphicFrame>
+      <p:graphicFrame>
+        <p:nvGraphicFramePr>
+          <p:cNvPr id="10" name="表 9"/>
+          <p:cNvGraphicFramePr>
+            <a:graphicFrameLocks noGrp="1"/>
+          </p:cNvGraphicFramePr>
+          <p:nvPr>
+            <p:extLst>
+              <p:ext uri="{D42A27DB-BD31-4B8C-83A1-F6EECF244321}">
+                <p14:modId xmlns:p14="http://schemas.microsoft.com/office/powerpoint/2010/main" val="4238316823"/>
+              </p:ext>
+            </p:extLst>
+          </p:nvPr>
+        </p:nvGraphicFramePr>
+        <p:xfrm>
+          <a:off x="2108199" y="1837055"/>
+          <a:ext cx="596900" cy="548640"/>
+        </p:xfrm>
+        <a:graphic>
+          <a:graphicData uri="http://schemas.openxmlformats.org/drawingml/2006/table">
+            <a:tbl>
+              <a:tblPr firstRow="1" bandRow="1">
+                <a:tableStyleId>{2D5ABB26-0587-4C30-8999-92F81FD0307C}</a:tableStyleId>
+              </a:tblPr>
+              <a:tblGrid>
+                <a:gridCol w="298450"/>
+                <a:gridCol w="298450"/>
+              </a:tblGrid>
+              <a:tr h="273050">
+                <a:tc>
+                  <a:txBody>
+                    <a:bodyPr/>
+                    <a:lstStyle/>
+                    <a:p>
+                      <a:pPr algn="ctr"/>
+                      <a:r>
+                        <a:rPr kumimoji="1" lang="en-US" altLang="ja-JP" sz="1200" b="0" i="0" dirty="0" smtClean="0">
+                          <a:latin typeface="Seravek"/>
+                          <a:cs typeface="Seravek"/>
+                        </a:rPr>
+                        <a:t>1</a:t>
+                      </a:r>
+                      <a:endParaRPr kumimoji="1" lang="ja-JP" altLang="en-US" sz="1200" b="0" i="0" dirty="0">
+                        <a:latin typeface="Seravek"/>
+                        <a:cs typeface="Seravek"/>
+                      </a:endParaRPr>
+                    </a:p>
+                  </a:txBody>
+                  <a:tcPr>
+                    <a:lnL w="6350" cap="flat" cmpd="sng" algn="ctr">
+                      <a:solidFill>
+                        <a:prstClr val="white">
+                          <a:lumMod val="75000"/>
+                        </a:prstClr>
+                      </a:solidFill>
+                      <a:prstDash val="solid"/>
+                      <a:round/>
+                      <a:headEnd type="none" w="med" len="med"/>
+                      <a:tailEnd type="none" w="med" len="med"/>
+                    </a:lnL>
+                    <a:lnR w="6350" cap="flat" cmpd="sng" algn="ctr">
+                      <a:solidFill>
+                        <a:prstClr val="white">
+                          <a:lumMod val="75000"/>
+                        </a:prstClr>
+                      </a:solidFill>
+                      <a:prstDash val="solid"/>
+                      <a:round/>
+                      <a:headEnd type="none" w="med" len="med"/>
+                      <a:tailEnd type="none" w="med" len="med"/>
+                    </a:lnR>
+                    <a:lnT w="6350" cap="flat" cmpd="sng" algn="ctr">
+                      <a:solidFill>
+                        <a:prstClr val="white">
+                          <a:lumMod val="75000"/>
+                        </a:prstClr>
+                      </a:solidFill>
+                      <a:prstDash val="solid"/>
+                      <a:round/>
+                      <a:headEnd type="none" w="med" len="med"/>
+                      <a:tailEnd type="none" w="med" len="med"/>
+                    </a:lnT>
+                    <a:lnB w="6350" cap="flat" cmpd="sng" algn="ctr">
+                      <a:solidFill>
+                        <a:prstClr val="white">
+                          <a:lumMod val="75000"/>
+                        </a:prstClr>
+                      </a:solidFill>
+                      <a:prstDash val="solid"/>
+                      <a:round/>
+                      <a:headEnd type="none" w="med" len="med"/>
+                      <a:tailEnd type="none" w="med" len="med"/>
+                    </a:lnB>
+                  </a:tcPr>
+                </a:tc>
+                <a:tc>
+                  <a:txBody>
+                    <a:bodyPr/>
+                    <a:lstStyle/>
+                    <a:p>
+                      <a:pPr algn="ctr"/>
+                      <a:r>
+                        <a:rPr kumimoji="1" lang="en-US" altLang="ja-JP" sz="1200" b="0" i="0" dirty="0" smtClean="0">
+                          <a:latin typeface="Seravek"/>
+                          <a:cs typeface="Seravek"/>
+                        </a:rPr>
+                        <a:t>2</a:t>
+                      </a:r>
+                      <a:endParaRPr kumimoji="1" lang="ja-JP" altLang="en-US" sz="1200" b="0" i="0" dirty="0">
+                        <a:latin typeface="Seravek"/>
+                        <a:cs typeface="Seravek"/>
+                      </a:endParaRPr>
+                    </a:p>
+                  </a:txBody>
+                  <a:tcPr>
+                    <a:lnL w="6350" cap="flat" cmpd="sng" algn="ctr">
+                      <a:solidFill>
+                        <a:prstClr val="white">
+                          <a:lumMod val="75000"/>
+                        </a:prstClr>
+                      </a:solidFill>
+                      <a:prstDash val="solid"/>
+                      <a:round/>
+                      <a:headEnd type="none" w="med" len="med"/>
+                      <a:tailEnd type="none" w="med" len="med"/>
+                    </a:lnL>
+                    <a:lnR w="6350" cap="flat" cmpd="sng" algn="ctr">
+                      <a:solidFill>
+                        <a:prstClr val="white">
+                          <a:lumMod val="75000"/>
+                        </a:prstClr>
+                      </a:solidFill>
+                      <a:prstDash val="solid"/>
+                      <a:round/>
+                      <a:headEnd type="none" w="med" len="med"/>
+                      <a:tailEnd type="none" w="med" len="med"/>
+                    </a:lnR>
+                    <a:lnT w="6350" cap="flat" cmpd="sng" algn="ctr">
+                      <a:solidFill>
+                        <a:prstClr val="white">
+                          <a:lumMod val="75000"/>
+                        </a:prstClr>
+                      </a:solidFill>
+                      <a:prstDash val="solid"/>
+                      <a:round/>
+                      <a:headEnd type="none" w="med" len="med"/>
+                      <a:tailEnd type="none" w="med" len="med"/>
+                    </a:lnT>
+                    <a:lnB w="6350" cap="flat" cmpd="sng" algn="ctr">
+                      <a:solidFill>
+                        <a:prstClr val="white">
+                          <a:lumMod val="75000"/>
+                        </a:prstClr>
+                      </a:solidFill>
+                      <a:prstDash val="solid"/>
+                      <a:round/>
+                      <a:headEnd type="none" w="med" len="med"/>
+                      <a:tailEnd type="none" w="med" len="med"/>
+                    </a:lnB>
+                  </a:tcPr>
+                </a:tc>
+              </a:tr>
+              <a:tr h="273050">
+                <a:tc>
+                  <a:txBody>
+                    <a:bodyPr/>
+                    <a:lstStyle/>
+                    <a:p>
+                      <a:pPr algn="ctr"/>
+                      <a:r>
+                        <a:rPr kumimoji="1" lang="en-US" altLang="ja-JP" sz="1200" b="0" i="0" dirty="0" smtClean="0">
+                          <a:latin typeface="Seravek"/>
+                          <a:cs typeface="Seravek"/>
+                        </a:rPr>
+                        <a:t>2</a:t>
+                      </a:r>
+                      <a:endParaRPr kumimoji="1" lang="ja-JP" altLang="en-US" sz="1200" b="0" i="0" dirty="0">
+                        <a:latin typeface="Seravek"/>
+                        <a:cs typeface="Seravek"/>
+                      </a:endParaRPr>
+                    </a:p>
+                  </a:txBody>
+                  <a:tcPr>
+                    <a:lnL w="6350" cap="flat" cmpd="sng" algn="ctr">
+                      <a:solidFill>
+                        <a:prstClr val="white">
+                          <a:lumMod val="75000"/>
+                        </a:prstClr>
+                      </a:solidFill>
+                      <a:prstDash val="solid"/>
+                      <a:round/>
+                      <a:headEnd type="none" w="med" len="med"/>
+                      <a:tailEnd type="none" w="med" len="med"/>
+                    </a:lnL>
+                    <a:lnR w="6350" cap="flat" cmpd="sng" algn="ctr">
+                      <a:solidFill>
+                        <a:prstClr val="white">
+                          <a:lumMod val="75000"/>
+                        </a:prstClr>
+                      </a:solidFill>
+                      <a:prstDash val="solid"/>
+                      <a:round/>
+                      <a:headEnd type="none" w="med" len="med"/>
+                      <a:tailEnd type="none" w="med" len="med"/>
+                    </a:lnR>
+                    <a:lnT w="6350" cap="flat" cmpd="sng" algn="ctr">
+                      <a:solidFill>
+                        <a:prstClr val="white">
+                          <a:lumMod val="75000"/>
+                        </a:prstClr>
+                      </a:solidFill>
+                      <a:prstDash val="solid"/>
+                      <a:round/>
+                      <a:headEnd type="none" w="med" len="med"/>
+                      <a:tailEnd type="none" w="med" len="med"/>
+                    </a:lnT>
+                    <a:lnB w="6350" cap="flat" cmpd="sng" algn="ctr">
+                      <a:solidFill>
+                        <a:prstClr val="white">
+                          <a:lumMod val="75000"/>
+                        </a:prstClr>
+                      </a:solidFill>
+                      <a:prstDash val="solid"/>
+                      <a:round/>
+                      <a:headEnd type="none" w="med" len="med"/>
+                      <a:tailEnd type="none" w="med" len="med"/>
+                    </a:lnB>
+                  </a:tcPr>
+                </a:tc>
+                <a:tc>
+                  <a:txBody>
+                    <a:bodyPr/>
+                    <a:lstStyle/>
+                    <a:p>
+                      <a:pPr algn="ctr"/>
+                      <a:r>
+                        <a:rPr kumimoji="1" lang="en-US" altLang="ja-JP" sz="1200" b="0" i="0" dirty="0" smtClean="0">
+                          <a:latin typeface="Seravek"/>
+                          <a:cs typeface="Seravek"/>
+                        </a:rPr>
+                        <a:t>1</a:t>
+                      </a:r>
+                      <a:endParaRPr kumimoji="1" lang="ja-JP" altLang="en-US" sz="1200" b="0" i="0" dirty="0">
+                        <a:latin typeface="Seravek"/>
+                        <a:cs typeface="Seravek"/>
+                      </a:endParaRPr>
+                    </a:p>
+                  </a:txBody>
+                  <a:tcPr>
+                    <a:lnL w="6350" cap="flat" cmpd="sng" algn="ctr">
+                      <a:solidFill>
+                        <a:prstClr val="white">
+                          <a:lumMod val="75000"/>
+                        </a:prstClr>
+                      </a:solidFill>
+                      <a:prstDash val="solid"/>
+                      <a:round/>
+                      <a:headEnd type="none" w="med" len="med"/>
+                      <a:tailEnd type="none" w="med" len="med"/>
+                    </a:lnL>
+                    <a:lnR w="6350" cap="flat" cmpd="sng" algn="ctr">
+                      <a:solidFill>
+                        <a:prstClr val="white">
+                          <a:lumMod val="75000"/>
+                        </a:prstClr>
+                      </a:solidFill>
+                      <a:prstDash val="solid"/>
+                      <a:round/>
+                      <a:headEnd type="none" w="med" len="med"/>
+                      <a:tailEnd type="none" w="med" len="med"/>
+                    </a:lnR>
+                    <a:lnT w="6350" cap="flat" cmpd="sng" algn="ctr">
+                      <a:solidFill>
+                        <a:prstClr val="white">
+                          <a:lumMod val="75000"/>
+                        </a:prstClr>
+                      </a:solidFill>
+                      <a:prstDash val="solid"/>
+                      <a:round/>
+                      <a:headEnd type="none" w="med" len="med"/>
+                      <a:tailEnd type="none" w="med" len="med"/>
+                    </a:lnT>
+                    <a:lnB w="6350" cap="flat" cmpd="sng" algn="ctr">
+                      <a:solidFill>
+                        <a:prstClr val="white">
+                          <a:lumMod val="75000"/>
+                        </a:prstClr>
+                      </a:solidFill>
+                      <a:prstDash val="solid"/>
+                      <a:round/>
+                      <a:headEnd type="none" w="med" len="med"/>
+                      <a:tailEnd type="none" w="med" len="med"/>
+                    </a:lnB>
+                  </a:tcPr>
+                </a:tc>
+              </a:tr>
+            </a:tbl>
+          </a:graphicData>
+        </a:graphic>
+      </p:graphicFrame>
+      <p:graphicFrame>
+        <p:nvGraphicFramePr>
+          <p:cNvPr id="11" name="表 10"/>
+          <p:cNvGraphicFramePr>
+            <a:graphicFrameLocks noGrp="1"/>
+          </p:cNvGraphicFramePr>
+          <p:nvPr>
+            <p:extLst>
+              <p:ext uri="{D42A27DB-BD31-4B8C-83A1-F6EECF244321}">
+                <p14:modId xmlns:p14="http://schemas.microsoft.com/office/powerpoint/2010/main" val="2849456313"/>
+              </p:ext>
+            </p:extLst>
+          </p:nvPr>
+        </p:nvGraphicFramePr>
+        <p:xfrm>
+          <a:off x="3651249" y="1837055"/>
+          <a:ext cx="596900" cy="546100"/>
+        </p:xfrm>
+        <a:graphic>
+          <a:graphicData uri="http://schemas.openxmlformats.org/drawingml/2006/table">
+            <a:tbl>
+              <a:tblPr firstRow="1" bandRow="1">
+                <a:tableStyleId>{2D5ABB26-0587-4C30-8999-92F81FD0307C}</a:tableStyleId>
+              </a:tblPr>
+              <a:tblGrid>
+                <a:gridCol w="298450"/>
+                <a:gridCol w="298450"/>
+              </a:tblGrid>
+              <a:tr h="273050">
+                <a:tc>
+                  <a:txBody>
+                    <a:bodyPr/>
+                    <a:lstStyle/>
+                    <a:p>
+                      <a:pPr algn="ctr"/>
+                      <a:r>
+                        <a:rPr kumimoji="1" lang="en-US" altLang="ja-JP" sz="900" b="0" i="0" dirty="0" smtClean="0">
+                          <a:latin typeface="Seravek"/>
+                          <a:cs typeface="Seravek"/>
+                        </a:rPr>
+                        <a:t>18</a:t>
+                      </a:r>
+                      <a:endParaRPr kumimoji="1" lang="ja-JP" altLang="en-US" sz="900" b="0" i="0" dirty="0">
+                        <a:latin typeface="Seravek"/>
+                        <a:cs typeface="Seravek"/>
+                      </a:endParaRPr>
+                    </a:p>
+                  </a:txBody>
+                  <a:tcPr>
+                    <a:lnL w="6350" cap="flat" cmpd="sng" algn="ctr">
+                      <a:solidFill>
+                        <a:prstClr val="white">
+                          <a:lumMod val="75000"/>
+                        </a:prstClr>
+                      </a:solidFill>
+                      <a:prstDash val="solid"/>
+                      <a:round/>
+                      <a:headEnd type="none" w="med" len="med"/>
+                      <a:tailEnd type="none" w="med" len="med"/>
+                    </a:lnL>
+                    <a:lnR w="6350" cap="flat" cmpd="sng" algn="ctr">
+                      <a:solidFill>
+                        <a:prstClr val="white">
+                          <a:lumMod val="75000"/>
+                        </a:prstClr>
+                      </a:solidFill>
+                      <a:prstDash val="solid"/>
+                      <a:round/>
+                      <a:headEnd type="none" w="med" len="med"/>
+                      <a:tailEnd type="none" w="med" len="med"/>
+                    </a:lnR>
+                    <a:lnT w="6350" cap="flat" cmpd="sng" algn="ctr">
+                      <a:solidFill>
+                        <a:prstClr val="white">
+                          <a:lumMod val="75000"/>
+                        </a:prstClr>
+                      </a:solidFill>
+                      <a:prstDash val="solid"/>
+                      <a:round/>
+                      <a:headEnd type="none" w="med" len="med"/>
+                      <a:tailEnd type="none" w="med" len="med"/>
+                    </a:lnT>
+                    <a:lnB w="6350" cap="flat" cmpd="sng" algn="ctr">
+                      <a:solidFill>
+                        <a:prstClr val="white">
+                          <a:lumMod val="75000"/>
+                        </a:prstClr>
+                      </a:solidFill>
+                      <a:prstDash val="solid"/>
+                      <a:round/>
+                      <a:headEnd type="none" w="med" len="med"/>
+                      <a:tailEnd type="none" w="med" len="med"/>
+                    </a:lnB>
+                  </a:tcPr>
+                </a:tc>
+                <a:tc>
+                  <a:txBody>
+                    <a:bodyPr/>
+                    <a:lstStyle/>
+                    <a:p>
+                      <a:pPr algn="ctr"/>
+                      <a:r>
+                        <a:rPr kumimoji="1" lang="en-US" altLang="ja-JP" sz="900" b="0" i="0" dirty="0" smtClean="0">
+                          <a:solidFill>
+                            <a:srgbClr val="FF6600"/>
+                          </a:solidFill>
+                          <a:latin typeface="Seravek"/>
+                          <a:cs typeface="Seravek"/>
+                        </a:rPr>
+                        <a:t>24</a:t>
+                      </a:r>
+                      <a:endParaRPr kumimoji="1" lang="ja-JP" altLang="en-US" sz="900" b="0" i="0" dirty="0">
+                        <a:solidFill>
+                          <a:srgbClr val="FF6600"/>
+                        </a:solidFill>
+                        <a:latin typeface="Seravek"/>
+                        <a:cs typeface="Seravek"/>
+                      </a:endParaRPr>
+                    </a:p>
+                  </a:txBody>
+                  <a:tcPr>
+                    <a:lnL w="6350" cap="flat" cmpd="sng" algn="ctr">
+                      <a:solidFill>
+                        <a:prstClr val="white">
+                          <a:lumMod val="75000"/>
+                        </a:prstClr>
+                      </a:solidFill>
+                      <a:prstDash val="solid"/>
+                      <a:round/>
+                      <a:headEnd type="none" w="med" len="med"/>
+                      <a:tailEnd type="none" w="med" len="med"/>
+                    </a:lnL>
+                    <a:lnR w="6350" cap="flat" cmpd="sng" algn="ctr">
+                      <a:solidFill>
+                        <a:prstClr val="white">
+                          <a:lumMod val="75000"/>
+                        </a:prstClr>
+                      </a:solidFill>
+                      <a:prstDash val="solid"/>
+                      <a:round/>
+                      <a:headEnd type="none" w="med" len="med"/>
+                      <a:tailEnd type="none" w="med" len="med"/>
+                    </a:lnR>
+                    <a:lnT w="6350" cap="flat" cmpd="sng" algn="ctr">
+                      <a:solidFill>
+                        <a:prstClr val="white">
+                          <a:lumMod val="75000"/>
+                        </a:prstClr>
+                      </a:solidFill>
+                      <a:prstDash val="solid"/>
+                      <a:round/>
+                      <a:headEnd type="none" w="med" len="med"/>
+                      <a:tailEnd type="none" w="med" len="med"/>
+                    </a:lnT>
+                    <a:lnB w="6350" cap="flat" cmpd="sng" algn="ctr">
+                      <a:solidFill>
+                        <a:prstClr val="white">
+                          <a:lumMod val="75000"/>
+                        </a:prstClr>
+                      </a:solidFill>
+                      <a:prstDash val="solid"/>
+                      <a:round/>
+                      <a:headEnd type="none" w="med" len="med"/>
+                      <a:tailEnd type="none" w="med" len="med"/>
+                    </a:lnB>
+                  </a:tcPr>
+                </a:tc>
+              </a:tr>
+              <a:tr h="273050">
+                <a:tc>
+                  <a:txBody>
+                    <a:bodyPr/>
+                    <a:lstStyle/>
+                    <a:p>
+                      <a:pPr algn="ctr"/>
+                      <a:endParaRPr kumimoji="1" lang="ja-JP" altLang="en-US" sz="900" b="0" i="0" dirty="0">
+                        <a:latin typeface="Seravek"/>
+                        <a:cs typeface="Seravek"/>
+                      </a:endParaRPr>
+                    </a:p>
+                  </a:txBody>
+                  <a:tcPr>
+                    <a:lnL w="6350" cap="flat" cmpd="sng" algn="ctr">
+                      <a:solidFill>
+                        <a:prstClr val="white">
+                          <a:lumMod val="75000"/>
+                        </a:prstClr>
+                      </a:solidFill>
+                      <a:prstDash val="solid"/>
+                      <a:round/>
+                      <a:headEnd type="none" w="med" len="med"/>
+                      <a:tailEnd type="none" w="med" len="med"/>
+                    </a:lnL>
+                    <a:lnR w="6350" cap="flat" cmpd="sng" algn="ctr">
+                      <a:solidFill>
+                        <a:prstClr val="white">
+                          <a:lumMod val="75000"/>
+                        </a:prstClr>
+                      </a:solidFill>
+                      <a:prstDash val="solid"/>
+                      <a:round/>
+                      <a:headEnd type="none" w="med" len="med"/>
+                      <a:tailEnd type="none" w="med" len="med"/>
+                    </a:lnR>
+                    <a:lnT w="6350" cap="flat" cmpd="sng" algn="ctr">
+                      <a:solidFill>
+                        <a:prstClr val="white">
+                          <a:lumMod val="75000"/>
+                        </a:prstClr>
+                      </a:solidFill>
+                      <a:prstDash val="solid"/>
+                      <a:round/>
+                      <a:headEnd type="none" w="med" len="med"/>
+                      <a:tailEnd type="none" w="med" len="med"/>
+                    </a:lnT>
+                    <a:lnB w="6350" cap="flat" cmpd="sng" algn="ctr">
+                      <a:solidFill>
+                        <a:prstClr val="white">
+                          <a:lumMod val="75000"/>
+                        </a:prstClr>
+                      </a:solidFill>
+                      <a:prstDash val="solid"/>
+                      <a:round/>
+                      <a:headEnd type="none" w="med" len="med"/>
+                      <a:tailEnd type="none" w="med" len="med"/>
+                    </a:lnB>
+                  </a:tcPr>
+                </a:tc>
+                <a:tc>
+                  <a:txBody>
+                    <a:bodyPr/>
+                    <a:lstStyle/>
+                    <a:p>
+                      <a:pPr algn="ctr"/>
+                      <a:endParaRPr kumimoji="1" lang="ja-JP" altLang="en-US" sz="900" b="0" i="0" dirty="0">
+                        <a:latin typeface="Seravek"/>
+                        <a:cs typeface="Seravek"/>
+                      </a:endParaRPr>
+                    </a:p>
+                  </a:txBody>
+                  <a:tcPr>
+                    <a:lnL w="6350" cap="flat" cmpd="sng" algn="ctr">
+                      <a:solidFill>
+                        <a:prstClr val="white">
+                          <a:lumMod val="75000"/>
+                        </a:prstClr>
+                      </a:solidFill>
+                      <a:prstDash val="solid"/>
+                      <a:round/>
+                      <a:headEnd type="none" w="med" len="med"/>
+                      <a:tailEnd type="none" w="med" len="med"/>
+                    </a:lnL>
+                    <a:lnR w="6350" cap="flat" cmpd="sng" algn="ctr">
+                      <a:solidFill>
+                        <a:prstClr val="white">
+                          <a:lumMod val="75000"/>
+                        </a:prstClr>
+                      </a:solidFill>
+                      <a:prstDash val="solid"/>
+                      <a:round/>
+                      <a:headEnd type="none" w="med" len="med"/>
+                      <a:tailEnd type="none" w="med" len="med"/>
+                    </a:lnR>
+                    <a:lnT w="6350" cap="flat" cmpd="sng" algn="ctr">
+                      <a:solidFill>
+                        <a:prstClr val="white">
+                          <a:lumMod val="75000"/>
+                        </a:prstClr>
+                      </a:solidFill>
+                      <a:prstDash val="solid"/>
+                      <a:round/>
+                      <a:headEnd type="none" w="med" len="med"/>
+                      <a:tailEnd type="none" w="med" len="med"/>
+                    </a:lnT>
+                    <a:lnB w="6350" cap="flat" cmpd="sng" algn="ctr">
+                      <a:solidFill>
+                        <a:prstClr val="white">
+                          <a:lumMod val="75000"/>
+                        </a:prstClr>
+                      </a:solidFill>
+                      <a:prstDash val="solid"/>
+                      <a:round/>
+                      <a:headEnd type="none" w="med" len="med"/>
+                      <a:tailEnd type="none" w="med" len="med"/>
+                    </a:lnB>
+                  </a:tcPr>
+                </a:tc>
+              </a:tr>
+            </a:tbl>
+          </a:graphicData>
+        </a:graphic>
+      </p:graphicFrame>
+      <p:sp>
+        <p:nvSpPr>
+          <p:cNvPr id="12" name="正方形/長方形 11"/>
+          <p:cNvSpPr/>
+          <p:nvPr/>
+        </p:nvSpPr>
+        <p:spPr>
+          <a:xfrm>
+            <a:off x="847727" y="1738630"/>
+            <a:ext cx="501649" cy="495300"/>
+          </a:xfrm>
+          <a:prstGeom prst="rect">
+            <a:avLst/>
+          </a:prstGeom>
+          <a:noFill/>
+        </p:spPr>
+        <p:style>
+          <a:lnRef idx="2">
+            <a:schemeClr val="accent2"/>
+          </a:lnRef>
+          <a:fillRef idx="1">
+            <a:schemeClr val="lt1"/>
+          </a:fillRef>
+          <a:effectRef idx="0">
+            <a:schemeClr val="accent2"/>
+          </a:effectRef>
+          <a:fontRef idx="minor">
+            <a:schemeClr val="dk1"/>
+          </a:fontRef>
+        </p:style>
+        <p:txBody>
+          <a:bodyPr rtlCol="0" anchor="ctr"/>
+          <a:lstStyle/>
+          <a:p>
+            <a:pPr algn="ctr"/>
+            <a:endParaRPr kumimoji="1" lang="ja-JP" altLang="en-US" dirty="0"/>
+          </a:p>
+        </p:txBody>
+      </p:sp>
+      <p:graphicFrame>
+        <p:nvGraphicFramePr>
+          <p:cNvPr id="13" name="表 12"/>
+          <p:cNvGraphicFramePr>
+            <a:graphicFrameLocks noGrp="1"/>
+          </p:cNvGraphicFramePr>
+          <p:nvPr>
+            <p:extLst>
+              <p:ext uri="{D42A27DB-BD31-4B8C-83A1-F6EECF244321}">
+                <p14:modId xmlns:p14="http://schemas.microsoft.com/office/powerpoint/2010/main" val="1608515286"/>
+              </p:ext>
+            </p:extLst>
+          </p:nvPr>
+        </p:nvGraphicFramePr>
+        <p:xfrm>
+          <a:off x="558801" y="3154680"/>
+          <a:ext cx="825501" cy="822960"/>
+        </p:xfrm>
+        <a:graphic>
+          <a:graphicData uri="http://schemas.openxmlformats.org/drawingml/2006/table">
+            <a:tbl>
+              <a:tblPr firstRow="1" bandRow="1">
+                <a:tableStyleId>{2D5ABB26-0587-4C30-8999-92F81FD0307C}</a:tableStyleId>
+              </a:tblPr>
+              <a:tblGrid>
+                <a:gridCol w="275167"/>
+                <a:gridCol w="275167"/>
+                <a:gridCol w="275167"/>
+              </a:tblGrid>
+              <a:tr h="245533">
+                <a:tc>
+                  <a:txBody>
+                    <a:bodyPr/>
+                    <a:lstStyle/>
+                    <a:p>
+                      <a:pPr algn="ctr"/>
+                      <a:r>
+                        <a:rPr kumimoji="1" lang="en-US" altLang="ja-JP" sz="1200" dirty="0" smtClean="0">
+                          <a:latin typeface="Seravek"/>
+                          <a:cs typeface="Seravek"/>
+                        </a:rPr>
+                        <a:t>1</a:t>
+                      </a:r>
+                      <a:endParaRPr kumimoji="1" lang="ja-JP" altLang="en-US" sz="1200" dirty="0">
+                        <a:latin typeface="Seravek"/>
+                        <a:cs typeface="Seravek"/>
+                      </a:endParaRPr>
+                    </a:p>
+                  </a:txBody>
+                  <a:tcPr>
+                    <a:lnL w="6350" cap="flat" cmpd="sng" algn="ctr">
+                      <a:solidFill>
+                        <a:prstClr val="white">
+                          <a:lumMod val="75000"/>
+                        </a:prstClr>
+                      </a:solidFill>
+                      <a:prstDash val="solid"/>
+                      <a:round/>
+                      <a:headEnd type="none" w="med" len="med"/>
+                      <a:tailEnd type="none" w="med" len="med"/>
+                    </a:lnL>
+                    <a:lnR w="6350" cap="flat" cmpd="sng" algn="ctr">
+                      <a:solidFill>
+                        <a:prstClr val="white">
+                          <a:lumMod val="75000"/>
+                        </a:prstClr>
+                      </a:solidFill>
+                      <a:prstDash val="solid"/>
+                      <a:round/>
+                      <a:headEnd type="none" w="med" len="med"/>
+                      <a:tailEnd type="none" w="med" len="med"/>
+                    </a:lnR>
+                    <a:lnT w="6350" cap="flat" cmpd="sng" algn="ctr">
+                      <a:solidFill>
+                        <a:prstClr val="white">
+                          <a:lumMod val="75000"/>
+                        </a:prstClr>
+                      </a:solidFill>
+                      <a:prstDash val="solid"/>
+                      <a:round/>
+                      <a:headEnd type="none" w="med" len="med"/>
+                      <a:tailEnd type="none" w="med" len="med"/>
+                    </a:lnT>
+                    <a:lnB w="6350" cap="flat" cmpd="sng" algn="ctr">
+                      <a:solidFill>
+                        <a:prstClr val="white">
+                          <a:lumMod val="75000"/>
+                        </a:prstClr>
+                      </a:solidFill>
+                      <a:prstDash val="solid"/>
+                      <a:round/>
+                      <a:headEnd type="none" w="med" len="med"/>
+                      <a:tailEnd type="none" w="med" len="med"/>
+                    </a:lnB>
+                  </a:tcPr>
+                </a:tc>
+                <a:tc>
+                  <a:txBody>
+                    <a:bodyPr/>
+                    <a:lstStyle/>
+                    <a:p>
+                      <a:pPr algn="ctr"/>
+                      <a:r>
+                        <a:rPr kumimoji="1" lang="en-US" altLang="ja-JP" sz="1200" dirty="0" smtClean="0">
+                          <a:latin typeface="Seravek"/>
+                          <a:cs typeface="Seravek"/>
+                        </a:rPr>
+                        <a:t>2</a:t>
+                      </a:r>
+                      <a:endParaRPr kumimoji="1" lang="ja-JP" altLang="en-US" sz="1200" dirty="0">
+                        <a:latin typeface="Seravek"/>
+                        <a:cs typeface="Seravek"/>
+                      </a:endParaRPr>
+                    </a:p>
+                  </a:txBody>
+                  <a:tcPr>
+                    <a:lnL w="6350" cap="flat" cmpd="sng" algn="ctr">
+                      <a:solidFill>
+                        <a:prstClr val="white">
+                          <a:lumMod val="75000"/>
+                        </a:prstClr>
+                      </a:solidFill>
+                      <a:prstDash val="solid"/>
+                      <a:round/>
+                      <a:headEnd type="none" w="med" len="med"/>
+                      <a:tailEnd type="none" w="med" len="med"/>
+                    </a:lnL>
+                    <a:lnR w="6350" cap="flat" cmpd="sng" algn="ctr">
+                      <a:solidFill>
+                        <a:prstClr val="white">
+                          <a:lumMod val="75000"/>
+                        </a:prstClr>
+                      </a:solidFill>
+                      <a:prstDash val="solid"/>
+                      <a:round/>
+                      <a:headEnd type="none" w="med" len="med"/>
+                      <a:tailEnd type="none" w="med" len="med"/>
+                    </a:lnR>
+                    <a:lnT w="6350" cap="flat" cmpd="sng" algn="ctr">
+                      <a:solidFill>
+                        <a:prstClr val="white">
+                          <a:lumMod val="75000"/>
+                        </a:prstClr>
+                      </a:solidFill>
+                      <a:prstDash val="solid"/>
+                      <a:round/>
+                      <a:headEnd type="none" w="med" len="med"/>
+                      <a:tailEnd type="none" w="med" len="med"/>
+                    </a:lnT>
+                    <a:lnB w="6350" cap="flat" cmpd="sng" algn="ctr">
+                      <a:solidFill>
+                        <a:prstClr val="white">
+                          <a:lumMod val="75000"/>
+                        </a:prstClr>
+                      </a:solidFill>
+                      <a:prstDash val="solid"/>
+                      <a:round/>
+                      <a:headEnd type="none" w="med" len="med"/>
+                      <a:tailEnd type="none" w="med" len="med"/>
+                    </a:lnB>
+                  </a:tcPr>
+                </a:tc>
+                <a:tc>
+                  <a:txBody>
+                    <a:bodyPr/>
+                    <a:lstStyle/>
+                    <a:p>
+                      <a:pPr algn="ctr"/>
+                      <a:r>
+                        <a:rPr kumimoji="1" lang="en-US" altLang="ja-JP" sz="1200" dirty="0" smtClean="0">
+                          <a:latin typeface="Seravek"/>
+                          <a:cs typeface="Seravek"/>
+                        </a:rPr>
+                        <a:t>3</a:t>
+                      </a:r>
+                    </a:p>
+                  </a:txBody>
+                  <a:tcPr>
+                    <a:lnL w="6350" cap="flat" cmpd="sng" algn="ctr">
+                      <a:solidFill>
+                        <a:prstClr val="white">
+                          <a:lumMod val="75000"/>
+                        </a:prstClr>
+                      </a:solidFill>
+                      <a:prstDash val="solid"/>
+                      <a:round/>
+                      <a:headEnd type="none" w="med" len="med"/>
+                      <a:tailEnd type="none" w="med" len="med"/>
+                    </a:lnL>
+                    <a:lnR w="6350" cap="flat" cmpd="sng" algn="ctr">
+                      <a:solidFill>
+                        <a:prstClr val="white">
+                          <a:lumMod val="75000"/>
+                        </a:prstClr>
+                      </a:solidFill>
+                      <a:prstDash val="solid"/>
+                      <a:round/>
+                      <a:headEnd type="none" w="med" len="med"/>
+                      <a:tailEnd type="none" w="med" len="med"/>
+                    </a:lnR>
+                    <a:lnT w="6350" cap="flat" cmpd="sng" algn="ctr">
+                      <a:solidFill>
+                        <a:prstClr val="white">
+                          <a:lumMod val="75000"/>
+                        </a:prstClr>
+                      </a:solidFill>
+                      <a:prstDash val="solid"/>
+                      <a:round/>
+                      <a:headEnd type="none" w="med" len="med"/>
+                      <a:tailEnd type="none" w="med" len="med"/>
+                    </a:lnT>
+                    <a:lnB w="6350" cap="flat" cmpd="sng" algn="ctr">
+                      <a:solidFill>
+                        <a:prstClr val="white">
+                          <a:lumMod val="75000"/>
+                        </a:prstClr>
+                      </a:solidFill>
+                      <a:prstDash val="solid"/>
+                      <a:round/>
+                      <a:headEnd type="none" w="med" len="med"/>
+                      <a:tailEnd type="none" w="med" len="med"/>
+                    </a:lnB>
+                  </a:tcPr>
+                </a:tc>
+              </a:tr>
+              <a:tr h="245533">
+                <a:tc>
+                  <a:txBody>
+                    <a:bodyPr/>
+                    <a:lstStyle/>
+                    <a:p>
+                      <a:pPr algn="ctr"/>
+                      <a:r>
+                        <a:rPr kumimoji="1" lang="en-US" altLang="ja-JP" sz="1200" dirty="0" smtClean="0">
+                          <a:latin typeface="Seravek"/>
+                          <a:cs typeface="Seravek"/>
+                        </a:rPr>
+                        <a:t>4</a:t>
+                      </a:r>
+                      <a:endParaRPr kumimoji="1" lang="ja-JP" altLang="en-US" sz="1200" dirty="0">
+                        <a:latin typeface="Seravek"/>
+                        <a:cs typeface="Seravek"/>
+                      </a:endParaRPr>
+                    </a:p>
+                  </a:txBody>
+                  <a:tcPr>
+                    <a:lnL w="6350" cap="flat" cmpd="sng" algn="ctr">
+                      <a:solidFill>
+                        <a:prstClr val="white">
+                          <a:lumMod val="75000"/>
+                        </a:prstClr>
+                      </a:solidFill>
+                      <a:prstDash val="solid"/>
+                      <a:round/>
+                      <a:headEnd type="none" w="med" len="med"/>
+                      <a:tailEnd type="none" w="med" len="med"/>
+                    </a:lnL>
+                    <a:lnR w="6350" cap="flat" cmpd="sng" algn="ctr">
+                      <a:solidFill>
+                        <a:prstClr val="white">
+                          <a:lumMod val="75000"/>
+                        </a:prstClr>
+                      </a:solidFill>
+                      <a:prstDash val="solid"/>
+                      <a:round/>
+                      <a:headEnd type="none" w="med" len="med"/>
+                      <a:tailEnd type="none" w="med" len="med"/>
+                    </a:lnR>
+                    <a:lnT w="6350" cap="flat" cmpd="sng" algn="ctr">
+                      <a:solidFill>
+                        <a:prstClr val="white">
+                          <a:lumMod val="75000"/>
+                        </a:prstClr>
+                      </a:solidFill>
+                      <a:prstDash val="solid"/>
+                      <a:round/>
+                      <a:headEnd type="none" w="med" len="med"/>
+                      <a:tailEnd type="none" w="med" len="med"/>
+                    </a:lnT>
+                    <a:lnB w="6350" cap="flat" cmpd="sng" algn="ctr">
+                      <a:solidFill>
+                        <a:prstClr val="white">
+                          <a:lumMod val="75000"/>
+                        </a:prstClr>
+                      </a:solidFill>
+                      <a:prstDash val="solid"/>
+                      <a:round/>
+                      <a:headEnd type="none" w="med" len="med"/>
+                      <a:tailEnd type="none" w="med" len="med"/>
+                    </a:lnB>
+                    <a:solidFill>
+                      <a:srgbClr val="E6B9B8"/>
+                    </a:solidFill>
+                  </a:tcPr>
+                </a:tc>
+                <a:tc>
+                  <a:txBody>
+                    <a:bodyPr/>
+                    <a:lstStyle/>
+                    <a:p>
+                      <a:pPr algn="ctr"/>
+                      <a:r>
+                        <a:rPr kumimoji="1" lang="en-US" altLang="ja-JP" sz="1200" dirty="0" smtClean="0">
+                          <a:latin typeface="Seravek"/>
+                          <a:cs typeface="Seravek"/>
+                        </a:rPr>
+                        <a:t>5</a:t>
+                      </a:r>
+                      <a:endParaRPr kumimoji="1" lang="ja-JP" altLang="en-US" sz="1200" dirty="0">
+                        <a:latin typeface="Seravek"/>
+                        <a:cs typeface="Seravek"/>
+                      </a:endParaRPr>
+                    </a:p>
+                  </a:txBody>
+                  <a:tcPr>
+                    <a:lnL w="6350" cap="flat" cmpd="sng" algn="ctr">
+                      <a:solidFill>
+                        <a:prstClr val="white">
+                          <a:lumMod val="75000"/>
+                        </a:prstClr>
+                      </a:solidFill>
+                      <a:prstDash val="solid"/>
+                      <a:round/>
+                      <a:headEnd type="none" w="med" len="med"/>
+                      <a:tailEnd type="none" w="med" len="med"/>
+                    </a:lnL>
+                    <a:lnR w="6350" cap="flat" cmpd="sng" algn="ctr">
+                      <a:solidFill>
+                        <a:prstClr val="white">
+                          <a:lumMod val="75000"/>
+                        </a:prstClr>
+                      </a:solidFill>
+                      <a:prstDash val="solid"/>
+                      <a:round/>
+                      <a:headEnd type="none" w="med" len="med"/>
+                      <a:tailEnd type="none" w="med" len="med"/>
+                    </a:lnR>
+                    <a:lnT w="6350" cap="flat" cmpd="sng" algn="ctr">
+                      <a:solidFill>
+                        <a:prstClr val="white">
+                          <a:lumMod val="75000"/>
+                        </a:prstClr>
+                      </a:solidFill>
+                      <a:prstDash val="solid"/>
+                      <a:round/>
+                      <a:headEnd type="none" w="med" len="med"/>
+                      <a:tailEnd type="none" w="med" len="med"/>
+                    </a:lnT>
+                    <a:lnB w="6350" cap="flat" cmpd="sng" algn="ctr">
+                      <a:solidFill>
+                        <a:prstClr val="white">
+                          <a:lumMod val="75000"/>
+                        </a:prstClr>
+                      </a:solidFill>
+                      <a:prstDash val="solid"/>
+                      <a:round/>
+                      <a:headEnd type="none" w="med" len="med"/>
+                      <a:tailEnd type="none" w="med" len="med"/>
+                    </a:lnB>
+                  </a:tcPr>
+                </a:tc>
+                <a:tc>
+                  <a:txBody>
+                    <a:bodyPr/>
+                    <a:lstStyle/>
+                    <a:p>
+                      <a:pPr algn="ctr"/>
+                      <a:r>
+                        <a:rPr kumimoji="1" lang="en-US" altLang="ja-JP" sz="1200" dirty="0" smtClean="0">
+                          <a:latin typeface="Seravek"/>
+                          <a:cs typeface="Seravek"/>
+                        </a:rPr>
+                        <a:t>6</a:t>
+                      </a:r>
+                      <a:endParaRPr kumimoji="1" lang="ja-JP" altLang="en-US" sz="1200" dirty="0">
+                        <a:latin typeface="Seravek"/>
+                        <a:cs typeface="Seravek"/>
+                      </a:endParaRPr>
+                    </a:p>
+                  </a:txBody>
+                  <a:tcPr>
+                    <a:lnL w="6350" cap="flat" cmpd="sng" algn="ctr">
+                      <a:solidFill>
+                        <a:prstClr val="white">
+                          <a:lumMod val="75000"/>
+                        </a:prstClr>
+                      </a:solidFill>
+                      <a:prstDash val="solid"/>
+                      <a:round/>
+                      <a:headEnd type="none" w="med" len="med"/>
+                      <a:tailEnd type="none" w="med" len="med"/>
+                    </a:lnL>
+                    <a:lnR w="6350" cap="flat" cmpd="sng" algn="ctr">
+                      <a:solidFill>
+                        <a:prstClr val="white">
+                          <a:lumMod val="75000"/>
+                        </a:prstClr>
+                      </a:solidFill>
+                      <a:prstDash val="solid"/>
+                      <a:round/>
+                      <a:headEnd type="none" w="med" len="med"/>
+                      <a:tailEnd type="none" w="med" len="med"/>
+                    </a:lnR>
+                    <a:lnT w="6350" cap="flat" cmpd="sng" algn="ctr">
+                      <a:solidFill>
+                        <a:prstClr val="white">
+                          <a:lumMod val="75000"/>
+                        </a:prstClr>
+                      </a:solidFill>
+                      <a:prstDash val="solid"/>
+                      <a:round/>
+                      <a:headEnd type="none" w="med" len="med"/>
+                      <a:tailEnd type="none" w="med" len="med"/>
+                    </a:lnT>
+                    <a:lnB w="6350" cap="flat" cmpd="sng" algn="ctr">
+                      <a:solidFill>
+                        <a:prstClr val="white">
+                          <a:lumMod val="75000"/>
+                        </a:prstClr>
+                      </a:solidFill>
+                      <a:prstDash val="solid"/>
+                      <a:round/>
+                      <a:headEnd type="none" w="med" len="med"/>
+                      <a:tailEnd type="none" w="med" len="med"/>
+                    </a:lnB>
+                  </a:tcPr>
+                </a:tc>
+              </a:tr>
+              <a:tr h="245533">
+                <a:tc>
+                  <a:txBody>
+                    <a:bodyPr/>
+                    <a:lstStyle/>
+                    <a:p>
+                      <a:pPr algn="ctr"/>
+                      <a:r>
+                        <a:rPr kumimoji="1" lang="en-US" altLang="ja-JP" sz="1200" dirty="0" smtClean="0">
+                          <a:latin typeface="Seravek"/>
+                          <a:cs typeface="Seravek"/>
+                        </a:rPr>
+                        <a:t>7</a:t>
+                      </a:r>
+                      <a:endParaRPr kumimoji="1" lang="ja-JP" altLang="en-US" sz="1200" dirty="0">
+                        <a:latin typeface="Seravek"/>
+                        <a:cs typeface="Seravek"/>
+                      </a:endParaRPr>
+                    </a:p>
+                  </a:txBody>
+                  <a:tcPr>
+                    <a:lnL w="6350" cap="flat" cmpd="sng" algn="ctr">
+                      <a:solidFill>
+                        <a:prstClr val="white">
+                          <a:lumMod val="75000"/>
+                        </a:prstClr>
+                      </a:solidFill>
+                      <a:prstDash val="solid"/>
+                      <a:round/>
+                      <a:headEnd type="none" w="med" len="med"/>
+                      <a:tailEnd type="none" w="med" len="med"/>
+                    </a:lnL>
+                    <a:lnR w="6350" cap="flat" cmpd="sng" algn="ctr">
+                      <a:solidFill>
+                        <a:prstClr val="white">
+                          <a:lumMod val="75000"/>
+                        </a:prstClr>
+                      </a:solidFill>
+                      <a:prstDash val="solid"/>
+                      <a:round/>
+                      <a:headEnd type="none" w="med" len="med"/>
+                      <a:tailEnd type="none" w="med" len="med"/>
+                    </a:lnR>
+                    <a:lnT w="6350" cap="flat" cmpd="sng" algn="ctr">
+                      <a:solidFill>
+                        <a:prstClr val="white">
+                          <a:lumMod val="75000"/>
+                        </a:prstClr>
+                      </a:solidFill>
+                      <a:prstDash val="solid"/>
+                      <a:round/>
+                      <a:headEnd type="none" w="med" len="med"/>
+                      <a:tailEnd type="none" w="med" len="med"/>
+                    </a:lnT>
+                    <a:lnB w="6350" cap="flat" cmpd="sng" algn="ctr">
+                      <a:solidFill>
+                        <a:prstClr val="white">
+                          <a:lumMod val="75000"/>
+                        </a:prstClr>
+                      </a:solidFill>
+                      <a:prstDash val="solid"/>
+                      <a:round/>
+                      <a:headEnd type="none" w="med" len="med"/>
+                      <a:tailEnd type="none" w="med" len="med"/>
+                    </a:lnB>
+                  </a:tcPr>
+                </a:tc>
+                <a:tc>
+                  <a:txBody>
+                    <a:bodyPr/>
+                    <a:lstStyle/>
+                    <a:p>
+                      <a:pPr algn="ctr"/>
+                      <a:r>
+                        <a:rPr kumimoji="1" lang="en-US" altLang="ja-JP" sz="1200" dirty="0" smtClean="0">
+                          <a:latin typeface="Seravek"/>
+                          <a:cs typeface="Seravek"/>
+                        </a:rPr>
+                        <a:t>8</a:t>
+                      </a:r>
+                      <a:endParaRPr kumimoji="1" lang="ja-JP" altLang="en-US" sz="1200" dirty="0">
+                        <a:latin typeface="Seravek"/>
+                        <a:cs typeface="Seravek"/>
+                      </a:endParaRPr>
+                    </a:p>
+                  </a:txBody>
+                  <a:tcPr>
+                    <a:lnL w="6350" cap="flat" cmpd="sng" algn="ctr">
+                      <a:solidFill>
+                        <a:prstClr val="white">
+                          <a:lumMod val="75000"/>
+                        </a:prstClr>
+                      </a:solidFill>
+                      <a:prstDash val="solid"/>
+                      <a:round/>
+                      <a:headEnd type="none" w="med" len="med"/>
+                      <a:tailEnd type="none" w="med" len="med"/>
+                    </a:lnL>
+                    <a:lnR w="6350" cap="flat" cmpd="sng" algn="ctr">
+                      <a:solidFill>
+                        <a:prstClr val="white">
+                          <a:lumMod val="75000"/>
+                        </a:prstClr>
+                      </a:solidFill>
+                      <a:prstDash val="solid"/>
+                      <a:round/>
+                      <a:headEnd type="none" w="med" len="med"/>
+                      <a:tailEnd type="none" w="med" len="med"/>
+                    </a:lnR>
+                    <a:lnT w="6350" cap="flat" cmpd="sng" algn="ctr">
+                      <a:solidFill>
+                        <a:prstClr val="white">
+                          <a:lumMod val="75000"/>
+                        </a:prstClr>
+                      </a:solidFill>
+                      <a:prstDash val="solid"/>
+                      <a:round/>
+                      <a:headEnd type="none" w="med" len="med"/>
+                      <a:tailEnd type="none" w="med" len="med"/>
+                    </a:lnT>
+                    <a:lnB w="6350" cap="flat" cmpd="sng" algn="ctr">
+                      <a:solidFill>
+                        <a:prstClr val="white">
+                          <a:lumMod val="75000"/>
+                        </a:prstClr>
+                      </a:solidFill>
+                      <a:prstDash val="solid"/>
+                      <a:round/>
+                      <a:headEnd type="none" w="med" len="med"/>
+                      <a:tailEnd type="none" w="med" len="med"/>
+                    </a:lnB>
+                  </a:tcPr>
+                </a:tc>
+                <a:tc>
+                  <a:txBody>
+                    <a:bodyPr/>
+                    <a:lstStyle/>
+                    <a:p>
+                      <a:pPr algn="ctr"/>
+                      <a:r>
+                        <a:rPr kumimoji="1" lang="en-US" altLang="ja-JP" sz="1200" dirty="0" smtClean="0">
+                          <a:latin typeface="Seravek"/>
+                          <a:cs typeface="Seravek"/>
+                        </a:rPr>
+                        <a:t>9</a:t>
+                      </a:r>
+                      <a:endParaRPr kumimoji="1" lang="ja-JP" altLang="en-US" sz="1200" dirty="0">
+                        <a:latin typeface="Seravek"/>
+                        <a:cs typeface="Seravek"/>
+                      </a:endParaRPr>
+                    </a:p>
+                  </a:txBody>
+                  <a:tcPr>
+                    <a:lnL w="6350" cap="flat" cmpd="sng" algn="ctr">
+                      <a:solidFill>
+                        <a:prstClr val="white">
+                          <a:lumMod val="75000"/>
+                        </a:prstClr>
+                      </a:solidFill>
+                      <a:prstDash val="solid"/>
+                      <a:round/>
+                      <a:headEnd type="none" w="med" len="med"/>
+                      <a:tailEnd type="none" w="med" len="med"/>
+                    </a:lnL>
+                    <a:lnR w="6350" cap="flat" cmpd="sng" algn="ctr">
+                      <a:solidFill>
+                        <a:prstClr val="white">
+                          <a:lumMod val="75000"/>
+                        </a:prstClr>
+                      </a:solidFill>
+                      <a:prstDash val="solid"/>
+                      <a:round/>
+                      <a:headEnd type="none" w="med" len="med"/>
+                      <a:tailEnd type="none" w="med" len="med"/>
+                    </a:lnR>
+                    <a:lnT w="6350" cap="flat" cmpd="sng" algn="ctr">
+                      <a:solidFill>
+                        <a:prstClr val="white">
+                          <a:lumMod val="75000"/>
+                        </a:prstClr>
+                      </a:solidFill>
+                      <a:prstDash val="solid"/>
+                      <a:round/>
+                      <a:headEnd type="none" w="med" len="med"/>
+                      <a:tailEnd type="none" w="med" len="med"/>
+                    </a:lnT>
+                    <a:lnB w="6350" cap="flat" cmpd="sng" algn="ctr">
+                      <a:solidFill>
+                        <a:prstClr val="white">
+                          <a:lumMod val="75000"/>
+                        </a:prstClr>
+                      </a:solidFill>
+                      <a:prstDash val="solid"/>
+                      <a:round/>
+                      <a:headEnd type="none" w="med" len="med"/>
+                      <a:tailEnd type="none" w="med" len="med"/>
+                    </a:lnB>
+                  </a:tcPr>
+                </a:tc>
+              </a:tr>
+            </a:tbl>
+          </a:graphicData>
+        </a:graphic>
+      </p:graphicFrame>
+      <p:graphicFrame>
+        <p:nvGraphicFramePr>
+          <p:cNvPr id="14" name="表 13"/>
+          <p:cNvGraphicFramePr>
+            <a:graphicFrameLocks noGrp="1"/>
+          </p:cNvGraphicFramePr>
+          <p:nvPr>
+            <p:extLst>
+              <p:ext uri="{D42A27DB-BD31-4B8C-83A1-F6EECF244321}">
+                <p14:modId xmlns:p14="http://schemas.microsoft.com/office/powerpoint/2010/main" val="288494729"/>
+              </p:ext>
+            </p:extLst>
+          </p:nvPr>
+        </p:nvGraphicFramePr>
+        <p:xfrm>
+          <a:off x="2108199" y="3294380"/>
+          <a:ext cx="596900" cy="548640"/>
+        </p:xfrm>
+        <a:graphic>
+          <a:graphicData uri="http://schemas.openxmlformats.org/drawingml/2006/table">
+            <a:tbl>
+              <a:tblPr firstRow="1" bandRow="1">
+                <a:tableStyleId>{2D5ABB26-0587-4C30-8999-92F81FD0307C}</a:tableStyleId>
+              </a:tblPr>
+              <a:tblGrid>
+                <a:gridCol w="298450"/>
+                <a:gridCol w="298450"/>
+              </a:tblGrid>
+              <a:tr h="273050">
+                <a:tc>
+                  <a:txBody>
+                    <a:bodyPr/>
+                    <a:lstStyle/>
+                    <a:p>
+                      <a:pPr algn="ctr"/>
+                      <a:r>
+                        <a:rPr kumimoji="1" lang="en-US" altLang="ja-JP" sz="1200" b="0" i="0" dirty="0" smtClean="0">
+                          <a:latin typeface="Seravek"/>
+                          <a:cs typeface="Seravek"/>
+                        </a:rPr>
+                        <a:t>1</a:t>
+                      </a:r>
+                      <a:endParaRPr kumimoji="1" lang="ja-JP" altLang="en-US" sz="1200" b="0" i="0" dirty="0">
+                        <a:latin typeface="Seravek"/>
+                        <a:cs typeface="Seravek"/>
+                      </a:endParaRPr>
+                    </a:p>
+                  </a:txBody>
+                  <a:tcPr>
+                    <a:lnL w="6350" cap="flat" cmpd="sng" algn="ctr">
+                      <a:solidFill>
+                        <a:prstClr val="white">
+                          <a:lumMod val="75000"/>
+                        </a:prstClr>
+                      </a:solidFill>
+                      <a:prstDash val="solid"/>
+                      <a:round/>
+                      <a:headEnd type="none" w="med" len="med"/>
+                      <a:tailEnd type="none" w="med" len="med"/>
+                    </a:lnL>
+                    <a:lnR w="6350" cap="flat" cmpd="sng" algn="ctr">
+                      <a:solidFill>
+                        <a:prstClr val="white">
+                          <a:lumMod val="75000"/>
+                        </a:prstClr>
+                      </a:solidFill>
+                      <a:prstDash val="solid"/>
+                      <a:round/>
+                      <a:headEnd type="none" w="med" len="med"/>
+                      <a:tailEnd type="none" w="med" len="med"/>
+                    </a:lnR>
+                    <a:lnT w="6350" cap="flat" cmpd="sng" algn="ctr">
+                      <a:solidFill>
+                        <a:prstClr val="white">
+                          <a:lumMod val="75000"/>
+                        </a:prstClr>
+                      </a:solidFill>
+                      <a:prstDash val="solid"/>
+                      <a:round/>
+                      <a:headEnd type="none" w="med" len="med"/>
+                      <a:tailEnd type="none" w="med" len="med"/>
+                    </a:lnT>
+                    <a:lnB w="6350" cap="flat" cmpd="sng" algn="ctr">
+                      <a:solidFill>
+                        <a:prstClr val="white">
+                          <a:lumMod val="75000"/>
+                        </a:prstClr>
+                      </a:solidFill>
+                      <a:prstDash val="solid"/>
+                      <a:round/>
+                      <a:headEnd type="none" w="med" len="med"/>
+                      <a:tailEnd type="none" w="med" len="med"/>
+                    </a:lnB>
+                  </a:tcPr>
+                </a:tc>
+                <a:tc>
+                  <a:txBody>
+                    <a:bodyPr/>
+                    <a:lstStyle/>
+                    <a:p>
+                      <a:pPr algn="ctr"/>
+                      <a:r>
+                        <a:rPr kumimoji="1" lang="en-US" altLang="ja-JP" sz="1200" b="0" i="0" dirty="0" smtClean="0">
+                          <a:latin typeface="Seravek"/>
+                          <a:cs typeface="Seravek"/>
+                        </a:rPr>
+                        <a:t>2</a:t>
+                      </a:r>
+                      <a:endParaRPr kumimoji="1" lang="ja-JP" altLang="en-US" sz="1200" b="0" i="0" dirty="0">
+                        <a:latin typeface="Seravek"/>
+                        <a:cs typeface="Seravek"/>
+                      </a:endParaRPr>
+                    </a:p>
+                  </a:txBody>
+                  <a:tcPr>
+                    <a:lnL w="6350" cap="flat" cmpd="sng" algn="ctr">
+                      <a:solidFill>
+                        <a:prstClr val="white">
+                          <a:lumMod val="75000"/>
+                        </a:prstClr>
+                      </a:solidFill>
+                      <a:prstDash val="solid"/>
+                      <a:round/>
+                      <a:headEnd type="none" w="med" len="med"/>
+                      <a:tailEnd type="none" w="med" len="med"/>
+                    </a:lnL>
+                    <a:lnR w="6350" cap="flat" cmpd="sng" algn="ctr">
+                      <a:solidFill>
+                        <a:prstClr val="white">
+                          <a:lumMod val="75000"/>
+                        </a:prstClr>
+                      </a:solidFill>
+                      <a:prstDash val="solid"/>
+                      <a:round/>
+                      <a:headEnd type="none" w="med" len="med"/>
+                      <a:tailEnd type="none" w="med" len="med"/>
+                    </a:lnR>
+                    <a:lnT w="6350" cap="flat" cmpd="sng" algn="ctr">
+                      <a:solidFill>
+                        <a:prstClr val="white">
+                          <a:lumMod val="75000"/>
+                        </a:prstClr>
+                      </a:solidFill>
+                      <a:prstDash val="solid"/>
+                      <a:round/>
+                      <a:headEnd type="none" w="med" len="med"/>
+                      <a:tailEnd type="none" w="med" len="med"/>
+                    </a:lnT>
+                    <a:lnB w="6350" cap="flat" cmpd="sng" algn="ctr">
+                      <a:solidFill>
+                        <a:prstClr val="white">
+                          <a:lumMod val="75000"/>
+                        </a:prstClr>
+                      </a:solidFill>
+                      <a:prstDash val="solid"/>
+                      <a:round/>
+                      <a:headEnd type="none" w="med" len="med"/>
+                      <a:tailEnd type="none" w="med" len="med"/>
+                    </a:lnB>
+                  </a:tcPr>
+                </a:tc>
+              </a:tr>
+              <a:tr h="273050">
+                <a:tc>
+                  <a:txBody>
+                    <a:bodyPr/>
+                    <a:lstStyle/>
+                    <a:p>
+                      <a:pPr algn="ctr"/>
+                      <a:r>
+                        <a:rPr kumimoji="1" lang="en-US" altLang="ja-JP" sz="1200" b="0" i="0" dirty="0" smtClean="0">
+                          <a:latin typeface="Seravek"/>
+                          <a:cs typeface="Seravek"/>
+                        </a:rPr>
+                        <a:t>2</a:t>
+                      </a:r>
+                      <a:endParaRPr kumimoji="1" lang="ja-JP" altLang="en-US" sz="1200" b="0" i="0" dirty="0">
+                        <a:latin typeface="Seravek"/>
+                        <a:cs typeface="Seravek"/>
+                      </a:endParaRPr>
+                    </a:p>
+                  </a:txBody>
+                  <a:tcPr>
+                    <a:lnL w="6350" cap="flat" cmpd="sng" algn="ctr">
+                      <a:solidFill>
+                        <a:prstClr val="white">
+                          <a:lumMod val="75000"/>
+                        </a:prstClr>
+                      </a:solidFill>
+                      <a:prstDash val="solid"/>
+                      <a:round/>
+                      <a:headEnd type="none" w="med" len="med"/>
+                      <a:tailEnd type="none" w="med" len="med"/>
+                    </a:lnL>
+                    <a:lnR w="6350" cap="flat" cmpd="sng" algn="ctr">
+                      <a:solidFill>
+                        <a:prstClr val="white">
+                          <a:lumMod val="75000"/>
+                        </a:prstClr>
+                      </a:solidFill>
+                      <a:prstDash val="solid"/>
+                      <a:round/>
+                      <a:headEnd type="none" w="med" len="med"/>
+                      <a:tailEnd type="none" w="med" len="med"/>
+                    </a:lnR>
+                    <a:lnT w="6350" cap="flat" cmpd="sng" algn="ctr">
+                      <a:solidFill>
+                        <a:prstClr val="white">
+                          <a:lumMod val="75000"/>
+                        </a:prstClr>
+                      </a:solidFill>
+                      <a:prstDash val="solid"/>
+                      <a:round/>
+                      <a:headEnd type="none" w="med" len="med"/>
+                      <a:tailEnd type="none" w="med" len="med"/>
+                    </a:lnT>
+                    <a:lnB w="6350" cap="flat" cmpd="sng" algn="ctr">
+                      <a:solidFill>
+                        <a:prstClr val="white">
+                          <a:lumMod val="75000"/>
+                        </a:prstClr>
+                      </a:solidFill>
+                      <a:prstDash val="solid"/>
+                      <a:round/>
+                      <a:headEnd type="none" w="med" len="med"/>
+                      <a:tailEnd type="none" w="med" len="med"/>
+                    </a:lnB>
+                  </a:tcPr>
+                </a:tc>
+                <a:tc>
+                  <a:txBody>
+                    <a:bodyPr/>
+                    <a:lstStyle/>
+                    <a:p>
+                      <a:pPr algn="ctr"/>
+                      <a:r>
+                        <a:rPr kumimoji="1" lang="en-US" altLang="ja-JP" sz="1200" b="0" i="0" dirty="0" smtClean="0">
+                          <a:latin typeface="Seravek"/>
+                          <a:cs typeface="Seravek"/>
+                        </a:rPr>
+                        <a:t>1</a:t>
+                      </a:r>
+                      <a:endParaRPr kumimoji="1" lang="ja-JP" altLang="en-US" sz="1200" b="0" i="0" dirty="0">
+                        <a:latin typeface="Seravek"/>
+                        <a:cs typeface="Seravek"/>
+                      </a:endParaRPr>
+                    </a:p>
+                  </a:txBody>
+                  <a:tcPr>
+                    <a:lnL w="6350" cap="flat" cmpd="sng" algn="ctr">
+                      <a:solidFill>
+                        <a:prstClr val="white">
+                          <a:lumMod val="75000"/>
+                        </a:prstClr>
+                      </a:solidFill>
+                      <a:prstDash val="solid"/>
+                      <a:round/>
+                      <a:headEnd type="none" w="med" len="med"/>
+                      <a:tailEnd type="none" w="med" len="med"/>
+                    </a:lnL>
+                    <a:lnR w="6350" cap="flat" cmpd="sng" algn="ctr">
+                      <a:solidFill>
+                        <a:prstClr val="white">
+                          <a:lumMod val="75000"/>
+                        </a:prstClr>
+                      </a:solidFill>
+                      <a:prstDash val="solid"/>
+                      <a:round/>
+                      <a:headEnd type="none" w="med" len="med"/>
+                      <a:tailEnd type="none" w="med" len="med"/>
+                    </a:lnR>
+                    <a:lnT w="6350" cap="flat" cmpd="sng" algn="ctr">
+                      <a:solidFill>
+                        <a:prstClr val="white">
+                          <a:lumMod val="75000"/>
+                        </a:prstClr>
+                      </a:solidFill>
+                      <a:prstDash val="solid"/>
+                      <a:round/>
+                      <a:headEnd type="none" w="med" len="med"/>
+                      <a:tailEnd type="none" w="med" len="med"/>
+                    </a:lnT>
+                    <a:lnB w="6350" cap="flat" cmpd="sng" algn="ctr">
+                      <a:solidFill>
+                        <a:prstClr val="white">
+                          <a:lumMod val="75000"/>
+                        </a:prstClr>
+                      </a:solidFill>
+                      <a:prstDash val="solid"/>
+                      <a:round/>
+                      <a:headEnd type="none" w="med" len="med"/>
+                      <a:tailEnd type="none" w="med" len="med"/>
+                    </a:lnB>
+                  </a:tcPr>
+                </a:tc>
+              </a:tr>
+            </a:tbl>
+          </a:graphicData>
+        </a:graphic>
+      </p:graphicFrame>
+      <p:graphicFrame>
+        <p:nvGraphicFramePr>
+          <p:cNvPr id="15" name="表 14"/>
+          <p:cNvGraphicFramePr>
+            <a:graphicFrameLocks noGrp="1"/>
+          </p:cNvGraphicFramePr>
+          <p:nvPr>
+            <p:extLst>
+              <p:ext uri="{D42A27DB-BD31-4B8C-83A1-F6EECF244321}">
+                <p14:modId xmlns:p14="http://schemas.microsoft.com/office/powerpoint/2010/main" val="2704411959"/>
+              </p:ext>
+            </p:extLst>
+          </p:nvPr>
+        </p:nvGraphicFramePr>
+        <p:xfrm>
+          <a:off x="3651249" y="3294380"/>
+          <a:ext cx="596900" cy="546100"/>
+        </p:xfrm>
+        <a:graphic>
+          <a:graphicData uri="http://schemas.openxmlformats.org/drawingml/2006/table">
+            <a:tbl>
+              <a:tblPr firstRow="1" bandRow="1">
+                <a:tableStyleId>{2D5ABB26-0587-4C30-8999-92F81FD0307C}</a:tableStyleId>
+              </a:tblPr>
+              <a:tblGrid>
+                <a:gridCol w="298450"/>
+                <a:gridCol w="298450"/>
+              </a:tblGrid>
+              <a:tr h="273050">
+                <a:tc>
+                  <a:txBody>
+                    <a:bodyPr/>
+                    <a:lstStyle/>
+                    <a:p>
+                      <a:pPr algn="ctr"/>
+                      <a:r>
+                        <a:rPr kumimoji="1" lang="en-US" altLang="ja-JP" sz="900" b="0" i="0" dirty="0" smtClean="0">
+                          <a:latin typeface="Seravek"/>
+                          <a:cs typeface="Seravek"/>
+                        </a:rPr>
+                        <a:t>18</a:t>
+                      </a:r>
+                      <a:endParaRPr kumimoji="1" lang="ja-JP" altLang="en-US" sz="900" b="0" i="0" dirty="0">
+                        <a:latin typeface="Seravek"/>
+                        <a:cs typeface="Seravek"/>
+                      </a:endParaRPr>
+                    </a:p>
+                  </a:txBody>
+                  <a:tcPr>
+                    <a:lnL w="6350" cap="flat" cmpd="sng" algn="ctr">
+                      <a:solidFill>
+                        <a:prstClr val="white">
+                          <a:lumMod val="75000"/>
+                        </a:prstClr>
+                      </a:solidFill>
+                      <a:prstDash val="solid"/>
+                      <a:round/>
+                      <a:headEnd type="none" w="med" len="med"/>
+                      <a:tailEnd type="none" w="med" len="med"/>
+                    </a:lnL>
+                    <a:lnR w="6350" cap="flat" cmpd="sng" algn="ctr">
+                      <a:solidFill>
+                        <a:prstClr val="white">
+                          <a:lumMod val="75000"/>
+                        </a:prstClr>
+                      </a:solidFill>
+                      <a:prstDash val="solid"/>
+                      <a:round/>
+                      <a:headEnd type="none" w="med" len="med"/>
+                      <a:tailEnd type="none" w="med" len="med"/>
+                    </a:lnR>
+                    <a:lnT w="6350" cap="flat" cmpd="sng" algn="ctr">
+                      <a:solidFill>
+                        <a:prstClr val="white">
+                          <a:lumMod val="75000"/>
+                        </a:prstClr>
+                      </a:solidFill>
+                      <a:prstDash val="solid"/>
+                      <a:round/>
+                      <a:headEnd type="none" w="med" len="med"/>
+                      <a:tailEnd type="none" w="med" len="med"/>
+                    </a:lnT>
+                    <a:lnB w="6350" cap="flat" cmpd="sng" algn="ctr">
+                      <a:solidFill>
+                        <a:prstClr val="white">
+                          <a:lumMod val="75000"/>
+                        </a:prstClr>
+                      </a:solidFill>
+                      <a:prstDash val="solid"/>
+                      <a:round/>
+                      <a:headEnd type="none" w="med" len="med"/>
+                      <a:tailEnd type="none" w="med" len="med"/>
+                    </a:lnB>
+                  </a:tcPr>
+                </a:tc>
+                <a:tc>
+                  <a:txBody>
+                    <a:bodyPr/>
+                    <a:lstStyle/>
+                    <a:p>
+                      <a:pPr algn="ctr"/>
+                      <a:r>
+                        <a:rPr kumimoji="1" lang="en-US" altLang="ja-JP" sz="900" b="0" i="0" dirty="0" smtClean="0">
+                          <a:latin typeface="Seravek"/>
+                          <a:cs typeface="Seravek"/>
+                        </a:rPr>
+                        <a:t>24</a:t>
+                      </a:r>
+                      <a:endParaRPr kumimoji="1" lang="ja-JP" altLang="en-US" sz="900" b="0" i="0" dirty="0">
+                        <a:latin typeface="Seravek"/>
+                        <a:cs typeface="Seravek"/>
+                      </a:endParaRPr>
+                    </a:p>
+                  </a:txBody>
+                  <a:tcPr>
+                    <a:lnL w="6350" cap="flat" cmpd="sng" algn="ctr">
+                      <a:solidFill>
+                        <a:prstClr val="white">
+                          <a:lumMod val="75000"/>
+                        </a:prstClr>
+                      </a:solidFill>
+                      <a:prstDash val="solid"/>
+                      <a:round/>
+                      <a:headEnd type="none" w="med" len="med"/>
+                      <a:tailEnd type="none" w="med" len="med"/>
+                    </a:lnL>
+                    <a:lnR w="6350" cap="flat" cmpd="sng" algn="ctr">
+                      <a:solidFill>
+                        <a:prstClr val="white">
+                          <a:lumMod val="75000"/>
+                        </a:prstClr>
+                      </a:solidFill>
+                      <a:prstDash val="solid"/>
+                      <a:round/>
+                      <a:headEnd type="none" w="med" len="med"/>
+                      <a:tailEnd type="none" w="med" len="med"/>
+                    </a:lnR>
+                    <a:lnT w="6350" cap="flat" cmpd="sng" algn="ctr">
+                      <a:solidFill>
+                        <a:prstClr val="white">
+                          <a:lumMod val="75000"/>
+                        </a:prstClr>
+                      </a:solidFill>
+                      <a:prstDash val="solid"/>
+                      <a:round/>
+                      <a:headEnd type="none" w="med" len="med"/>
+                      <a:tailEnd type="none" w="med" len="med"/>
+                    </a:lnT>
+                    <a:lnB w="6350" cap="flat" cmpd="sng" algn="ctr">
+                      <a:solidFill>
+                        <a:prstClr val="white">
+                          <a:lumMod val="75000"/>
+                        </a:prstClr>
+                      </a:solidFill>
+                      <a:prstDash val="solid"/>
+                      <a:round/>
+                      <a:headEnd type="none" w="med" len="med"/>
+                      <a:tailEnd type="none" w="med" len="med"/>
+                    </a:lnB>
+                  </a:tcPr>
+                </a:tc>
+              </a:tr>
+              <a:tr h="273050">
+                <a:tc>
+                  <a:txBody>
+                    <a:bodyPr/>
+                    <a:lstStyle/>
+                    <a:p>
+                      <a:pPr algn="ctr"/>
+                      <a:r>
+                        <a:rPr kumimoji="1" lang="en-US" altLang="ja-JP" sz="900" b="0" i="0" dirty="0" smtClean="0">
+                          <a:solidFill>
+                            <a:srgbClr val="FF6600"/>
+                          </a:solidFill>
+                          <a:latin typeface="Seravek"/>
+                          <a:cs typeface="Seravek"/>
+                        </a:rPr>
+                        <a:t>36</a:t>
+                      </a:r>
+                      <a:endParaRPr kumimoji="1" lang="ja-JP" altLang="en-US" sz="900" b="0" i="0" dirty="0">
+                        <a:solidFill>
+                          <a:srgbClr val="FF6600"/>
+                        </a:solidFill>
+                        <a:latin typeface="Seravek"/>
+                        <a:cs typeface="Seravek"/>
+                      </a:endParaRPr>
+                    </a:p>
+                  </a:txBody>
+                  <a:tcPr>
+                    <a:lnL w="6350" cap="flat" cmpd="sng" algn="ctr">
+                      <a:solidFill>
+                        <a:prstClr val="white">
+                          <a:lumMod val="75000"/>
+                        </a:prstClr>
+                      </a:solidFill>
+                      <a:prstDash val="solid"/>
+                      <a:round/>
+                      <a:headEnd type="none" w="med" len="med"/>
+                      <a:tailEnd type="none" w="med" len="med"/>
+                    </a:lnL>
+                    <a:lnR w="6350" cap="flat" cmpd="sng" algn="ctr">
+                      <a:solidFill>
+                        <a:prstClr val="white">
+                          <a:lumMod val="75000"/>
+                        </a:prstClr>
+                      </a:solidFill>
+                      <a:prstDash val="solid"/>
+                      <a:round/>
+                      <a:headEnd type="none" w="med" len="med"/>
+                      <a:tailEnd type="none" w="med" len="med"/>
+                    </a:lnR>
+                    <a:lnT w="6350" cap="flat" cmpd="sng" algn="ctr">
+                      <a:solidFill>
+                        <a:prstClr val="white">
+                          <a:lumMod val="75000"/>
+                        </a:prstClr>
+                      </a:solidFill>
+                      <a:prstDash val="solid"/>
+                      <a:round/>
+                      <a:headEnd type="none" w="med" len="med"/>
+                      <a:tailEnd type="none" w="med" len="med"/>
+                    </a:lnT>
+                    <a:lnB w="6350" cap="flat" cmpd="sng" algn="ctr">
+                      <a:solidFill>
+                        <a:prstClr val="white">
+                          <a:lumMod val="75000"/>
+                        </a:prstClr>
+                      </a:solidFill>
+                      <a:prstDash val="solid"/>
+                      <a:round/>
+                      <a:headEnd type="none" w="med" len="med"/>
+                      <a:tailEnd type="none" w="med" len="med"/>
+                    </a:lnB>
+                  </a:tcPr>
+                </a:tc>
+                <a:tc>
+                  <a:txBody>
+                    <a:bodyPr/>
+                    <a:lstStyle/>
+                    <a:p>
+                      <a:pPr algn="ctr"/>
+                      <a:endParaRPr kumimoji="1" lang="ja-JP" altLang="en-US" sz="900" b="0" i="0" dirty="0">
+                        <a:latin typeface="Seravek"/>
+                        <a:cs typeface="Seravek"/>
+                      </a:endParaRPr>
+                    </a:p>
+                  </a:txBody>
+                  <a:tcPr>
+                    <a:lnL w="6350" cap="flat" cmpd="sng" algn="ctr">
+                      <a:solidFill>
+                        <a:prstClr val="white">
+                          <a:lumMod val="75000"/>
+                        </a:prstClr>
+                      </a:solidFill>
+                      <a:prstDash val="solid"/>
+                      <a:round/>
+                      <a:headEnd type="none" w="med" len="med"/>
+                      <a:tailEnd type="none" w="med" len="med"/>
+                    </a:lnL>
+                    <a:lnR w="6350" cap="flat" cmpd="sng" algn="ctr">
+                      <a:solidFill>
+                        <a:prstClr val="white">
+                          <a:lumMod val="75000"/>
+                        </a:prstClr>
+                      </a:solidFill>
+                      <a:prstDash val="solid"/>
+                      <a:round/>
+                      <a:headEnd type="none" w="med" len="med"/>
+                      <a:tailEnd type="none" w="med" len="med"/>
+                    </a:lnR>
+                    <a:lnT w="6350" cap="flat" cmpd="sng" algn="ctr">
+                      <a:solidFill>
+                        <a:prstClr val="white">
+                          <a:lumMod val="75000"/>
+                        </a:prstClr>
+                      </a:solidFill>
+                      <a:prstDash val="solid"/>
+                      <a:round/>
+                      <a:headEnd type="none" w="med" len="med"/>
+                      <a:tailEnd type="none" w="med" len="med"/>
+                    </a:lnT>
+                    <a:lnB w="6350" cap="flat" cmpd="sng" algn="ctr">
+                      <a:solidFill>
+                        <a:prstClr val="white">
+                          <a:lumMod val="75000"/>
+                        </a:prstClr>
+                      </a:solidFill>
+                      <a:prstDash val="solid"/>
+                      <a:round/>
+                      <a:headEnd type="none" w="med" len="med"/>
+                      <a:tailEnd type="none" w="med" len="med"/>
+                    </a:lnB>
+                  </a:tcPr>
+                </a:tc>
+              </a:tr>
+            </a:tbl>
+          </a:graphicData>
+        </a:graphic>
+      </p:graphicFrame>
+      <p:sp>
+        <p:nvSpPr>
+          <p:cNvPr id="16" name="正方形/長方形 15"/>
+          <p:cNvSpPr/>
+          <p:nvPr/>
+        </p:nvSpPr>
+        <p:spPr>
+          <a:xfrm>
+            <a:off x="596903" y="3443605"/>
+            <a:ext cx="501649" cy="495300"/>
+          </a:xfrm>
+          <a:prstGeom prst="rect">
+            <a:avLst/>
+          </a:prstGeom>
+          <a:noFill/>
+        </p:spPr>
+        <p:style>
+          <a:lnRef idx="2">
+            <a:schemeClr val="accent2"/>
+          </a:lnRef>
+          <a:fillRef idx="1">
+            <a:schemeClr val="lt1"/>
+          </a:fillRef>
+          <a:effectRef idx="0">
+            <a:schemeClr val="accent2"/>
+          </a:effectRef>
+          <a:fontRef idx="minor">
+            <a:schemeClr val="dk1"/>
+          </a:fontRef>
+        </p:style>
+        <p:txBody>
+          <a:bodyPr rtlCol="0" anchor="ctr"/>
+          <a:lstStyle/>
+          <a:p>
+            <a:pPr algn="ctr"/>
+            <a:endParaRPr kumimoji="1" lang="ja-JP" altLang="en-US" dirty="0"/>
+          </a:p>
+        </p:txBody>
+      </p:sp>
+      <p:graphicFrame>
+        <p:nvGraphicFramePr>
+          <p:cNvPr id="17" name="表 16"/>
+          <p:cNvGraphicFramePr>
+            <a:graphicFrameLocks noGrp="1"/>
+          </p:cNvGraphicFramePr>
+          <p:nvPr>
+            <p:extLst>
+              <p:ext uri="{D42A27DB-BD31-4B8C-83A1-F6EECF244321}">
+                <p14:modId xmlns:p14="http://schemas.microsoft.com/office/powerpoint/2010/main" val="1649292216"/>
+              </p:ext>
+            </p:extLst>
+          </p:nvPr>
+        </p:nvGraphicFramePr>
+        <p:xfrm>
+          <a:off x="558801" y="4583219"/>
+          <a:ext cx="825501" cy="822960"/>
+        </p:xfrm>
+        <a:graphic>
+          <a:graphicData uri="http://schemas.openxmlformats.org/drawingml/2006/table">
+            <a:tbl>
+              <a:tblPr firstRow="1" bandRow="1">
+                <a:tableStyleId>{2D5ABB26-0587-4C30-8999-92F81FD0307C}</a:tableStyleId>
+              </a:tblPr>
+              <a:tblGrid>
+                <a:gridCol w="275167"/>
+                <a:gridCol w="275167"/>
+                <a:gridCol w="275167"/>
+              </a:tblGrid>
+              <a:tr h="245533">
+                <a:tc>
+                  <a:txBody>
+                    <a:bodyPr/>
+                    <a:lstStyle/>
+                    <a:p>
+                      <a:pPr algn="ctr"/>
+                      <a:r>
+                        <a:rPr kumimoji="1" lang="en-US" altLang="ja-JP" sz="1200" dirty="0" smtClean="0">
+                          <a:latin typeface="Seravek"/>
+                          <a:cs typeface="Seravek"/>
+                        </a:rPr>
+                        <a:t>1</a:t>
+                      </a:r>
+                      <a:endParaRPr kumimoji="1" lang="ja-JP" altLang="en-US" sz="1200" dirty="0">
+                        <a:latin typeface="Seravek"/>
+                        <a:cs typeface="Seravek"/>
+                      </a:endParaRPr>
+                    </a:p>
+                  </a:txBody>
+                  <a:tcPr>
+                    <a:lnL w="6350" cap="flat" cmpd="sng" algn="ctr">
+                      <a:solidFill>
+                        <a:prstClr val="white">
+                          <a:lumMod val="75000"/>
+                        </a:prstClr>
+                      </a:solidFill>
+                      <a:prstDash val="solid"/>
+                      <a:round/>
+                      <a:headEnd type="none" w="med" len="med"/>
+                      <a:tailEnd type="none" w="med" len="med"/>
+                    </a:lnL>
+                    <a:lnR w="6350" cap="flat" cmpd="sng" algn="ctr">
+                      <a:solidFill>
+                        <a:prstClr val="white">
+                          <a:lumMod val="75000"/>
+                        </a:prstClr>
+                      </a:solidFill>
+                      <a:prstDash val="solid"/>
+                      <a:round/>
+                      <a:headEnd type="none" w="med" len="med"/>
+                      <a:tailEnd type="none" w="med" len="med"/>
+                    </a:lnR>
+                    <a:lnT w="6350" cap="flat" cmpd="sng" algn="ctr">
+                      <a:solidFill>
+                        <a:prstClr val="white">
+                          <a:lumMod val="75000"/>
+                        </a:prstClr>
+                      </a:solidFill>
+                      <a:prstDash val="solid"/>
+                      <a:round/>
+                      <a:headEnd type="none" w="med" len="med"/>
+                      <a:tailEnd type="none" w="med" len="med"/>
+                    </a:lnT>
+                    <a:lnB w="6350" cap="flat" cmpd="sng" algn="ctr">
+                      <a:solidFill>
+                        <a:prstClr val="white">
+                          <a:lumMod val="75000"/>
+                        </a:prstClr>
+                      </a:solidFill>
+                      <a:prstDash val="solid"/>
+                      <a:round/>
+                      <a:headEnd type="none" w="med" len="med"/>
+                      <a:tailEnd type="none" w="med" len="med"/>
+                    </a:lnB>
+                  </a:tcPr>
+                </a:tc>
+                <a:tc>
+                  <a:txBody>
+                    <a:bodyPr/>
+                    <a:lstStyle/>
+                    <a:p>
+                      <a:pPr algn="ctr"/>
+                      <a:r>
+                        <a:rPr kumimoji="1" lang="en-US" altLang="ja-JP" sz="1200" dirty="0" smtClean="0">
+                          <a:latin typeface="Seravek"/>
+                          <a:cs typeface="Seravek"/>
+                        </a:rPr>
+                        <a:t>2</a:t>
+                      </a:r>
+                      <a:endParaRPr kumimoji="1" lang="ja-JP" altLang="en-US" sz="1200" dirty="0">
+                        <a:latin typeface="Seravek"/>
+                        <a:cs typeface="Seravek"/>
+                      </a:endParaRPr>
+                    </a:p>
+                  </a:txBody>
+                  <a:tcPr>
+                    <a:lnL w="6350" cap="flat" cmpd="sng" algn="ctr">
+                      <a:solidFill>
+                        <a:prstClr val="white">
+                          <a:lumMod val="75000"/>
+                        </a:prstClr>
+                      </a:solidFill>
+                      <a:prstDash val="solid"/>
+                      <a:round/>
+                      <a:headEnd type="none" w="med" len="med"/>
+                      <a:tailEnd type="none" w="med" len="med"/>
+                    </a:lnL>
+                    <a:lnR w="6350" cap="flat" cmpd="sng" algn="ctr">
+                      <a:solidFill>
+                        <a:prstClr val="white">
+                          <a:lumMod val="75000"/>
+                        </a:prstClr>
+                      </a:solidFill>
+                      <a:prstDash val="solid"/>
+                      <a:round/>
+                      <a:headEnd type="none" w="med" len="med"/>
+                      <a:tailEnd type="none" w="med" len="med"/>
+                    </a:lnR>
+                    <a:lnT w="6350" cap="flat" cmpd="sng" algn="ctr">
+                      <a:solidFill>
+                        <a:prstClr val="white">
+                          <a:lumMod val="75000"/>
+                        </a:prstClr>
+                      </a:solidFill>
+                      <a:prstDash val="solid"/>
+                      <a:round/>
+                      <a:headEnd type="none" w="med" len="med"/>
+                      <a:tailEnd type="none" w="med" len="med"/>
+                    </a:lnT>
+                    <a:lnB w="6350" cap="flat" cmpd="sng" algn="ctr">
+                      <a:solidFill>
+                        <a:prstClr val="white">
+                          <a:lumMod val="75000"/>
+                        </a:prstClr>
+                      </a:solidFill>
+                      <a:prstDash val="solid"/>
+                      <a:round/>
+                      <a:headEnd type="none" w="med" len="med"/>
+                      <a:tailEnd type="none" w="med" len="med"/>
+                    </a:lnB>
+                  </a:tcPr>
+                </a:tc>
+                <a:tc>
+                  <a:txBody>
+                    <a:bodyPr/>
+                    <a:lstStyle/>
+                    <a:p>
+                      <a:pPr algn="ctr"/>
+                      <a:r>
+                        <a:rPr kumimoji="1" lang="en-US" altLang="ja-JP" sz="1200" dirty="0" smtClean="0">
+                          <a:latin typeface="Seravek"/>
+                          <a:cs typeface="Seravek"/>
+                        </a:rPr>
+                        <a:t>3</a:t>
+                      </a:r>
+                    </a:p>
+                  </a:txBody>
+                  <a:tcPr>
+                    <a:lnL w="6350" cap="flat" cmpd="sng" algn="ctr">
+                      <a:solidFill>
+                        <a:prstClr val="white">
+                          <a:lumMod val="75000"/>
+                        </a:prstClr>
+                      </a:solidFill>
+                      <a:prstDash val="solid"/>
+                      <a:round/>
+                      <a:headEnd type="none" w="med" len="med"/>
+                      <a:tailEnd type="none" w="med" len="med"/>
+                    </a:lnL>
+                    <a:lnR w="6350" cap="flat" cmpd="sng" algn="ctr">
+                      <a:solidFill>
+                        <a:prstClr val="white">
+                          <a:lumMod val="75000"/>
+                        </a:prstClr>
+                      </a:solidFill>
+                      <a:prstDash val="solid"/>
+                      <a:round/>
+                      <a:headEnd type="none" w="med" len="med"/>
+                      <a:tailEnd type="none" w="med" len="med"/>
+                    </a:lnR>
+                    <a:lnT w="6350" cap="flat" cmpd="sng" algn="ctr">
+                      <a:solidFill>
+                        <a:prstClr val="white">
+                          <a:lumMod val="75000"/>
+                        </a:prstClr>
+                      </a:solidFill>
+                      <a:prstDash val="solid"/>
+                      <a:round/>
+                      <a:headEnd type="none" w="med" len="med"/>
+                      <a:tailEnd type="none" w="med" len="med"/>
+                    </a:lnT>
+                    <a:lnB w="6350" cap="flat" cmpd="sng" algn="ctr">
+                      <a:solidFill>
+                        <a:prstClr val="white">
+                          <a:lumMod val="75000"/>
+                        </a:prstClr>
+                      </a:solidFill>
+                      <a:prstDash val="solid"/>
+                      <a:round/>
+                      <a:headEnd type="none" w="med" len="med"/>
+                      <a:tailEnd type="none" w="med" len="med"/>
+                    </a:lnB>
+                  </a:tcPr>
+                </a:tc>
+              </a:tr>
+              <a:tr h="245533">
+                <a:tc>
+                  <a:txBody>
+                    <a:bodyPr/>
+                    <a:lstStyle/>
+                    <a:p>
+                      <a:pPr algn="ctr"/>
+                      <a:r>
+                        <a:rPr kumimoji="1" lang="en-US" altLang="ja-JP" sz="1200" dirty="0" smtClean="0">
+                          <a:latin typeface="Seravek"/>
+                          <a:cs typeface="Seravek"/>
+                        </a:rPr>
+                        <a:t>4</a:t>
+                      </a:r>
+                      <a:endParaRPr kumimoji="1" lang="ja-JP" altLang="en-US" sz="1200" dirty="0">
+                        <a:latin typeface="Seravek"/>
+                        <a:cs typeface="Seravek"/>
+                      </a:endParaRPr>
+                    </a:p>
+                  </a:txBody>
+                  <a:tcPr>
+                    <a:lnL w="6350" cap="flat" cmpd="sng" algn="ctr">
+                      <a:solidFill>
+                        <a:prstClr val="white">
+                          <a:lumMod val="75000"/>
+                        </a:prstClr>
+                      </a:solidFill>
+                      <a:prstDash val="solid"/>
+                      <a:round/>
+                      <a:headEnd type="none" w="med" len="med"/>
+                      <a:tailEnd type="none" w="med" len="med"/>
+                    </a:lnL>
+                    <a:lnR w="6350" cap="flat" cmpd="sng" algn="ctr">
+                      <a:solidFill>
+                        <a:prstClr val="white">
+                          <a:lumMod val="75000"/>
+                        </a:prstClr>
+                      </a:solidFill>
+                      <a:prstDash val="solid"/>
+                      <a:round/>
+                      <a:headEnd type="none" w="med" len="med"/>
+                      <a:tailEnd type="none" w="med" len="med"/>
+                    </a:lnR>
+                    <a:lnT w="6350" cap="flat" cmpd="sng" algn="ctr">
+                      <a:solidFill>
+                        <a:prstClr val="white">
+                          <a:lumMod val="75000"/>
+                        </a:prstClr>
+                      </a:solidFill>
+                      <a:prstDash val="solid"/>
+                      <a:round/>
+                      <a:headEnd type="none" w="med" len="med"/>
+                      <a:tailEnd type="none" w="med" len="med"/>
+                    </a:lnT>
+                    <a:lnB w="6350" cap="flat" cmpd="sng" algn="ctr">
+                      <a:solidFill>
+                        <a:prstClr val="white">
+                          <a:lumMod val="75000"/>
+                        </a:prstClr>
+                      </a:solidFill>
+                      <a:prstDash val="solid"/>
+                      <a:round/>
+                      <a:headEnd type="none" w="med" len="med"/>
+                      <a:tailEnd type="none" w="med" len="med"/>
+                    </a:lnB>
+                  </a:tcPr>
+                </a:tc>
+                <a:tc>
+                  <a:txBody>
+                    <a:bodyPr/>
+                    <a:lstStyle/>
+                    <a:p>
+                      <a:pPr algn="ctr"/>
+                      <a:r>
+                        <a:rPr kumimoji="1" lang="en-US" altLang="ja-JP" sz="1200" dirty="0" smtClean="0">
+                          <a:latin typeface="Seravek"/>
+                          <a:cs typeface="Seravek"/>
+                        </a:rPr>
+                        <a:t>5</a:t>
+                      </a:r>
+                      <a:endParaRPr kumimoji="1" lang="ja-JP" altLang="en-US" sz="1200" dirty="0">
+                        <a:latin typeface="Seravek"/>
+                        <a:cs typeface="Seravek"/>
+                      </a:endParaRPr>
+                    </a:p>
+                  </a:txBody>
+                  <a:tcPr>
+                    <a:lnL w="6350" cap="flat" cmpd="sng" algn="ctr">
+                      <a:solidFill>
+                        <a:prstClr val="white">
+                          <a:lumMod val="75000"/>
+                        </a:prstClr>
+                      </a:solidFill>
+                      <a:prstDash val="solid"/>
+                      <a:round/>
+                      <a:headEnd type="none" w="med" len="med"/>
+                      <a:tailEnd type="none" w="med" len="med"/>
+                    </a:lnL>
+                    <a:lnR w="6350" cap="flat" cmpd="sng" algn="ctr">
+                      <a:solidFill>
+                        <a:prstClr val="white">
+                          <a:lumMod val="75000"/>
+                        </a:prstClr>
+                      </a:solidFill>
+                      <a:prstDash val="solid"/>
+                      <a:round/>
+                      <a:headEnd type="none" w="med" len="med"/>
+                      <a:tailEnd type="none" w="med" len="med"/>
+                    </a:lnR>
+                    <a:lnT w="6350" cap="flat" cmpd="sng" algn="ctr">
+                      <a:solidFill>
+                        <a:prstClr val="white">
+                          <a:lumMod val="75000"/>
+                        </a:prstClr>
+                      </a:solidFill>
+                      <a:prstDash val="solid"/>
+                      <a:round/>
+                      <a:headEnd type="none" w="med" len="med"/>
+                      <a:tailEnd type="none" w="med" len="med"/>
+                    </a:lnT>
+                    <a:lnB w="6350" cap="flat" cmpd="sng" algn="ctr">
+                      <a:solidFill>
+                        <a:prstClr val="white">
+                          <a:lumMod val="75000"/>
+                        </a:prstClr>
+                      </a:solidFill>
+                      <a:prstDash val="solid"/>
+                      <a:round/>
+                      <a:headEnd type="none" w="med" len="med"/>
+                      <a:tailEnd type="none" w="med" len="med"/>
+                    </a:lnB>
+                    <a:solidFill>
+                      <a:srgbClr val="E6B9B8"/>
+                    </a:solidFill>
+                  </a:tcPr>
+                </a:tc>
+                <a:tc>
+                  <a:txBody>
+                    <a:bodyPr/>
+                    <a:lstStyle/>
+                    <a:p>
+                      <a:pPr algn="ctr"/>
+                      <a:r>
+                        <a:rPr kumimoji="1" lang="en-US" altLang="ja-JP" sz="1200" dirty="0" smtClean="0">
+                          <a:latin typeface="Seravek"/>
+                          <a:cs typeface="Seravek"/>
+                        </a:rPr>
+                        <a:t>6</a:t>
+                      </a:r>
+                      <a:endParaRPr kumimoji="1" lang="ja-JP" altLang="en-US" sz="1200" dirty="0">
+                        <a:latin typeface="Seravek"/>
+                        <a:cs typeface="Seravek"/>
+                      </a:endParaRPr>
+                    </a:p>
+                  </a:txBody>
+                  <a:tcPr>
+                    <a:lnL w="6350" cap="flat" cmpd="sng" algn="ctr">
+                      <a:solidFill>
+                        <a:prstClr val="white">
+                          <a:lumMod val="75000"/>
+                        </a:prstClr>
+                      </a:solidFill>
+                      <a:prstDash val="solid"/>
+                      <a:round/>
+                      <a:headEnd type="none" w="med" len="med"/>
+                      <a:tailEnd type="none" w="med" len="med"/>
+                    </a:lnL>
+                    <a:lnR w="6350" cap="flat" cmpd="sng" algn="ctr">
+                      <a:solidFill>
+                        <a:prstClr val="white">
+                          <a:lumMod val="75000"/>
+                        </a:prstClr>
+                      </a:solidFill>
+                      <a:prstDash val="solid"/>
+                      <a:round/>
+                      <a:headEnd type="none" w="med" len="med"/>
+                      <a:tailEnd type="none" w="med" len="med"/>
+                    </a:lnR>
+                    <a:lnT w="6350" cap="flat" cmpd="sng" algn="ctr">
+                      <a:solidFill>
+                        <a:prstClr val="white">
+                          <a:lumMod val="75000"/>
+                        </a:prstClr>
+                      </a:solidFill>
+                      <a:prstDash val="solid"/>
+                      <a:round/>
+                      <a:headEnd type="none" w="med" len="med"/>
+                      <a:tailEnd type="none" w="med" len="med"/>
+                    </a:lnT>
+                    <a:lnB w="6350" cap="flat" cmpd="sng" algn="ctr">
+                      <a:solidFill>
+                        <a:prstClr val="white">
+                          <a:lumMod val="75000"/>
+                        </a:prstClr>
+                      </a:solidFill>
+                      <a:prstDash val="solid"/>
+                      <a:round/>
+                      <a:headEnd type="none" w="med" len="med"/>
+                      <a:tailEnd type="none" w="med" len="med"/>
+                    </a:lnB>
+                  </a:tcPr>
+                </a:tc>
+              </a:tr>
+              <a:tr h="245533">
+                <a:tc>
+                  <a:txBody>
+                    <a:bodyPr/>
+                    <a:lstStyle/>
+                    <a:p>
+                      <a:pPr algn="ctr"/>
+                      <a:r>
+                        <a:rPr kumimoji="1" lang="en-US" altLang="ja-JP" sz="1200" dirty="0" smtClean="0">
+                          <a:latin typeface="Seravek"/>
+                          <a:cs typeface="Seravek"/>
+                        </a:rPr>
+                        <a:t>7</a:t>
+                      </a:r>
+                      <a:endParaRPr kumimoji="1" lang="ja-JP" altLang="en-US" sz="1200" dirty="0">
+                        <a:latin typeface="Seravek"/>
+                        <a:cs typeface="Seravek"/>
+                      </a:endParaRPr>
+                    </a:p>
+                  </a:txBody>
+                  <a:tcPr>
+                    <a:lnL w="6350" cap="flat" cmpd="sng" algn="ctr">
+                      <a:solidFill>
+                        <a:prstClr val="white">
+                          <a:lumMod val="75000"/>
+                        </a:prstClr>
+                      </a:solidFill>
+                      <a:prstDash val="solid"/>
+                      <a:round/>
+                      <a:headEnd type="none" w="med" len="med"/>
+                      <a:tailEnd type="none" w="med" len="med"/>
+                    </a:lnL>
+                    <a:lnR w="6350" cap="flat" cmpd="sng" algn="ctr">
+                      <a:solidFill>
+                        <a:prstClr val="white">
+                          <a:lumMod val="75000"/>
+                        </a:prstClr>
+                      </a:solidFill>
+                      <a:prstDash val="solid"/>
+                      <a:round/>
+                      <a:headEnd type="none" w="med" len="med"/>
+                      <a:tailEnd type="none" w="med" len="med"/>
+                    </a:lnR>
+                    <a:lnT w="6350" cap="flat" cmpd="sng" algn="ctr">
+                      <a:solidFill>
+                        <a:prstClr val="white">
+                          <a:lumMod val="75000"/>
+                        </a:prstClr>
+                      </a:solidFill>
+                      <a:prstDash val="solid"/>
+                      <a:round/>
+                      <a:headEnd type="none" w="med" len="med"/>
+                      <a:tailEnd type="none" w="med" len="med"/>
+                    </a:lnT>
+                    <a:lnB w="6350" cap="flat" cmpd="sng" algn="ctr">
+                      <a:solidFill>
+                        <a:prstClr val="white">
+                          <a:lumMod val="75000"/>
+                        </a:prstClr>
+                      </a:solidFill>
+                      <a:prstDash val="solid"/>
+                      <a:round/>
+                      <a:headEnd type="none" w="med" len="med"/>
+                      <a:tailEnd type="none" w="med" len="med"/>
+                    </a:lnB>
+                  </a:tcPr>
+                </a:tc>
+                <a:tc>
+                  <a:txBody>
+                    <a:bodyPr/>
+                    <a:lstStyle/>
+                    <a:p>
+                      <a:pPr algn="ctr"/>
+                      <a:r>
+                        <a:rPr kumimoji="1" lang="en-US" altLang="ja-JP" sz="1200" dirty="0" smtClean="0">
+                          <a:latin typeface="Seravek"/>
+                          <a:cs typeface="Seravek"/>
+                        </a:rPr>
+                        <a:t>8</a:t>
+                      </a:r>
+                      <a:endParaRPr kumimoji="1" lang="ja-JP" altLang="en-US" sz="1200" dirty="0">
+                        <a:latin typeface="Seravek"/>
+                        <a:cs typeface="Seravek"/>
+                      </a:endParaRPr>
+                    </a:p>
+                  </a:txBody>
+                  <a:tcPr>
+                    <a:lnL w="6350" cap="flat" cmpd="sng" algn="ctr">
+                      <a:solidFill>
+                        <a:prstClr val="white">
+                          <a:lumMod val="75000"/>
+                        </a:prstClr>
+                      </a:solidFill>
+                      <a:prstDash val="solid"/>
+                      <a:round/>
+                      <a:headEnd type="none" w="med" len="med"/>
+                      <a:tailEnd type="none" w="med" len="med"/>
+                    </a:lnL>
+                    <a:lnR w="6350" cap="flat" cmpd="sng" algn="ctr">
+                      <a:solidFill>
+                        <a:prstClr val="white">
+                          <a:lumMod val="75000"/>
+                        </a:prstClr>
+                      </a:solidFill>
+                      <a:prstDash val="solid"/>
+                      <a:round/>
+                      <a:headEnd type="none" w="med" len="med"/>
+                      <a:tailEnd type="none" w="med" len="med"/>
+                    </a:lnR>
+                    <a:lnT w="6350" cap="flat" cmpd="sng" algn="ctr">
+                      <a:solidFill>
+                        <a:prstClr val="white">
+                          <a:lumMod val="75000"/>
+                        </a:prstClr>
+                      </a:solidFill>
+                      <a:prstDash val="solid"/>
+                      <a:round/>
+                      <a:headEnd type="none" w="med" len="med"/>
+                      <a:tailEnd type="none" w="med" len="med"/>
+                    </a:lnT>
+                    <a:lnB w="6350" cap="flat" cmpd="sng" algn="ctr">
+                      <a:solidFill>
+                        <a:prstClr val="white">
+                          <a:lumMod val="75000"/>
+                        </a:prstClr>
+                      </a:solidFill>
+                      <a:prstDash val="solid"/>
+                      <a:round/>
+                      <a:headEnd type="none" w="med" len="med"/>
+                      <a:tailEnd type="none" w="med" len="med"/>
+                    </a:lnB>
+                  </a:tcPr>
+                </a:tc>
+                <a:tc>
+                  <a:txBody>
+                    <a:bodyPr/>
+                    <a:lstStyle/>
+                    <a:p>
+                      <a:pPr algn="ctr"/>
+                      <a:r>
+                        <a:rPr kumimoji="1" lang="en-US" altLang="ja-JP" sz="1200" dirty="0" smtClean="0">
+                          <a:latin typeface="Seravek"/>
+                          <a:cs typeface="Seravek"/>
+                        </a:rPr>
+                        <a:t>9</a:t>
+                      </a:r>
+                      <a:endParaRPr kumimoji="1" lang="ja-JP" altLang="en-US" sz="1200" dirty="0">
+                        <a:latin typeface="Seravek"/>
+                        <a:cs typeface="Seravek"/>
+                      </a:endParaRPr>
+                    </a:p>
+                  </a:txBody>
+                  <a:tcPr>
+                    <a:lnL w="6350" cap="flat" cmpd="sng" algn="ctr">
+                      <a:solidFill>
+                        <a:prstClr val="white">
+                          <a:lumMod val="75000"/>
+                        </a:prstClr>
+                      </a:solidFill>
+                      <a:prstDash val="solid"/>
+                      <a:round/>
+                      <a:headEnd type="none" w="med" len="med"/>
+                      <a:tailEnd type="none" w="med" len="med"/>
+                    </a:lnL>
+                    <a:lnR w="6350" cap="flat" cmpd="sng" algn="ctr">
+                      <a:solidFill>
+                        <a:prstClr val="white">
+                          <a:lumMod val="75000"/>
+                        </a:prstClr>
+                      </a:solidFill>
+                      <a:prstDash val="solid"/>
+                      <a:round/>
+                      <a:headEnd type="none" w="med" len="med"/>
+                      <a:tailEnd type="none" w="med" len="med"/>
+                    </a:lnR>
+                    <a:lnT w="6350" cap="flat" cmpd="sng" algn="ctr">
+                      <a:solidFill>
+                        <a:prstClr val="white">
+                          <a:lumMod val="75000"/>
+                        </a:prstClr>
+                      </a:solidFill>
+                      <a:prstDash val="solid"/>
+                      <a:round/>
+                      <a:headEnd type="none" w="med" len="med"/>
+                      <a:tailEnd type="none" w="med" len="med"/>
+                    </a:lnT>
+                    <a:lnB w="6350" cap="flat" cmpd="sng" algn="ctr">
+                      <a:solidFill>
+                        <a:prstClr val="white">
+                          <a:lumMod val="75000"/>
+                        </a:prstClr>
+                      </a:solidFill>
+                      <a:prstDash val="solid"/>
+                      <a:round/>
+                      <a:headEnd type="none" w="med" len="med"/>
+                      <a:tailEnd type="none" w="med" len="med"/>
+                    </a:lnB>
+                  </a:tcPr>
+                </a:tc>
+              </a:tr>
+            </a:tbl>
+          </a:graphicData>
+        </a:graphic>
+      </p:graphicFrame>
+      <p:graphicFrame>
+        <p:nvGraphicFramePr>
+          <p:cNvPr id="18" name="表 17"/>
+          <p:cNvGraphicFramePr>
+            <a:graphicFrameLocks noGrp="1"/>
+          </p:cNvGraphicFramePr>
+          <p:nvPr>
+            <p:extLst>
+              <p:ext uri="{D42A27DB-BD31-4B8C-83A1-F6EECF244321}">
+                <p14:modId xmlns:p14="http://schemas.microsoft.com/office/powerpoint/2010/main" val="4024107359"/>
+              </p:ext>
+            </p:extLst>
+          </p:nvPr>
+        </p:nvGraphicFramePr>
+        <p:xfrm>
+          <a:off x="2108199" y="4722919"/>
+          <a:ext cx="596900" cy="548640"/>
+        </p:xfrm>
+        <a:graphic>
+          <a:graphicData uri="http://schemas.openxmlformats.org/drawingml/2006/table">
+            <a:tbl>
+              <a:tblPr firstRow="1" bandRow="1">
+                <a:tableStyleId>{2D5ABB26-0587-4C30-8999-92F81FD0307C}</a:tableStyleId>
+              </a:tblPr>
+              <a:tblGrid>
+                <a:gridCol w="298450"/>
+                <a:gridCol w="298450"/>
+              </a:tblGrid>
+              <a:tr h="273050">
+                <a:tc>
+                  <a:txBody>
+                    <a:bodyPr/>
+                    <a:lstStyle/>
+                    <a:p>
+                      <a:pPr algn="ctr"/>
+                      <a:r>
+                        <a:rPr kumimoji="1" lang="en-US" altLang="ja-JP" sz="1200" b="0" i="0" dirty="0" smtClean="0">
+                          <a:latin typeface="Seravek"/>
+                          <a:cs typeface="Seravek"/>
+                        </a:rPr>
+                        <a:t>1</a:t>
+                      </a:r>
+                      <a:endParaRPr kumimoji="1" lang="ja-JP" altLang="en-US" sz="1200" b="0" i="0" dirty="0">
+                        <a:latin typeface="Seravek"/>
+                        <a:cs typeface="Seravek"/>
+                      </a:endParaRPr>
+                    </a:p>
+                  </a:txBody>
+                  <a:tcPr>
+                    <a:lnL w="6350" cap="flat" cmpd="sng" algn="ctr">
+                      <a:solidFill>
+                        <a:prstClr val="white">
+                          <a:lumMod val="75000"/>
+                        </a:prstClr>
+                      </a:solidFill>
+                      <a:prstDash val="solid"/>
+                      <a:round/>
+                      <a:headEnd type="none" w="med" len="med"/>
+                      <a:tailEnd type="none" w="med" len="med"/>
+                    </a:lnL>
+                    <a:lnR w="6350" cap="flat" cmpd="sng" algn="ctr">
+                      <a:solidFill>
+                        <a:prstClr val="white">
+                          <a:lumMod val="75000"/>
+                        </a:prstClr>
+                      </a:solidFill>
+                      <a:prstDash val="solid"/>
+                      <a:round/>
+                      <a:headEnd type="none" w="med" len="med"/>
+                      <a:tailEnd type="none" w="med" len="med"/>
+                    </a:lnR>
+                    <a:lnT w="6350" cap="flat" cmpd="sng" algn="ctr">
+                      <a:solidFill>
+                        <a:prstClr val="white">
+                          <a:lumMod val="75000"/>
+                        </a:prstClr>
+                      </a:solidFill>
+                      <a:prstDash val="solid"/>
+                      <a:round/>
+                      <a:headEnd type="none" w="med" len="med"/>
+                      <a:tailEnd type="none" w="med" len="med"/>
+                    </a:lnT>
+                    <a:lnB w="6350" cap="flat" cmpd="sng" algn="ctr">
+                      <a:solidFill>
+                        <a:prstClr val="white">
+                          <a:lumMod val="75000"/>
+                        </a:prstClr>
+                      </a:solidFill>
+                      <a:prstDash val="solid"/>
+                      <a:round/>
+                      <a:headEnd type="none" w="med" len="med"/>
+                      <a:tailEnd type="none" w="med" len="med"/>
+                    </a:lnB>
+                  </a:tcPr>
+                </a:tc>
+                <a:tc>
+                  <a:txBody>
+                    <a:bodyPr/>
+                    <a:lstStyle/>
+                    <a:p>
+                      <a:pPr algn="ctr"/>
+                      <a:r>
+                        <a:rPr kumimoji="1" lang="en-US" altLang="ja-JP" sz="1200" b="0" i="0" dirty="0" smtClean="0">
+                          <a:latin typeface="Seravek"/>
+                          <a:cs typeface="Seravek"/>
+                        </a:rPr>
+                        <a:t>2</a:t>
+                      </a:r>
+                      <a:endParaRPr kumimoji="1" lang="ja-JP" altLang="en-US" sz="1200" b="0" i="0" dirty="0">
+                        <a:latin typeface="Seravek"/>
+                        <a:cs typeface="Seravek"/>
+                      </a:endParaRPr>
+                    </a:p>
+                  </a:txBody>
+                  <a:tcPr>
+                    <a:lnL w="6350" cap="flat" cmpd="sng" algn="ctr">
+                      <a:solidFill>
+                        <a:prstClr val="white">
+                          <a:lumMod val="75000"/>
+                        </a:prstClr>
+                      </a:solidFill>
+                      <a:prstDash val="solid"/>
+                      <a:round/>
+                      <a:headEnd type="none" w="med" len="med"/>
+                      <a:tailEnd type="none" w="med" len="med"/>
+                    </a:lnL>
+                    <a:lnR w="6350" cap="flat" cmpd="sng" algn="ctr">
+                      <a:solidFill>
+                        <a:prstClr val="white">
+                          <a:lumMod val="75000"/>
+                        </a:prstClr>
+                      </a:solidFill>
+                      <a:prstDash val="solid"/>
+                      <a:round/>
+                      <a:headEnd type="none" w="med" len="med"/>
+                      <a:tailEnd type="none" w="med" len="med"/>
+                    </a:lnR>
+                    <a:lnT w="6350" cap="flat" cmpd="sng" algn="ctr">
+                      <a:solidFill>
+                        <a:prstClr val="white">
+                          <a:lumMod val="75000"/>
+                        </a:prstClr>
+                      </a:solidFill>
+                      <a:prstDash val="solid"/>
+                      <a:round/>
+                      <a:headEnd type="none" w="med" len="med"/>
+                      <a:tailEnd type="none" w="med" len="med"/>
+                    </a:lnT>
+                    <a:lnB w="6350" cap="flat" cmpd="sng" algn="ctr">
+                      <a:solidFill>
+                        <a:prstClr val="white">
+                          <a:lumMod val="75000"/>
+                        </a:prstClr>
+                      </a:solidFill>
+                      <a:prstDash val="solid"/>
+                      <a:round/>
+                      <a:headEnd type="none" w="med" len="med"/>
+                      <a:tailEnd type="none" w="med" len="med"/>
+                    </a:lnB>
+                  </a:tcPr>
+                </a:tc>
+              </a:tr>
+              <a:tr h="273050">
+                <a:tc>
+                  <a:txBody>
+                    <a:bodyPr/>
+                    <a:lstStyle/>
+                    <a:p>
+                      <a:pPr algn="ctr"/>
+                      <a:r>
+                        <a:rPr kumimoji="1" lang="en-US" altLang="ja-JP" sz="1200" b="0" i="0" dirty="0" smtClean="0">
+                          <a:latin typeface="Seravek"/>
+                          <a:cs typeface="Seravek"/>
+                        </a:rPr>
+                        <a:t>2</a:t>
+                      </a:r>
+                      <a:endParaRPr kumimoji="1" lang="ja-JP" altLang="en-US" sz="1200" b="0" i="0" dirty="0">
+                        <a:latin typeface="Seravek"/>
+                        <a:cs typeface="Seravek"/>
+                      </a:endParaRPr>
+                    </a:p>
+                  </a:txBody>
+                  <a:tcPr>
+                    <a:lnL w="6350" cap="flat" cmpd="sng" algn="ctr">
+                      <a:solidFill>
+                        <a:prstClr val="white">
+                          <a:lumMod val="75000"/>
+                        </a:prstClr>
+                      </a:solidFill>
+                      <a:prstDash val="solid"/>
+                      <a:round/>
+                      <a:headEnd type="none" w="med" len="med"/>
+                      <a:tailEnd type="none" w="med" len="med"/>
+                    </a:lnL>
+                    <a:lnR w="6350" cap="flat" cmpd="sng" algn="ctr">
+                      <a:solidFill>
+                        <a:prstClr val="white">
+                          <a:lumMod val="75000"/>
+                        </a:prstClr>
+                      </a:solidFill>
+                      <a:prstDash val="solid"/>
+                      <a:round/>
+                      <a:headEnd type="none" w="med" len="med"/>
+                      <a:tailEnd type="none" w="med" len="med"/>
+                    </a:lnR>
+                    <a:lnT w="6350" cap="flat" cmpd="sng" algn="ctr">
+                      <a:solidFill>
+                        <a:prstClr val="white">
+                          <a:lumMod val="75000"/>
+                        </a:prstClr>
+                      </a:solidFill>
+                      <a:prstDash val="solid"/>
+                      <a:round/>
+                      <a:headEnd type="none" w="med" len="med"/>
+                      <a:tailEnd type="none" w="med" len="med"/>
+                    </a:lnT>
+                    <a:lnB w="6350" cap="flat" cmpd="sng" algn="ctr">
+                      <a:solidFill>
+                        <a:prstClr val="white">
+                          <a:lumMod val="75000"/>
+                        </a:prstClr>
+                      </a:solidFill>
+                      <a:prstDash val="solid"/>
+                      <a:round/>
+                      <a:headEnd type="none" w="med" len="med"/>
+                      <a:tailEnd type="none" w="med" len="med"/>
+                    </a:lnB>
+                  </a:tcPr>
+                </a:tc>
+                <a:tc>
+                  <a:txBody>
+                    <a:bodyPr/>
+                    <a:lstStyle/>
+                    <a:p>
+                      <a:pPr algn="ctr"/>
+                      <a:r>
+                        <a:rPr kumimoji="1" lang="en-US" altLang="ja-JP" sz="1200" b="0" i="0" dirty="0" smtClean="0">
+                          <a:latin typeface="Seravek"/>
+                          <a:cs typeface="Seravek"/>
+                        </a:rPr>
+                        <a:t>1</a:t>
+                      </a:r>
+                      <a:endParaRPr kumimoji="1" lang="ja-JP" altLang="en-US" sz="1200" b="0" i="0" dirty="0">
+                        <a:latin typeface="Seravek"/>
+                        <a:cs typeface="Seravek"/>
+                      </a:endParaRPr>
+                    </a:p>
+                  </a:txBody>
+                  <a:tcPr>
+                    <a:lnL w="6350" cap="flat" cmpd="sng" algn="ctr">
+                      <a:solidFill>
+                        <a:prstClr val="white">
+                          <a:lumMod val="75000"/>
+                        </a:prstClr>
+                      </a:solidFill>
+                      <a:prstDash val="solid"/>
+                      <a:round/>
+                      <a:headEnd type="none" w="med" len="med"/>
+                      <a:tailEnd type="none" w="med" len="med"/>
+                    </a:lnL>
+                    <a:lnR w="6350" cap="flat" cmpd="sng" algn="ctr">
+                      <a:solidFill>
+                        <a:prstClr val="white">
+                          <a:lumMod val="75000"/>
+                        </a:prstClr>
+                      </a:solidFill>
+                      <a:prstDash val="solid"/>
+                      <a:round/>
+                      <a:headEnd type="none" w="med" len="med"/>
+                      <a:tailEnd type="none" w="med" len="med"/>
+                    </a:lnR>
+                    <a:lnT w="6350" cap="flat" cmpd="sng" algn="ctr">
+                      <a:solidFill>
+                        <a:prstClr val="white">
+                          <a:lumMod val="75000"/>
+                        </a:prstClr>
+                      </a:solidFill>
+                      <a:prstDash val="solid"/>
+                      <a:round/>
+                      <a:headEnd type="none" w="med" len="med"/>
+                      <a:tailEnd type="none" w="med" len="med"/>
+                    </a:lnT>
+                    <a:lnB w="6350" cap="flat" cmpd="sng" algn="ctr">
+                      <a:solidFill>
+                        <a:prstClr val="white">
+                          <a:lumMod val="75000"/>
+                        </a:prstClr>
+                      </a:solidFill>
+                      <a:prstDash val="solid"/>
+                      <a:round/>
+                      <a:headEnd type="none" w="med" len="med"/>
+                      <a:tailEnd type="none" w="med" len="med"/>
+                    </a:lnB>
+                  </a:tcPr>
+                </a:tc>
+              </a:tr>
+            </a:tbl>
+          </a:graphicData>
+        </a:graphic>
+      </p:graphicFrame>
+      <p:graphicFrame>
+        <p:nvGraphicFramePr>
+          <p:cNvPr id="19" name="表 18"/>
+          <p:cNvGraphicFramePr>
+            <a:graphicFrameLocks noGrp="1"/>
+          </p:cNvGraphicFramePr>
+          <p:nvPr>
+            <p:extLst>
+              <p:ext uri="{D42A27DB-BD31-4B8C-83A1-F6EECF244321}">
+                <p14:modId xmlns:p14="http://schemas.microsoft.com/office/powerpoint/2010/main" val="3600994036"/>
+              </p:ext>
+            </p:extLst>
+          </p:nvPr>
+        </p:nvGraphicFramePr>
+        <p:xfrm>
+          <a:off x="3651249" y="4722919"/>
+          <a:ext cx="596900" cy="546100"/>
+        </p:xfrm>
+        <a:graphic>
+          <a:graphicData uri="http://schemas.openxmlformats.org/drawingml/2006/table">
+            <a:tbl>
+              <a:tblPr firstRow="1" bandRow="1">
+                <a:tableStyleId>{2D5ABB26-0587-4C30-8999-92F81FD0307C}</a:tableStyleId>
+              </a:tblPr>
+              <a:tblGrid>
+                <a:gridCol w="298450"/>
+                <a:gridCol w="298450"/>
+              </a:tblGrid>
+              <a:tr h="273050">
+                <a:tc>
+                  <a:txBody>
+                    <a:bodyPr/>
+                    <a:lstStyle/>
+                    <a:p>
+                      <a:pPr algn="ctr"/>
+                      <a:r>
+                        <a:rPr kumimoji="1" lang="en-US" altLang="ja-JP" sz="900" b="0" i="0" dirty="0" smtClean="0">
+                          <a:latin typeface="Seravek"/>
+                          <a:cs typeface="Seravek"/>
+                        </a:rPr>
+                        <a:t>18</a:t>
+                      </a:r>
+                      <a:endParaRPr kumimoji="1" lang="ja-JP" altLang="en-US" sz="900" b="0" i="0" dirty="0">
+                        <a:latin typeface="Seravek"/>
+                        <a:cs typeface="Seravek"/>
+                      </a:endParaRPr>
+                    </a:p>
+                  </a:txBody>
+                  <a:tcPr>
+                    <a:lnL w="6350" cap="flat" cmpd="sng" algn="ctr">
+                      <a:solidFill>
+                        <a:prstClr val="white">
+                          <a:lumMod val="75000"/>
+                        </a:prstClr>
+                      </a:solidFill>
+                      <a:prstDash val="solid"/>
+                      <a:round/>
+                      <a:headEnd type="none" w="med" len="med"/>
+                      <a:tailEnd type="none" w="med" len="med"/>
+                    </a:lnL>
+                    <a:lnR w="6350" cap="flat" cmpd="sng" algn="ctr">
+                      <a:solidFill>
+                        <a:prstClr val="white">
+                          <a:lumMod val="75000"/>
+                        </a:prstClr>
+                      </a:solidFill>
+                      <a:prstDash val="solid"/>
+                      <a:round/>
+                      <a:headEnd type="none" w="med" len="med"/>
+                      <a:tailEnd type="none" w="med" len="med"/>
+                    </a:lnR>
+                    <a:lnT w="6350" cap="flat" cmpd="sng" algn="ctr">
+                      <a:solidFill>
+                        <a:prstClr val="white">
+                          <a:lumMod val="75000"/>
+                        </a:prstClr>
+                      </a:solidFill>
+                      <a:prstDash val="solid"/>
+                      <a:round/>
+                      <a:headEnd type="none" w="med" len="med"/>
+                      <a:tailEnd type="none" w="med" len="med"/>
+                    </a:lnT>
+                    <a:lnB w="6350" cap="flat" cmpd="sng" algn="ctr">
+                      <a:solidFill>
+                        <a:prstClr val="white">
+                          <a:lumMod val="75000"/>
+                        </a:prstClr>
+                      </a:solidFill>
+                      <a:prstDash val="solid"/>
+                      <a:round/>
+                      <a:headEnd type="none" w="med" len="med"/>
+                      <a:tailEnd type="none" w="med" len="med"/>
+                    </a:lnB>
+                  </a:tcPr>
+                </a:tc>
+                <a:tc>
+                  <a:txBody>
+                    <a:bodyPr/>
+                    <a:lstStyle/>
+                    <a:p>
+                      <a:pPr algn="ctr"/>
+                      <a:r>
+                        <a:rPr kumimoji="1" lang="en-US" altLang="ja-JP" sz="900" b="0" i="0" dirty="0" smtClean="0">
+                          <a:latin typeface="Seravek"/>
+                          <a:cs typeface="Seravek"/>
+                        </a:rPr>
+                        <a:t>24</a:t>
+                      </a:r>
+                      <a:endParaRPr kumimoji="1" lang="ja-JP" altLang="en-US" sz="900" b="0" i="0" dirty="0">
+                        <a:latin typeface="Seravek"/>
+                        <a:cs typeface="Seravek"/>
+                      </a:endParaRPr>
+                    </a:p>
+                  </a:txBody>
+                  <a:tcPr>
+                    <a:lnL w="6350" cap="flat" cmpd="sng" algn="ctr">
+                      <a:solidFill>
+                        <a:prstClr val="white">
+                          <a:lumMod val="75000"/>
+                        </a:prstClr>
+                      </a:solidFill>
+                      <a:prstDash val="solid"/>
+                      <a:round/>
+                      <a:headEnd type="none" w="med" len="med"/>
+                      <a:tailEnd type="none" w="med" len="med"/>
+                    </a:lnL>
+                    <a:lnR w="6350" cap="flat" cmpd="sng" algn="ctr">
+                      <a:solidFill>
+                        <a:prstClr val="white">
+                          <a:lumMod val="75000"/>
+                        </a:prstClr>
+                      </a:solidFill>
+                      <a:prstDash val="solid"/>
+                      <a:round/>
+                      <a:headEnd type="none" w="med" len="med"/>
+                      <a:tailEnd type="none" w="med" len="med"/>
+                    </a:lnR>
+                    <a:lnT w="6350" cap="flat" cmpd="sng" algn="ctr">
+                      <a:solidFill>
+                        <a:prstClr val="white">
+                          <a:lumMod val="75000"/>
+                        </a:prstClr>
+                      </a:solidFill>
+                      <a:prstDash val="solid"/>
+                      <a:round/>
+                      <a:headEnd type="none" w="med" len="med"/>
+                      <a:tailEnd type="none" w="med" len="med"/>
+                    </a:lnT>
+                    <a:lnB w="6350" cap="flat" cmpd="sng" algn="ctr">
+                      <a:solidFill>
+                        <a:prstClr val="white">
+                          <a:lumMod val="75000"/>
+                        </a:prstClr>
+                      </a:solidFill>
+                      <a:prstDash val="solid"/>
+                      <a:round/>
+                      <a:headEnd type="none" w="med" len="med"/>
+                      <a:tailEnd type="none" w="med" len="med"/>
+                    </a:lnB>
+                  </a:tcPr>
+                </a:tc>
+              </a:tr>
+              <a:tr h="273050">
+                <a:tc>
+                  <a:txBody>
+                    <a:bodyPr/>
+                    <a:lstStyle/>
+                    <a:p>
+                      <a:pPr algn="ctr"/>
+                      <a:r>
+                        <a:rPr kumimoji="1" lang="en-US" altLang="ja-JP" sz="900" b="0" i="0" dirty="0" smtClean="0">
+                          <a:solidFill>
+                            <a:schemeClr val="tx1"/>
+                          </a:solidFill>
+                          <a:latin typeface="Seravek"/>
+                          <a:cs typeface="Seravek"/>
+                        </a:rPr>
+                        <a:t>36</a:t>
+                      </a:r>
+                      <a:endParaRPr kumimoji="1" lang="ja-JP" altLang="en-US" sz="900" b="0" i="0" dirty="0">
+                        <a:solidFill>
+                          <a:schemeClr val="tx1"/>
+                        </a:solidFill>
+                        <a:latin typeface="Seravek"/>
+                        <a:cs typeface="Seravek"/>
+                      </a:endParaRPr>
+                    </a:p>
+                  </a:txBody>
+                  <a:tcPr>
+                    <a:lnL w="6350" cap="flat" cmpd="sng" algn="ctr">
+                      <a:solidFill>
+                        <a:prstClr val="white">
+                          <a:lumMod val="75000"/>
+                        </a:prstClr>
+                      </a:solidFill>
+                      <a:prstDash val="solid"/>
+                      <a:round/>
+                      <a:headEnd type="none" w="med" len="med"/>
+                      <a:tailEnd type="none" w="med" len="med"/>
+                    </a:lnL>
+                    <a:lnR w="6350" cap="flat" cmpd="sng" algn="ctr">
+                      <a:solidFill>
+                        <a:prstClr val="white">
+                          <a:lumMod val="75000"/>
+                        </a:prstClr>
+                      </a:solidFill>
+                      <a:prstDash val="solid"/>
+                      <a:round/>
+                      <a:headEnd type="none" w="med" len="med"/>
+                      <a:tailEnd type="none" w="med" len="med"/>
+                    </a:lnR>
+                    <a:lnT w="6350" cap="flat" cmpd="sng" algn="ctr">
+                      <a:solidFill>
+                        <a:prstClr val="white">
+                          <a:lumMod val="75000"/>
+                        </a:prstClr>
+                      </a:solidFill>
+                      <a:prstDash val="solid"/>
+                      <a:round/>
+                      <a:headEnd type="none" w="med" len="med"/>
+                      <a:tailEnd type="none" w="med" len="med"/>
+                    </a:lnT>
+                    <a:lnB w="6350" cap="flat" cmpd="sng" algn="ctr">
+                      <a:solidFill>
+                        <a:prstClr val="white">
+                          <a:lumMod val="75000"/>
+                        </a:prstClr>
+                      </a:solidFill>
+                      <a:prstDash val="solid"/>
+                      <a:round/>
+                      <a:headEnd type="none" w="med" len="med"/>
+                      <a:tailEnd type="none" w="med" len="med"/>
+                    </a:lnB>
+                  </a:tcPr>
+                </a:tc>
+                <a:tc>
+                  <a:txBody>
+                    <a:bodyPr/>
+                    <a:lstStyle/>
+                    <a:p>
+                      <a:pPr algn="ctr"/>
+                      <a:r>
+                        <a:rPr kumimoji="1" lang="en-US" altLang="ja-JP" sz="900" b="0" i="0" dirty="0" smtClean="0">
+                          <a:solidFill>
+                            <a:srgbClr val="FF6600"/>
+                          </a:solidFill>
+                          <a:latin typeface="Seravek"/>
+                          <a:cs typeface="Seravek"/>
+                        </a:rPr>
+                        <a:t>42</a:t>
+                      </a:r>
+                      <a:endParaRPr kumimoji="1" lang="ja-JP" altLang="en-US" sz="900" b="0" i="0" dirty="0">
+                        <a:solidFill>
+                          <a:srgbClr val="FF6600"/>
+                        </a:solidFill>
+                        <a:latin typeface="Seravek"/>
+                        <a:cs typeface="Seravek"/>
+                      </a:endParaRPr>
+                    </a:p>
+                  </a:txBody>
+                  <a:tcPr>
+                    <a:lnL w="6350" cap="flat" cmpd="sng" algn="ctr">
+                      <a:solidFill>
+                        <a:prstClr val="white">
+                          <a:lumMod val="75000"/>
+                        </a:prstClr>
+                      </a:solidFill>
+                      <a:prstDash val="solid"/>
+                      <a:round/>
+                      <a:headEnd type="none" w="med" len="med"/>
+                      <a:tailEnd type="none" w="med" len="med"/>
+                    </a:lnL>
+                    <a:lnR w="6350" cap="flat" cmpd="sng" algn="ctr">
+                      <a:solidFill>
+                        <a:prstClr val="white">
+                          <a:lumMod val="75000"/>
+                        </a:prstClr>
+                      </a:solidFill>
+                      <a:prstDash val="solid"/>
+                      <a:round/>
+                      <a:headEnd type="none" w="med" len="med"/>
+                      <a:tailEnd type="none" w="med" len="med"/>
+                    </a:lnR>
+                    <a:lnT w="6350" cap="flat" cmpd="sng" algn="ctr">
+                      <a:solidFill>
+                        <a:prstClr val="white">
+                          <a:lumMod val="75000"/>
+                        </a:prstClr>
+                      </a:solidFill>
+                      <a:prstDash val="solid"/>
+                      <a:round/>
+                      <a:headEnd type="none" w="med" len="med"/>
+                      <a:tailEnd type="none" w="med" len="med"/>
+                    </a:lnT>
+                    <a:lnB w="6350" cap="flat" cmpd="sng" algn="ctr">
+                      <a:solidFill>
+                        <a:prstClr val="white">
+                          <a:lumMod val="75000"/>
+                        </a:prstClr>
+                      </a:solidFill>
+                      <a:prstDash val="solid"/>
+                      <a:round/>
+                      <a:headEnd type="none" w="med" len="med"/>
+                      <a:tailEnd type="none" w="med" len="med"/>
+                    </a:lnB>
+                  </a:tcPr>
+                </a:tc>
+              </a:tr>
+            </a:tbl>
+          </a:graphicData>
+        </a:graphic>
+      </p:graphicFrame>
+      <p:sp>
+        <p:nvSpPr>
+          <p:cNvPr id="20" name="正方形/長方形 19"/>
+          <p:cNvSpPr/>
+          <p:nvPr/>
+        </p:nvSpPr>
+        <p:spPr>
+          <a:xfrm>
+            <a:off x="847727" y="4872144"/>
+            <a:ext cx="501649" cy="495300"/>
+          </a:xfrm>
+          <a:prstGeom prst="rect">
+            <a:avLst/>
+          </a:prstGeom>
+          <a:noFill/>
+        </p:spPr>
+        <p:style>
+          <a:lnRef idx="2">
+            <a:schemeClr val="accent2"/>
+          </a:lnRef>
+          <a:fillRef idx="1">
+            <a:schemeClr val="lt1"/>
+          </a:fillRef>
+          <a:effectRef idx="0">
+            <a:schemeClr val="accent2"/>
+          </a:effectRef>
+          <a:fontRef idx="minor">
+            <a:schemeClr val="dk1"/>
+          </a:fontRef>
+        </p:style>
+        <p:txBody>
+          <a:bodyPr rtlCol="0" anchor="ctr"/>
+          <a:lstStyle/>
+          <a:p>
+            <a:pPr algn="ctr"/>
+            <a:endParaRPr kumimoji="1" lang="ja-JP" altLang="en-US" dirty="0"/>
+          </a:p>
+        </p:txBody>
+      </p:sp>
+      <p:sp>
+        <p:nvSpPr>
+          <p:cNvPr id="21" name="二等辺三角形 20"/>
+          <p:cNvSpPr/>
+          <p:nvPr/>
+        </p:nvSpPr>
+        <p:spPr>
+          <a:xfrm rot="10800000">
+            <a:off x="2108199" y="1371601"/>
+            <a:ext cx="406400" cy="243840"/>
+          </a:xfrm>
+          <a:prstGeom prst="triangle">
+            <a:avLst/>
+          </a:prstGeom>
+          <a:ln>
+            <a:noFill/>
+          </a:ln>
+        </p:spPr>
+        <p:style>
+          <a:lnRef idx="2">
+            <a:schemeClr val="accent1">
+              <a:shade val="50000"/>
+            </a:schemeClr>
+          </a:lnRef>
+          <a:fillRef idx="1">
+            <a:schemeClr val="accent1"/>
+          </a:fillRef>
+          <a:effectRef idx="0">
+            <a:schemeClr val="accent1"/>
+          </a:effectRef>
+          <a:fontRef idx="minor">
+            <a:schemeClr val="lt1"/>
+          </a:fontRef>
+        </p:style>
+        <p:txBody>
+          <a:bodyPr rtlCol="0" anchor="ctr"/>
+          <a:lstStyle/>
+          <a:p>
+            <a:pPr algn="ctr"/>
+            <a:endParaRPr kumimoji="1" lang="ja-JP" altLang="en-US"/>
+          </a:p>
+        </p:txBody>
+      </p:sp>
+      <p:sp>
+        <p:nvSpPr>
+          <p:cNvPr id="22" name="二等辺三角形 21"/>
+          <p:cNvSpPr/>
+          <p:nvPr/>
+        </p:nvSpPr>
+        <p:spPr>
+          <a:xfrm rot="10800000">
+            <a:off x="2108199" y="2781301"/>
+            <a:ext cx="406400" cy="243840"/>
+          </a:xfrm>
+          <a:prstGeom prst="triangle">
+            <a:avLst/>
+          </a:prstGeom>
+          <a:ln>
+            <a:noFill/>
+          </a:ln>
+        </p:spPr>
+        <p:style>
+          <a:lnRef idx="2">
+            <a:schemeClr val="accent1">
+              <a:shade val="50000"/>
+            </a:schemeClr>
+          </a:lnRef>
+          <a:fillRef idx="1">
+            <a:schemeClr val="accent1"/>
+          </a:fillRef>
+          <a:effectRef idx="0">
+            <a:schemeClr val="accent1"/>
+          </a:effectRef>
+          <a:fontRef idx="minor">
+            <a:schemeClr val="lt1"/>
+          </a:fontRef>
+        </p:style>
+        <p:txBody>
+          <a:bodyPr rtlCol="0" anchor="ctr"/>
+          <a:lstStyle/>
+          <a:p>
+            <a:pPr algn="ctr"/>
+            <a:endParaRPr kumimoji="1" lang="ja-JP" altLang="en-US"/>
+          </a:p>
+        </p:txBody>
+      </p:sp>
+      <p:sp>
+        <p:nvSpPr>
+          <p:cNvPr id="23" name="二等辺三角形 22"/>
+          <p:cNvSpPr/>
+          <p:nvPr/>
+        </p:nvSpPr>
+        <p:spPr>
+          <a:xfrm rot="10800000">
+            <a:off x="2108199" y="4217459"/>
+            <a:ext cx="406400" cy="243840"/>
+          </a:xfrm>
+          <a:prstGeom prst="triangle">
+            <a:avLst/>
+          </a:prstGeom>
+          <a:ln>
+            <a:noFill/>
+          </a:ln>
+        </p:spPr>
+        <p:style>
+          <a:lnRef idx="2">
+            <a:schemeClr val="accent1">
+              <a:shade val="50000"/>
+            </a:schemeClr>
+          </a:lnRef>
+          <a:fillRef idx="1">
+            <a:schemeClr val="accent1"/>
+          </a:fillRef>
+          <a:effectRef idx="0">
+            <a:schemeClr val="accent1"/>
+          </a:effectRef>
+          <a:fontRef idx="minor">
+            <a:schemeClr val="lt1"/>
+          </a:fontRef>
+        </p:style>
+        <p:txBody>
+          <a:bodyPr rtlCol="0" anchor="ctr"/>
+          <a:lstStyle/>
+          <a:p>
+            <a:pPr algn="ctr"/>
+            <a:endParaRPr kumimoji="1" lang="ja-JP" altLang="en-US"/>
+          </a:p>
+        </p:txBody>
+      </p:sp>
+      <p:sp>
+        <p:nvSpPr>
+          <p:cNvPr id="24" name="テキスト ボックス 23"/>
+          <p:cNvSpPr txBox="1"/>
+          <p:nvPr/>
+        </p:nvSpPr>
+        <p:spPr>
+          <a:xfrm>
+            <a:off x="158171" y="551676"/>
+            <a:ext cx="444887" cy="276999"/>
+          </a:xfrm>
+          <a:prstGeom prst="rect">
+            <a:avLst/>
+          </a:prstGeom>
+          <a:noFill/>
+        </p:spPr>
+        <p:txBody>
+          <a:bodyPr wrap="none" rtlCol="0">
+            <a:spAutoFit/>
+          </a:bodyPr>
+          <a:lstStyle/>
+          <a:p>
+            <a:r>
+              <a:rPr kumimoji="1" lang="en-US" altLang="ja-JP" sz="1200" dirty="0" smtClean="0">
+                <a:latin typeface="Seravek"/>
+                <a:cs typeface="Seravek"/>
+              </a:rPr>
+              <a:t>(1-1)</a:t>
+            </a:r>
+            <a:endParaRPr kumimoji="1" lang="ja-JP" altLang="en-US" sz="1200" dirty="0">
+              <a:latin typeface="Seravek"/>
+              <a:cs typeface="Seravek"/>
+            </a:endParaRPr>
+          </a:p>
+        </p:txBody>
+      </p:sp>
+      <p:sp>
+        <p:nvSpPr>
+          <p:cNvPr id="25" name="テキスト ボックス 24"/>
+          <p:cNvSpPr txBox="1"/>
+          <p:nvPr/>
+        </p:nvSpPr>
+        <p:spPr>
+          <a:xfrm>
+            <a:off x="152016" y="1956931"/>
+            <a:ext cx="470123" cy="276999"/>
+          </a:xfrm>
+          <a:prstGeom prst="rect">
+            <a:avLst/>
+          </a:prstGeom>
+          <a:noFill/>
+        </p:spPr>
+        <p:txBody>
+          <a:bodyPr wrap="none" rtlCol="0">
+            <a:spAutoFit/>
+          </a:bodyPr>
+          <a:lstStyle/>
+          <a:p>
+            <a:r>
+              <a:rPr kumimoji="1" lang="en-US" altLang="ja-JP" sz="1200" dirty="0" smtClean="0">
+                <a:latin typeface="Seravek"/>
+                <a:cs typeface="Seravek"/>
+              </a:rPr>
+              <a:t>(1-2)</a:t>
+            </a:r>
+            <a:endParaRPr kumimoji="1" lang="ja-JP" altLang="en-US" sz="1200" dirty="0">
+              <a:latin typeface="Seravek"/>
+              <a:cs typeface="Seravek"/>
+            </a:endParaRPr>
+          </a:p>
+        </p:txBody>
+      </p:sp>
+      <p:sp>
+        <p:nvSpPr>
+          <p:cNvPr id="26" name="テキスト ボックス 25"/>
+          <p:cNvSpPr txBox="1"/>
+          <p:nvPr/>
+        </p:nvSpPr>
+        <p:spPr>
+          <a:xfrm>
+            <a:off x="126780" y="3429635"/>
+            <a:ext cx="463968" cy="276999"/>
+          </a:xfrm>
+          <a:prstGeom prst="rect">
+            <a:avLst/>
+          </a:prstGeom>
+          <a:noFill/>
+        </p:spPr>
+        <p:txBody>
+          <a:bodyPr wrap="none" rtlCol="0">
+            <a:spAutoFit/>
+          </a:bodyPr>
+          <a:lstStyle/>
+          <a:p>
+            <a:r>
+              <a:rPr kumimoji="1" lang="en-US" altLang="ja-JP" sz="1200" dirty="0" smtClean="0">
+                <a:latin typeface="Seravek"/>
+                <a:cs typeface="Seravek"/>
+              </a:rPr>
+              <a:t>(2-</a:t>
+            </a:r>
+            <a:r>
+              <a:rPr lang="en-US" altLang="ja-JP" sz="1200" dirty="0">
+                <a:latin typeface="Seravek"/>
+                <a:cs typeface="Seravek"/>
+              </a:rPr>
+              <a:t>1</a:t>
+            </a:r>
+            <a:r>
+              <a:rPr kumimoji="1" lang="en-US" altLang="ja-JP" sz="1200" dirty="0" smtClean="0">
+                <a:latin typeface="Seravek"/>
+                <a:cs typeface="Seravek"/>
+              </a:rPr>
+              <a:t>)</a:t>
+            </a:r>
+            <a:endParaRPr kumimoji="1" lang="ja-JP" altLang="en-US" sz="1200" dirty="0">
+              <a:latin typeface="Seravek"/>
+              <a:cs typeface="Seravek"/>
+            </a:endParaRPr>
+          </a:p>
+        </p:txBody>
+      </p:sp>
+      <p:sp>
+        <p:nvSpPr>
+          <p:cNvPr id="27" name="テキスト ボックス 26"/>
+          <p:cNvSpPr txBox="1"/>
+          <p:nvPr/>
+        </p:nvSpPr>
+        <p:spPr>
+          <a:xfrm>
+            <a:off x="158171" y="4867064"/>
+            <a:ext cx="489204" cy="276999"/>
+          </a:xfrm>
+          <a:prstGeom prst="rect">
+            <a:avLst/>
+          </a:prstGeom>
+          <a:noFill/>
+        </p:spPr>
+        <p:txBody>
+          <a:bodyPr wrap="none" rtlCol="0">
+            <a:spAutoFit/>
+          </a:bodyPr>
+          <a:lstStyle/>
+          <a:p>
+            <a:r>
+              <a:rPr kumimoji="1" lang="en-US" altLang="ja-JP" sz="1200" dirty="0" smtClean="0">
+                <a:latin typeface="Seravek"/>
+                <a:cs typeface="Seravek"/>
+              </a:rPr>
+              <a:t>(2-2)</a:t>
+            </a:r>
+            <a:endParaRPr kumimoji="1" lang="ja-JP" altLang="en-US" sz="1200" dirty="0">
+              <a:latin typeface="Seravek"/>
+              <a:cs typeface="Seravek"/>
+            </a:endParaRPr>
+          </a:p>
+        </p:txBody>
+      </p:sp>
+      <p:sp>
+        <p:nvSpPr>
+          <p:cNvPr id="28" name="テキスト ボックス 27"/>
+          <p:cNvSpPr txBox="1"/>
+          <p:nvPr/>
+        </p:nvSpPr>
+        <p:spPr>
+          <a:xfrm>
+            <a:off x="549157" y="5593576"/>
+            <a:ext cx="800219" cy="276999"/>
+          </a:xfrm>
+          <a:prstGeom prst="rect">
+            <a:avLst/>
+          </a:prstGeom>
+          <a:noFill/>
+        </p:spPr>
+        <p:txBody>
+          <a:bodyPr wrap="none" rtlCol="0">
+            <a:spAutoFit/>
+          </a:bodyPr>
+          <a:lstStyle/>
+          <a:p>
+            <a:r>
+              <a:rPr kumimoji="1" lang="ja-JP" altLang="en-US" sz="1200" dirty="0" smtClean="0">
+                <a:latin typeface="游ゴシック体 ミディアム"/>
+                <a:ea typeface="游ゴシック体 ミディアム"/>
+                <a:cs typeface="游ゴシック体 ミディアム"/>
+              </a:rPr>
+              <a:t>入力画像</a:t>
+            </a:r>
+            <a:endParaRPr kumimoji="1" lang="ja-JP" altLang="en-US" sz="1200" dirty="0">
+              <a:latin typeface="游ゴシック体 ミディアム"/>
+              <a:ea typeface="游ゴシック体 ミディアム"/>
+              <a:cs typeface="游ゴシック体 ミディアム"/>
+            </a:endParaRPr>
+          </a:p>
+        </p:txBody>
+      </p:sp>
+      <p:sp>
+        <p:nvSpPr>
+          <p:cNvPr id="29" name="テキスト ボックス 28"/>
+          <p:cNvSpPr txBox="1"/>
+          <p:nvPr/>
+        </p:nvSpPr>
+        <p:spPr>
+          <a:xfrm>
+            <a:off x="3466979" y="5607476"/>
+            <a:ext cx="800219" cy="276999"/>
+          </a:xfrm>
+          <a:prstGeom prst="rect">
+            <a:avLst/>
+          </a:prstGeom>
+          <a:noFill/>
+        </p:spPr>
+        <p:txBody>
+          <a:bodyPr wrap="none" rtlCol="0">
+            <a:spAutoFit/>
+          </a:bodyPr>
+          <a:lstStyle/>
+          <a:p>
+            <a:r>
+              <a:rPr lang="ja-JP" altLang="en-US" sz="1200" dirty="0" smtClean="0">
+                <a:latin typeface="游ゴシック体 ミディアム"/>
+                <a:ea typeface="游ゴシック体 ミディアム"/>
+                <a:cs typeface="游ゴシック体 ミディアム"/>
+              </a:rPr>
+              <a:t>出</a:t>
+            </a:r>
+            <a:r>
+              <a:rPr kumimoji="1" lang="ja-JP" altLang="en-US" sz="1200" dirty="0" smtClean="0">
+                <a:latin typeface="游ゴシック体 ミディアム"/>
+                <a:ea typeface="游ゴシック体 ミディアム"/>
+                <a:cs typeface="游ゴシック体 ミディアム"/>
+              </a:rPr>
+              <a:t>力画像</a:t>
+            </a:r>
+            <a:endParaRPr kumimoji="1" lang="ja-JP" altLang="en-US" sz="1200" dirty="0">
+              <a:latin typeface="游ゴシック体 ミディアム"/>
+              <a:ea typeface="游ゴシック体 ミディアム"/>
+              <a:cs typeface="游ゴシック体 ミディアム"/>
+            </a:endParaRPr>
+          </a:p>
+        </p:txBody>
+      </p:sp>
+      <p:sp>
+        <p:nvSpPr>
+          <p:cNvPr id="30" name="テキスト ボックス 29"/>
+          <p:cNvSpPr txBox="1"/>
+          <p:nvPr/>
+        </p:nvSpPr>
+        <p:spPr>
+          <a:xfrm>
+            <a:off x="2009657" y="5593576"/>
+            <a:ext cx="800219" cy="276999"/>
+          </a:xfrm>
+          <a:prstGeom prst="rect">
+            <a:avLst/>
+          </a:prstGeom>
+          <a:noFill/>
+        </p:spPr>
+        <p:txBody>
+          <a:bodyPr wrap="none" rtlCol="0">
+            <a:spAutoFit/>
+          </a:bodyPr>
+          <a:lstStyle/>
+          <a:p>
+            <a:r>
+              <a:rPr lang="ja-JP" altLang="en-US" sz="1200" dirty="0" smtClean="0">
+                <a:latin typeface="游ゴシック体 ミディアム"/>
+                <a:ea typeface="游ゴシック体 ミディアム"/>
+                <a:cs typeface="游ゴシック体 ミディアム"/>
+              </a:rPr>
+              <a:t>フィルタ</a:t>
+            </a:r>
+            <a:endParaRPr kumimoji="1" lang="ja-JP" altLang="en-US" sz="1200" dirty="0">
+              <a:latin typeface="游ゴシック体 ミディアム"/>
+              <a:ea typeface="游ゴシック体 ミディアム"/>
+              <a:cs typeface="游ゴシック体 ミディアム"/>
+            </a:endParaRPr>
+          </a:p>
+        </p:txBody>
+      </p:sp>
+    </p:spTree>
+    <p:extLst>
+      <p:ext uri="{BB962C8B-B14F-4D97-AF65-F5344CB8AC3E}">
+        <p14:creationId xmlns:p14="http://schemas.microsoft.com/office/powerpoint/2010/main" val="3306605843"/>
       </p:ext>
     </p:extLst>
   </p:cSld>

--- a/articles/201608/dl1.pptx
+++ b/articles/201608/dl1.pptx
@@ -9,6 +9,7 @@
     <p:sldId id="257" r:id="rId3"/>
     <p:sldId id="258" r:id="rId4"/>
     <p:sldId id="259" r:id="rId5"/>
+    <p:sldId id="260" r:id="rId6"/>
   </p:sldIdLst>
   <p:sldSz cx="9144000" cy="6858000" type="screen4x3"/>
   <p:notesSz cx="6858000" cy="9144000"/>
@@ -291,7 +292,7 @@
           <a:p>
             <a:fld id="{8B8ED27F-574F-FC40-8672-D039C32B7ACF}" type="datetimeFigureOut">
               <a:rPr kumimoji="1" lang="ja-JP" altLang="en-US" smtClean="0"/>
-              <a:t>16/09/04</a:t>
+              <a:t>16/09/06</a:t>
             </a:fld>
             <a:endParaRPr kumimoji="1" lang="ja-JP" altLang="en-US"/>
           </a:p>
@@ -493,7 +494,7 @@
           <a:p>
             <a:fld id="{8B8ED27F-574F-FC40-8672-D039C32B7ACF}" type="datetimeFigureOut">
               <a:rPr kumimoji="1" lang="ja-JP" altLang="en-US" smtClean="0"/>
-              <a:t>16/09/04</a:t>
+              <a:t>16/09/06</a:t>
             </a:fld>
             <a:endParaRPr kumimoji="1" lang="ja-JP" altLang="en-US"/>
           </a:p>
@@ -705,7 +706,7 @@
           <a:p>
             <a:fld id="{8B8ED27F-574F-FC40-8672-D039C32B7ACF}" type="datetimeFigureOut">
               <a:rPr kumimoji="1" lang="ja-JP" altLang="en-US" smtClean="0"/>
-              <a:t>16/09/04</a:t>
+              <a:t>16/09/06</a:t>
             </a:fld>
             <a:endParaRPr kumimoji="1" lang="ja-JP" altLang="en-US"/>
           </a:p>
@@ -907,7 +908,7 @@
           <a:p>
             <a:fld id="{8B8ED27F-574F-FC40-8672-D039C32B7ACF}" type="datetimeFigureOut">
               <a:rPr kumimoji="1" lang="ja-JP" altLang="en-US" smtClean="0"/>
-              <a:t>16/09/04</a:t>
+              <a:t>16/09/06</a:t>
             </a:fld>
             <a:endParaRPr kumimoji="1" lang="ja-JP" altLang="en-US"/>
           </a:p>
@@ -1153,7 +1154,7 @@
           <a:p>
             <a:fld id="{8B8ED27F-574F-FC40-8672-D039C32B7ACF}" type="datetimeFigureOut">
               <a:rPr kumimoji="1" lang="ja-JP" altLang="en-US" smtClean="0"/>
-              <a:t>16/09/04</a:t>
+              <a:t>16/09/06</a:t>
             </a:fld>
             <a:endParaRPr kumimoji="1" lang="ja-JP" altLang="en-US"/>
           </a:p>
@@ -1505,7 +1506,7 @@
           <a:p>
             <a:fld id="{8B8ED27F-574F-FC40-8672-D039C32B7ACF}" type="datetimeFigureOut">
               <a:rPr kumimoji="1" lang="ja-JP" altLang="en-US" smtClean="0"/>
-              <a:t>16/09/04</a:t>
+              <a:t>16/09/06</a:t>
             </a:fld>
             <a:endParaRPr kumimoji="1" lang="ja-JP" altLang="en-US"/>
           </a:p>
@@ -1991,7 +1992,7 @@
           <a:p>
             <a:fld id="{8B8ED27F-574F-FC40-8672-D039C32B7ACF}" type="datetimeFigureOut">
               <a:rPr kumimoji="1" lang="ja-JP" altLang="en-US" smtClean="0"/>
-              <a:t>16/09/04</a:t>
+              <a:t>16/09/06</a:t>
             </a:fld>
             <a:endParaRPr kumimoji="1" lang="ja-JP" altLang="en-US"/>
           </a:p>
@@ -2109,7 +2110,7 @@
           <a:p>
             <a:fld id="{8B8ED27F-574F-FC40-8672-D039C32B7ACF}" type="datetimeFigureOut">
               <a:rPr kumimoji="1" lang="ja-JP" altLang="en-US" smtClean="0"/>
-              <a:t>16/09/04</a:t>
+              <a:t>16/09/06</a:t>
             </a:fld>
             <a:endParaRPr kumimoji="1" lang="ja-JP" altLang="en-US"/>
           </a:p>
@@ -2204,7 +2205,7 @@
           <a:p>
             <a:fld id="{8B8ED27F-574F-FC40-8672-D039C32B7ACF}" type="datetimeFigureOut">
               <a:rPr kumimoji="1" lang="ja-JP" altLang="en-US" smtClean="0"/>
-              <a:t>16/09/04</a:t>
+              <a:t>16/09/06</a:t>
             </a:fld>
             <a:endParaRPr kumimoji="1" lang="ja-JP" altLang="en-US"/>
           </a:p>
@@ -2513,7 +2514,7 @@
           <a:p>
             <a:fld id="{8B8ED27F-574F-FC40-8672-D039C32B7ACF}" type="datetimeFigureOut">
               <a:rPr kumimoji="1" lang="ja-JP" altLang="en-US" smtClean="0"/>
-              <a:t>16/09/04</a:t>
+              <a:t>16/09/06</a:t>
             </a:fld>
             <a:endParaRPr kumimoji="1" lang="ja-JP" altLang="en-US"/>
           </a:p>
@@ -2766,7 +2767,7 @@
           <a:p>
             <a:fld id="{8B8ED27F-574F-FC40-8672-D039C32B7ACF}" type="datetimeFigureOut">
               <a:rPr kumimoji="1" lang="ja-JP" altLang="en-US" smtClean="0"/>
-              <a:t>16/09/04</a:t>
+              <a:t>16/09/06</a:t>
             </a:fld>
             <a:endParaRPr kumimoji="1" lang="ja-JP" altLang="en-US"/>
           </a:p>
@@ -3011,7 +3012,7 @@
           <a:p>
             <a:fld id="{8B8ED27F-574F-FC40-8672-D039C32B7ACF}" type="datetimeFigureOut">
               <a:rPr kumimoji="1" lang="ja-JP" altLang="en-US" smtClean="0"/>
-              <a:t>16/09/04</a:t>
+              <a:t>16/09/06</a:t>
             </a:fld>
             <a:endParaRPr kumimoji="1" lang="ja-JP" altLang="en-US"/>
           </a:p>
@@ -7435,13 +7436,13 @@
           <p:nvPr>
             <p:extLst>
               <p:ext uri="{D42A27DB-BD31-4B8C-83A1-F6EECF244321}">
-                <p14:modId xmlns:p14="http://schemas.microsoft.com/office/powerpoint/2010/main" val="4111934178"/>
+                <p14:modId xmlns:p14="http://schemas.microsoft.com/office/powerpoint/2010/main" val="1405422588"/>
               </p:ext>
             </p:extLst>
           </p:nvPr>
         </p:nvGraphicFramePr>
         <p:xfrm>
-          <a:off x="558801" y="304800"/>
+          <a:off x="2200393" y="1021715"/>
           <a:ext cx="825501" cy="822960"/>
         </p:xfrm>
         <a:graphic>
@@ -8069,7 +8070,7 @@
         </p:nvSpPr>
         <p:spPr>
           <a:xfrm>
-            <a:off x="596903" y="333375"/>
+            <a:off x="2238495" y="1050290"/>
             <a:ext cx="501649" cy="495300"/>
           </a:xfrm>
           <a:prstGeom prst="rect">
@@ -8109,13 +8110,13 @@
           <p:nvPr>
             <p:extLst>
               <p:ext uri="{D42A27DB-BD31-4B8C-83A1-F6EECF244321}">
-                <p14:modId xmlns:p14="http://schemas.microsoft.com/office/powerpoint/2010/main" val="3107956986"/>
+                <p14:modId xmlns:p14="http://schemas.microsoft.com/office/powerpoint/2010/main" val="2247446588"/>
               </p:ext>
             </p:extLst>
           </p:nvPr>
         </p:nvGraphicFramePr>
         <p:xfrm>
-          <a:off x="2108199" y="444500"/>
+          <a:off x="3749791" y="310515"/>
           <a:ext cx="596900" cy="548640"/>
         </p:xfrm>
         <a:graphic>
@@ -8409,13 +8410,13 @@
           <p:nvPr>
             <p:extLst>
               <p:ext uri="{D42A27DB-BD31-4B8C-83A1-F6EECF244321}">
-                <p14:modId xmlns:p14="http://schemas.microsoft.com/office/powerpoint/2010/main" val="4005531585"/>
+                <p14:modId xmlns:p14="http://schemas.microsoft.com/office/powerpoint/2010/main" val="2171282119"/>
               </p:ext>
             </p:extLst>
           </p:nvPr>
         </p:nvGraphicFramePr>
         <p:xfrm>
-          <a:off x="3651249" y="444500"/>
+          <a:off x="5292841" y="1161415"/>
           <a:ext cx="596900" cy="546100"/>
         </p:xfrm>
         <a:graphic>
@@ -8694,13 +8695,13 @@
           <p:nvPr>
             <p:extLst>
               <p:ext uri="{D42A27DB-BD31-4B8C-83A1-F6EECF244321}">
-                <p14:modId xmlns:p14="http://schemas.microsoft.com/office/powerpoint/2010/main" val="2086553072"/>
+                <p14:modId xmlns:p14="http://schemas.microsoft.com/office/powerpoint/2010/main" val="2618955619"/>
               </p:ext>
             </p:extLst>
           </p:nvPr>
         </p:nvGraphicFramePr>
         <p:xfrm>
-          <a:off x="558801" y="1697355"/>
+          <a:off x="2200393" y="2002790"/>
           <a:ext cx="825501" cy="822960"/>
         </p:xfrm>
         <a:graphic>
@@ -9319,306 +9320,6 @@
       </p:graphicFrame>
       <p:graphicFrame>
         <p:nvGraphicFramePr>
-          <p:cNvPr id="10" name="表 9"/>
-          <p:cNvGraphicFramePr>
-            <a:graphicFrameLocks noGrp="1"/>
-          </p:cNvGraphicFramePr>
-          <p:nvPr>
-            <p:extLst>
-              <p:ext uri="{D42A27DB-BD31-4B8C-83A1-F6EECF244321}">
-                <p14:modId xmlns:p14="http://schemas.microsoft.com/office/powerpoint/2010/main" val="4238316823"/>
-              </p:ext>
-            </p:extLst>
-          </p:nvPr>
-        </p:nvGraphicFramePr>
-        <p:xfrm>
-          <a:off x="2108199" y="1837055"/>
-          <a:ext cx="596900" cy="548640"/>
-        </p:xfrm>
-        <a:graphic>
-          <a:graphicData uri="http://schemas.openxmlformats.org/drawingml/2006/table">
-            <a:tbl>
-              <a:tblPr firstRow="1" bandRow="1">
-                <a:tableStyleId>{2D5ABB26-0587-4C30-8999-92F81FD0307C}</a:tableStyleId>
-              </a:tblPr>
-              <a:tblGrid>
-                <a:gridCol w="298450"/>
-                <a:gridCol w="298450"/>
-              </a:tblGrid>
-              <a:tr h="273050">
-                <a:tc>
-                  <a:txBody>
-                    <a:bodyPr/>
-                    <a:lstStyle/>
-                    <a:p>
-                      <a:pPr algn="ctr"/>
-                      <a:r>
-                        <a:rPr kumimoji="1" lang="en-US" altLang="ja-JP" sz="1200" b="0" i="0" dirty="0" smtClean="0">
-                          <a:latin typeface="Seravek"/>
-                          <a:cs typeface="Seravek"/>
-                        </a:rPr>
-                        <a:t>1</a:t>
-                      </a:r>
-                      <a:endParaRPr kumimoji="1" lang="ja-JP" altLang="en-US" sz="1200" b="0" i="0" dirty="0">
-                        <a:latin typeface="Seravek"/>
-                        <a:cs typeface="Seravek"/>
-                      </a:endParaRPr>
-                    </a:p>
-                  </a:txBody>
-                  <a:tcPr>
-                    <a:lnL w="6350" cap="flat" cmpd="sng" algn="ctr">
-                      <a:solidFill>
-                        <a:prstClr val="white">
-                          <a:lumMod val="75000"/>
-                        </a:prstClr>
-                      </a:solidFill>
-                      <a:prstDash val="solid"/>
-                      <a:round/>
-                      <a:headEnd type="none" w="med" len="med"/>
-                      <a:tailEnd type="none" w="med" len="med"/>
-                    </a:lnL>
-                    <a:lnR w="6350" cap="flat" cmpd="sng" algn="ctr">
-                      <a:solidFill>
-                        <a:prstClr val="white">
-                          <a:lumMod val="75000"/>
-                        </a:prstClr>
-                      </a:solidFill>
-                      <a:prstDash val="solid"/>
-                      <a:round/>
-                      <a:headEnd type="none" w="med" len="med"/>
-                      <a:tailEnd type="none" w="med" len="med"/>
-                    </a:lnR>
-                    <a:lnT w="6350" cap="flat" cmpd="sng" algn="ctr">
-                      <a:solidFill>
-                        <a:prstClr val="white">
-                          <a:lumMod val="75000"/>
-                        </a:prstClr>
-                      </a:solidFill>
-                      <a:prstDash val="solid"/>
-                      <a:round/>
-                      <a:headEnd type="none" w="med" len="med"/>
-                      <a:tailEnd type="none" w="med" len="med"/>
-                    </a:lnT>
-                    <a:lnB w="6350" cap="flat" cmpd="sng" algn="ctr">
-                      <a:solidFill>
-                        <a:prstClr val="white">
-                          <a:lumMod val="75000"/>
-                        </a:prstClr>
-                      </a:solidFill>
-                      <a:prstDash val="solid"/>
-                      <a:round/>
-                      <a:headEnd type="none" w="med" len="med"/>
-                      <a:tailEnd type="none" w="med" len="med"/>
-                    </a:lnB>
-                  </a:tcPr>
-                </a:tc>
-                <a:tc>
-                  <a:txBody>
-                    <a:bodyPr/>
-                    <a:lstStyle/>
-                    <a:p>
-                      <a:pPr algn="ctr"/>
-                      <a:r>
-                        <a:rPr kumimoji="1" lang="en-US" altLang="ja-JP" sz="1200" b="0" i="0" dirty="0" smtClean="0">
-                          <a:latin typeface="Seravek"/>
-                          <a:cs typeface="Seravek"/>
-                        </a:rPr>
-                        <a:t>2</a:t>
-                      </a:r>
-                      <a:endParaRPr kumimoji="1" lang="ja-JP" altLang="en-US" sz="1200" b="0" i="0" dirty="0">
-                        <a:latin typeface="Seravek"/>
-                        <a:cs typeface="Seravek"/>
-                      </a:endParaRPr>
-                    </a:p>
-                  </a:txBody>
-                  <a:tcPr>
-                    <a:lnL w="6350" cap="flat" cmpd="sng" algn="ctr">
-                      <a:solidFill>
-                        <a:prstClr val="white">
-                          <a:lumMod val="75000"/>
-                        </a:prstClr>
-                      </a:solidFill>
-                      <a:prstDash val="solid"/>
-                      <a:round/>
-                      <a:headEnd type="none" w="med" len="med"/>
-                      <a:tailEnd type="none" w="med" len="med"/>
-                    </a:lnL>
-                    <a:lnR w="6350" cap="flat" cmpd="sng" algn="ctr">
-                      <a:solidFill>
-                        <a:prstClr val="white">
-                          <a:lumMod val="75000"/>
-                        </a:prstClr>
-                      </a:solidFill>
-                      <a:prstDash val="solid"/>
-                      <a:round/>
-                      <a:headEnd type="none" w="med" len="med"/>
-                      <a:tailEnd type="none" w="med" len="med"/>
-                    </a:lnR>
-                    <a:lnT w="6350" cap="flat" cmpd="sng" algn="ctr">
-                      <a:solidFill>
-                        <a:prstClr val="white">
-                          <a:lumMod val="75000"/>
-                        </a:prstClr>
-                      </a:solidFill>
-                      <a:prstDash val="solid"/>
-                      <a:round/>
-                      <a:headEnd type="none" w="med" len="med"/>
-                      <a:tailEnd type="none" w="med" len="med"/>
-                    </a:lnT>
-                    <a:lnB w="6350" cap="flat" cmpd="sng" algn="ctr">
-                      <a:solidFill>
-                        <a:prstClr val="white">
-                          <a:lumMod val="75000"/>
-                        </a:prstClr>
-                      </a:solidFill>
-                      <a:prstDash val="solid"/>
-                      <a:round/>
-                      <a:headEnd type="none" w="med" len="med"/>
-                      <a:tailEnd type="none" w="med" len="med"/>
-                    </a:lnB>
-                  </a:tcPr>
-                </a:tc>
-              </a:tr>
-              <a:tr h="273050">
-                <a:tc>
-                  <a:txBody>
-                    <a:bodyPr/>
-                    <a:lstStyle/>
-                    <a:p>
-                      <a:pPr algn="ctr"/>
-                      <a:r>
-                        <a:rPr kumimoji="1" lang="en-US" altLang="ja-JP" sz="1200" b="0" i="0" dirty="0" smtClean="0">
-                          <a:latin typeface="Seravek"/>
-                          <a:cs typeface="Seravek"/>
-                        </a:rPr>
-                        <a:t>2</a:t>
-                      </a:r>
-                      <a:endParaRPr kumimoji="1" lang="ja-JP" altLang="en-US" sz="1200" b="0" i="0" dirty="0">
-                        <a:latin typeface="Seravek"/>
-                        <a:cs typeface="Seravek"/>
-                      </a:endParaRPr>
-                    </a:p>
-                  </a:txBody>
-                  <a:tcPr>
-                    <a:lnL w="6350" cap="flat" cmpd="sng" algn="ctr">
-                      <a:solidFill>
-                        <a:prstClr val="white">
-                          <a:lumMod val="75000"/>
-                        </a:prstClr>
-                      </a:solidFill>
-                      <a:prstDash val="solid"/>
-                      <a:round/>
-                      <a:headEnd type="none" w="med" len="med"/>
-                      <a:tailEnd type="none" w="med" len="med"/>
-                    </a:lnL>
-                    <a:lnR w="6350" cap="flat" cmpd="sng" algn="ctr">
-                      <a:solidFill>
-                        <a:prstClr val="white">
-                          <a:lumMod val="75000"/>
-                        </a:prstClr>
-                      </a:solidFill>
-                      <a:prstDash val="solid"/>
-                      <a:round/>
-                      <a:headEnd type="none" w="med" len="med"/>
-                      <a:tailEnd type="none" w="med" len="med"/>
-                    </a:lnR>
-                    <a:lnT w="6350" cap="flat" cmpd="sng" algn="ctr">
-                      <a:solidFill>
-                        <a:prstClr val="white">
-                          <a:lumMod val="75000"/>
-                        </a:prstClr>
-                      </a:solidFill>
-                      <a:prstDash val="solid"/>
-                      <a:round/>
-                      <a:headEnd type="none" w="med" len="med"/>
-                      <a:tailEnd type="none" w="med" len="med"/>
-                    </a:lnT>
-                    <a:lnB w="6350" cap="flat" cmpd="sng" algn="ctr">
-                      <a:solidFill>
-                        <a:prstClr val="white">
-                          <a:lumMod val="75000"/>
-                        </a:prstClr>
-                      </a:solidFill>
-                      <a:prstDash val="solid"/>
-                      <a:round/>
-                      <a:headEnd type="none" w="med" len="med"/>
-                      <a:tailEnd type="none" w="med" len="med"/>
-                    </a:lnB>
-                  </a:tcPr>
-                </a:tc>
-                <a:tc>
-                  <a:txBody>
-                    <a:bodyPr/>
-                    <a:lstStyle/>
-                    <a:p>
-                      <a:pPr algn="ctr"/>
-                      <a:r>
-                        <a:rPr kumimoji="1" lang="en-US" altLang="ja-JP" sz="1200" b="0" i="0" dirty="0" smtClean="0">
-                          <a:latin typeface="Seravek"/>
-                          <a:cs typeface="Seravek"/>
-                        </a:rPr>
-                        <a:t>1</a:t>
-                      </a:r>
-                      <a:endParaRPr kumimoji="1" lang="ja-JP" altLang="en-US" sz="1200" b="0" i="0" dirty="0">
-                        <a:latin typeface="Seravek"/>
-                        <a:cs typeface="Seravek"/>
-                      </a:endParaRPr>
-                    </a:p>
-                  </a:txBody>
-                  <a:tcPr>
-                    <a:lnL w="6350" cap="flat" cmpd="sng" algn="ctr">
-                      <a:solidFill>
-                        <a:prstClr val="white">
-                          <a:lumMod val="75000"/>
-                        </a:prstClr>
-                      </a:solidFill>
-                      <a:prstDash val="solid"/>
-                      <a:round/>
-                      <a:headEnd type="none" w="med" len="med"/>
-                      <a:tailEnd type="none" w="med" len="med"/>
-                    </a:lnL>
-                    <a:lnR w="6350" cap="flat" cmpd="sng" algn="ctr">
-                      <a:solidFill>
-                        <a:prstClr val="white">
-                          <a:lumMod val="75000"/>
-                        </a:prstClr>
-                      </a:solidFill>
-                      <a:prstDash val="solid"/>
-                      <a:round/>
-                      <a:headEnd type="none" w="med" len="med"/>
-                      <a:tailEnd type="none" w="med" len="med"/>
-                    </a:lnR>
-                    <a:lnT w="6350" cap="flat" cmpd="sng" algn="ctr">
-                      <a:solidFill>
-                        <a:prstClr val="white">
-                          <a:lumMod val="75000"/>
-                        </a:prstClr>
-                      </a:solidFill>
-                      <a:prstDash val="solid"/>
-                      <a:round/>
-                      <a:headEnd type="none" w="med" len="med"/>
-                      <a:tailEnd type="none" w="med" len="med"/>
-                    </a:lnT>
-                    <a:lnB w="6350" cap="flat" cmpd="sng" algn="ctr">
-                      <a:solidFill>
-                        <a:prstClr val="white">
-                          <a:lumMod val="75000"/>
-                        </a:prstClr>
-                      </a:solidFill>
-                      <a:prstDash val="solid"/>
-                      <a:round/>
-                      <a:headEnd type="none" w="med" len="med"/>
-                      <a:tailEnd type="none" w="med" len="med"/>
-                    </a:lnB>
-                  </a:tcPr>
-                </a:tc>
-              </a:tr>
-            </a:tbl>
-          </a:graphicData>
-        </a:graphic>
-      </p:graphicFrame>
-      <p:graphicFrame>
-        <p:nvGraphicFramePr>
           <p:cNvPr id="11" name="表 10"/>
           <p:cNvGraphicFramePr>
             <a:graphicFrameLocks noGrp="1"/>
@@ -9626,13 +9327,13 @@
           <p:nvPr>
             <p:extLst>
               <p:ext uri="{D42A27DB-BD31-4B8C-83A1-F6EECF244321}">
-                <p14:modId xmlns:p14="http://schemas.microsoft.com/office/powerpoint/2010/main" val="2849456313"/>
+                <p14:modId xmlns:p14="http://schemas.microsoft.com/office/powerpoint/2010/main" val="2046641910"/>
               </p:ext>
             </p:extLst>
           </p:nvPr>
         </p:nvGraphicFramePr>
         <p:xfrm>
-          <a:off x="3651249" y="1837055"/>
+          <a:off x="5292841" y="2142490"/>
           <a:ext cx="596900" cy="546100"/>
         </p:xfrm>
         <a:graphic>
@@ -9917,7 +9618,7 @@
         </p:nvSpPr>
         <p:spPr>
           <a:xfrm>
-            <a:off x="847727" y="1738630"/>
+            <a:off x="2489319" y="2044065"/>
             <a:ext cx="501649" cy="495300"/>
           </a:xfrm>
           <a:prstGeom prst="rect">
@@ -9957,13 +9658,13 @@
           <p:nvPr>
             <p:extLst>
               <p:ext uri="{D42A27DB-BD31-4B8C-83A1-F6EECF244321}">
-                <p14:modId xmlns:p14="http://schemas.microsoft.com/office/powerpoint/2010/main" val="1608515286"/>
+                <p14:modId xmlns:p14="http://schemas.microsoft.com/office/powerpoint/2010/main" val="4173288257"/>
               </p:ext>
             </p:extLst>
           </p:nvPr>
         </p:nvGraphicFramePr>
         <p:xfrm>
-          <a:off x="558801" y="3154680"/>
+          <a:off x="2200393" y="3012934"/>
           <a:ext cx="825501" cy="822960"/>
         </p:xfrm>
         <a:graphic>
@@ -10582,306 +10283,6 @@
       </p:graphicFrame>
       <p:graphicFrame>
         <p:nvGraphicFramePr>
-          <p:cNvPr id="14" name="表 13"/>
-          <p:cNvGraphicFramePr>
-            <a:graphicFrameLocks noGrp="1"/>
-          </p:cNvGraphicFramePr>
-          <p:nvPr>
-            <p:extLst>
-              <p:ext uri="{D42A27DB-BD31-4B8C-83A1-F6EECF244321}">
-                <p14:modId xmlns:p14="http://schemas.microsoft.com/office/powerpoint/2010/main" val="288494729"/>
-              </p:ext>
-            </p:extLst>
-          </p:nvPr>
-        </p:nvGraphicFramePr>
-        <p:xfrm>
-          <a:off x="2108199" y="3294380"/>
-          <a:ext cx="596900" cy="548640"/>
-        </p:xfrm>
-        <a:graphic>
-          <a:graphicData uri="http://schemas.openxmlformats.org/drawingml/2006/table">
-            <a:tbl>
-              <a:tblPr firstRow="1" bandRow="1">
-                <a:tableStyleId>{2D5ABB26-0587-4C30-8999-92F81FD0307C}</a:tableStyleId>
-              </a:tblPr>
-              <a:tblGrid>
-                <a:gridCol w="298450"/>
-                <a:gridCol w="298450"/>
-              </a:tblGrid>
-              <a:tr h="273050">
-                <a:tc>
-                  <a:txBody>
-                    <a:bodyPr/>
-                    <a:lstStyle/>
-                    <a:p>
-                      <a:pPr algn="ctr"/>
-                      <a:r>
-                        <a:rPr kumimoji="1" lang="en-US" altLang="ja-JP" sz="1200" b="0" i="0" dirty="0" smtClean="0">
-                          <a:latin typeface="Seravek"/>
-                          <a:cs typeface="Seravek"/>
-                        </a:rPr>
-                        <a:t>1</a:t>
-                      </a:r>
-                      <a:endParaRPr kumimoji="1" lang="ja-JP" altLang="en-US" sz="1200" b="0" i="0" dirty="0">
-                        <a:latin typeface="Seravek"/>
-                        <a:cs typeface="Seravek"/>
-                      </a:endParaRPr>
-                    </a:p>
-                  </a:txBody>
-                  <a:tcPr>
-                    <a:lnL w="6350" cap="flat" cmpd="sng" algn="ctr">
-                      <a:solidFill>
-                        <a:prstClr val="white">
-                          <a:lumMod val="75000"/>
-                        </a:prstClr>
-                      </a:solidFill>
-                      <a:prstDash val="solid"/>
-                      <a:round/>
-                      <a:headEnd type="none" w="med" len="med"/>
-                      <a:tailEnd type="none" w="med" len="med"/>
-                    </a:lnL>
-                    <a:lnR w="6350" cap="flat" cmpd="sng" algn="ctr">
-                      <a:solidFill>
-                        <a:prstClr val="white">
-                          <a:lumMod val="75000"/>
-                        </a:prstClr>
-                      </a:solidFill>
-                      <a:prstDash val="solid"/>
-                      <a:round/>
-                      <a:headEnd type="none" w="med" len="med"/>
-                      <a:tailEnd type="none" w="med" len="med"/>
-                    </a:lnR>
-                    <a:lnT w="6350" cap="flat" cmpd="sng" algn="ctr">
-                      <a:solidFill>
-                        <a:prstClr val="white">
-                          <a:lumMod val="75000"/>
-                        </a:prstClr>
-                      </a:solidFill>
-                      <a:prstDash val="solid"/>
-                      <a:round/>
-                      <a:headEnd type="none" w="med" len="med"/>
-                      <a:tailEnd type="none" w="med" len="med"/>
-                    </a:lnT>
-                    <a:lnB w="6350" cap="flat" cmpd="sng" algn="ctr">
-                      <a:solidFill>
-                        <a:prstClr val="white">
-                          <a:lumMod val="75000"/>
-                        </a:prstClr>
-                      </a:solidFill>
-                      <a:prstDash val="solid"/>
-                      <a:round/>
-                      <a:headEnd type="none" w="med" len="med"/>
-                      <a:tailEnd type="none" w="med" len="med"/>
-                    </a:lnB>
-                  </a:tcPr>
-                </a:tc>
-                <a:tc>
-                  <a:txBody>
-                    <a:bodyPr/>
-                    <a:lstStyle/>
-                    <a:p>
-                      <a:pPr algn="ctr"/>
-                      <a:r>
-                        <a:rPr kumimoji="1" lang="en-US" altLang="ja-JP" sz="1200" b="0" i="0" dirty="0" smtClean="0">
-                          <a:latin typeface="Seravek"/>
-                          <a:cs typeface="Seravek"/>
-                        </a:rPr>
-                        <a:t>2</a:t>
-                      </a:r>
-                      <a:endParaRPr kumimoji="1" lang="ja-JP" altLang="en-US" sz="1200" b="0" i="0" dirty="0">
-                        <a:latin typeface="Seravek"/>
-                        <a:cs typeface="Seravek"/>
-                      </a:endParaRPr>
-                    </a:p>
-                  </a:txBody>
-                  <a:tcPr>
-                    <a:lnL w="6350" cap="flat" cmpd="sng" algn="ctr">
-                      <a:solidFill>
-                        <a:prstClr val="white">
-                          <a:lumMod val="75000"/>
-                        </a:prstClr>
-                      </a:solidFill>
-                      <a:prstDash val="solid"/>
-                      <a:round/>
-                      <a:headEnd type="none" w="med" len="med"/>
-                      <a:tailEnd type="none" w="med" len="med"/>
-                    </a:lnL>
-                    <a:lnR w="6350" cap="flat" cmpd="sng" algn="ctr">
-                      <a:solidFill>
-                        <a:prstClr val="white">
-                          <a:lumMod val="75000"/>
-                        </a:prstClr>
-                      </a:solidFill>
-                      <a:prstDash val="solid"/>
-                      <a:round/>
-                      <a:headEnd type="none" w="med" len="med"/>
-                      <a:tailEnd type="none" w="med" len="med"/>
-                    </a:lnR>
-                    <a:lnT w="6350" cap="flat" cmpd="sng" algn="ctr">
-                      <a:solidFill>
-                        <a:prstClr val="white">
-                          <a:lumMod val="75000"/>
-                        </a:prstClr>
-                      </a:solidFill>
-                      <a:prstDash val="solid"/>
-                      <a:round/>
-                      <a:headEnd type="none" w="med" len="med"/>
-                      <a:tailEnd type="none" w="med" len="med"/>
-                    </a:lnT>
-                    <a:lnB w="6350" cap="flat" cmpd="sng" algn="ctr">
-                      <a:solidFill>
-                        <a:prstClr val="white">
-                          <a:lumMod val="75000"/>
-                        </a:prstClr>
-                      </a:solidFill>
-                      <a:prstDash val="solid"/>
-                      <a:round/>
-                      <a:headEnd type="none" w="med" len="med"/>
-                      <a:tailEnd type="none" w="med" len="med"/>
-                    </a:lnB>
-                  </a:tcPr>
-                </a:tc>
-              </a:tr>
-              <a:tr h="273050">
-                <a:tc>
-                  <a:txBody>
-                    <a:bodyPr/>
-                    <a:lstStyle/>
-                    <a:p>
-                      <a:pPr algn="ctr"/>
-                      <a:r>
-                        <a:rPr kumimoji="1" lang="en-US" altLang="ja-JP" sz="1200" b="0" i="0" dirty="0" smtClean="0">
-                          <a:latin typeface="Seravek"/>
-                          <a:cs typeface="Seravek"/>
-                        </a:rPr>
-                        <a:t>2</a:t>
-                      </a:r>
-                      <a:endParaRPr kumimoji="1" lang="ja-JP" altLang="en-US" sz="1200" b="0" i="0" dirty="0">
-                        <a:latin typeface="Seravek"/>
-                        <a:cs typeface="Seravek"/>
-                      </a:endParaRPr>
-                    </a:p>
-                  </a:txBody>
-                  <a:tcPr>
-                    <a:lnL w="6350" cap="flat" cmpd="sng" algn="ctr">
-                      <a:solidFill>
-                        <a:prstClr val="white">
-                          <a:lumMod val="75000"/>
-                        </a:prstClr>
-                      </a:solidFill>
-                      <a:prstDash val="solid"/>
-                      <a:round/>
-                      <a:headEnd type="none" w="med" len="med"/>
-                      <a:tailEnd type="none" w="med" len="med"/>
-                    </a:lnL>
-                    <a:lnR w="6350" cap="flat" cmpd="sng" algn="ctr">
-                      <a:solidFill>
-                        <a:prstClr val="white">
-                          <a:lumMod val="75000"/>
-                        </a:prstClr>
-                      </a:solidFill>
-                      <a:prstDash val="solid"/>
-                      <a:round/>
-                      <a:headEnd type="none" w="med" len="med"/>
-                      <a:tailEnd type="none" w="med" len="med"/>
-                    </a:lnR>
-                    <a:lnT w="6350" cap="flat" cmpd="sng" algn="ctr">
-                      <a:solidFill>
-                        <a:prstClr val="white">
-                          <a:lumMod val="75000"/>
-                        </a:prstClr>
-                      </a:solidFill>
-                      <a:prstDash val="solid"/>
-                      <a:round/>
-                      <a:headEnd type="none" w="med" len="med"/>
-                      <a:tailEnd type="none" w="med" len="med"/>
-                    </a:lnT>
-                    <a:lnB w="6350" cap="flat" cmpd="sng" algn="ctr">
-                      <a:solidFill>
-                        <a:prstClr val="white">
-                          <a:lumMod val="75000"/>
-                        </a:prstClr>
-                      </a:solidFill>
-                      <a:prstDash val="solid"/>
-                      <a:round/>
-                      <a:headEnd type="none" w="med" len="med"/>
-                      <a:tailEnd type="none" w="med" len="med"/>
-                    </a:lnB>
-                  </a:tcPr>
-                </a:tc>
-                <a:tc>
-                  <a:txBody>
-                    <a:bodyPr/>
-                    <a:lstStyle/>
-                    <a:p>
-                      <a:pPr algn="ctr"/>
-                      <a:r>
-                        <a:rPr kumimoji="1" lang="en-US" altLang="ja-JP" sz="1200" b="0" i="0" dirty="0" smtClean="0">
-                          <a:latin typeface="Seravek"/>
-                          <a:cs typeface="Seravek"/>
-                        </a:rPr>
-                        <a:t>1</a:t>
-                      </a:r>
-                      <a:endParaRPr kumimoji="1" lang="ja-JP" altLang="en-US" sz="1200" b="0" i="0" dirty="0">
-                        <a:latin typeface="Seravek"/>
-                        <a:cs typeface="Seravek"/>
-                      </a:endParaRPr>
-                    </a:p>
-                  </a:txBody>
-                  <a:tcPr>
-                    <a:lnL w="6350" cap="flat" cmpd="sng" algn="ctr">
-                      <a:solidFill>
-                        <a:prstClr val="white">
-                          <a:lumMod val="75000"/>
-                        </a:prstClr>
-                      </a:solidFill>
-                      <a:prstDash val="solid"/>
-                      <a:round/>
-                      <a:headEnd type="none" w="med" len="med"/>
-                      <a:tailEnd type="none" w="med" len="med"/>
-                    </a:lnL>
-                    <a:lnR w="6350" cap="flat" cmpd="sng" algn="ctr">
-                      <a:solidFill>
-                        <a:prstClr val="white">
-                          <a:lumMod val="75000"/>
-                        </a:prstClr>
-                      </a:solidFill>
-                      <a:prstDash val="solid"/>
-                      <a:round/>
-                      <a:headEnd type="none" w="med" len="med"/>
-                      <a:tailEnd type="none" w="med" len="med"/>
-                    </a:lnR>
-                    <a:lnT w="6350" cap="flat" cmpd="sng" algn="ctr">
-                      <a:solidFill>
-                        <a:prstClr val="white">
-                          <a:lumMod val="75000"/>
-                        </a:prstClr>
-                      </a:solidFill>
-                      <a:prstDash val="solid"/>
-                      <a:round/>
-                      <a:headEnd type="none" w="med" len="med"/>
-                      <a:tailEnd type="none" w="med" len="med"/>
-                    </a:lnT>
-                    <a:lnB w="6350" cap="flat" cmpd="sng" algn="ctr">
-                      <a:solidFill>
-                        <a:prstClr val="white">
-                          <a:lumMod val="75000"/>
-                        </a:prstClr>
-                      </a:solidFill>
-                      <a:prstDash val="solid"/>
-                      <a:round/>
-                      <a:headEnd type="none" w="med" len="med"/>
-                      <a:tailEnd type="none" w="med" len="med"/>
-                    </a:lnB>
-                  </a:tcPr>
-                </a:tc>
-              </a:tr>
-            </a:tbl>
-          </a:graphicData>
-        </a:graphic>
-      </p:graphicFrame>
-      <p:graphicFrame>
-        <p:nvGraphicFramePr>
           <p:cNvPr id="15" name="表 14"/>
           <p:cNvGraphicFramePr>
             <a:graphicFrameLocks noGrp="1"/>
@@ -10889,13 +10290,13 @@
           <p:nvPr>
             <p:extLst>
               <p:ext uri="{D42A27DB-BD31-4B8C-83A1-F6EECF244321}">
-                <p14:modId xmlns:p14="http://schemas.microsoft.com/office/powerpoint/2010/main" val="2704411959"/>
+                <p14:modId xmlns:p14="http://schemas.microsoft.com/office/powerpoint/2010/main" val="803702981"/>
               </p:ext>
             </p:extLst>
           </p:nvPr>
         </p:nvGraphicFramePr>
         <p:xfrm>
-          <a:off x="3651249" y="3294380"/>
+          <a:off x="5292841" y="3152634"/>
           <a:ext cx="596900" cy="546100"/>
         </p:xfrm>
         <a:graphic>
@@ -11187,7 +10588,7 @@
         </p:nvSpPr>
         <p:spPr>
           <a:xfrm>
-            <a:off x="596903" y="3443605"/>
+            <a:off x="2238495" y="3301859"/>
             <a:ext cx="501649" cy="495300"/>
           </a:xfrm>
           <a:prstGeom prst="rect">
@@ -11227,13 +10628,13 @@
           <p:nvPr>
             <p:extLst>
               <p:ext uri="{D42A27DB-BD31-4B8C-83A1-F6EECF244321}">
-                <p14:modId xmlns:p14="http://schemas.microsoft.com/office/powerpoint/2010/main" val="1649292216"/>
+                <p14:modId xmlns:p14="http://schemas.microsoft.com/office/powerpoint/2010/main" val="667364753"/>
               </p:ext>
             </p:extLst>
           </p:nvPr>
         </p:nvGraphicFramePr>
         <p:xfrm>
-          <a:off x="558801" y="4583219"/>
+          <a:off x="2200393" y="4023150"/>
           <a:ext cx="825501" cy="822960"/>
         </p:xfrm>
         <a:graphic>
@@ -11852,306 +11253,6 @@
       </p:graphicFrame>
       <p:graphicFrame>
         <p:nvGraphicFramePr>
-          <p:cNvPr id="18" name="表 17"/>
-          <p:cNvGraphicFramePr>
-            <a:graphicFrameLocks noGrp="1"/>
-          </p:cNvGraphicFramePr>
-          <p:nvPr>
-            <p:extLst>
-              <p:ext uri="{D42A27DB-BD31-4B8C-83A1-F6EECF244321}">
-                <p14:modId xmlns:p14="http://schemas.microsoft.com/office/powerpoint/2010/main" val="4024107359"/>
-              </p:ext>
-            </p:extLst>
-          </p:nvPr>
-        </p:nvGraphicFramePr>
-        <p:xfrm>
-          <a:off x="2108199" y="4722919"/>
-          <a:ext cx="596900" cy="548640"/>
-        </p:xfrm>
-        <a:graphic>
-          <a:graphicData uri="http://schemas.openxmlformats.org/drawingml/2006/table">
-            <a:tbl>
-              <a:tblPr firstRow="1" bandRow="1">
-                <a:tableStyleId>{2D5ABB26-0587-4C30-8999-92F81FD0307C}</a:tableStyleId>
-              </a:tblPr>
-              <a:tblGrid>
-                <a:gridCol w="298450"/>
-                <a:gridCol w="298450"/>
-              </a:tblGrid>
-              <a:tr h="273050">
-                <a:tc>
-                  <a:txBody>
-                    <a:bodyPr/>
-                    <a:lstStyle/>
-                    <a:p>
-                      <a:pPr algn="ctr"/>
-                      <a:r>
-                        <a:rPr kumimoji="1" lang="en-US" altLang="ja-JP" sz="1200" b="0" i="0" dirty="0" smtClean="0">
-                          <a:latin typeface="Seravek"/>
-                          <a:cs typeface="Seravek"/>
-                        </a:rPr>
-                        <a:t>1</a:t>
-                      </a:r>
-                      <a:endParaRPr kumimoji="1" lang="ja-JP" altLang="en-US" sz="1200" b="0" i="0" dirty="0">
-                        <a:latin typeface="Seravek"/>
-                        <a:cs typeface="Seravek"/>
-                      </a:endParaRPr>
-                    </a:p>
-                  </a:txBody>
-                  <a:tcPr>
-                    <a:lnL w="6350" cap="flat" cmpd="sng" algn="ctr">
-                      <a:solidFill>
-                        <a:prstClr val="white">
-                          <a:lumMod val="75000"/>
-                        </a:prstClr>
-                      </a:solidFill>
-                      <a:prstDash val="solid"/>
-                      <a:round/>
-                      <a:headEnd type="none" w="med" len="med"/>
-                      <a:tailEnd type="none" w="med" len="med"/>
-                    </a:lnL>
-                    <a:lnR w="6350" cap="flat" cmpd="sng" algn="ctr">
-                      <a:solidFill>
-                        <a:prstClr val="white">
-                          <a:lumMod val="75000"/>
-                        </a:prstClr>
-                      </a:solidFill>
-                      <a:prstDash val="solid"/>
-                      <a:round/>
-                      <a:headEnd type="none" w="med" len="med"/>
-                      <a:tailEnd type="none" w="med" len="med"/>
-                    </a:lnR>
-                    <a:lnT w="6350" cap="flat" cmpd="sng" algn="ctr">
-                      <a:solidFill>
-                        <a:prstClr val="white">
-                          <a:lumMod val="75000"/>
-                        </a:prstClr>
-                      </a:solidFill>
-                      <a:prstDash val="solid"/>
-                      <a:round/>
-                      <a:headEnd type="none" w="med" len="med"/>
-                      <a:tailEnd type="none" w="med" len="med"/>
-                    </a:lnT>
-                    <a:lnB w="6350" cap="flat" cmpd="sng" algn="ctr">
-                      <a:solidFill>
-                        <a:prstClr val="white">
-                          <a:lumMod val="75000"/>
-                        </a:prstClr>
-                      </a:solidFill>
-                      <a:prstDash val="solid"/>
-                      <a:round/>
-                      <a:headEnd type="none" w="med" len="med"/>
-                      <a:tailEnd type="none" w="med" len="med"/>
-                    </a:lnB>
-                  </a:tcPr>
-                </a:tc>
-                <a:tc>
-                  <a:txBody>
-                    <a:bodyPr/>
-                    <a:lstStyle/>
-                    <a:p>
-                      <a:pPr algn="ctr"/>
-                      <a:r>
-                        <a:rPr kumimoji="1" lang="en-US" altLang="ja-JP" sz="1200" b="0" i="0" dirty="0" smtClean="0">
-                          <a:latin typeface="Seravek"/>
-                          <a:cs typeface="Seravek"/>
-                        </a:rPr>
-                        <a:t>2</a:t>
-                      </a:r>
-                      <a:endParaRPr kumimoji="1" lang="ja-JP" altLang="en-US" sz="1200" b="0" i="0" dirty="0">
-                        <a:latin typeface="Seravek"/>
-                        <a:cs typeface="Seravek"/>
-                      </a:endParaRPr>
-                    </a:p>
-                  </a:txBody>
-                  <a:tcPr>
-                    <a:lnL w="6350" cap="flat" cmpd="sng" algn="ctr">
-                      <a:solidFill>
-                        <a:prstClr val="white">
-                          <a:lumMod val="75000"/>
-                        </a:prstClr>
-                      </a:solidFill>
-                      <a:prstDash val="solid"/>
-                      <a:round/>
-                      <a:headEnd type="none" w="med" len="med"/>
-                      <a:tailEnd type="none" w="med" len="med"/>
-                    </a:lnL>
-                    <a:lnR w="6350" cap="flat" cmpd="sng" algn="ctr">
-                      <a:solidFill>
-                        <a:prstClr val="white">
-                          <a:lumMod val="75000"/>
-                        </a:prstClr>
-                      </a:solidFill>
-                      <a:prstDash val="solid"/>
-                      <a:round/>
-                      <a:headEnd type="none" w="med" len="med"/>
-                      <a:tailEnd type="none" w="med" len="med"/>
-                    </a:lnR>
-                    <a:lnT w="6350" cap="flat" cmpd="sng" algn="ctr">
-                      <a:solidFill>
-                        <a:prstClr val="white">
-                          <a:lumMod val="75000"/>
-                        </a:prstClr>
-                      </a:solidFill>
-                      <a:prstDash val="solid"/>
-                      <a:round/>
-                      <a:headEnd type="none" w="med" len="med"/>
-                      <a:tailEnd type="none" w="med" len="med"/>
-                    </a:lnT>
-                    <a:lnB w="6350" cap="flat" cmpd="sng" algn="ctr">
-                      <a:solidFill>
-                        <a:prstClr val="white">
-                          <a:lumMod val="75000"/>
-                        </a:prstClr>
-                      </a:solidFill>
-                      <a:prstDash val="solid"/>
-                      <a:round/>
-                      <a:headEnd type="none" w="med" len="med"/>
-                      <a:tailEnd type="none" w="med" len="med"/>
-                    </a:lnB>
-                  </a:tcPr>
-                </a:tc>
-              </a:tr>
-              <a:tr h="273050">
-                <a:tc>
-                  <a:txBody>
-                    <a:bodyPr/>
-                    <a:lstStyle/>
-                    <a:p>
-                      <a:pPr algn="ctr"/>
-                      <a:r>
-                        <a:rPr kumimoji="1" lang="en-US" altLang="ja-JP" sz="1200" b="0" i="0" dirty="0" smtClean="0">
-                          <a:latin typeface="Seravek"/>
-                          <a:cs typeface="Seravek"/>
-                        </a:rPr>
-                        <a:t>2</a:t>
-                      </a:r>
-                      <a:endParaRPr kumimoji="1" lang="ja-JP" altLang="en-US" sz="1200" b="0" i="0" dirty="0">
-                        <a:latin typeface="Seravek"/>
-                        <a:cs typeface="Seravek"/>
-                      </a:endParaRPr>
-                    </a:p>
-                  </a:txBody>
-                  <a:tcPr>
-                    <a:lnL w="6350" cap="flat" cmpd="sng" algn="ctr">
-                      <a:solidFill>
-                        <a:prstClr val="white">
-                          <a:lumMod val="75000"/>
-                        </a:prstClr>
-                      </a:solidFill>
-                      <a:prstDash val="solid"/>
-                      <a:round/>
-                      <a:headEnd type="none" w="med" len="med"/>
-                      <a:tailEnd type="none" w="med" len="med"/>
-                    </a:lnL>
-                    <a:lnR w="6350" cap="flat" cmpd="sng" algn="ctr">
-                      <a:solidFill>
-                        <a:prstClr val="white">
-                          <a:lumMod val="75000"/>
-                        </a:prstClr>
-                      </a:solidFill>
-                      <a:prstDash val="solid"/>
-                      <a:round/>
-                      <a:headEnd type="none" w="med" len="med"/>
-                      <a:tailEnd type="none" w="med" len="med"/>
-                    </a:lnR>
-                    <a:lnT w="6350" cap="flat" cmpd="sng" algn="ctr">
-                      <a:solidFill>
-                        <a:prstClr val="white">
-                          <a:lumMod val="75000"/>
-                        </a:prstClr>
-                      </a:solidFill>
-                      <a:prstDash val="solid"/>
-                      <a:round/>
-                      <a:headEnd type="none" w="med" len="med"/>
-                      <a:tailEnd type="none" w="med" len="med"/>
-                    </a:lnT>
-                    <a:lnB w="6350" cap="flat" cmpd="sng" algn="ctr">
-                      <a:solidFill>
-                        <a:prstClr val="white">
-                          <a:lumMod val="75000"/>
-                        </a:prstClr>
-                      </a:solidFill>
-                      <a:prstDash val="solid"/>
-                      <a:round/>
-                      <a:headEnd type="none" w="med" len="med"/>
-                      <a:tailEnd type="none" w="med" len="med"/>
-                    </a:lnB>
-                  </a:tcPr>
-                </a:tc>
-                <a:tc>
-                  <a:txBody>
-                    <a:bodyPr/>
-                    <a:lstStyle/>
-                    <a:p>
-                      <a:pPr algn="ctr"/>
-                      <a:r>
-                        <a:rPr kumimoji="1" lang="en-US" altLang="ja-JP" sz="1200" b="0" i="0" dirty="0" smtClean="0">
-                          <a:latin typeface="Seravek"/>
-                          <a:cs typeface="Seravek"/>
-                        </a:rPr>
-                        <a:t>1</a:t>
-                      </a:r>
-                      <a:endParaRPr kumimoji="1" lang="ja-JP" altLang="en-US" sz="1200" b="0" i="0" dirty="0">
-                        <a:latin typeface="Seravek"/>
-                        <a:cs typeface="Seravek"/>
-                      </a:endParaRPr>
-                    </a:p>
-                  </a:txBody>
-                  <a:tcPr>
-                    <a:lnL w="6350" cap="flat" cmpd="sng" algn="ctr">
-                      <a:solidFill>
-                        <a:prstClr val="white">
-                          <a:lumMod val="75000"/>
-                        </a:prstClr>
-                      </a:solidFill>
-                      <a:prstDash val="solid"/>
-                      <a:round/>
-                      <a:headEnd type="none" w="med" len="med"/>
-                      <a:tailEnd type="none" w="med" len="med"/>
-                    </a:lnL>
-                    <a:lnR w="6350" cap="flat" cmpd="sng" algn="ctr">
-                      <a:solidFill>
-                        <a:prstClr val="white">
-                          <a:lumMod val="75000"/>
-                        </a:prstClr>
-                      </a:solidFill>
-                      <a:prstDash val="solid"/>
-                      <a:round/>
-                      <a:headEnd type="none" w="med" len="med"/>
-                      <a:tailEnd type="none" w="med" len="med"/>
-                    </a:lnR>
-                    <a:lnT w="6350" cap="flat" cmpd="sng" algn="ctr">
-                      <a:solidFill>
-                        <a:prstClr val="white">
-                          <a:lumMod val="75000"/>
-                        </a:prstClr>
-                      </a:solidFill>
-                      <a:prstDash val="solid"/>
-                      <a:round/>
-                      <a:headEnd type="none" w="med" len="med"/>
-                      <a:tailEnd type="none" w="med" len="med"/>
-                    </a:lnT>
-                    <a:lnB w="6350" cap="flat" cmpd="sng" algn="ctr">
-                      <a:solidFill>
-                        <a:prstClr val="white">
-                          <a:lumMod val="75000"/>
-                        </a:prstClr>
-                      </a:solidFill>
-                      <a:prstDash val="solid"/>
-                      <a:round/>
-                      <a:headEnd type="none" w="med" len="med"/>
-                      <a:tailEnd type="none" w="med" len="med"/>
-                    </a:lnB>
-                  </a:tcPr>
-                </a:tc>
-              </a:tr>
-            </a:tbl>
-          </a:graphicData>
-        </a:graphic>
-      </p:graphicFrame>
-      <p:graphicFrame>
-        <p:nvGraphicFramePr>
           <p:cNvPr id="19" name="表 18"/>
           <p:cNvGraphicFramePr>
             <a:graphicFrameLocks noGrp="1"/>
@@ -12159,13 +11260,13 @@
           <p:nvPr>
             <p:extLst>
               <p:ext uri="{D42A27DB-BD31-4B8C-83A1-F6EECF244321}">
-                <p14:modId xmlns:p14="http://schemas.microsoft.com/office/powerpoint/2010/main" val="3600994036"/>
+                <p14:modId xmlns:p14="http://schemas.microsoft.com/office/powerpoint/2010/main" val="213171677"/>
               </p:ext>
             </p:extLst>
           </p:nvPr>
         </p:nvGraphicFramePr>
         <p:xfrm>
-          <a:off x="3651249" y="4722919"/>
+          <a:off x="5292841" y="4162850"/>
           <a:ext cx="596900" cy="546100"/>
         </p:xfrm>
         <a:graphic>
@@ -12470,7 +11571,7 @@
         </p:nvSpPr>
         <p:spPr>
           <a:xfrm>
-            <a:off x="847727" y="4872144"/>
+            <a:off x="2489319" y="4312075"/>
             <a:ext cx="501649" cy="495300"/>
           </a:xfrm>
           <a:prstGeom prst="rect">
@@ -12503,142 +11604,13 @@
       </p:sp>
       <p:sp>
         <p:nvSpPr>
-          <p:cNvPr id="21" name="二等辺三角形 20"/>
-          <p:cNvSpPr/>
-          <p:nvPr/>
-        </p:nvSpPr>
-        <p:spPr>
-          <a:xfrm rot="10800000">
-            <a:off x="2108199" y="1371601"/>
-            <a:ext cx="406400" cy="243840"/>
-          </a:xfrm>
-          <a:prstGeom prst="triangle">
-            <a:avLst/>
-          </a:prstGeom>
-          <a:ln>
-            <a:noFill/>
-          </a:ln>
-        </p:spPr>
-        <p:style>
-          <a:lnRef idx="2">
-            <a:schemeClr val="accent1">
-              <a:shade val="50000"/>
-            </a:schemeClr>
-          </a:lnRef>
-          <a:fillRef idx="1">
-            <a:schemeClr val="accent1"/>
-          </a:fillRef>
-          <a:effectRef idx="0">
-            <a:schemeClr val="accent1"/>
-          </a:effectRef>
-          <a:fontRef idx="minor">
-            <a:schemeClr val="lt1"/>
-          </a:fontRef>
-        </p:style>
-        <p:txBody>
-          <a:bodyPr rtlCol="0" anchor="ctr"/>
-          <a:lstStyle/>
-          <a:p>
-            <a:pPr algn="ctr"/>
-            <a:endParaRPr kumimoji="1" lang="ja-JP" altLang="en-US"/>
-          </a:p>
-        </p:txBody>
-      </p:sp>
-      <p:sp>
-        <p:nvSpPr>
-          <p:cNvPr id="22" name="二等辺三角形 21"/>
-          <p:cNvSpPr/>
-          <p:nvPr/>
-        </p:nvSpPr>
-        <p:spPr>
-          <a:xfrm rot="10800000">
-            <a:off x="2108199" y="2781301"/>
-            <a:ext cx="406400" cy="243840"/>
-          </a:xfrm>
-          <a:prstGeom prst="triangle">
-            <a:avLst/>
-          </a:prstGeom>
-          <a:ln>
-            <a:noFill/>
-          </a:ln>
-        </p:spPr>
-        <p:style>
-          <a:lnRef idx="2">
-            <a:schemeClr val="accent1">
-              <a:shade val="50000"/>
-            </a:schemeClr>
-          </a:lnRef>
-          <a:fillRef idx="1">
-            <a:schemeClr val="accent1"/>
-          </a:fillRef>
-          <a:effectRef idx="0">
-            <a:schemeClr val="accent1"/>
-          </a:effectRef>
-          <a:fontRef idx="minor">
-            <a:schemeClr val="lt1"/>
-          </a:fontRef>
-        </p:style>
-        <p:txBody>
-          <a:bodyPr rtlCol="0" anchor="ctr"/>
-          <a:lstStyle/>
-          <a:p>
-            <a:pPr algn="ctr"/>
-            <a:endParaRPr kumimoji="1" lang="ja-JP" altLang="en-US"/>
-          </a:p>
-        </p:txBody>
-      </p:sp>
-      <p:sp>
-        <p:nvSpPr>
-          <p:cNvPr id="23" name="二等辺三角形 22"/>
-          <p:cNvSpPr/>
-          <p:nvPr/>
-        </p:nvSpPr>
-        <p:spPr>
-          <a:xfrm rot="10800000">
-            <a:off x="2108199" y="4217459"/>
-            <a:ext cx="406400" cy="243840"/>
-          </a:xfrm>
-          <a:prstGeom prst="triangle">
-            <a:avLst/>
-          </a:prstGeom>
-          <a:ln>
-            <a:noFill/>
-          </a:ln>
-        </p:spPr>
-        <p:style>
-          <a:lnRef idx="2">
-            <a:schemeClr val="accent1">
-              <a:shade val="50000"/>
-            </a:schemeClr>
-          </a:lnRef>
-          <a:fillRef idx="1">
-            <a:schemeClr val="accent1"/>
-          </a:fillRef>
-          <a:effectRef idx="0">
-            <a:schemeClr val="accent1"/>
-          </a:effectRef>
-          <a:fontRef idx="minor">
-            <a:schemeClr val="lt1"/>
-          </a:fontRef>
-        </p:style>
-        <p:txBody>
-          <a:bodyPr rtlCol="0" anchor="ctr"/>
-          <a:lstStyle/>
-          <a:p>
-            <a:pPr algn="ctr"/>
-            <a:endParaRPr kumimoji="1" lang="ja-JP" altLang="en-US"/>
-          </a:p>
-        </p:txBody>
-      </p:sp>
-      <p:sp>
-        <p:nvSpPr>
           <p:cNvPr id="24" name="テキスト ボックス 23"/>
           <p:cNvSpPr txBox="1"/>
           <p:nvPr/>
         </p:nvSpPr>
         <p:spPr>
           <a:xfrm>
-            <a:off x="158171" y="551676"/>
+            <a:off x="1799763" y="1268591"/>
             <a:ext cx="444887" cy="276999"/>
           </a:xfrm>
           <a:prstGeom prst="rect">
@@ -12674,7 +11646,7 @@
         </p:nvSpPr>
         <p:spPr>
           <a:xfrm>
-            <a:off x="152016" y="1956931"/>
+            <a:off x="1793608" y="2262366"/>
             <a:ext cx="470123" cy="276999"/>
           </a:xfrm>
           <a:prstGeom prst="rect">
@@ -12710,7 +11682,7 @@
         </p:nvSpPr>
         <p:spPr>
           <a:xfrm>
-            <a:off x="126780" y="3429635"/>
+            <a:off x="1768372" y="3287889"/>
             <a:ext cx="463968" cy="276999"/>
           </a:xfrm>
           <a:prstGeom prst="rect">
@@ -12760,7 +11732,7 @@
         </p:nvSpPr>
         <p:spPr>
           <a:xfrm>
-            <a:off x="158171" y="4867064"/>
+            <a:off x="1799763" y="4306995"/>
             <a:ext cx="489204" cy="276999"/>
           </a:xfrm>
           <a:prstGeom prst="rect">
@@ -12796,7 +11768,7 @@
         </p:nvSpPr>
         <p:spPr>
           <a:xfrm>
-            <a:off x="549157" y="5593576"/>
+            <a:off x="2190749" y="5033507"/>
             <a:ext cx="800219" cy="276999"/>
           </a:xfrm>
           <a:prstGeom prst="rect">
@@ -12834,7 +11806,7 @@
         </p:nvSpPr>
         <p:spPr>
           <a:xfrm>
-            <a:off x="3466979" y="5607476"/>
+            <a:off x="5108571" y="5047407"/>
             <a:ext cx="800219" cy="276999"/>
           </a:xfrm>
           <a:prstGeom prst="rect">
@@ -12880,7 +11852,7 @@
         </p:nvSpPr>
         <p:spPr>
           <a:xfrm>
-            <a:off x="2009657" y="5593576"/>
+            <a:off x="4451468" y="352922"/>
             <a:ext cx="800219" cy="276999"/>
           </a:xfrm>
           <a:prstGeom prst="rect">
@@ -12910,10 +11882,2237 @@
           </a:p>
         </p:txBody>
       </p:sp>
+      <p:cxnSp>
+        <p:nvCxnSpPr>
+          <p:cNvPr id="3" name="直線矢印コネクタ 2"/>
+          <p:cNvCxnSpPr/>
+          <p:nvPr/>
+        </p:nvCxnSpPr>
+        <p:spPr>
+          <a:xfrm flipV="1">
+            <a:off x="3136900" y="1409700"/>
+            <a:ext cx="1971671" cy="12700"/>
+          </a:xfrm>
+          <a:prstGeom prst="straightConnector1">
+            <a:avLst/>
+          </a:prstGeom>
+          <a:ln>
+            <a:headEnd type="none"/>
+            <a:tailEnd type="arrow"/>
+          </a:ln>
+        </p:spPr>
+        <p:style>
+          <a:lnRef idx="3">
+            <a:schemeClr val="dk1"/>
+          </a:lnRef>
+          <a:fillRef idx="0">
+            <a:schemeClr val="dk1"/>
+          </a:fillRef>
+          <a:effectRef idx="2">
+            <a:schemeClr val="dk1"/>
+          </a:effectRef>
+          <a:fontRef idx="minor">
+            <a:schemeClr val="tx1"/>
+          </a:fontRef>
+        </p:style>
+      </p:cxnSp>
+      <p:cxnSp>
+        <p:nvCxnSpPr>
+          <p:cNvPr id="31" name="直線矢印コネクタ 30"/>
+          <p:cNvCxnSpPr/>
+          <p:nvPr/>
+        </p:nvCxnSpPr>
+        <p:spPr>
+          <a:xfrm flipV="1">
+            <a:off x="3136900" y="2400300"/>
+            <a:ext cx="1971671" cy="12700"/>
+          </a:xfrm>
+          <a:prstGeom prst="straightConnector1">
+            <a:avLst/>
+          </a:prstGeom>
+          <a:ln>
+            <a:headEnd type="none"/>
+            <a:tailEnd type="arrow"/>
+          </a:ln>
+        </p:spPr>
+        <p:style>
+          <a:lnRef idx="3">
+            <a:schemeClr val="dk1"/>
+          </a:lnRef>
+          <a:fillRef idx="0">
+            <a:schemeClr val="dk1"/>
+          </a:fillRef>
+          <a:effectRef idx="2">
+            <a:schemeClr val="dk1"/>
+          </a:effectRef>
+          <a:fontRef idx="minor">
+            <a:schemeClr val="tx1"/>
+          </a:fontRef>
+        </p:style>
+      </p:cxnSp>
+      <p:cxnSp>
+        <p:nvCxnSpPr>
+          <p:cNvPr id="32" name="直線矢印コネクタ 31"/>
+          <p:cNvCxnSpPr/>
+          <p:nvPr/>
+        </p:nvCxnSpPr>
+        <p:spPr>
+          <a:xfrm flipV="1">
+            <a:off x="3136900" y="3429000"/>
+            <a:ext cx="1971671" cy="12700"/>
+          </a:xfrm>
+          <a:prstGeom prst="straightConnector1">
+            <a:avLst/>
+          </a:prstGeom>
+          <a:ln>
+            <a:headEnd type="none"/>
+            <a:tailEnd type="arrow"/>
+          </a:ln>
+        </p:spPr>
+        <p:style>
+          <a:lnRef idx="3">
+            <a:schemeClr val="dk1"/>
+          </a:lnRef>
+          <a:fillRef idx="0">
+            <a:schemeClr val="dk1"/>
+          </a:fillRef>
+          <a:effectRef idx="2">
+            <a:schemeClr val="dk1"/>
+          </a:effectRef>
+          <a:fontRef idx="minor">
+            <a:schemeClr val="tx1"/>
+          </a:fontRef>
+        </p:style>
+      </p:cxnSp>
+      <p:cxnSp>
+        <p:nvCxnSpPr>
+          <p:cNvPr id="33" name="直線矢印コネクタ 32"/>
+          <p:cNvCxnSpPr/>
+          <p:nvPr/>
+        </p:nvCxnSpPr>
+        <p:spPr>
+          <a:xfrm flipV="1">
+            <a:off x="3136900" y="4419600"/>
+            <a:ext cx="1971671" cy="12700"/>
+          </a:xfrm>
+          <a:prstGeom prst="straightConnector1">
+            <a:avLst/>
+          </a:prstGeom>
+          <a:ln>
+            <a:headEnd type="none"/>
+            <a:tailEnd type="arrow"/>
+          </a:ln>
+        </p:spPr>
+        <p:style>
+          <a:lnRef idx="3">
+            <a:schemeClr val="dk1"/>
+          </a:lnRef>
+          <a:fillRef idx="0">
+            <a:schemeClr val="dk1"/>
+          </a:fillRef>
+          <a:effectRef idx="2">
+            <a:schemeClr val="dk1"/>
+          </a:effectRef>
+          <a:fontRef idx="minor">
+            <a:schemeClr val="tx1"/>
+          </a:fontRef>
+        </p:style>
+      </p:cxnSp>
+      <p:grpSp>
+        <p:nvGrpSpPr>
+          <p:cNvPr id="39" name="図形グループ 38"/>
+          <p:cNvGrpSpPr/>
+          <p:nvPr/>
+        </p:nvGrpSpPr>
+        <p:grpSpPr>
+          <a:xfrm>
+            <a:off x="3540125" y="1345495"/>
+            <a:ext cx="165100" cy="153809"/>
+            <a:chOff x="7150100" y="1268591"/>
+            <a:chExt cx="165100" cy="153809"/>
+          </a:xfrm>
+        </p:grpSpPr>
+        <p:sp>
+          <p:nvSpPr>
+            <p:cNvPr id="9" name="円/楕円 8"/>
+            <p:cNvSpPr/>
+            <p:nvPr/>
+          </p:nvSpPr>
+          <p:spPr>
+            <a:xfrm>
+              <a:off x="7150100" y="1268591"/>
+              <a:ext cx="165100" cy="153809"/>
+            </a:xfrm>
+            <a:prstGeom prst="ellipse">
+              <a:avLst/>
+            </a:prstGeom>
+          </p:spPr>
+          <p:style>
+            <a:lnRef idx="2">
+              <a:schemeClr val="dk1"/>
+            </a:lnRef>
+            <a:fillRef idx="1">
+              <a:schemeClr val="lt1"/>
+            </a:fillRef>
+            <a:effectRef idx="0">
+              <a:schemeClr val="dk1"/>
+            </a:effectRef>
+            <a:fontRef idx="minor">
+              <a:schemeClr val="dk1"/>
+            </a:fontRef>
+          </p:style>
+          <p:txBody>
+            <a:bodyPr rtlCol="0" anchor="ctr"/>
+            <a:lstStyle/>
+            <a:p>
+              <a:pPr algn="ctr"/>
+              <a:endParaRPr kumimoji="1" lang="ja-JP" altLang="en-US"/>
+            </a:p>
+          </p:txBody>
+        </p:sp>
+        <p:cxnSp>
+          <p:nvCxnSpPr>
+            <p:cNvPr id="35" name="直線コネクタ 34"/>
+            <p:cNvCxnSpPr>
+              <a:stCxn id="9" idx="7"/>
+              <a:endCxn id="9" idx="3"/>
+            </p:cNvCxnSpPr>
+            <p:nvPr/>
+          </p:nvCxnSpPr>
+          <p:spPr>
+            <a:xfrm flipH="1">
+              <a:off x="7174278" y="1291116"/>
+              <a:ext cx="116744" cy="108759"/>
+            </a:xfrm>
+            <a:prstGeom prst="line">
+              <a:avLst/>
+            </a:prstGeom>
+          </p:spPr>
+          <p:style>
+            <a:lnRef idx="2">
+              <a:schemeClr val="dk1"/>
+            </a:lnRef>
+            <a:fillRef idx="0">
+              <a:schemeClr val="dk1"/>
+            </a:fillRef>
+            <a:effectRef idx="1">
+              <a:schemeClr val="dk1"/>
+            </a:effectRef>
+            <a:fontRef idx="minor">
+              <a:schemeClr val="tx1"/>
+            </a:fontRef>
+          </p:style>
+        </p:cxnSp>
+        <p:cxnSp>
+          <p:nvCxnSpPr>
+            <p:cNvPr id="36" name="直線コネクタ 35"/>
+            <p:cNvCxnSpPr>
+              <a:stCxn id="9" idx="1"/>
+              <a:endCxn id="9" idx="5"/>
+            </p:cNvCxnSpPr>
+            <p:nvPr/>
+          </p:nvCxnSpPr>
+          <p:spPr>
+            <a:xfrm>
+              <a:off x="7174278" y="1291116"/>
+              <a:ext cx="116744" cy="108759"/>
+            </a:xfrm>
+            <a:prstGeom prst="line">
+              <a:avLst/>
+            </a:prstGeom>
+          </p:spPr>
+          <p:style>
+            <a:lnRef idx="2">
+              <a:schemeClr val="dk1"/>
+            </a:lnRef>
+            <a:fillRef idx="0">
+              <a:schemeClr val="dk1"/>
+            </a:fillRef>
+            <a:effectRef idx="1">
+              <a:schemeClr val="dk1"/>
+            </a:effectRef>
+            <a:fontRef idx="minor">
+              <a:schemeClr val="tx1"/>
+            </a:fontRef>
+          </p:style>
+        </p:cxnSp>
+      </p:grpSp>
+      <p:grpSp>
+        <p:nvGrpSpPr>
+          <p:cNvPr id="40" name="図形グループ 39"/>
+          <p:cNvGrpSpPr/>
+          <p:nvPr/>
+        </p:nvGrpSpPr>
+        <p:grpSpPr>
+          <a:xfrm>
+            <a:off x="3776297" y="2329745"/>
+            <a:ext cx="165100" cy="153809"/>
+            <a:chOff x="7150100" y="1268591"/>
+            <a:chExt cx="165100" cy="153809"/>
+          </a:xfrm>
+        </p:grpSpPr>
+        <p:sp>
+          <p:nvSpPr>
+            <p:cNvPr id="41" name="円/楕円 40"/>
+            <p:cNvSpPr/>
+            <p:nvPr/>
+          </p:nvSpPr>
+          <p:spPr>
+            <a:xfrm>
+              <a:off x="7150100" y="1268591"/>
+              <a:ext cx="165100" cy="153809"/>
+            </a:xfrm>
+            <a:prstGeom prst="ellipse">
+              <a:avLst/>
+            </a:prstGeom>
+          </p:spPr>
+          <p:style>
+            <a:lnRef idx="2">
+              <a:schemeClr val="dk1"/>
+            </a:lnRef>
+            <a:fillRef idx="1">
+              <a:schemeClr val="lt1"/>
+            </a:fillRef>
+            <a:effectRef idx="0">
+              <a:schemeClr val="dk1"/>
+            </a:effectRef>
+            <a:fontRef idx="minor">
+              <a:schemeClr val="dk1"/>
+            </a:fontRef>
+          </p:style>
+          <p:txBody>
+            <a:bodyPr rtlCol="0" anchor="ctr"/>
+            <a:lstStyle/>
+            <a:p>
+              <a:pPr algn="ctr"/>
+              <a:endParaRPr kumimoji="1" lang="ja-JP" altLang="en-US"/>
+            </a:p>
+          </p:txBody>
+        </p:sp>
+        <p:cxnSp>
+          <p:nvCxnSpPr>
+            <p:cNvPr id="42" name="直線コネクタ 41"/>
+            <p:cNvCxnSpPr>
+              <a:stCxn id="41" idx="7"/>
+              <a:endCxn id="41" idx="3"/>
+            </p:cNvCxnSpPr>
+            <p:nvPr/>
+          </p:nvCxnSpPr>
+          <p:spPr>
+            <a:xfrm flipH="1">
+              <a:off x="7174278" y="1291116"/>
+              <a:ext cx="116744" cy="108759"/>
+            </a:xfrm>
+            <a:prstGeom prst="line">
+              <a:avLst/>
+            </a:prstGeom>
+          </p:spPr>
+          <p:style>
+            <a:lnRef idx="2">
+              <a:schemeClr val="dk1"/>
+            </a:lnRef>
+            <a:fillRef idx="0">
+              <a:schemeClr val="dk1"/>
+            </a:fillRef>
+            <a:effectRef idx="1">
+              <a:schemeClr val="dk1"/>
+            </a:effectRef>
+            <a:fontRef idx="minor">
+              <a:schemeClr val="tx1"/>
+            </a:fontRef>
+          </p:style>
+        </p:cxnSp>
+        <p:cxnSp>
+          <p:nvCxnSpPr>
+            <p:cNvPr id="43" name="直線コネクタ 42"/>
+            <p:cNvCxnSpPr>
+              <a:stCxn id="41" idx="1"/>
+              <a:endCxn id="41" idx="5"/>
+            </p:cNvCxnSpPr>
+            <p:nvPr/>
+          </p:nvCxnSpPr>
+          <p:spPr>
+            <a:xfrm>
+              <a:off x="7174278" y="1291116"/>
+              <a:ext cx="116744" cy="108759"/>
+            </a:xfrm>
+            <a:prstGeom prst="line">
+              <a:avLst/>
+            </a:prstGeom>
+          </p:spPr>
+          <p:style>
+            <a:lnRef idx="2">
+              <a:schemeClr val="dk1"/>
+            </a:lnRef>
+            <a:fillRef idx="0">
+              <a:schemeClr val="dk1"/>
+            </a:fillRef>
+            <a:effectRef idx="1">
+              <a:schemeClr val="dk1"/>
+            </a:effectRef>
+            <a:fontRef idx="minor">
+              <a:schemeClr val="tx1"/>
+            </a:fontRef>
+          </p:style>
+        </p:cxnSp>
+      </p:grpSp>
+      <p:grpSp>
+        <p:nvGrpSpPr>
+          <p:cNvPr id="44" name="図形グループ 43"/>
+          <p:cNvGrpSpPr/>
+          <p:nvPr/>
+        </p:nvGrpSpPr>
+        <p:grpSpPr>
+          <a:xfrm>
+            <a:off x="4049347" y="3352095"/>
+            <a:ext cx="165100" cy="153809"/>
+            <a:chOff x="7150100" y="1268591"/>
+            <a:chExt cx="165100" cy="153809"/>
+          </a:xfrm>
+        </p:grpSpPr>
+        <p:sp>
+          <p:nvSpPr>
+            <p:cNvPr id="45" name="円/楕円 44"/>
+            <p:cNvSpPr/>
+            <p:nvPr/>
+          </p:nvSpPr>
+          <p:spPr>
+            <a:xfrm>
+              <a:off x="7150100" y="1268591"/>
+              <a:ext cx="165100" cy="153809"/>
+            </a:xfrm>
+            <a:prstGeom prst="ellipse">
+              <a:avLst/>
+            </a:prstGeom>
+          </p:spPr>
+          <p:style>
+            <a:lnRef idx="2">
+              <a:schemeClr val="dk1"/>
+            </a:lnRef>
+            <a:fillRef idx="1">
+              <a:schemeClr val="lt1"/>
+            </a:fillRef>
+            <a:effectRef idx="0">
+              <a:schemeClr val="dk1"/>
+            </a:effectRef>
+            <a:fontRef idx="minor">
+              <a:schemeClr val="dk1"/>
+            </a:fontRef>
+          </p:style>
+          <p:txBody>
+            <a:bodyPr rtlCol="0" anchor="ctr"/>
+            <a:lstStyle/>
+            <a:p>
+              <a:pPr algn="ctr"/>
+              <a:endParaRPr kumimoji="1" lang="ja-JP" altLang="en-US"/>
+            </a:p>
+          </p:txBody>
+        </p:sp>
+        <p:cxnSp>
+          <p:nvCxnSpPr>
+            <p:cNvPr id="46" name="直線コネクタ 45"/>
+            <p:cNvCxnSpPr>
+              <a:stCxn id="45" idx="7"/>
+              <a:endCxn id="45" idx="3"/>
+            </p:cNvCxnSpPr>
+            <p:nvPr/>
+          </p:nvCxnSpPr>
+          <p:spPr>
+            <a:xfrm flipH="1">
+              <a:off x="7174278" y="1291116"/>
+              <a:ext cx="116744" cy="108759"/>
+            </a:xfrm>
+            <a:prstGeom prst="line">
+              <a:avLst/>
+            </a:prstGeom>
+          </p:spPr>
+          <p:style>
+            <a:lnRef idx="2">
+              <a:schemeClr val="dk1"/>
+            </a:lnRef>
+            <a:fillRef idx="0">
+              <a:schemeClr val="dk1"/>
+            </a:fillRef>
+            <a:effectRef idx="1">
+              <a:schemeClr val="dk1"/>
+            </a:effectRef>
+            <a:fontRef idx="minor">
+              <a:schemeClr val="tx1"/>
+            </a:fontRef>
+          </p:style>
+        </p:cxnSp>
+        <p:cxnSp>
+          <p:nvCxnSpPr>
+            <p:cNvPr id="47" name="直線コネクタ 46"/>
+            <p:cNvCxnSpPr>
+              <a:stCxn id="45" idx="1"/>
+              <a:endCxn id="45" idx="5"/>
+            </p:cNvCxnSpPr>
+            <p:nvPr/>
+          </p:nvCxnSpPr>
+          <p:spPr>
+            <a:xfrm>
+              <a:off x="7174278" y="1291116"/>
+              <a:ext cx="116744" cy="108759"/>
+            </a:xfrm>
+            <a:prstGeom prst="line">
+              <a:avLst/>
+            </a:prstGeom>
+          </p:spPr>
+          <p:style>
+            <a:lnRef idx="2">
+              <a:schemeClr val="dk1"/>
+            </a:lnRef>
+            <a:fillRef idx="0">
+              <a:schemeClr val="dk1"/>
+            </a:fillRef>
+            <a:effectRef idx="1">
+              <a:schemeClr val="dk1"/>
+            </a:effectRef>
+            <a:fontRef idx="minor">
+              <a:schemeClr val="tx1"/>
+            </a:fontRef>
+          </p:style>
+        </p:cxnSp>
+      </p:grpSp>
+      <p:grpSp>
+        <p:nvGrpSpPr>
+          <p:cNvPr id="48" name="図形グループ 47"/>
+          <p:cNvGrpSpPr/>
+          <p:nvPr/>
+        </p:nvGrpSpPr>
+        <p:grpSpPr>
+          <a:xfrm>
+            <a:off x="4341938" y="4342695"/>
+            <a:ext cx="165100" cy="153809"/>
+            <a:chOff x="7150100" y="1268591"/>
+            <a:chExt cx="165100" cy="153809"/>
+          </a:xfrm>
+        </p:grpSpPr>
+        <p:sp>
+          <p:nvSpPr>
+            <p:cNvPr id="49" name="円/楕円 48"/>
+            <p:cNvSpPr/>
+            <p:nvPr/>
+          </p:nvSpPr>
+          <p:spPr>
+            <a:xfrm>
+              <a:off x="7150100" y="1268591"/>
+              <a:ext cx="165100" cy="153809"/>
+            </a:xfrm>
+            <a:prstGeom prst="ellipse">
+              <a:avLst/>
+            </a:prstGeom>
+          </p:spPr>
+          <p:style>
+            <a:lnRef idx="2">
+              <a:schemeClr val="dk1"/>
+            </a:lnRef>
+            <a:fillRef idx="1">
+              <a:schemeClr val="lt1"/>
+            </a:fillRef>
+            <a:effectRef idx="0">
+              <a:schemeClr val="dk1"/>
+            </a:effectRef>
+            <a:fontRef idx="minor">
+              <a:schemeClr val="dk1"/>
+            </a:fontRef>
+          </p:style>
+          <p:txBody>
+            <a:bodyPr rtlCol="0" anchor="ctr"/>
+            <a:lstStyle/>
+            <a:p>
+              <a:pPr algn="ctr"/>
+              <a:endParaRPr kumimoji="1" lang="ja-JP" altLang="en-US"/>
+            </a:p>
+          </p:txBody>
+        </p:sp>
+        <p:cxnSp>
+          <p:nvCxnSpPr>
+            <p:cNvPr id="50" name="直線コネクタ 49"/>
+            <p:cNvCxnSpPr>
+              <a:stCxn id="49" idx="7"/>
+              <a:endCxn id="49" idx="3"/>
+            </p:cNvCxnSpPr>
+            <p:nvPr/>
+          </p:nvCxnSpPr>
+          <p:spPr>
+            <a:xfrm flipH="1">
+              <a:off x="7174278" y="1291116"/>
+              <a:ext cx="116744" cy="108759"/>
+            </a:xfrm>
+            <a:prstGeom prst="line">
+              <a:avLst/>
+            </a:prstGeom>
+          </p:spPr>
+          <p:style>
+            <a:lnRef idx="2">
+              <a:schemeClr val="dk1"/>
+            </a:lnRef>
+            <a:fillRef idx="0">
+              <a:schemeClr val="dk1"/>
+            </a:fillRef>
+            <a:effectRef idx="1">
+              <a:schemeClr val="dk1"/>
+            </a:effectRef>
+            <a:fontRef idx="minor">
+              <a:schemeClr val="tx1"/>
+            </a:fontRef>
+          </p:style>
+        </p:cxnSp>
+        <p:cxnSp>
+          <p:nvCxnSpPr>
+            <p:cNvPr id="51" name="直線コネクタ 50"/>
+            <p:cNvCxnSpPr>
+              <a:stCxn id="49" idx="1"/>
+              <a:endCxn id="49" idx="5"/>
+            </p:cNvCxnSpPr>
+            <p:nvPr/>
+          </p:nvCxnSpPr>
+          <p:spPr>
+            <a:xfrm>
+              <a:off x="7174278" y="1291116"/>
+              <a:ext cx="116744" cy="108759"/>
+            </a:xfrm>
+            <a:prstGeom prst="line">
+              <a:avLst/>
+            </a:prstGeom>
+          </p:spPr>
+          <p:style>
+            <a:lnRef idx="2">
+              <a:schemeClr val="dk1"/>
+            </a:lnRef>
+            <a:fillRef idx="0">
+              <a:schemeClr val="dk1"/>
+            </a:fillRef>
+            <a:effectRef idx="1">
+              <a:schemeClr val="dk1"/>
+            </a:effectRef>
+            <a:fontRef idx="minor">
+              <a:schemeClr val="tx1"/>
+            </a:fontRef>
+          </p:style>
+        </p:cxnSp>
+      </p:grpSp>
+      <p:cxnSp>
+        <p:nvCxnSpPr>
+          <p:cNvPr id="53" name="直線矢印コネクタ 52"/>
+          <p:cNvCxnSpPr>
+            <a:stCxn id="6" idx="2"/>
+            <a:endCxn id="9" idx="7"/>
+          </p:cNvCxnSpPr>
+          <p:nvPr/>
+        </p:nvCxnSpPr>
+        <p:spPr>
+          <a:xfrm flipH="1">
+            <a:off x="3681047" y="859155"/>
+            <a:ext cx="367194" cy="508865"/>
+          </a:xfrm>
+          <a:prstGeom prst="straightConnector1">
+            <a:avLst/>
+          </a:prstGeom>
+          <a:ln>
+            <a:prstDash val="sysDash"/>
+            <a:tailEnd type="arrow"/>
+          </a:ln>
+        </p:spPr>
+        <p:style>
+          <a:lnRef idx="1">
+            <a:schemeClr val="accent2"/>
+          </a:lnRef>
+          <a:fillRef idx="0">
+            <a:schemeClr val="accent2"/>
+          </a:fillRef>
+          <a:effectRef idx="0">
+            <a:schemeClr val="accent2"/>
+          </a:effectRef>
+          <a:fontRef idx="minor">
+            <a:schemeClr val="tx1"/>
+          </a:fontRef>
+        </p:style>
+      </p:cxnSp>
+      <p:cxnSp>
+        <p:nvCxnSpPr>
+          <p:cNvPr id="54" name="直線矢印コネクタ 53"/>
+          <p:cNvCxnSpPr>
+            <a:stCxn id="6" idx="2"/>
+            <a:endCxn id="41" idx="0"/>
+          </p:cNvCxnSpPr>
+          <p:nvPr/>
+        </p:nvCxnSpPr>
+        <p:spPr>
+          <a:xfrm flipH="1">
+            <a:off x="3858847" y="859155"/>
+            <a:ext cx="189394" cy="1470590"/>
+          </a:xfrm>
+          <a:prstGeom prst="straightConnector1">
+            <a:avLst/>
+          </a:prstGeom>
+          <a:ln>
+            <a:prstDash val="sysDash"/>
+            <a:tailEnd type="arrow"/>
+          </a:ln>
+        </p:spPr>
+        <p:style>
+          <a:lnRef idx="1">
+            <a:schemeClr val="accent2"/>
+          </a:lnRef>
+          <a:fillRef idx="0">
+            <a:schemeClr val="accent2"/>
+          </a:fillRef>
+          <a:effectRef idx="0">
+            <a:schemeClr val="accent2"/>
+          </a:effectRef>
+          <a:fontRef idx="minor">
+            <a:schemeClr val="tx1"/>
+          </a:fontRef>
+        </p:style>
+      </p:cxnSp>
+      <p:cxnSp>
+        <p:nvCxnSpPr>
+          <p:cNvPr id="58" name="直線矢印コネクタ 57"/>
+          <p:cNvCxnSpPr>
+            <a:stCxn id="6" idx="2"/>
+            <a:endCxn id="45" idx="0"/>
+          </p:cNvCxnSpPr>
+          <p:nvPr/>
+        </p:nvCxnSpPr>
+        <p:spPr>
+          <a:xfrm>
+            <a:off x="4048241" y="859155"/>
+            <a:ext cx="83656" cy="2492940"/>
+          </a:xfrm>
+          <a:prstGeom prst="straightConnector1">
+            <a:avLst/>
+          </a:prstGeom>
+          <a:ln>
+            <a:prstDash val="sysDash"/>
+            <a:tailEnd type="arrow"/>
+          </a:ln>
+        </p:spPr>
+        <p:style>
+          <a:lnRef idx="1">
+            <a:schemeClr val="accent2"/>
+          </a:lnRef>
+          <a:fillRef idx="0">
+            <a:schemeClr val="accent2"/>
+          </a:fillRef>
+          <a:effectRef idx="0">
+            <a:schemeClr val="accent2"/>
+          </a:effectRef>
+          <a:fontRef idx="minor">
+            <a:schemeClr val="tx1"/>
+          </a:fontRef>
+        </p:style>
+      </p:cxnSp>
+      <p:cxnSp>
+        <p:nvCxnSpPr>
+          <p:cNvPr id="61" name="直線矢印コネクタ 60"/>
+          <p:cNvCxnSpPr>
+            <a:stCxn id="6" idx="2"/>
+            <a:endCxn id="49" idx="0"/>
+          </p:cNvCxnSpPr>
+          <p:nvPr/>
+        </p:nvCxnSpPr>
+        <p:spPr>
+          <a:xfrm>
+            <a:off x="4048241" y="859155"/>
+            <a:ext cx="376247" cy="3483540"/>
+          </a:xfrm>
+          <a:prstGeom prst="straightConnector1">
+            <a:avLst/>
+          </a:prstGeom>
+          <a:ln>
+            <a:prstDash val="sysDash"/>
+            <a:tailEnd type="arrow"/>
+          </a:ln>
+        </p:spPr>
+        <p:style>
+          <a:lnRef idx="1">
+            <a:schemeClr val="accent2"/>
+          </a:lnRef>
+          <a:fillRef idx="0">
+            <a:schemeClr val="accent2"/>
+          </a:fillRef>
+          <a:effectRef idx="0">
+            <a:schemeClr val="accent2"/>
+          </a:effectRef>
+          <a:fontRef idx="minor">
+            <a:schemeClr val="tx1"/>
+          </a:fontRef>
+        </p:style>
+      </p:cxnSp>
     </p:spTree>
     <p:extLst>
       <p:ext uri="{BB962C8B-B14F-4D97-AF65-F5344CB8AC3E}">
         <p14:creationId xmlns:p14="http://schemas.microsoft.com/office/powerpoint/2010/main" val="3306605843"/>
+      </p:ext>
+    </p:extLst>
+  </p:cSld>
+  <p:clrMapOvr>
+    <a:masterClrMapping/>
+  </p:clrMapOvr>
+</p:sld>
+</file>
+
+<file path=ppt/slides/slide5.xml><?xml version="1.0" encoding="utf-8"?>
+<p:sld xmlns:a="http://schemas.openxmlformats.org/drawingml/2006/main" xmlns:r="http://schemas.openxmlformats.org/officeDocument/2006/relationships" xmlns:p="http://schemas.openxmlformats.org/presentationml/2006/main">
+  <p:cSld>
+    <p:spTree>
+      <p:nvGrpSpPr>
+        <p:cNvPr id="1" name=""/>
+        <p:cNvGrpSpPr/>
+        <p:nvPr/>
+      </p:nvGrpSpPr>
+      <p:grpSpPr>
+        <a:xfrm>
+          <a:off x="0" y="0"/>
+          <a:ext cx="0" cy="0"/>
+          <a:chOff x="0" y="0"/>
+          <a:chExt cx="0" cy="0"/>
+        </a:xfrm>
+      </p:grpSpPr>
+      <p:sp>
+        <p:nvSpPr>
+          <p:cNvPr id="4" name="正方形/長方形 3"/>
+          <p:cNvSpPr/>
+          <p:nvPr/>
+        </p:nvSpPr>
+        <p:spPr>
+          <a:xfrm>
+            <a:off x="887087" y="1260705"/>
+            <a:ext cx="634968" cy="625683"/>
+          </a:xfrm>
+          <a:prstGeom prst="rect">
+            <a:avLst/>
+          </a:prstGeom>
+          <a:ln w="19050" cmpd="sng"/>
+        </p:spPr>
+        <p:style>
+          <a:lnRef idx="2">
+            <a:schemeClr val="dk1"/>
+          </a:lnRef>
+          <a:fillRef idx="1">
+            <a:schemeClr val="lt1"/>
+          </a:fillRef>
+          <a:effectRef idx="0">
+            <a:schemeClr val="dk1"/>
+          </a:effectRef>
+          <a:fontRef idx="minor">
+            <a:schemeClr val="dk1"/>
+          </a:fontRef>
+        </p:style>
+        <p:txBody>
+          <a:bodyPr rtlCol="0" anchor="ctr"/>
+          <a:lstStyle/>
+          <a:p>
+            <a:pPr algn="ctr"/>
+            <a:endParaRPr kumimoji="1" lang="ja-JP" altLang="en-US" dirty="0"/>
+          </a:p>
+        </p:txBody>
+      </p:sp>
+      <p:sp>
+        <p:nvSpPr>
+          <p:cNvPr id="10" name="正方形/長方形 9"/>
+          <p:cNvSpPr/>
+          <p:nvPr/>
+        </p:nvSpPr>
+        <p:spPr>
+          <a:xfrm>
+            <a:off x="3696663" y="730697"/>
+            <a:ext cx="529257" cy="532297"/>
+          </a:xfrm>
+          <a:prstGeom prst="rect">
+            <a:avLst/>
+          </a:prstGeom>
+          <a:solidFill>
+            <a:srgbClr val="DCE6F2"/>
+          </a:solidFill>
+          <a:ln w="19050" cmpd="sng"/>
+        </p:spPr>
+        <p:style>
+          <a:lnRef idx="2">
+            <a:schemeClr val="dk1"/>
+          </a:lnRef>
+          <a:fillRef idx="1">
+            <a:schemeClr val="lt1"/>
+          </a:fillRef>
+          <a:effectRef idx="0">
+            <a:schemeClr val="dk1"/>
+          </a:effectRef>
+          <a:fontRef idx="minor">
+            <a:schemeClr val="dk1"/>
+          </a:fontRef>
+        </p:style>
+        <p:txBody>
+          <a:bodyPr rtlCol="0" anchor="ctr"/>
+          <a:lstStyle/>
+          <a:p>
+            <a:pPr algn="ctr"/>
+            <a:endParaRPr kumimoji="1" lang="ja-JP" altLang="en-US" dirty="0"/>
+          </a:p>
+        </p:txBody>
+      </p:sp>
+      <p:sp>
+        <p:nvSpPr>
+          <p:cNvPr id="11" name="テキスト ボックス 10"/>
+          <p:cNvSpPr txBox="1"/>
+          <p:nvPr/>
+        </p:nvSpPr>
+        <p:spPr>
+          <a:xfrm>
+            <a:off x="2584427" y="1932772"/>
+            <a:ext cx="246432" cy="369332"/>
+          </a:xfrm>
+          <a:prstGeom prst="rect">
+            <a:avLst/>
+          </a:prstGeom>
+          <a:noFill/>
+        </p:spPr>
+        <p:txBody>
+          <a:bodyPr wrap="none" rtlCol="0">
+            <a:spAutoFit/>
+          </a:bodyPr>
+          <a:lstStyle/>
+          <a:p>
+            <a:r>
+              <a:rPr kumimoji="1" lang="en-US" altLang="ja-JP" dirty="0" smtClean="0"/>
+              <a:t>:</a:t>
+            </a:r>
+            <a:endParaRPr kumimoji="1" lang="ja-JP" altLang="en-US" dirty="0"/>
+          </a:p>
+        </p:txBody>
+      </p:sp>
+      <p:sp>
+        <p:nvSpPr>
+          <p:cNvPr id="12" name="右大かっこ 11"/>
+          <p:cNvSpPr/>
+          <p:nvPr/>
+        </p:nvSpPr>
+        <p:spPr>
+          <a:xfrm>
+            <a:off x="4372763" y="730697"/>
+            <a:ext cx="117049" cy="2237633"/>
+          </a:xfrm>
+          <a:prstGeom prst="rightBracket">
+            <a:avLst/>
+          </a:prstGeom>
+          <a:ln/>
+        </p:spPr>
+        <p:style>
+          <a:lnRef idx="1">
+            <a:schemeClr val="dk1"/>
+          </a:lnRef>
+          <a:fillRef idx="0">
+            <a:schemeClr val="dk1"/>
+          </a:fillRef>
+          <a:effectRef idx="0">
+            <a:schemeClr val="dk1"/>
+          </a:effectRef>
+          <a:fontRef idx="minor">
+            <a:schemeClr val="tx1"/>
+          </a:fontRef>
+        </p:style>
+        <p:txBody>
+          <a:bodyPr rtlCol="0" anchor="ctr"/>
+          <a:lstStyle/>
+          <a:p>
+            <a:pPr algn="ctr"/>
+            <a:endParaRPr kumimoji="1" lang="ja-JP" altLang="en-US" dirty="0"/>
+          </a:p>
+        </p:txBody>
+      </p:sp>
+      <p:sp>
+        <p:nvSpPr>
+          <p:cNvPr id="13" name="テキスト ボックス 12"/>
+          <p:cNvSpPr txBox="1"/>
+          <p:nvPr/>
+        </p:nvSpPr>
+        <p:spPr>
+          <a:xfrm>
+            <a:off x="4548105" y="1683248"/>
+            <a:ext cx="521372" cy="276999"/>
+          </a:xfrm>
+          <a:prstGeom prst="rect">
+            <a:avLst/>
+          </a:prstGeom>
+          <a:noFill/>
+        </p:spPr>
+        <p:txBody>
+          <a:bodyPr wrap="none" rtlCol="0">
+            <a:spAutoFit/>
+          </a:bodyPr>
+          <a:lstStyle/>
+          <a:p>
+            <a:r>
+              <a:rPr kumimoji="1" lang="en-US" altLang="ja-JP" sz="1200" dirty="0" smtClean="0"/>
+              <a:t>10</a:t>
+            </a:r>
+            <a:r>
+              <a:rPr kumimoji="1" lang="en-US" altLang="ja-JP" sz="1200" dirty="0" smtClean="0"/>
+              <a:t> </a:t>
+            </a:r>
+            <a:r>
+              <a:rPr kumimoji="1" lang="en-US" altLang="ja-JP" sz="1200" dirty="0" err="1" smtClean="0"/>
+              <a:t>ch</a:t>
+            </a:r>
+            <a:endParaRPr kumimoji="1" lang="ja-JP" altLang="en-US" sz="1200" dirty="0"/>
+          </a:p>
+        </p:txBody>
+      </p:sp>
+      <p:sp>
+        <p:nvSpPr>
+          <p:cNvPr id="18" name="右大かっこ 17"/>
+          <p:cNvSpPr/>
+          <p:nvPr/>
+        </p:nvSpPr>
+        <p:spPr>
+          <a:xfrm rot="7940827">
+            <a:off x="983994" y="1770429"/>
+            <a:ext cx="64915" cy="606693"/>
+          </a:xfrm>
+          <a:prstGeom prst="rightBracket">
+            <a:avLst/>
+          </a:prstGeom>
+          <a:ln/>
+        </p:spPr>
+        <p:style>
+          <a:lnRef idx="1">
+            <a:schemeClr val="dk1"/>
+          </a:lnRef>
+          <a:fillRef idx="0">
+            <a:schemeClr val="dk1"/>
+          </a:fillRef>
+          <a:effectRef idx="0">
+            <a:schemeClr val="dk1"/>
+          </a:effectRef>
+          <a:fontRef idx="minor">
+            <a:schemeClr val="tx1"/>
+          </a:fontRef>
+        </p:style>
+        <p:txBody>
+          <a:bodyPr rtlCol="0" anchor="ctr"/>
+          <a:lstStyle/>
+          <a:p>
+            <a:pPr algn="ctr"/>
+            <a:endParaRPr kumimoji="1" lang="ja-JP" altLang="en-US" dirty="0"/>
+          </a:p>
+        </p:txBody>
+      </p:sp>
+      <p:sp>
+        <p:nvSpPr>
+          <p:cNvPr id="19" name="テキスト ボックス 18"/>
+          <p:cNvSpPr txBox="1"/>
+          <p:nvPr/>
+        </p:nvSpPr>
+        <p:spPr>
+          <a:xfrm>
+            <a:off x="614040" y="2014996"/>
+            <a:ext cx="443376" cy="276999"/>
+          </a:xfrm>
+          <a:prstGeom prst="rect">
+            <a:avLst/>
+          </a:prstGeom>
+          <a:noFill/>
+        </p:spPr>
+        <p:txBody>
+          <a:bodyPr wrap="none" rtlCol="0">
+            <a:spAutoFit/>
+          </a:bodyPr>
+          <a:lstStyle/>
+          <a:p>
+            <a:r>
+              <a:rPr lang="en-US" altLang="ja-JP" sz="1200" dirty="0" smtClean="0"/>
+              <a:t>3 </a:t>
+            </a:r>
+            <a:r>
+              <a:rPr lang="en-US" altLang="ja-JP" sz="1200" dirty="0" err="1" smtClean="0"/>
+              <a:t>ch</a:t>
+            </a:r>
+            <a:endParaRPr kumimoji="1" lang="ja-JP" altLang="en-US" sz="1200" dirty="0"/>
+          </a:p>
+        </p:txBody>
+      </p:sp>
+      <p:sp>
+        <p:nvSpPr>
+          <p:cNvPr id="23" name="正方形/長方形 22"/>
+          <p:cNvSpPr/>
+          <p:nvPr/>
+        </p:nvSpPr>
+        <p:spPr>
+          <a:xfrm>
+            <a:off x="1057416" y="1407193"/>
+            <a:ext cx="634968" cy="625683"/>
+          </a:xfrm>
+          <a:prstGeom prst="rect">
+            <a:avLst/>
+          </a:prstGeom>
+          <a:ln w="19050" cmpd="sng"/>
+        </p:spPr>
+        <p:style>
+          <a:lnRef idx="2">
+            <a:schemeClr val="dk1"/>
+          </a:lnRef>
+          <a:fillRef idx="1">
+            <a:schemeClr val="lt1"/>
+          </a:fillRef>
+          <a:effectRef idx="0">
+            <a:schemeClr val="dk1"/>
+          </a:effectRef>
+          <a:fontRef idx="minor">
+            <a:schemeClr val="dk1"/>
+          </a:fontRef>
+        </p:style>
+        <p:txBody>
+          <a:bodyPr rtlCol="0" anchor="ctr"/>
+          <a:lstStyle/>
+          <a:p>
+            <a:pPr algn="ctr"/>
+            <a:endParaRPr kumimoji="1" lang="ja-JP" altLang="en-US" dirty="0"/>
+          </a:p>
+        </p:txBody>
+      </p:sp>
+      <p:sp>
+        <p:nvSpPr>
+          <p:cNvPr id="24" name="正方形/長方形 23"/>
+          <p:cNvSpPr/>
+          <p:nvPr/>
+        </p:nvSpPr>
+        <p:spPr>
+          <a:xfrm>
+            <a:off x="1204571" y="1573546"/>
+            <a:ext cx="634968" cy="625683"/>
+          </a:xfrm>
+          <a:prstGeom prst="rect">
+            <a:avLst/>
+          </a:prstGeom>
+          <a:ln w="19050" cmpd="sng"/>
+        </p:spPr>
+        <p:style>
+          <a:lnRef idx="2">
+            <a:schemeClr val="dk1"/>
+          </a:lnRef>
+          <a:fillRef idx="1">
+            <a:schemeClr val="lt1"/>
+          </a:fillRef>
+          <a:effectRef idx="0">
+            <a:schemeClr val="dk1"/>
+          </a:effectRef>
+          <a:fontRef idx="minor">
+            <a:schemeClr val="dk1"/>
+          </a:fontRef>
+        </p:style>
+        <p:txBody>
+          <a:bodyPr rtlCol="0" anchor="ctr"/>
+          <a:lstStyle/>
+          <a:p>
+            <a:pPr algn="ctr"/>
+            <a:endParaRPr kumimoji="1" lang="ja-JP" altLang="en-US" dirty="0"/>
+          </a:p>
+        </p:txBody>
+      </p:sp>
+      <p:grpSp>
+        <p:nvGrpSpPr>
+          <p:cNvPr id="28" name="図形グループ 27"/>
+          <p:cNvGrpSpPr/>
+          <p:nvPr/>
+        </p:nvGrpSpPr>
+        <p:grpSpPr>
+          <a:xfrm>
+            <a:off x="2498262" y="818735"/>
+            <a:ext cx="373428" cy="367736"/>
+            <a:chOff x="2498262" y="427688"/>
+            <a:chExt cx="373428" cy="367736"/>
+          </a:xfrm>
+          <a:solidFill>
+            <a:schemeClr val="accent1">
+              <a:lumMod val="20000"/>
+              <a:lumOff val="80000"/>
+            </a:schemeClr>
+          </a:solidFill>
+        </p:grpSpPr>
+        <p:sp>
+          <p:nvSpPr>
+            <p:cNvPr id="25" name="正方形/長方形 24"/>
+            <p:cNvSpPr/>
+            <p:nvPr/>
+          </p:nvSpPr>
+          <p:spPr>
+            <a:xfrm>
+              <a:off x="2498262" y="427688"/>
+              <a:ext cx="266804" cy="262091"/>
+            </a:xfrm>
+            <a:prstGeom prst="rect">
+              <a:avLst/>
+            </a:prstGeom>
+            <a:grpFill/>
+            <a:ln w="19050" cmpd="sng"/>
+          </p:spPr>
+          <p:style>
+            <a:lnRef idx="2">
+              <a:schemeClr val="dk1"/>
+            </a:lnRef>
+            <a:fillRef idx="1">
+              <a:schemeClr val="lt1"/>
+            </a:fillRef>
+            <a:effectRef idx="0">
+              <a:schemeClr val="dk1"/>
+            </a:effectRef>
+            <a:fontRef idx="minor">
+              <a:schemeClr val="dk1"/>
+            </a:fontRef>
+          </p:style>
+          <p:txBody>
+            <a:bodyPr rtlCol="0" anchor="ctr"/>
+            <a:lstStyle/>
+            <a:p>
+              <a:pPr algn="ctr"/>
+              <a:endParaRPr kumimoji="1" lang="ja-JP" altLang="en-US" dirty="0"/>
+            </a:p>
+          </p:txBody>
+        </p:sp>
+        <p:sp>
+          <p:nvSpPr>
+            <p:cNvPr id="26" name="正方形/長方形 25"/>
+            <p:cNvSpPr/>
+            <p:nvPr/>
+          </p:nvSpPr>
+          <p:spPr>
+            <a:xfrm>
+              <a:off x="2552048" y="482467"/>
+              <a:ext cx="266804" cy="262091"/>
+            </a:xfrm>
+            <a:prstGeom prst="rect">
+              <a:avLst/>
+            </a:prstGeom>
+            <a:grpFill/>
+            <a:ln w="19050" cmpd="sng"/>
+          </p:spPr>
+          <p:style>
+            <a:lnRef idx="2">
+              <a:schemeClr val="dk1"/>
+            </a:lnRef>
+            <a:fillRef idx="1">
+              <a:schemeClr val="lt1"/>
+            </a:fillRef>
+            <a:effectRef idx="0">
+              <a:schemeClr val="dk1"/>
+            </a:effectRef>
+            <a:fontRef idx="minor">
+              <a:schemeClr val="dk1"/>
+            </a:fontRef>
+          </p:style>
+          <p:txBody>
+            <a:bodyPr rtlCol="0" anchor="ctr"/>
+            <a:lstStyle/>
+            <a:p>
+              <a:pPr algn="ctr"/>
+              <a:endParaRPr kumimoji="1" lang="ja-JP" altLang="en-US" dirty="0"/>
+            </a:p>
+          </p:txBody>
+        </p:sp>
+        <p:sp>
+          <p:nvSpPr>
+            <p:cNvPr id="27" name="正方形/長方形 26"/>
+            <p:cNvSpPr/>
+            <p:nvPr/>
+          </p:nvSpPr>
+          <p:spPr>
+            <a:xfrm>
+              <a:off x="2604886" y="533333"/>
+              <a:ext cx="266804" cy="262091"/>
+            </a:xfrm>
+            <a:prstGeom prst="rect">
+              <a:avLst/>
+            </a:prstGeom>
+            <a:grpFill/>
+            <a:ln w="19050" cmpd="sng"/>
+          </p:spPr>
+          <p:style>
+            <a:lnRef idx="2">
+              <a:schemeClr val="dk1"/>
+            </a:lnRef>
+            <a:fillRef idx="1">
+              <a:schemeClr val="lt1"/>
+            </a:fillRef>
+            <a:effectRef idx="0">
+              <a:schemeClr val="dk1"/>
+            </a:effectRef>
+            <a:fontRef idx="minor">
+              <a:schemeClr val="dk1"/>
+            </a:fontRef>
+          </p:style>
+          <p:txBody>
+            <a:bodyPr rtlCol="0" anchor="ctr"/>
+            <a:lstStyle/>
+            <a:p>
+              <a:pPr algn="ctr"/>
+              <a:endParaRPr kumimoji="1" lang="ja-JP" altLang="en-US" dirty="0"/>
+            </a:p>
+          </p:txBody>
+        </p:sp>
+      </p:grpSp>
+      <p:grpSp>
+        <p:nvGrpSpPr>
+          <p:cNvPr id="29" name="図形グループ 28"/>
+          <p:cNvGrpSpPr/>
+          <p:nvPr/>
+        </p:nvGrpSpPr>
+        <p:grpSpPr>
+          <a:xfrm>
+            <a:off x="2498262" y="1444516"/>
+            <a:ext cx="373428" cy="367736"/>
+            <a:chOff x="2498262" y="427688"/>
+            <a:chExt cx="373428" cy="367736"/>
+          </a:xfrm>
+          <a:solidFill>
+            <a:schemeClr val="accent2">
+              <a:lumMod val="20000"/>
+              <a:lumOff val="80000"/>
+            </a:schemeClr>
+          </a:solidFill>
+        </p:grpSpPr>
+        <p:sp>
+          <p:nvSpPr>
+            <p:cNvPr id="30" name="正方形/長方形 29"/>
+            <p:cNvSpPr/>
+            <p:nvPr/>
+          </p:nvSpPr>
+          <p:spPr>
+            <a:xfrm>
+              <a:off x="2498262" y="427688"/>
+              <a:ext cx="266804" cy="262091"/>
+            </a:xfrm>
+            <a:prstGeom prst="rect">
+              <a:avLst/>
+            </a:prstGeom>
+            <a:grpFill/>
+            <a:ln w="19050" cmpd="sng"/>
+          </p:spPr>
+          <p:style>
+            <a:lnRef idx="2">
+              <a:schemeClr val="dk1"/>
+            </a:lnRef>
+            <a:fillRef idx="1">
+              <a:schemeClr val="lt1"/>
+            </a:fillRef>
+            <a:effectRef idx="0">
+              <a:schemeClr val="dk1"/>
+            </a:effectRef>
+            <a:fontRef idx="minor">
+              <a:schemeClr val="dk1"/>
+            </a:fontRef>
+          </p:style>
+          <p:txBody>
+            <a:bodyPr rtlCol="0" anchor="ctr"/>
+            <a:lstStyle/>
+            <a:p>
+              <a:pPr algn="ctr"/>
+              <a:endParaRPr kumimoji="1" lang="ja-JP" altLang="en-US" dirty="0"/>
+            </a:p>
+          </p:txBody>
+        </p:sp>
+        <p:sp>
+          <p:nvSpPr>
+            <p:cNvPr id="31" name="正方形/長方形 30"/>
+            <p:cNvSpPr/>
+            <p:nvPr/>
+          </p:nvSpPr>
+          <p:spPr>
+            <a:xfrm>
+              <a:off x="2552048" y="482467"/>
+              <a:ext cx="266804" cy="262091"/>
+            </a:xfrm>
+            <a:prstGeom prst="rect">
+              <a:avLst/>
+            </a:prstGeom>
+            <a:grpFill/>
+            <a:ln w="19050" cmpd="sng"/>
+          </p:spPr>
+          <p:style>
+            <a:lnRef idx="2">
+              <a:schemeClr val="dk1"/>
+            </a:lnRef>
+            <a:fillRef idx="1">
+              <a:schemeClr val="lt1"/>
+            </a:fillRef>
+            <a:effectRef idx="0">
+              <a:schemeClr val="dk1"/>
+            </a:effectRef>
+            <a:fontRef idx="minor">
+              <a:schemeClr val="dk1"/>
+            </a:fontRef>
+          </p:style>
+          <p:txBody>
+            <a:bodyPr rtlCol="0" anchor="ctr"/>
+            <a:lstStyle/>
+            <a:p>
+              <a:pPr algn="ctr"/>
+              <a:endParaRPr kumimoji="1" lang="ja-JP" altLang="en-US" dirty="0"/>
+            </a:p>
+          </p:txBody>
+        </p:sp>
+        <p:sp>
+          <p:nvSpPr>
+            <p:cNvPr id="32" name="正方形/長方形 31"/>
+            <p:cNvSpPr/>
+            <p:nvPr/>
+          </p:nvSpPr>
+          <p:spPr>
+            <a:xfrm>
+              <a:off x="2604886" y="533333"/>
+              <a:ext cx="266804" cy="262091"/>
+            </a:xfrm>
+            <a:prstGeom prst="rect">
+              <a:avLst/>
+            </a:prstGeom>
+            <a:grpFill/>
+            <a:ln w="19050" cmpd="sng"/>
+          </p:spPr>
+          <p:style>
+            <a:lnRef idx="2">
+              <a:schemeClr val="dk1"/>
+            </a:lnRef>
+            <a:fillRef idx="1">
+              <a:schemeClr val="lt1"/>
+            </a:fillRef>
+            <a:effectRef idx="0">
+              <a:schemeClr val="dk1"/>
+            </a:effectRef>
+            <a:fontRef idx="minor">
+              <a:schemeClr val="dk1"/>
+            </a:fontRef>
+          </p:style>
+          <p:txBody>
+            <a:bodyPr rtlCol="0" anchor="ctr"/>
+            <a:lstStyle/>
+            <a:p>
+              <a:pPr algn="ctr"/>
+              <a:endParaRPr kumimoji="1" lang="ja-JP" altLang="en-US" dirty="0"/>
+            </a:p>
+          </p:txBody>
+        </p:sp>
+      </p:grpSp>
+      <p:grpSp>
+        <p:nvGrpSpPr>
+          <p:cNvPr id="33" name="図形グループ 32"/>
+          <p:cNvGrpSpPr/>
+          <p:nvPr/>
+        </p:nvGrpSpPr>
+        <p:grpSpPr>
+          <a:xfrm>
+            <a:off x="2498262" y="2456471"/>
+            <a:ext cx="373428" cy="367736"/>
+            <a:chOff x="2498262" y="427688"/>
+            <a:chExt cx="373428" cy="367736"/>
+          </a:xfrm>
+          <a:solidFill>
+            <a:schemeClr val="accent3">
+              <a:lumMod val="20000"/>
+              <a:lumOff val="80000"/>
+            </a:schemeClr>
+          </a:solidFill>
+        </p:grpSpPr>
+        <p:sp>
+          <p:nvSpPr>
+            <p:cNvPr id="34" name="正方形/長方形 33"/>
+            <p:cNvSpPr/>
+            <p:nvPr/>
+          </p:nvSpPr>
+          <p:spPr>
+            <a:xfrm>
+              <a:off x="2498262" y="427688"/>
+              <a:ext cx="266804" cy="262091"/>
+            </a:xfrm>
+            <a:prstGeom prst="rect">
+              <a:avLst/>
+            </a:prstGeom>
+            <a:grpFill/>
+            <a:ln w="19050" cmpd="sng"/>
+          </p:spPr>
+          <p:style>
+            <a:lnRef idx="2">
+              <a:schemeClr val="dk1"/>
+            </a:lnRef>
+            <a:fillRef idx="1">
+              <a:schemeClr val="lt1"/>
+            </a:fillRef>
+            <a:effectRef idx="0">
+              <a:schemeClr val="dk1"/>
+            </a:effectRef>
+            <a:fontRef idx="minor">
+              <a:schemeClr val="dk1"/>
+            </a:fontRef>
+          </p:style>
+          <p:txBody>
+            <a:bodyPr rtlCol="0" anchor="ctr"/>
+            <a:lstStyle/>
+            <a:p>
+              <a:pPr algn="ctr"/>
+              <a:endParaRPr kumimoji="1" lang="ja-JP" altLang="en-US" dirty="0"/>
+            </a:p>
+          </p:txBody>
+        </p:sp>
+        <p:sp>
+          <p:nvSpPr>
+            <p:cNvPr id="35" name="正方形/長方形 34"/>
+            <p:cNvSpPr/>
+            <p:nvPr/>
+          </p:nvSpPr>
+          <p:spPr>
+            <a:xfrm>
+              <a:off x="2552048" y="482467"/>
+              <a:ext cx="266804" cy="262091"/>
+            </a:xfrm>
+            <a:prstGeom prst="rect">
+              <a:avLst/>
+            </a:prstGeom>
+            <a:grpFill/>
+            <a:ln w="19050" cmpd="sng"/>
+          </p:spPr>
+          <p:style>
+            <a:lnRef idx="2">
+              <a:schemeClr val="dk1"/>
+            </a:lnRef>
+            <a:fillRef idx="1">
+              <a:schemeClr val="lt1"/>
+            </a:fillRef>
+            <a:effectRef idx="0">
+              <a:schemeClr val="dk1"/>
+            </a:effectRef>
+            <a:fontRef idx="minor">
+              <a:schemeClr val="dk1"/>
+            </a:fontRef>
+          </p:style>
+          <p:txBody>
+            <a:bodyPr rtlCol="0" anchor="ctr"/>
+            <a:lstStyle/>
+            <a:p>
+              <a:pPr algn="ctr"/>
+              <a:endParaRPr kumimoji="1" lang="ja-JP" altLang="en-US" dirty="0"/>
+            </a:p>
+          </p:txBody>
+        </p:sp>
+        <p:sp>
+          <p:nvSpPr>
+            <p:cNvPr id="36" name="正方形/長方形 35"/>
+            <p:cNvSpPr/>
+            <p:nvPr/>
+          </p:nvSpPr>
+          <p:spPr>
+            <a:xfrm>
+              <a:off x="2604886" y="533333"/>
+              <a:ext cx="266804" cy="262091"/>
+            </a:xfrm>
+            <a:prstGeom prst="rect">
+              <a:avLst/>
+            </a:prstGeom>
+            <a:grpFill/>
+            <a:ln w="19050" cmpd="sng"/>
+          </p:spPr>
+          <p:style>
+            <a:lnRef idx="2">
+              <a:schemeClr val="dk1"/>
+            </a:lnRef>
+            <a:fillRef idx="1">
+              <a:schemeClr val="lt1"/>
+            </a:fillRef>
+            <a:effectRef idx="0">
+              <a:schemeClr val="dk1"/>
+            </a:effectRef>
+            <a:fontRef idx="minor">
+              <a:schemeClr val="dk1"/>
+            </a:fontRef>
+          </p:style>
+          <p:txBody>
+            <a:bodyPr rtlCol="0" anchor="ctr"/>
+            <a:lstStyle/>
+            <a:p>
+              <a:pPr algn="ctr"/>
+              <a:endParaRPr kumimoji="1" lang="ja-JP" altLang="en-US" dirty="0"/>
+            </a:p>
+          </p:txBody>
+        </p:sp>
+      </p:grpSp>
+      <p:sp>
+        <p:nvSpPr>
+          <p:cNvPr id="37" name="正方形/長方形 36"/>
+          <p:cNvSpPr/>
+          <p:nvPr/>
+        </p:nvSpPr>
+        <p:spPr>
+          <a:xfrm>
+            <a:off x="3696663" y="1390366"/>
+            <a:ext cx="529257" cy="532297"/>
+          </a:xfrm>
+          <a:prstGeom prst="rect">
+            <a:avLst/>
+          </a:prstGeom>
+          <a:solidFill>
+            <a:srgbClr val="F2DCDB"/>
+          </a:solidFill>
+          <a:ln w="19050" cmpd="sng"/>
+        </p:spPr>
+        <p:style>
+          <a:lnRef idx="2">
+            <a:schemeClr val="dk1"/>
+          </a:lnRef>
+          <a:fillRef idx="1">
+            <a:schemeClr val="lt1"/>
+          </a:fillRef>
+          <a:effectRef idx="0">
+            <a:schemeClr val="dk1"/>
+          </a:effectRef>
+          <a:fontRef idx="minor">
+            <a:schemeClr val="dk1"/>
+          </a:fontRef>
+        </p:style>
+        <p:txBody>
+          <a:bodyPr rtlCol="0" anchor="ctr"/>
+          <a:lstStyle/>
+          <a:p>
+            <a:pPr algn="ctr"/>
+            <a:endParaRPr kumimoji="1" lang="ja-JP" altLang="en-US" dirty="0"/>
+          </a:p>
+        </p:txBody>
+      </p:sp>
+      <p:sp>
+        <p:nvSpPr>
+          <p:cNvPr id="38" name="正方形/長方形 37"/>
+          <p:cNvSpPr/>
+          <p:nvPr/>
+        </p:nvSpPr>
+        <p:spPr>
+          <a:xfrm>
+            <a:off x="3696663" y="2436034"/>
+            <a:ext cx="529257" cy="532297"/>
+          </a:xfrm>
+          <a:prstGeom prst="rect">
+            <a:avLst/>
+          </a:prstGeom>
+          <a:solidFill>
+            <a:srgbClr val="EBF1DE"/>
+          </a:solidFill>
+          <a:ln w="19050" cmpd="sng"/>
+        </p:spPr>
+        <p:style>
+          <a:lnRef idx="2">
+            <a:schemeClr val="dk1"/>
+          </a:lnRef>
+          <a:fillRef idx="1">
+            <a:schemeClr val="lt1"/>
+          </a:fillRef>
+          <a:effectRef idx="0">
+            <a:schemeClr val="dk1"/>
+          </a:effectRef>
+          <a:fontRef idx="minor">
+            <a:schemeClr val="dk1"/>
+          </a:fontRef>
+        </p:style>
+        <p:txBody>
+          <a:bodyPr rtlCol="0" anchor="ctr"/>
+          <a:lstStyle/>
+          <a:p>
+            <a:pPr algn="ctr"/>
+            <a:endParaRPr kumimoji="1" lang="ja-JP" altLang="en-US" dirty="0"/>
+          </a:p>
+        </p:txBody>
+      </p:sp>
+      <p:sp>
+        <p:nvSpPr>
+          <p:cNvPr id="39" name="テキスト ボックス 38"/>
+          <p:cNvSpPr txBox="1"/>
+          <p:nvPr/>
+        </p:nvSpPr>
+        <p:spPr>
+          <a:xfrm>
+            <a:off x="3801688" y="1922663"/>
+            <a:ext cx="246432" cy="369332"/>
+          </a:xfrm>
+          <a:prstGeom prst="rect">
+            <a:avLst/>
+          </a:prstGeom>
+          <a:noFill/>
+        </p:spPr>
+        <p:txBody>
+          <a:bodyPr wrap="none" rtlCol="0">
+            <a:spAutoFit/>
+          </a:bodyPr>
+          <a:lstStyle/>
+          <a:p>
+            <a:r>
+              <a:rPr kumimoji="1" lang="en-US" altLang="ja-JP" dirty="0" smtClean="0"/>
+              <a:t>:</a:t>
+            </a:r>
+            <a:endParaRPr kumimoji="1" lang="ja-JP" altLang="en-US" dirty="0"/>
+          </a:p>
+        </p:txBody>
+      </p:sp>
+      <p:cxnSp>
+        <p:nvCxnSpPr>
+          <p:cNvPr id="40" name="直線矢印コネクタ 39"/>
+          <p:cNvCxnSpPr/>
+          <p:nvPr/>
+        </p:nvCxnSpPr>
+        <p:spPr>
+          <a:xfrm>
+            <a:off x="2981535" y="1080826"/>
+            <a:ext cx="559763" cy="0"/>
+          </a:xfrm>
+          <a:prstGeom prst="straightConnector1">
+            <a:avLst/>
+          </a:prstGeom>
+          <a:ln>
+            <a:headEnd type="none"/>
+            <a:tailEnd type="arrow"/>
+          </a:ln>
+        </p:spPr>
+        <p:style>
+          <a:lnRef idx="3">
+            <a:schemeClr val="dk1"/>
+          </a:lnRef>
+          <a:fillRef idx="0">
+            <a:schemeClr val="dk1"/>
+          </a:fillRef>
+          <a:effectRef idx="2">
+            <a:schemeClr val="dk1"/>
+          </a:effectRef>
+          <a:fontRef idx="minor">
+            <a:schemeClr val="tx1"/>
+          </a:fontRef>
+        </p:style>
+      </p:cxnSp>
+      <p:cxnSp>
+        <p:nvCxnSpPr>
+          <p:cNvPr id="43" name="直線矢印コネクタ 42"/>
+          <p:cNvCxnSpPr/>
+          <p:nvPr/>
+        </p:nvCxnSpPr>
+        <p:spPr>
+          <a:xfrm>
+            <a:off x="2981535" y="1695233"/>
+            <a:ext cx="559763" cy="0"/>
+          </a:xfrm>
+          <a:prstGeom prst="straightConnector1">
+            <a:avLst/>
+          </a:prstGeom>
+          <a:ln>
+            <a:headEnd type="none"/>
+            <a:tailEnd type="arrow"/>
+          </a:ln>
+        </p:spPr>
+        <p:style>
+          <a:lnRef idx="3">
+            <a:schemeClr val="dk1"/>
+          </a:lnRef>
+          <a:fillRef idx="0">
+            <a:schemeClr val="dk1"/>
+          </a:fillRef>
+          <a:effectRef idx="2">
+            <a:schemeClr val="dk1"/>
+          </a:effectRef>
+          <a:fontRef idx="minor">
+            <a:schemeClr val="tx1"/>
+          </a:fontRef>
+        </p:style>
+      </p:cxnSp>
+      <p:cxnSp>
+        <p:nvCxnSpPr>
+          <p:cNvPr id="44" name="直線矢印コネクタ 43"/>
+          <p:cNvCxnSpPr/>
+          <p:nvPr/>
+        </p:nvCxnSpPr>
+        <p:spPr>
+          <a:xfrm>
+            <a:off x="2981535" y="2707188"/>
+            <a:ext cx="559763" cy="0"/>
+          </a:xfrm>
+          <a:prstGeom prst="straightConnector1">
+            <a:avLst/>
+          </a:prstGeom>
+          <a:ln>
+            <a:headEnd type="none"/>
+            <a:tailEnd type="arrow"/>
+          </a:ln>
+        </p:spPr>
+        <p:style>
+          <a:lnRef idx="3">
+            <a:schemeClr val="dk1"/>
+          </a:lnRef>
+          <a:fillRef idx="0">
+            <a:schemeClr val="dk1"/>
+          </a:fillRef>
+          <a:effectRef idx="2">
+            <a:schemeClr val="dk1"/>
+          </a:effectRef>
+          <a:fontRef idx="minor">
+            <a:schemeClr val="tx1"/>
+          </a:fontRef>
+        </p:style>
+      </p:cxnSp>
+      <p:cxnSp>
+        <p:nvCxnSpPr>
+          <p:cNvPr id="45" name="直線矢印コネクタ 44"/>
+          <p:cNvCxnSpPr/>
+          <p:nvPr/>
+        </p:nvCxnSpPr>
+        <p:spPr>
+          <a:xfrm flipV="1">
+            <a:off x="1839539" y="1080826"/>
+            <a:ext cx="549981" cy="326368"/>
+          </a:xfrm>
+          <a:prstGeom prst="straightConnector1">
+            <a:avLst/>
+          </a:prstGeom>
+          <a:ln>
+            <a:headEnd type="none"/>
+            <a:tailEnd type="arrow"/>
+          </a:ln>
+        </p:spPr>
+        <p:style>
+          <a:lnRef idx="3">
+            <a:schemeClr val="dk1"/>
+          </a:lnRef>
+          <a:fillRef idx="0">
+            <a:schemeClr val="dk1"/>
+          </a:fillRef>
+          <a:effectRef idx="2">
+            <a:schemeClr val="dk1"/>
+          </a:effectRef>
+          <a:fontRef idx="minor">
+            <a:schemeClr val="tx1"/>
+          </a:fontRef>
+        </p:style>
+      </p:cxnSp>
+      <p:cxnSp>
+        <p:nvCxnSpPr>
+          <p:cNvPr id="48" name="直線矢印コネクタ 47"/>
+          <p:cNvCxnSpPr/>
+          <p:nvPr/>
+        </p:nvCxnSpPr>
+        <p:spPr>
+          <a:xfrm flipV="1">
+            <a:off x="1839539" y="1573546"/>
+            <a:ext cx="549981" cy="133062"/>
+          </a:xfrm>
+          <a:prstGeom prst="straightConnector1">
+            <a:avLst/>
+          </a:prstGeom>
+          <a:ln>
+            <a:headEnd type="none"/>
+            <a:tailEnd type="arrow"/>
+          </a:ln>
+        </p:spPr>
+        <p:style>
+          <a:lnRef idx="3">
+            <a:schemeClr val="dk1"/>
+          </a:lnRef>
+          <a:fillRef idx="0">
+            <a:schemeClr val="dk1"/>
+          </a:fillRef>
+          <a:effectRef idx="2">
+            <a:schemeClr val="dk1"/>
+          </a:effectRef>
+          <a:fontRef idx="minor">
+            <a:schemeClr val="tx1"/>
+          </a:fontRef>
+        </p:style>
+      </p:cxnSp>
+      <p:cxnSp>
+        <p:nvCxnSpPr>
+          <p:cNvPr id="51" name="直線矢印コネクタ 50"/>
+          <p:cNvCxnSpPr/>
+          <p:nvPr/>
+        </p:nvCxnSpPr>
+        <p:spPr>
+          <a:xfrm>
+            <a:off x="1839539" y="2302106"/>
+            <a:ext cx="549981" cy="260010"/>
+          </a:xfrm>
+          <a:prstGeom prst="straightConnector1">
+            <a:avLst/>
+          </a:prstGeom>
+          <a:ln>
+            <a:headEnd type="none"/>
+            <a:tailEnd type="arrow"/>
+          </a:ln>
+        </p:spPr>
+        <p:style>
+          <a:lnRef idx="3">
+            <a:schemeClr val="dk1"/>
+          </a:lnRef>
+          <a:fillRef idx="0">
+            <a:schemeClr val="dk1"/>
+          </a:fillRef>
+          <a:effectRef idx="2">
+            <a:schemeClr val="dk1"/>
+          </a:effectRef>
+          <a:fontRef idx="minor">
+            <a:schemeClr val="tx1"/>
+          </a:fontRef>
+        </p:style>
+      </p:cxnSp>
+      <p:grpSp>
+        <p:nvGrpSpPr>
+          <p:cNvPr id="55" name="図形グループ 54"/>
+          <p:cNvGrpSpPr/>
+          <p:nvPr/>
+        </p:nvGrpSpPr>
+        <p:grpSpPr>
+          <a:xfrm>
+            <a:off x="1992438" y="1165402"/>
+            <a:ext cx="165100" cy="153809"/>
+            <a:chOff x="7150100" y="1268591"/>
+            <a:chExt cx="165100" cy="153809"/>
+          </a:xfrm>
+        </p:grpSpPr>
+        <p:sp>
+          <p:nvSpPr>
+            <p:cNvPr id="56" name="円/楕円 55"/>
+            <p:cNvSpPr/>
+            <p:nvPr/>
+          </p:nvSpPr>
+          <p:spPr>
+            <a:xfrm>
+              <a:off x="7150100" y="1268591"/>
+              <a:ext cx="165100" cy="153809"/>
+            </a:xfrm>
+            <a:prstGeom prst="ellipse">
+              <a:avLst/>
+            </a:prstGeom>
+          </p:spPr>
+          <p:style>
+            <a:lnRef idx="2">
+              <a:schemeClr val="dk1"/>
+            </a:lnRef>
+            <a:fillRef idx="1">
+              <a:schemeClr val="lt1"/>
+            </a:fillRef>
+            <a:effectRef idx="0">
+              <a:schemeClr val="dk1"/>
+            </a:effectRef>
+            <a:fontRef idx="minor">
+              <a:schemeClr val="dk1"/>
+            </a:fontRef>
+          </p:style>
+          <p:txBody>
+            <a:bodyPr rtlCol="0" anchor="ctr"/>
+            <a:lstStyle/>
+            <a:p>
+              <a:pPr algn="ctr"/>
+              <a:endParaRPr kumimoji="1" lang="ja-JP" altLang="en-US"/>
+            </a:p>
+          </p:txBody>
+        </p:sp>
+        <p:cxnSp>
+          <p:nvCxnSpPr>
+            <p:cNvPr id="57" name="直線コネクタ 56"/>
+            <p:cNvCxnSpPr>
+              <a:stCxn id="56" idx="7"/>
+              <a:endCxn id="56" idx="3"/>
+            </p:cNvCxnSpPr>
+            <p:nvPr/>
+          </p:nvCxnSpPr>
+          <p:spPr>
+            <a:xfrm flipH="1">
+              <a:off x="7174278" y="1291116"/>
+              <a:ext cx="116744" cy="108759"/>
+            </a:xfrm>
+            <a:prstGeom prst="line">
+              <a:avLst/>
+            </a:prstGeom>
+          </p:spPr>
+          <p:style>
+            <a:lnRef idx="2">
+              <a:schemeClr val="dk1"/>
+            </a:lnRef>
+            <a:fillRef idx="0">
+              <a:schemeClr val="dk1"/>
+            </a:fillRef>
+            <a:effectRef idx="1">
+              <a:schemeClr val="dk1"/>
+            </a:effectRef>
+            <a:fontRef idx="minor">
+              <a:schemeClr val="tx1"/>
+            </a:fontRef>
+          </p:style>
+        </p:cxnSp>
+        <p:cxnSp>
+          <p:nvCxnSpPr>
+            <p:cNvPr id="58" name="直線コネクタ 57"/>
+            <p:cNvCxnSpPr>
+              <a:stCxn id="56" idx="1"/>
+              <a:endCxn id="56" idx="5"/>
+            </p:cNvCxnSpPr>
+            <p:nvPr/>
+          </p:nvCxnSpPr>
+          <p:spPr>
+            <a:xfrm>
+              <a:off x="7174278" y="1291116"/>
+              <a:ext cx="116744" cy="108759"/>
+            </a:xfrm>
+            <a:prstGeom prst="line">
+              <a:avLst/>
+            </a:prstGeom>
+          </p:spPr>
+          <p:style>
+            <a:lnRef idx="2">
+              <a:schemeClr val="dk1"/>
+            </a:lnRef>
+            <a:fillRef idx="0">
+              <a:schemeClr val="dk1"/>
+            </a:fillRef>
+            <a:effectRef idx="1">
+              <a:schemeClr val="dk1"/>
+            </a:effectRef>
+            <a:fontRef idx="minor">
+              <a:schemeClr val="tx1"/>
+            </a:fontRef>
+          </p:style>
+        </p:cxnSp>
+      </p:grpSp>
+      <p:grpSp>
+        <p:nvGrpSpPr>
+          <p:cNvPr id="59" name="図形グループ 58"/>
+          <p:cNvGrpSpPr/>
+          <p:nvPr/>
+        </p:nvGrpSpPr>
+        <p:grpSpPr>
+          <a:xfrm>
+            <a:off x="1992438" y="1573546"/>
+            <a:ext cx="165100" cy="153809"/>
+            <a:chOff x="7150100" y="1268591"/>
+            <a:chExt cx="165100" cy="153809"/>
+          </a:xfrm>
+        </p:grpSpPr>
+        <p:sp>
+          <p:nvSpPr>
+            <p:cNvPr id="60" name="円/楕円 59"/>
+            <p:cNvSpPr/>
+            <p:nvPr/>
+          </p:nvSpPr>
+          <p:spPr>
+            <a:xfrm>
+              <a:off x="7150100" y="1268591"/>
+              <a:ext cx="165100" cy="153809"/>
+            </a:xfrm>
+            <a:prstGeom prst="ellipse">
+              <a:avLst/>
+            </a:prstGeom>
+          </p:spPr>
+          <p:style>
+            <a:lnRef idx="2">
+              <a:schemeClr val="dk1"/>
+            </a:lnRef>
+            <a:fillRef idx="1">
+              <a:schemeClr val="lt1"/>
+            </a:fillRef>
+            <a:effectRef idx="0">
+              <a:schemeClr val="dk1"/>
+            </a:effectRef>
+            <a:fontRef idx="minor">
+              <a:schemeClr val="dk1"/>
+            </a:fontRef>
+          </p:style>
+          <p:txBody>
+            <a:bodyPr rtlCol="0" anchor="ctr"/>
+            <a:lstStyle/>
+            <a:p>
+              <a:pPr algn="ctr"/>
+              <a:endParaRPr kumimoji="1" lang="ja-JP" altLang="en-US"/>
+            </a:p>
+          </p:txBody>
+        </p:sp>
+        <p:cxnSp>
+          <p:nvCxnSpPr>
+            <p:cNvPr id="61" name="直線コネクタ 60"/>
+            <p:cNvCxnSpPr>
+              <a:stCxn id="60" idx="7"/>
+              <a:endCxn id="60" idx="3"/>
+            </p:cNvCxnSpPr>
+            <p:nvPr/>
+          </p:nvCxnSpPr>
+          <p:spPr>
+            <a:xfrm flipH="1">
+              <a:off x="7174278" y="1291116"/>
+              <a:ext cx="116744" cy="108759"/>
+            </a:xfrm>
+            <a:prstGeom prst="line">
+              <a:avLst/>
+            </a:prstGeom>
+          </p:spPr>
+          <p:style>
+            <a:lnRef idx="2">
+              <a:schemeClr val="dk1"/>
+            </a:lnRef>
+            <a:fillRef idx="0">
+              <a:schemeClr val="dk1"/>
+            </a:fillRef>
+            <a:effectRef idx="1">
+              <a:schemeClr val="dk1"/>
+            </a:effectRef>
+            <a:fontRef idx="minor">
+              <a:schemeClr val="tx1"/>
+            </a:fontRef>
+          </p:style>
+        </p:cxnSp>
+        <p:cxnSp>
+          <p:nvCxnSpPr>
+            <p:cNvPr id="62" name="直線コネクタ 61"/>
+            <p:cNvCxnSpPr>
+              <a:stCxn id="60" idx="1"/>
+              <a:endCxn id="60" idx="5"/>
+            </p:cNvCxnSpPr>
+            <p:nvPr/>
+          </p:nvCxnSpPr>
+          <p:spPr>
+            <a:xfrm>
+              <a:off x="7174278" y="1291116"/>
+              <a:ext cx="116744" cy="108759"/>
+            </a:xfrm>
+            <a:prstGeom prst="line">
+              <a:avLst/>
+            </a:prstGeom>
+          </p:spPr>
+          <p:style>
+            <a:lnRef idx="2">
+              <a:schemeClr val="dk1"/>
+            </a:lnRef>
+            <a:fillRef idx="0">
+              <a:schemeClr val="dk1"/>
+            </a:fillRef>
+            <a:effectRef idx="1">
+              <a:schemeClr val="dk1"/>
+            </a:effectRef>
+            <a:fontRef idx="minor">
+              <a:schemeClr val="tx1"/>
+            </a:fontRef>
+          </p:style>
+        </p:cxnSp>
+      </p:grpSp>
+      <p:grpSp>
+        <p:nvGrpSpPr>
+          <p:cNvPr id="63" name="図形グループ 62"/>
+          <p:cNvGrpSpPr/>
+          <p:nvPr/>
+        </p:nvGrpSpPr>
+        <p:grpSpPr>
+          <a:xfrm>
+            <a:off x="1992438" y="2359129"/>
+            <a:ext cx="165100" cy="153809"/>
+            <a:chOff x="7150100" y="1268591"/>
+            <a:chExt cx="165100" cy="153809"/>
+          </a:xfrm>
+        </p:grpSpPr>
+        <p:sp>
+          <p:nvSpPr>
+            <p:cNvPr id="64" name="円/楕円 63"/>
+            <p:cNvSpPr/>
+            <p:nvPr/>
+          </p:nvSpPr>
+          <p:spPr>
+            <a:xfrm>
+              <a:off x="7150100" y="1268591"/>
+              <a:ext cx="165100" cy="153809"/>
+            </a:xfrm>
+            <a:prstGeom prst="ellipse">
+              <a:avLst/>
+            </a:prstGeom>
+          </p:spPr>
+          <p:style>
+            <a:lnRef idx="2">
+              <a:schemeClr val="dk1"/>
+            </a:lnRef>
+            <a:fillRef idx="1">
+              <a:schemeClr val="lt1"/>
+            </a:fillRef>
+            <a:effectRef idx="0">
+              <a:schemeClr val="dk1"/>
+            </a:effectRef>
+            <a:fontRef idx="minor">
+              <a:schemeClr val="dk1"/>
+            </a:fontRef>
+          </p:style>
+          <p:txBody>
+            <a:bodyPr rtlCol="0" anchor="ctr"/>
+            <a:lstStyle/>
+            <a:p>
+              <a:pPr algn="ctr"/>
+              <a:endParaRPr kumimoji="1" lang="ja-JP" altLang="en-US"/>
+            </a:p>
+          </p:txBody>
+        </p:sp>
+        <p:cxnSp>
+          <p:nvCxnSpPr>
+            <p:cNvPr id="65" name="直線コネクタ 64"/>
+            <p:cNvCxnSpPr>
+              <a:stCxn id="64" idx="7"/>
+              <a:endCxn id="64" idx="3"/>
+            </p:cNvCxnSpPr>
+            <p:nvPr/>
+          </p:nvCxnSpPr>
+          <p:spPr>
+            <a:xfrm flipH="1">
+              <a:off x="7174278" y="1291116"/>
+              <a:ext cx="116744" cy="108759"/>
+            </a:xfrm>
+            <a:prstGeom prst="line">
+              <a:avLst/>
+            </a:prstGeom>
+          </p:spPr>
+          <p:style>
+            <a:lnRef idx="2">
+              <a:schemeClr val="dk1"/>
+            </a:lnRef>
+            <a:fillRef idx="0">
+              <a:schemeClr val="dk1"/>
+            </a:fillRef>
+            <a:effectRef idx="1">
+              <a:schemeClr val="dk1"/>
+            </a:effectRef>
+            <a:fontRef idx="minor">
+              <a:schemeClr val="tx1"/>
+            </a:fontRef>
+          </p:style>
+        </p:cxnSp>
+        <p:cxnSp>
+          <p:nvCxnSpPr>
+            <p:cNvPr id="66" name="直線コネクタ 65"/>
+            <p:cNvCxnSpPr>
+              <a:stCxn id="64" idx="1"/>
+              <a:endCxn id="64" idx="5"/>
+            </p:cNvCxnSpPr>
+            <p:nvPr/>
+          </p:nvCxnSpPr>
+          <p:spPr>
+            <a:xfrm>
+              <a:off x="7174278" y="1291116"/>
+              <a:ext cx="116744" cy="108759"/>
+            </a:xfrm>
+            <a:prstGeom prst="line">
+              <a:avLst/>
+            </a:prstGeom>
+          </p:spPr>
+          <p:style>
+            <a:lnRef idx="2">
+              <a:schemeClr val="dk1"/>
+            </a:lnRef>
+            <a:fillRef idx="0">
+              <a:schemeClr val="dk1"/>
+            </a:fillRef>
+            <a:effectRef idx="1">
+              <a:schemeClr val="dk1"/>
+            </a:effectRef>
+            <a:fontRef idx="minor">
+              <a:schemeClr val="tx1"/>
+            </a:fontRef>
+          </p:style>
+        </p:cxnSp>
+      </p:grpSp>
+    </p:spTree>
+    <p:extLst>
+      <p:ext uri="{BB962C8B-B14F-4D97-AF65-F5344CB8AC3E}">
+        <p14:creationId xmlns:p14="http://schemas.microsoft.com/office/powerpoint/2010/main" val="4137533218"/>
       </p:ext>
     </p:extLst>
   </p:cSld>

--- a/articles/201608/dl1.pptx
+++ b/articles/201608/dl1.pptx
@@ -11768,8 +11768,8 @@
         </p:nvSpPr>
         <p:spPr>
           <a:xfrm>
-            <a:off x="2190749" y="5033507"/>
-            <a:ext cx="800219" cy="276999"/>
+            <a:off x="2171937" y="5033507"/>
+            <a:ext cx="1030577" cy="276999"/>
           </a:xfrm>
           <a:prstGeom prst="rect">
             <a:avLst/>
@@ -11782,13 +11782,37 @@
           </a:bodyPr>
           <a:lstStyle/>
           <a:p>
+            <a:r>
+              <a:rPr kumimoji="1" lang="en-US" altLang="ja-JP" sz="1200" i="1" dirty="0" smtClean="0">
+                <a:latin typeface="游ゴシック体 ミディアム"/>
+                <a:ea typeface="游ゴシック体 ミディアム"/>
+                <a:cs typeface="游ゴシック体 ミディアム"/>
+              </a:rPr>
+              <a:t>x </a:t>
+            </a:r>
+            <a:r>
+              <a:rPr kumimoji="1" lang="en-US" altLang="ja-JP" sz="1200" dirty="0" smtClean="0">
+                <a:latin typeface="游ゴシック体 ミディアム"/>
+                <a:ea typeface="游ゴシック体 ミディアム"/>
+                <a:cs typeface="游ゴシック体 ミディアム"/>
+              </a:rPr>
+              <a:t>: </a:t>
+            </a:r>
             <a:r>
               <a:rPr kumimoji="1" lang="ja-JP" altLang="en-US" sz="1200" dirty="0" smtClean="0">
                 <a:latin typeface="游ゴシック体 ミディアム"/>
                 <a:ea typeface="游ゴシック体 ミディアム"/>
                 <a:cs typeface="游ゴシック体 ミディアム"/>
               </a:rPr>
-              <a:t>入力画像</a:t>
+              <a:t>入力</a:t>
+            </a:r>
+            <a:r>
+              <a:rPr kumimoji="1" lang="ja-JP" altLang="en-US" sz="1200" dirty="0" smtClean="0">
+                <a:latin typeface="游ゴシック体 ミディアム"/>
+                <a:ea typeface="游ゴシック体 ミディアム"/>
+                <a:cs typeface="游ゴシック体 ミディアム"/>
+              </a:rPr>
+              <a:t>画像</a:t>
             </a:r>
             <a:endParaRPr kumimoji="1" lang="ja-JP" altLang="en-US" sz="1200" dirty="0">
               <a:latin typeface="游ゴシック体 ミディアム"/>
@@ -11806,8 +11830,8 @@
         </p:nvSpPr>
         <p:spPr>
           <a:xfrm>
-            <a:off x="5108571" y="5047407"/>
-            <a:ext cx="800219" cy="276999"/>
+            <a:off x="5089759" y="5047407"/>
+            <a:ext cx="1045209" cy="276999"/>
           </a:xfrm>
           <a:prstGeom prst="rect">
             <a:avLst/>
@@ -11820,6 +11844,22 @@
           </a:bodyPr>
           <a:lstStyle/>
           <a:p>
+            <a:r>
+              <a:rPr lang="en-US" altLang="ja-JP" sz="1200" i="1" dirty="0" smtClean="0">
+                <a:latin typeface="游ゴシック体 ミディアム"/>
+                <a:ea typeface="游ゴシック体 ミディアム"/>
+                <a:cs typeface="游ゴシック体 ミディアム"/>
+              </a:rPr>
+              <a:t>u</a:t>
+            </a:r>
+            <a:r>
+              <a:rPr lang="en-US" altLang="ja-JP" sz="1200" dirty="0" smtClean="0">
+                <a:latin typeface="游ゴシック体 ミディアム"/>
+                <a:ea typeface="游ゴシック体 ミディアム"/>
+                <a:cs typeface="游ゴシック体 ミディアム"/>
+              </a:rPr>
+              <a:t> : </a:t>
+            </a:r>
             <a:r>
               <a:rPr lang="ja-JP" altLang="en-US" sz="1200" dirty="0" smtClean="0">
                 <a:latin typeface="游ゴシック体 ミディアム"/>
@@ -11834,7 +11874,15 @@
                 <a:ea typeface="游ゴシック体 ミディアム"/>
                 <a:cs typeface="游ゴシック体 ミディアム"/>
               </a:rPr>
-              <a:t>力画像</a:t>
+              <a:t>力</a:t>
+            </a:r>
+            <a:r>
+              <a:rPr kumimoji="1" lang="ja-JP" altLang="en-US" sz="1200" dirty="0" smtClean="0">
+                <a:latin typeface="游ゴシック体 ミディアム"/>
+                <a:ea typeface="游ゴシック体 ミディアム"/>
+                <a:cs typeface="游ゴシック体 ミディアム"/>
+              </a:rPr>
+              <a:t>画像</a:t>
             </a:r>
             <a:endParaRPr kumimoji="1" lang="ja-JP" altLang="en-US" sz="1200" dirty="0">
               <a:latin typeface="游ゴシック体 ミディアム"/>
@@ -11853,7 +11901,7 @@
         <p:spPr>
           <a:xfrm>
             <a:off x="4451468" y="352922"/>
-            <a:ext cx="800219" cy="276999"/>
+            <a:ext cx="1074602" cy="276999"/>
           </a:xfrm>
           <a:prstGeom prst="rect">
             <a:avLst/>
@@ -11866,6 +11914,22 @@
           </a:bodyPr>
           <a:lstStyle/>
           <a:p>
+            <a:r>
+              <a:rPr lang="en-US" altLang="ja-JP" sz="1200" i="1" dirty="0" smtClean="0">
+                <a:latin typeface="游ゴシック体 ミディアム"/>
+                <a:ea typeface="游ゴシック体 ミディアム"/>
+                <a:cs typeface="游ゴシック体 ミディアム"/>
+              </a:rPr>
+              <a:t>w</a:t>
+            </a:r>
+            <a:r>
+              <a:rPr lang="en-US" altLang="ja-JP" sz="1200" dirty="0" smtClean="0">
+                <a:latin typeface="游ゴシック体 ミディアム"/>
+                <a:ea typeface="游ゴシック体 ミディアム"/>
+                <a:cs typeface="游ゴシック体 ミディアム"/>
+              </a:rPr>
+              <a:t> : </a:t>
+            </a:r>
             <a:r>
               <a:rPr lang="ja-JP" altLang="en-US" sz="1200" dirty="0" smtClean="0">
                 <a:latin typeface="游ゴシック体 ミディアム"/>

--- a/articles/201608/dl1.pptx
+++ b/articles/201608/dl1.pptx
@@ -9,7 +9,9 @@
     <p:sldId id="257" r:id="rId3"/>
     <p:sldId id="258" r:id="rId4"/>
     <p:sldId id="259" r:id="rId5"/>
-    <p:sldId id="260" r:id="rId6"/>
+    <p:sldId id="261" r:id="rId6"/>
+    <p:sldId id="260" r:id="rId7"/>
+    <p:sldId id="262" r:id="rId8"/>
   </p:sldIdLst>
   <p:sldSz cx="9144000" cy="6858000" type="screen4x3"/>
   <p:notesSz cx="6858000" cy="9144000"/>
@@ -292,7 +294,7 @@
           <a:p>
             <a:fld id="{8B8ED27F-574F-FC40-8672-D039C32B7ACF}" type="datetimeFigureOut">
               <a:rPr kumimoji="1" lang="ja-JP" altLang="en-US" smtClean="0"/>
-              <a:t>16/09/06</a:t>
+              <a:t>9/10/16</a:t>
             </a:fld>
             <a:endParaRPr kumimoji="1" lang="ja-JP" altLang="en-US"/>
           </a:p>
@@ -494,7 +496,7 @@
           <a:p>
             <a:fld id="{8B8ED27F-574F-FC40-8672-D039C32B7ACF}" type="datetimeFigureOut">
               <a:rPr kumimoji="1" lang="ja-JP" altLang="en-US" smtClean="0"/>
-              <a:t>16/09/06</a:t>
+              <a:t>9/10/16</a:t>
             </a:fld>
             <a:endParaRPr kumimoji="1" lang="ja-JP" altLang="en-US"/>
           </a:p>
@@ -706,7 +708,7 @@
           <a:p>
             <a:fld id="{8B8ED27F-574F-FC40-8672-D039C32B7ACF}" type="datetimeFigureOut">
               <a:rPr kumimoji="1" lang="ja-JP" altLang="en-US" smtClean="0"/>
-              <a:t>16/09/06</a:t>
+              <a:t>9/10/16</a:t>
             </a:fld>
             <a:endParaRPr kumimoji="1" lang="ja-JP" altLang="en-US"/>
           </a:p>
@@ -908,7 +910,7 @@
           <a:p>
             <a:fld id="{8B8ED27F-574F-FC40-8672-D039C32B7ACF}" type="datetimeFigureOut">
               <a:rPr kumimoji="1" lang="ja-JP" altLang="en-US" smtClean="0"/>
-              <a:t>16/09/06</a:t>
+              <a:t>9/10/16</a:t>
             </a:fld>
             <a:endParaRPr kumimoji="1" lang="ja-JP" altLang="en-US"/>
           </a:p>
@@ -1154,7 +1156,7 @@
           <a:p>
             <a:fld id="{8B8ED27F-574F-FC40-8672-D039C32B7ACF}" type="datetimeFigureOut">
               <a:rPr kumimoji="1" lang="ja-JP" altLang="en-US" smtClean="0"/>
-              <a:t>16/09/06</a:t>
+              <a:t>9/10/16</a:t>
             </a:fld>
             <a:endParaRPr kumimoji="1" lang="ja-JP" altLang="en-US"/>
           </a:p>
@@ -1506,7 +1508,7 @@
           <a:p>
             <a:fld id="{8B8ED27F-574F-FC40-8672-D039C32B7ACF}" type="datetimeFigureOut">
               <a:rPr kumimoji="1" lang="ja-JP" altLang="en-US" smtClean="0"/>
-              <a:t>16/09/06</a:t>
+              <a:t>9/10/16</a:t>
             </a:fld>
             <a:endParaRPr kumimoji="1" lang="ja-JP" altLang="en-US"/>
           </a:p>
@@ -1992,7 +1994,7 @@
           <a:p>
             <a:fld id="{8B8ED27F-574F-FC40-8672-D039C32B7ACF}" type="datetimeFigureOut">
               <a:rPr kumimoji="1" lang="ja-JP" altLang="en-US" smtClean="0"/>
-              <a:t>16/09/06</a:t>
+              <a:t>9/10/16</a:t>
             </a:fld>
             <a:endParaRPr kumimoji="1" lang="ja-JP" altLang="en-US"/>
           </a:p>
@@ -2110,7 +2112,7 @@
           <a:p>
             <a:fld id="{8B8ED27F-574F-FC40-8672-D039C32B7ACF}" type="datetimeFigureOut">
               <a:rPr kumimoji="1" lang="ja-JP" altLang="en-US" smtClean="0"/>
-              <a:t>16/09/06</a:t>
+              <a:t>9/10/16</a:t>
             </a:fld>
             <a:endParaRPr kumimoji="1" lang="ja-JP" altLang="en-US"/>
           </a:p>
@@ -2205,7 +2207,7 @@
           <a:p>
             <a:fld id="{8B8ED27F-574F-FC40-8672-D039C32B7ACF}" type="datetimeFigureOut">
               <a:rPr kumimoji="1" lang="ja-JP" altLang="en-US" smtClean="0"/>
-              <a:t>16/09/06</a:t>
+              <a:t>9/10/16</a:t>
             </a:fld>
             <a:endParaRPr kumimoji="1" lang="ja-JP" altLang="en-US"/>
           </a:p>
@@ -2514,7 +2516,7 @@
           <a:p>
             <a:fld id="{8B8ED27F-574F-FC40-8672-D039C32B7ACF}" type="datetimeFigureOut">
               <a:rPr kumimoji="1" lang="ja-JP" altLang="en-US" smtClean="0"/>
-              <a:t>16/09/06</a:t>
+              <a:t>9/10/16</a:t>
             </a:fld>
             <a:endParaRPr kumimoji="1" lang="ja-JP" altLang="en-US"/>
           </a:p>
@@ -2767,7 +2769,7 @@
           <a:p>
             <a:fld id="{8B8ED27F-574F-FC40-8672-D039C32B7ACF}" type="datetimeFigureOut">
               <a:rPr kumimoji="1" lang="ja-JP" altLang="en-US" smtClean="0"/>
-              <a:t>16/09/06</a:t>
+              <a:t>9/10/16</a:t>
             </a:fld>
             <a:endParaRPr kumimoji="1" lang="ja-JP" altLang="en-US"/>
           </a:p>
@@ -3012,7 +3014,7 @@
           <a:p>
             <a:fld id="{8B8ED27F-574F-FC40-8672-D039C32B7ACF}" type="datetimeFigureOut">
               <a:rPr kumimoji="1" lang="ja-JP" altLang="en-US" smtClean="0"/>
-              <a:t>16/09/06</a:t>
+              <a:t>9/10/16</a:t>
             </a:fld>
             <a:endParaRPr kumimoji="1" lang="ja-JP" altLang="en-US"/>
           </a:p>
@@ -11804,15 +11806,7 @@
                 <a:ea typeface="游ゴシック体 ミディアム"/>
                 <a:cs typeface="游ゴシック体 ミディアム"/>
               </a:rPr>
-              <a:t>入力</a:t>
-            </a:r>
-            <a:r>
-              <a:rPr kumimoji="1" lang="ja-JP" altLang="en-US" sz="1200" dirty="0" smtClean="0">
-                <a:latin typeface="游ゴシック体 ミディアム"/>
-                <a:ea typeface="游ゴシック体 ミディアム"/>
-                <a:cs typeface="游ゴシック体 ミディアム"/>
-              </a:rPr>
-              <a:t>画像</a:t>
+              <a:t>入力画像</a:t>
             </a:r>
             <a:endParaRPr kumimoji="1" lang="ja-JP" altLang="en-US" sz="1200" dirty="0">
               <a:latin typeface="游ゴシック体 ミディアム"/>
@@ -11874,15 +11868,7 @@
                 <a:ea typeface="游ゴシック体 ミディアム"/>
                 <a:cs typeface="游ゴシック体 ミディアム"/>
               </a:rPr>
-              <a:t>力</a:t>
-            </a:r>
-            <a:r>
-              <a:rPr kumimoji="1" lang="ja-JP" altLang="en-US" sz="1200" dirty="0" smtClean="0">
-                <a:latin typeface="游ゴシック体 ミディアム"/>
-                <a:ea typeface="游ゴシック体 ミディアム"/>
-                <a:cs typeface="游ゴシック体 ミディアム"/>
-              </a:rPr>
-              <a:t>画像</a:t>
+              <a:t>力画像</a:t>
             </a:r>
             <a:endParaRPr kumimoji="1" lang="ja-JP" altLang="en-US" sz="1200" dirty="0">
               <a:latin typeface="游ゴシック体 ミディアム"/>
@@ -12738,18 +12724,115 @@
       </p:grpSpPr>
       <p:sp>
         <p:nvSpPr>
+          <p:cNvPr id="45" name="正方形/長方形 44"/>
+          <p:cNvSpPr/>
+          <p:nvPr/>
+        </p:nvSpPr>
+        <p:spPr>
+          <a:xfrm>
+            <a:off x="4838700" y="1079500"/>
+            <a:ext cx="590550" cy="609600"/>
+          </a:xfrm>
+          <a:prstGeom prst="rect">
+            <a:avLst/>
+          </a:prstGeom>
+          <a:solidFill>
+            <a:schemeClr val="accent2">
+              <a:lumMod val="60000"/>
+              <a:lumOff val="40000"/>
+            </a:schemeClr>
+          </a:solidFill>
+          <a:ln>
+            <a:solidFill>
+              <a:srgbClr val="FFFFFF"/>
+            </a:solidFill>
+          </a:ln>
+        </p:spPr>
+        <p:style>
+          <a:lnRef idx="1">
+            <a:schemeClr val="accent1"/>
+          </a:lnRef>
+          <a:fillRef idx="3">
+            <a:schemeClr val="accent1"/>
+          </a:fillRef>
+          <a:effectRef idx="2">
+            <a:schemeClr val="accent1"/>
+          </a:effectRef>
+          <a:fontRef idx="minor">
+            <a:schemeClr val="lt1"/>
+          </a:fontRef>
+        </p:style>
+        <p:txBody>
+          <a:bodyPr rtlCol="0" anchor="ctr"/>
+          <a:lstStyle/>
+          <a:p>
+            <a:pPr algn="ctr"/>
+            <a:endParaRPr kumimoji="1" lang="ja-JP" altLang="en-US"/>
+          </a:p>
+        </p:txBody>
+      </p:sp>
+      <p:sp>
+        <p:nvSpPr>
+          <p:cNvPr id="44" name="正方形/長方形 43"/>
+          <p:cNvSpPr/>
+          <p:nvPr/>
+        </p:nvSpPr>
+        <p:spPr>
+          <a:xfrm>
+            <a:off x="895350" y="1079500"/>
+            <a:ext cx="1625600" cy="609600"/>
+          </a:xfrm>
+          <a:prstGeom prst="rect">
+            <a:avLst/>
+          </a:prstGeom>
+          <a:solidFill>
+            <a:schemeClr val="accent2">
+              <a:lumMod val="60000"/>
+              <a:lumOff val="40000"/>
+            </a:schemeClr>
+          </a:solidFill>
+          <a:ln>
+            <a:noFill/>
+          </a:ln>
+        </p:spPr>
+        <p:style>
+          <a:lnRef idx="1">
+            <a:schemeClr val="accent1"/>
+          </a:lnRef>
+          <a:fillRef idx="3">
+            <a:schemeClr val="accent1"/>
+          </a:fillRef>
+          <a:effectRef idx="2">
+            <a:schemeClr val="accent1"/>
+          </a:effectRef>
+          <a:fontRef idx="minor">
+            <a:schemeClr val="lt1"/>
+          </a:fontRef>
+        </p:style>
+        <p:txBody>
+          <a:bodyPr rtlCol="0" anchor="ctr"/>
+          <a:lstStyle/>
+          <a:p>
+            <a:pPr algn="ctr"/>
+            <a:endParaRPr kumimoji="1" lang="ja-JP" altLang="en-US"/>
+          </a:p>
+        </p:txBody>
+      </p:sp>
+      <p:sp>
+        <p:nvSpPr>
           <p:cNvPr id="4" name="正方形/長方形 3"/>
           <p:cNvSpPr/>
           <p:nvPr/>
         </p:nvSpPr>
         <p:spPr>
           <a:xfrm>
-            <a:off x="887087" y="1260705"/>
-            <a:ext cx="634968" cy="625683"/>
+            <a:off x="901700" y="1079500"/>
+            <a:ext cx="1625600" cy="1625600"/>
           </a:xfrm>
           <a:prstGeom prst="rect">
             <a:avLst/>
           </a:prstGeom>
+          <a:noFill/>
           <a:ln w="19050" cmpd="sng"/>
         </p:spPr>
         <p:style>
@@ -12771,27 +12854,1143 @@
           <a:lstStyle/>
           <a:p>
             <a:pPr algn="ctr"/>
+            <a:endParaRPr kumimoji="1" lang="ja-JP" altLang="en-US"/>
+          </a:p>
+        </p:txBody>
+      </p:sp>
+      <p:cxnSp>
+        <p:nvCxnSpPr>
+          <p:cNvPr id="6" name="直線コネクタ 5"/>
+          <p:cNvCxnSpPr/>
+          <p:nvPr/>
+        </p:nvCxnSpPr>
+        <p:spPr>
+          <a:xfrm>
+            <a:off x="901700" y="1282700"/>
+            <a:ext cx="1625600" cy="0"/>
+          </a:xfrm>
+          <a:prstGeom prst="line">
+            <a:avLst/>
+          </a:prstGeom>
+          <a:ln w="19050" cmpd="sng"/>
+          <a:effectLst/>
+        </p:spPr>
+        <p:style>
+          <a:lnRef idx="2">
+            <a:schemeClr val="dk1"/>
+          </a:lnRef>
+          <a:fillRef idx="0">
+            <a:schemeClr val="dk1"/>
+          </a:fillRef>
+          <a:effectRef idx="1">
+            <a:schemeClr val="dk1"/>
+          </a:effectRef>
+          <a:fontRef idx="minor">
+            <a:schemeClr val="tx1"/>
+          </a:fontRef>
+        </p:style>
+      </p:cxnSp>
+      <p:cxnSp>
+        <p:nvCxnSpPr>
+          <p:cNvPr id="13" name="直線コネクタ 12"/>
+          <p:cNvCxnSpPr/>
+          <p:nvPr/>
+        </p:nvCxnSpPr>
+        <p:spPr>
+          <a:xfrm>
+            <a:off x="901700" y="1485900"/>
+            <a:ext cx="1625600" cy="0"/>
+          </a:xfrm>
+          <a:prstGeom prst="line">
+            <a:avLst/>
+          </a:prstGeom>
+          <a:ln w="19050" cmpd="sng"/>
+          <a:effectLst/>
+        </p:spPr>
+        <p:style>
+          <a:lnRef idx="2">
+            <a:schemeClr val="dk1"/>
+          </a:lnRef>
+          <a:fillRef idx="0">
+            <a:schemeClr val="dk1"/>
+          </a:fillRef>
+          <a:effectRef idx="1">
+            <a:schemeClr val="dk1"/>
+          </a:effectRef>
+          <a:fontRef idx="minor">
+            <a:schemeClr val="tx1"/>
+          </a:fontRef>
+        </p:style>
+      </p:cxnSp>
+      <p:cxnSp>
+        <p:nvCxnSpPr>
+          <p:cNvPr id="14" name="直線コネクタ 13"/>
+          <p:cNvCxnSpPr/>
+          <p:nvPr/>
+        </p:nvCxnSpPr>
+        <p:spPr>
+          <a:xfrm>
+            <a:off x="901700" y="1689100"/>
+            <a:ext cx="1625600" cy="0"/>
+          </a:xfrm>
+          <a:prstGeom prst="line">
+            <a:avLst/>
+          </a:prstGeom>
+          <a:ln w="19050" cmpd="sng"/>
+          <a:effectLst/>
+        </p:spPr>
+        <p:style>
+          <a:lnRef idx="2">
+            <a:schemeClr val="dk1"/>
+          </a:lnRef>
+          <a:fillRef idx="0">
+            <a:schemeClr val="dk1"/>
+          </a:fillRef>
+          <a:effectRef idx="1">
+            <a:schemeClr val="dk1"/>
+          </a:effectRef>
+          <a:fontRef idx="minor">
+            <a:schemeClr val="tx1"/>
+          </a:fontRef>
+        </p:style>
+      </p:cxnSp>
+      <p:cxnSp>
+        <p:nvCxnSpPr>
+          <p:cNvPr id="15" name="直線コネクタ 14"/>
+          <p:cNvCxnSpPr/>
+          <p:nvPr/>
+        </p:nvCxnSpPr>
+        <p:spPr>
+          <a:xfrm>
+            <a:off x="901700" y="1892300"/>
+            <a:ext cx="1625600" cy="0"/>
+          </a:xfrm>
+          <a:prstGeom prst="line">
+            <a:avLst/>
+          </a:prstGeom>
+          <a:ln w="19050" cmpd="sng"/>
+          <a:effectLst/>
+        </p:spPr>
+        <p:style>
+          <a:lnRef idx="2">
+            <a:schemeClr val="dk1"/>
+          </a:lnRef>
+          <a:fillRef idx="0">
+            <a:schemeClr val="dk1"/>
+          </a:fillRef>
+          <a:effectRef idx="1">
+            <a:schemeClr val="dk1"/>
+          </a:effectRef>
+          <a:fontRef idx="minor">
+            <a:schemeClr val="tx1"/>
+          </a:fontRef>
+        </p:style>
+      </p:cxnSp>
+      <p:cxnSp>
+        <p:nvCxnSpPr>
+          <p:cNvPr id="16" name="直線コネクタ 15"/>
+          <p:cNvCxnSpPr/>
+          <p:nvPr/>
+        </p:nvCxnSpPr>
+        <p:spPr>
+          <a:xfrm>
+            <a:off x="901700" y="2101850"/>
+            <a:ext cx="1625600" cy="0"/>
+          </a:xfrm>
+          <a:prstGeom prst="line">
+            <a:avLst/>
+          </a:prstGeom>
+          <a:ln w="19050" cmpd="sng"/>
+          <a:effectLst/>
+        </p:spPr>
+        <p:style>
+          <a:lnRef idx="2">
+            <a:schemeClr val="dk1"/>
+          </a:lnRef>
+          <a:fillRef idx="0">
+            <a:schemeClr val="dk1"/>
+          </a:fillRef>
+          <a:effectRef idx="1">
+            <a:schemeClr val="dk1"/>
+          </a:effectRef>
+          <a:fontRef idx="minor">
+            <a:schemeClr val="tx1"/>
+          </a:fontRef>
+        </p:style>
+      </p:cxnSp>
+      <p:cxnSp>
+        <p:nvCxnSpPr>
+          <p:cNvPr id="17" name="直線コネクタ 16"/>
+          <p:cNvCxnSpPr/>
+          <p:nvPr/>
+        </p:nvCxnSpPr>
+        <p:spPr>
+          <a:xfrm>
+            <a:off x="895350" y="2317750"/>
+            <a:ext cx="1625600" cy="0"/>
+          </a:xfrm>
+          <a:prstGeom prst="line">
+            <a:avLst/>
+          </a:prstGeom>
+          <a:ln w="19050" cmpd="sng"/>
+          <a:effectLst/>
+        </p:spPr>
+        <p:style>
+          <a:lnRef idx="2">
+            <a:schemeClr val="dk1"/>
+          </a:lnRef>
+          <a:fillRef idx="0">
+            <a:schemeClr val="dk1"/>
+          </a:fillRef>
+          <a:effectRef idx="1">
+            <a:schemeClr val="dk1"/>
+          </a:effectRef>
+          <a:fontRef idx="minor">
+            <a:schemeClr val="tx1"/>
+          </a:fontRef>
+        </p:style>
+      </p:cxnSp>
+      <p:cxnSp>
+        <p:nvCxnSpPr>
+          <p:cNvPr id="18" name="直線コネクタ 17"/>
+          <p:cNvCxnSpPr/>
+          <p:nvPr/>
+        </p:nvCxnSpPr>
+        <p:spPr>
+          <a:xfrm>
+            <a:off x="901700" y="2520950"/>
+            <a:ext cx="1625600" cy="0"/>
+          </a:xfrm>
+          <a:prstGeom prst="line">
+            <a:avLst/>
+          </a:prstGeom>
+          <a:ln w="19050" cmpd="sng"/>
+          <a:effectLst/>
+        </p:spPr>
+        <p:style>
+          <a:lnRef idx="2">
+            <a:schemeClr val="dk1"/>
+          </a:lnRef>
+          <a:fillRef idx="0">
+            <a:schemeClr val="dk1"/>
+          </a:fillRef>
+          <a:effectRef idx="1">
+            <a:schemeClr val="dk1"/>
+          </a:effectRef>
+          <a:fontRef idx="minor">
+            <a:schemeClr val="tx1"/>
+          </a:fontRef>
+        </p:style>
+      </p:cxnSp>
+      <p:sp>
+        <p:nvSpPr>
+          <p:cNvPr id="19" name="右中かっこ 18"/>
+          <p:cNvSpPr/>
+          <p:nvPr/>
+        </p:nvSpPr>
+        <p:spPr>
+          <a:xfrm>
+            <a:off x="2571750" y="1079500"/>
+            <a:ext cx="158750" cy="609600"/>
+          </a:xfrm>
+          <a:prstGeom prst="rightBrace">
+            <a:avLst/>
+          </a:prstGeom>
+          <a:ln>
+            <a:solidFill>
+              <a:schemeClr val="accent2"/>
+            </a:solidFill>
+          </a:ln>
+        </p:spPr>
+        <p:style>
+          <a:lnRef idx="2">
+            <a:schemeClr val="accent1"/>
+          </a:lnRef>
+          <a:fillRef idx="0">
+            <a:schemeClr val="accent1"/>
+          </a:fillRef>
+          <a:effectRef idx="1">
+            <a:schemeClr val="accent1"/>
+          </a:effectRef>
+          <a:fontRef idx="minor">
+            <a:schemeClr val="tx1"/>
+          </a:fontRef>
+        </p:style>
+        <p:txBody>
+          <a:bodyPr rtlCol="0" anchor="ctr"/>
+          <a:lstStyle/>
+          <a:p>
+            <a:pPr algn="ctr"/>
+            <a:endParaRPr kumimoji="1" lang="ja-JP" altLang="en-US"/>
+          </a:p>
+        </p:txBody>
+      </p:sp>
+      <p:sp>
+        <p:nvSpPr>
+          <p:cNvPr id="20" name="左大かっこ 19"/>
+          <p:cNvSpPr/>
+          <p:nvPr/>
+        </p:nvSpPr>
+        <p:spPr>
+          <a:xfrm>
+            <a:off x="714375" y="1282700"/>
+            <a:ext cx="120650" cy="1422400"/>
+          </a:xfrm>
+          <a:prstGeom prst="leftBracket">
+            <a:avLst/>
+          </a:prstGeom>
+          <a:ln>
+            <a:solidFill>
+              <a:srgbClr val="C0504D"/>
+            </a:solidFill>
+          </a:ln>
+        </p:spPr>
+        <p:style>
+          <a:lnRef idx="2">
+            <a:schemeClr val="accent1"/>
+          </a:lnRef>
+          <a:fillRef idx="0">
+            <a:schemeClr val="accent1"/>
+          </a:fillRef>
+          <a:effectRef idx="1">
+            <a:schemeClr val="accent1"/>
+          </a:effectRef>
+          <a:fontRef idx="minor">
+            <a:schemeClr val="tx1"/>
+          </a:fontRef>
+        </p:style>
+        <p:txBody>
+          <a:bodyPr rtlCol="0" anchor="ctr"/>
+          <a:lstStyle/>
+          <a:p>
+            <a:pPr algn="ctr"/>
             <a:endParaRPr kumimoji="1" lang="ja-JP" altLang="en-US" dirty="0"/>
           </a:p>
         </p:txBody>
       </p:sp>
-      <p:sp>
-        <p:nvSpPr>
-          <p:cNvPr id="10" name="正方形/長方形 9"/>
+      <p:grpSp>
+        <p:nvGrpSpPr>
+          <p:cNvPr id="34" name="図形グループ 33"/>
+          <p:cNvGrpSpPr/>
+          <p:nvPr/>
+        </p:nvGrpSpPr>
+        <p:grpSpPr>
+          <a:xfrm>
+            <a:off x="4838700" y="1079500"/>
+            <a:ext cx="1625600" cy="609600"/>
+            <a:chOff x="3098800" y="1079500"/>
+            <a:chExt cx="1625600" cy="609600"/>
+          </a:xfrm>
+          <a:noFill/>
+        </p:grpSpPr>
+        <p:sp>
+          <p:nvSpPr>
+            <p:cNvPr id="21" name="正方形/長方形 20"/>
+            <p:cNvSpPr/>
+            <p:nvPr/>
+          </p:nvSpPr>
+          <p:spPr>
+            <a:xfrm>
+              <a:off x="3098800" y="1079500"/>
+              <a:ext cx="1625600" cy="609600"/>
+            </a:xfrm>
+            <a:prstGeom prst="rect">
+              <a:avLst/>
+            </a:prstGeom>
+            <a:grpFill/>
+            <a:ln w="19050" cmpd="sng"/>
+          </p:spPr>
+          <p:style>
+            <a:lnRef idx="2">
+              <a:schemeClr val="dk1"/>
+            </a:lnRef>
+            <a:fillRef idx="1">
+              <a:schemeClr val="lt1"/>
+            </a:fillRef>
+            <a:effectRef idx="0">
+              <a:schemeClr val="dk1"/>
+            </a:effectRef>
+            <a:fontRef idx="minor">
+              <a:schemeClr val="dk1"/>
+            </a:fontRef>
+          </p:style>
+          <p:txBody>
+            <a:bodyPr rtlCol="0" anchor="ctr"/>
+            <a:lstStyle/>
+            <a:p>
+              <a:pPr algn="ctr"/>
+              <a:endParaRPr kumimoji="1" lang="ja-JP" altLang="en-US"/>
+            </a:p>
+          </p:txBody>
+        </p:sp>
+        <p:cxnSp>
+          <p:nvCxnSpPr>
+            <p:cNvPr id="22" name="直線コネクタ 21"/>
+            <p:cNvCxnSpPr/>
+            <p:nvPr/>
+          </p:nvCxnSpPr>
+          <p:spPr>
+            <a:xfrm>
+              <a:off x="3098800" y="1282700"/>
+              <a:ext cx="1625600" cy="0"/>
+            </a:xfrm>
+            <a:prstGeom prst="line">
+              <a:avLst/>
+            </a:prstGeom>
+            <a:grpFill/>
+            <a:ln w="19050" cmpd="sng"/>
+            <a:effectLst/>
+          </p:spPr>
+          <p:style>
+            <a:lnRef idx="2">
+              <a:schemeClr val="dk1"/>
+            </a:lnRef>
+            <a:fillRef idx="0">
+              <a:schemeClr val="dk1"/>
+            </a:fillRef>
+            <a:effectRef idx="1">
+              <a:schemeClr val="dk1"/>
+            </a:effectRef>
+            <a:fontRef idx="minor">
+              <a:schemeClr val="tx1"/>
+            </a:fontRef>
+          </p:style>
+        </p:cxnSp>
+        <p:cxnSp>
+          <p:nvCxnSpPr>
+            <p:cNvPr id="23" name="直線コネクタ 22"/>
+            <p:cNvCxnSpPr/>
+            <p:nvPr/>
+          </p:nvCxnSpPr>
+          <p:spPr>
+            <a:xfrm>
+              <a:off x="3098800" y="1485900"/>
+              <a:ext cx="1625600" cy="0"/>
+            </a:xfrm>
+            <a:prstGeom prst="line">
+              <a:avLst/>
+            </a:prstGeom>
+            <a:grpFill/>
+            <a:ln w="19050" cmpd="sng"/>
+            <a:effectLst/>
+          </p:spPr>
+          <p:style>
+            <a:lnRef idx="2">
+              <a:schemeClr val="dk1"/>
+            </a:lnRef>
+            <a:fillRef idx="0">
+              <a:schemeClr val="dk1"/>
+            </a:fillRef>
+            <a:effectRef idx="1">
+              <a:schemeClr val="dk1"/>
+            </a:effectRef>
+            <a:fontRef idx="minor">
+              <a:schemeClr val="tx1"/>
+            </a:fontRef>
+          </p:style>
+        </p:cxnSp>
+        <p:cxnSp>
+          <p:nvCxnSpPr>
+            <p:cNvPr id="24" name="直線コネクタ 23"/>
+            <p:cNvCxnSpPr/>
+            <p:nvPr/>
+          </p:nvCxnSpPr>
+          <p:spPr>
+            <a:xfrm>
+              <a:off x="3295650" y="1079500"/>
+              <a:ext cx="0" cy="609600"/>
+            </a:xfrm>
+            <a:prstGeom prst="line">
+              <a:avLst/>
+            </a:prstGeom>
+            <a:grpFill/>
+            <a:ln w="19050" cmpd="sng"/>
+            <a:effectLst/>
+          </p:spPr>
+          <p:style>
+            <a:lnRef idx="2">
+              <a:schemeClr val="dk1"/>
+            </a:lnRef>
+            <a:fillRef idx="0">
+              <a:schemeClr val="dk1"/>
+            </a:fillRef>
+            <a:effectRef idx="1">
+              <a:schemeClr val="dk1"/>
+            </a:effectRef>
+            <a:fontRef idx="minor">
+              <a:schemeClr val="tx1"/>
+            </a:fontRef>
+          </p:style>
+        </p:cxnSp>
+        <p:cxnSp>
+          <p:nvCxnSpPr>
+            <p:cNvPr id="27" name="直線コネクタ 26"/>
+            <p:cNvCxnSpPr/>
+            <p:nvPr/>
+          </p:nvCxnSpPr>
+          <p:spPr>
+            <a:xfrm>
+              <a:off x="3492500" y="1079500"/>
+              <a:ext cx="0" cy="609600"/>
+            </a:xfrm>
+            <a:prstGeom prst="line">
+              <a:avLst/>
+            </a:prstGeom>
+            <a:grpFill/>
+            <a:ln w="19050" cmpd="sng"/>
+            <a:effectLst/>
+          </p:spPr>
+          <p:style>
+            <a:lnRef idx="2">
+              <a:schemeClr val="dk1"/>
+            </a:lnRef>
+            <a:fillRef idx="0">
+              <a:schemeClr val="dk1"/>
+            </a:fillRef>
+            <a:effectRef idx="1">
+              <a:schemeClr val="dk1"/>
+            </a:effectRef>
+            <a:fontRef idx="minor">
+              <a:schemeClr val="tx1"/>
+            </a:fontRef>
+          </p:style>
+        </p:cxnSp>
+        <p:cxnSp>
+          <p:nvCxnSpPr>
+            <p:cNvPr id="28" name="直線コネクタ 27"/>
+            <p:cNvCxnSpPr/>
+            <p:nvPr/>
+          </p:nvCxnSpPr>
+          <p:spPr>
+            <a:xfrm>
+              <a:off x="3689350" y="1079500"/>
+              <a:ext cx="0" cy="609600"/>
+            </a:xfrm>
+            <a:prstGeom prst="line">
+              <a:avLst/>
+            </a:prstGeom>
+            <a:grpFill/>
+            <a:ln w="19050" cmpd="sng"/>
+            <a:effectLst/>
+          </p:spPr>
+          <p:style>
+            <a:lnRef idx="2">
+              <a:schemeClr val="dk1"/>
+            </a:lnRef>
+            <a:fillRef idx="0">
+              <a:schemeClr val="dk1"/>
+            </a:fillRef>
+            <a:effectRef idx="1">
+              <a:schemeClr val="dk1"/>
+            </a:effectRef>
+            <a:fontRef idx="minor">
+              <a:schemeClr val="tx1"/>
+            </a:fontRef>
+          </p:style>
+        </p:cxnSp>
+        <p:cxnSp>
+          <p:nvCxnSpPr>
+            <p:cNvPr id="29" name="直線コネクタ 28"/>
+            <p:cNvCxnSpPr/>
+            <p:nvPr/>
+          </p:nvCxnSpPr>
+          <p:spPr>
+            <a:xfrm>
+              <a:off x="3892550" y="1079500"/>
+              <a:ext cx="0" cy="609600"/>
+            </a:xfrm>
+            <a:prstGeom prst="line">
+              <a:avLst/>
+            </a:prstGeom>
+            <a:grpFill/>
+            <a:ln w="19050" cmpd="sng"/>
+            <a:effectLst/>
+          </p:spPr>
+          <p:style>
+            <a:lnRef idx="2">
+              <a:schemeClr val="dk1"/>
+            </a:lnRef>
+            <a:fillRef idx="0">
+              <a:schemeClr val="dk1"/>
+            </a:fillRef>
+            <a:effectRef idx="1">
+              <a:schemeClr val="dk1"/>
+            </a:effectRef>
+            <a:fontRef idx="minor">
+              <a:schemeClr val="tx1"/>
+            </a:fontRef>
+          </p:style>
+        </p:cxnSp>
+        <p:cxnSp>
+          <p:nvCxnSpPr>
+            <p:cNvPr id="30" name="直線コネクタ 29"/>
+            <p:cNvCxnSpPr/>
+            <p:nvPr/>
+          </p:nvCxnSpPr>
+          <p:spPr>
+            <a:xfrm>
+              <a:off x="4095750" y="1079500"/>
+              <a:ext cx="0" cy="609600"/>
+            </a:xfrm>
+            <a:prstGeom prst="line">
+              <a:avLst/>
+            </a:prstGeom>
+            <a:grpFill/>
+            <a:ln w="19050" cmpd="sng"/>
+            <a:effectLst/>
+          </p:spPr>
+          <p:style>
+            <a:lnRef idx="2">
+              <a:schemeClr val="dk1"/>
+            </a:lnRef>
+            <a:fillRef idx="0">
+              <a:schemeClr val="dk1"/>
+            </a:fillRef>
+            <a:effectRef idx="1">
+              <a:schemeClr val="dk1"/>
+            </a:effectRef>
+            <a:fontRef idx="minor">
+              <a:schemeClr val="tx1"/>
+            </a:fontRef>
+          </p:style>
+        </p:cxnSp>
+        <p:cxnSp>
+          <p:nvCxnSpPr>
+            <p:cNvPr id="31" name="直線コネクタ 30"/>
+            <p:cNvCxnSpPr/>
+            <p:nvPr/>
+          </p:nvCxnSpPr>
+          <p:spPr>
+            <a:xfrm>
+              <a:off x="4298950" y="1079500"/>
+              <a:ext cx="0" cy="609600"/>
+            </a:xfrm>
+            <a:prstGeom prst="line">
+              <a:avLst/>
+            </a:prstGeom>
+            <a:grpFill/>
+            <a:ln w="19050" cmpd="sng"/>
+            <a:effectLst/>
+          </p:spPr>
+          <p:style>
+            <a:lnRef idx="2">
+              <a:schemeClr val="dk1"/>
+            </a:lnRef>
+            <a:fillRef idx="0">
+              <a:schemeClr val="dk1"/>
+            </a:fillRef>
+            <a:effectRef idx="1">
+              <a:schemeClr val="dk1"/>
+            </a:effectRef>
+            <a:fontRef idx="minor">
+              <a:schemeClr val="tx1"/>
+            </a:fontRef>
+          </p:style>
+        </p:cxnSp>
+        <p:cxnSp>
+          <p:nvCxnSpPr>
+            <p:cNvPr id="32" name="直線コネクタ 31"/>
+            <p:cNvCxnSpPr/>
+            <p:nvPr/>
+          </p:nvCxnSpPr>
+          <p:spPr>
+            <a:xfrm>
+              <a:off x="4508500" y="1079500"/>
+              <a:ext cx="0" cy="609600"/>
+            </a:xfrm>
+            <a:prstGeom prst="line">
+              <a:avLst/>
+            </a:prstGeom>
+            <a:grpFill/>
+            <a:ln w="19050" cmpd="sng"/>
+            <a:effectLst/>
+          </p:spPr>
+          <p:style>
+            <a:lnRef idx="2">
+              <a:schemeClr val="dk1"/>
+            </a:lnRef>
+            <a:fillRef idx="0">
+              <a:schemeClr val="dk1"/>
+            </a:fillRef>
+            <a:effectRef idx="1">
+              <a:schemeClr val="dk1"/>
+            </a:effectRef>
+            <a:fontRef idx="minor">
+              <a:schemeClr val="tx1"/>
+            </a:fontRef>
+          </p:style>
+        </p:cxnSp>
+      </p:grpSp>
+      <p:sp>
+        <p:nvSpPr>
+          <p:cNvPr id="33" name="テキスト ボックス 32"/>
+          <p:cNvSpPr txBox="1"/>
+          <p:nvPr/>
+        </p:nvSpPr>
+        <p:spPr>
+          <a:xfrm>
+            <a:off x="2686050" y="1046480"/>
+            <a:ext cx="1164166" cy="276999"/>
+          </a:xfrm>
+          <a:prstGeom prst="rect">
+            <a:avLst/>
+          </a:prstGeom>
+          <a:noFill/>
+        </p:spPr>
+        <p:txBody>
+          <a:bodyPr wrap="none" rtlCol="0">
+            <a:spAutoFit/>
+          </a:bodyPr>
+          <a:lstStyle/>
+          <a:p>
+            <a:r>
+              <a:rPr kumimoji="1" lang="en-US" altLang="ja-JP" sz="1200" dirty="0" smtClean="0">
+                <a:latin typeface="Seravek"/>
+                <a:cs typeface="Seravek"/>
+              </a:rPr>
+              <a:t>(</a:t>
+            </a:r>
+            <a:r>
+              <a:rPr kumimoji="1" lang="en-US" altLang="ja-JP" sz="1200" dirty="0" smtClean="0">
+                <a:latin typeface="Seravek"/>
+                <a:cs typeface="Seravek"/>
+              </a:rPr>
+              <a:t>1</a:t>
+            </a:r>
+            <a:r>
+              <a:rPr kumimoji="1" lang="en-US" altLang="ja-JP" sz="1200" dirty="0" smtClean="0">
+                <a:latin typeface="Seravek"/>
+                <a:cs typeface="Seravek"/>
+              </a:rPr>
+              <a:t>) s</a:t>
+            </a:r>
+            <a:r>
+              <a:rPr kumimoji="1" lang="ja-JP" altLang="en-US" sz="1200" dirty="0" smtClean="0">
+                <a:latin typeface="Seravek"/>
+                <a:cs typeface="Seravek"/>
+              </a:rPr>
+              <a:t>行取り出す</a:t>
+            </a:r>
+            <a:endParaRPr kumimoji="1" lang="ja-JP" altLang="en-US" sz="1200" dirty="0">
+              <a:latin typeface="Seravek"/>
+              <a:cs typeface="Seravek"/>
+            </a:endParaRPr>
+          </a:p>
+        </p:txBody>
+      </p:sp>
+      <p:sp>
+        <p:nvSpPr>
+          <p:cNvPr id="35" name="テキスト ボックス 34"/>
+          <p:cNvSpPr txBox="1"/>
+          <p:nvPr/>
+        </p:nvSpPr>
+        <p:spPr>
+          <a:xfrm>
+            <a:off x="1098550" y="337680"/>
+            <a:ext cx="1150455" cy="276999"/>
+          </a:xfrm>
+          <a:prstGeom prst="rect">
+            <a:avLst/>
+          </a:prstGeom>
+          <a:noFill/>
+        </p:spPr>
+        <p:txBody>
+          <a:bodyPr wrap="none" rtlCol="0">
+            <a:spAutoFit/>
+          </a:bodyPr>
+          <a:lstStyle/>
+          <a:p>
+            <a:r>
+              <a:rPr kumimoji="1" lang="en-US" altLang="ja-JP" sz="1200" b="1" dirty="0" err="1" smtClean="0">
+                <a:latin typeface="Seravek"/>
+                <a:cs typeface="Seravek"/>
+              </a:rPr>
+              <a:t>convolvePlain</a:t>
+            </a:r>
+            <a:endParaRPr kumimoji="1" lang="ja-JP" altLang="en-US" sz="1200" b="1" dirty="0">
+              <a:latin typeface="Seravek"/>
+              <a:cs typeface="Seravek"/>
+            </a:endParaRPr>
+          </a:p>
+        </p:txBody>
+      </p:sp>
+      <p:sp>
+        <p:nvSpPr>
+          <p:cNvPr id="36" name="テキスト ボックス 35"/>
+          <p:cNvSpPr txBox="1"/>
+          <p:nvPr/>
+        </p:nvSpPr>
+        <p:spPr>
+          <a:xfrm>
+            <a:off x="5124450" y="337680"/>
+            <a:ext cx="1090901" cy="276999"/>
+          </a:xfrm>
+          <a:prstGeom prst="rect">
+            <a:avLst/>
+          </a:prstGeom>
+          <a:noFill/>
+        </p:spPr>
+        <p:txBody>
+          <a:bodyPr wrap="none" rtlCol="0">
+            <a:spAutoFit/>
+          </a:bodyPr>
+          <a:lstStyle/>
+          <a:p>
+            <a:r>
+              <a:rPr kumimoji="1" lang="en-US" altLang="ja-JP" sz="1200" b="1" dirty="0" err="1" smtClean="0">
+                <a:latin typeface="Seravek"/>
+                <a:cs typeface="Seravek"/>
+              </a:rPr>
+              <a:t>convolveLine</a:t>
+            </a:r>
+            <a:endParaRPr kumimoji="1" lang="ja-JP" altLang="en-US" sz="1200" b="1" dirty="0">
+              <a:latin typeface="Seravek"/>
+              <a:cs typeface="Seravek"/>
+            </a:endParaRPr>
+          </a:p>
+        </p:txBody>
+      </p:sp>
+      <p:sp>
+        <p:nvSpPr>
+          <p:cNvPr id="37" name="右中かっこ 36"/>
           <p:cNvSpPr/>
           <p:nvPr/>
         </p:nvSpPr>
         <p:spPr>
-          <a:xfrm>
-            <a:off x="3696663" y="730697"/>
-            <a:ext cx="529257" cy="532297"/>
+          <a:xfrm rot="5400000">
+            <a:off x="5059362" y="1503363"/>
+            <a:ext cx="168275" cy="609600"/>
+          </a:xfrm>
+          <a:prstGeom prst="rightBrace">
+            <a:avLst/>
+          </a:prstGeom>
+          <a:ln>
+            <a:solidFill>
+              <a:schemeClr val="accent2"/>
+            </a:solidFill>
+          </a:ln>
+        </p:spPr>
+        <p:style>
+          <a:lnRef idx="2">
+            <a:schemeClr val="accent1"/>
+          </a:lnRef>
+          <a:fillRef idx="0">
+            <a:schemeClr val="accent1"/>
+          </a:fillRef>
+          <a:effectRef idx="1">
+            <a:schemeClr val="accent1"/>
+          </a:effectRef>
+          <a:fontRef idx="minor">
+            <a:schemeClr val="tx1"/>
+          </a:fontRef>
+        </p:style>
+        <p:txBody>
+          <a:bodyPr rtlCol="0" anchor="ctr"/>
+          <a:lstStyle/>
+          <a:p>
+            <a:pPr algn="ctr"/>
+            <a:endParaRPr kumimoji="1" lang="ja-JP" altLang="en-US"/>
+          </a:p>
+        </p:txBody>
+      </p:sp>
+      <p:sp>
+        <p:nvSpPr>
+          <p:cNvPr id="38" name="左大かっこ 37"/>
+          <p:cNvSpPr/>
+          <p:nvPr/>
+        </p:nvSpPr>
+        <p:spPr>
+          <a:xfrm rot="5400000">
+            <a:off x="5690394" y="272574"/>
+            <a:ext cx="125412" cy="1422400"/>
+          </a:xfrm>
+          <a:prstGeom prst="leftBracket">
+            <a:avLst/>
+          </a:prstGeom>
+          <a:ln>
+            <a:solidFill>
+              <a:srgbClr val="C0504D"/>
+            </a:solidFill>
+          </a:ln>
+        </p:spPr>
+        <p:style>
+          <a:lnRef idx="2">
+            <a:schemeClr val="accent1"/>
+          </a:lnRef>
+          <a:fillRef idx="0">
+            <a:schemeClr val="accent1"/>
+          </a:fillRef>
+          <a:effectRef idx="1">
+            <a:schemeClr val="accent1"/>
+          </a:effectRef>
+          <a:fontRef idx="minor">
+            <a:schemeClr val="tx1"/>
+          </a:fontRef>
+        </p:style>
+        <p:txBody>
+          <a:bodyPr rtlCol="0" anchor="ctr"/>
+          <a:lstStyle/>
+          <a:p>
+            <a:pPr algn="ctr"/>
+            <a:endParaRPr kumimoji="1" lang="ja-JP" altLang="en-US" dirty="0"/>
+          </a:p>
+        </p:txBody>
+      </p:sp>
+      <p:cxnSp>
+        <p:nvCxnSpPr>
+          <p:cNvPr id="40" name="直線矢印コネクタ 39"/>
+          <p:cNvCxnSpPr/>
+          <p:nvPr/>
+        </p:nvCxnSpPr>
+        <p:spPr>
+          <a:xfrm flipV="1">
+            <a:off x="2933700" y="1428750"/>
+            <a:ext cx="1739900" cy="12700"/>
+          </a:xfrm>
+          <a:prstGeom prst="straightConnector1">
+            <a:avLst/>
+          </a:prstGeom>
+          <a:ln>
+            <a:tailEnd type="arrow"/>
+          </a:ln>
+        </p:spPr>
+        <p:style>
+          <a:lnRef idx="3">
+            <a:schemeClr val="accent2"/>
+          </a:lnRef>
+          <a:fillRef idx="0">
+            <a:schemeClr val="accent2"/>
+          </a:fillRef>
+          <a:effectRef idx="2">
+            <a:schemeClr val="accent2"/>
+          </a:effectRef>
+          <a:fontRef idx="minor">
+            <a:schemeClr val="tx1"/>
+          </a:fontRef>
+        </p:style>
+      </p:cxnSp>
+      <p:sp>
+        <p:nvSpPr>
+          <p:cNvPr id="41" name="テキスト ボックス 40"/>
+          <p:cNvSpPr txBox="1"/>
+          <p:nvPr/>
+        </p:nvSpPr>
+        <p:spPr>
+          <a:xfrm rot="16200000">
+            <a:off x="-375664" y="1917378"/>
+            <a:ext cx="1903085" cy="276999"/>
           </a:xfrm>
           <a:prstGeom prst="rect">
             <a:avLst/>
           </a:prstGeom>
-          <a:solidFill>
-            <a:srgbClr val="DCE6F2"/>
-          </a:solidFill>
+          <a:noFill/>
+        </p:spPr>
+        <p:txBody>
+          <a:bodyPr wrap="none" rtlCol="0">
+            <a:spAutoFit/>
+          </a:bodyPr>
+          <a:lstStyle/>
+          <a:p>
+            <a:r>
+              <a:rPr kumimoji="1" lang="en-US" altLang="ja-JP" sz="1200" dirty="0" smtClean="0">
+                <a:latin typeface="Seravek"/>
+                <a:cs typeface="Seravek"/>
+              </a:rPr>
+              <a:t>(</a:t>
+            </a:r>
+            <a:r>
+              <a:rPr lang="en-US" altLang="ja-JP" sz="1200" dirty="0">
+                <a:latin typeface="Seravek"/>
+                <a:cs typeface="Seravek"/>
+              </a:rPr>
+              <a:t>2</a:t>
+            </a:r>
+            <a:r>
+              <a:rPr kumimoji="1" lang="en-US" altLang="ja-JP" sz="1200" dirty="0" smtClean="0">
+                <a:latin typeface="Seravek"/>
+                <a:cs typeface="Seravek"/>
+              </a:rPr>
+              <a:t>) 1</a:t>
+            </a:r>
+            <a:r>
+              <a:rPr kumimoji="1" lang="ja-JP" altLang="en-US" sz="1200" dirty="0" smtClean="0">
+                <a:latin typeface="Seravek"/>
+                <a:cs typeface="Seravek"/>
+              </a:rPr>
+              <a:t>行目を取り除いて再帰</a:t>
+            </a:r>
+            <a:endParaRPr kumimoji="1" lang="ja-JP" altLang="en-US" sz="1200" dirty="0">
+              <a:latin typeface="Seravek"/>
+              <a:cs typeface="Seravek"/>
+            </a:endParaRPr>
+          </a:p>
+        </p:txBody>
+      </p:sp>
+      <p:sp>
+        <p:nvSpPr>
+          <p:cNvPr id="42" name="テキスト ボックス 41"/>
+          <p:cNvSpPr txBox="1"/>
+          <p:nvPr/>
+        </p:nvSpPr>
+        <p:spPr>
+          <a:xfrm>
+            <a:off x="4800600" y="1892301"/>
+            <a:ext cx="1164166" cy="276999"/>
+          </a:xfrm>
+          <a:prstGeom prst="rect">
+            <a:avLst/>
+          </a:prstGeom>
+          <a:noFill/>
+        </p:spPr>
+        <p:txBody>
+          <a:bodyPr wrap="none" rtlCol="0">
+            <a:spAutoFit/>
+          </a:bodyPr>
+          <a:lstStyle/>
+          <a:p>
+            <a:r>
+              <a:rPr kumimoji="1" lang="en-US" altLang="ja-JP" sz="1200" dirty="0" smtClean="0">
+                <a:latin typeface="Seravek"/>
+                <a:cs typeface="Seravek"/>
+              </a:rPr>
+              <a:t>(</a:t>
+            </a:r>
+            <a:r>
+              <a:rPr kumimoji="1" lang="en-US" altLang="ja-JP" sz="1200" dirty="0" smtClean="0">
+                <a:latin typeface="Seravek"/>
+                <a:cs typeface="Seravek"/>
+              </a:rPr>
+              <a:t>1</a:t>
+            </a:r>
+            <a:r>
+              <a:rPr kumimoji="1" lang="en-US" altLang="ja-JP" sz="1200" dirty="0" smtClean="0">
+                <a:latin typeface="Seravek"/>
+                <a:cs typeface="Seravek"/>
+              </a:rPr>
+              <a:t>) s</a:t>
+            </a:r>
+            <a:r>
+              <a:rPr lang="ja-JP" altLang="en-US" sz="1200" dirty="0" smtClean="0">
+                <a:latin typeface="Seravek"/>
+                <a:cs typeface="Seravek"/>
+              </a:rPr>
+              <a:t>個</a:t>
+            </a:r>
+            <a:r>
+              <a:rPr kumimoji="1" lang="ja-JP" altLang="en-US" sz="1200" dirty="0" smtClean="0">
+                <a:latin typeface="Seravek"/>
+                <a:cs typeface="Seravek"/>
+              </a:rPr>
+              <a:t>取り出す</a:t>
+            </a:r>
+            <a:endParaRPr kumimoji="1" lang="ja-JP" altLang="en-US" sz="1200" dirty="0">
+              <a:latin typeface="Seravek"/>
+              <a:cs typeface="Seravek"/>
+            </a:endParaRPr>
+          </a:p>
+        </p:txBody>
+      </p:sp>
+      <p:sp>
+        <p:nvSpPr>
+          <p:cNvPr id="43" name="テキスト ボックス 42"/>
+          <p:cNvSpPr txBox="1"/>
+          <p:nvPr/>
+        </p:nvSpPr>
+        <p:spPr>
+          <a:xfrm>
+            <a:off x="4884107" y="644069"/>
+            <a:ext cx="1903085" cy="276999"/>
+          </a:xfrm>
+          <a:prstGeom prst="rect">
+            <a:avLst/>
+          </a:prstGeom>
+          <a:noFill/>
+        </p:spPr>
+        <p:txBody>
+          <a:bodyPr wrap="none" rtlCol="0">
+            <a:spAutoFit/>
+          </a:bodyPr>
+          <a:lstStyle/>
+          <a:p>
+            <a:r>
+              <a:rPr kumimoji="1" lang="en-US" altLang="ja-JP" sz="1200" dirty="0" smtClean="0">
+                <a:latin typeface="Seravek"/>
+                <a:cs typeface="Seravek"/>
+              </a:rPr>
+              <a:t>(</a:t>
+            </a:r>
+            <a:r>
+              <a:rPr lang="en-US" altLang="ja-JP" sz="1200" dirty="0">
+                <a:latin typeface="Seravek"/>
+                <a:cs typeface="Seravek"/>
+              </a:rPr>
+              <a:t>2</a:t>
+            </a:r>
+            <a:r>
+              <a:rPr kumimoji="1" lang="en-US" altLang="ja-JP" sz="1200" dirty="0" smtClean="0">
+                <a:latin typeface="Seravek"/>
+                <a:cs typeface="Seravek"/>
+              </a:rPr>
+              <a:t>) 1</a:t>
+            </a:r>
+            <a:r>
+              <a:rPr kumimoji="1" lang="ja-JP" altLang="en-US" sz="1200" dirty="0" smtClean="0">
+                <a:latin typeface="Seravek"/>
+                <a:cs typeface="Seravek"/>
+              </a:rPr>
+              <a:t>個目を取り除いて再帰</a:t>
+            </a:r>
+            <a:endParaRPr kumimoji="1" lang="ja-JP" altLang="en-US" sz="1200" dirty="0">
+              <a:latin typeface="Seravek"/>
+              <a:cs typeface="Seravek"/>
+            </a:endParaRPr>
+          </a:p>
+        </p:txBody>
+      </p:sp>
+    </p:spTree>
+    <p:extLst>
+      <p:ext uri="{BB962C8B-B14F-4D97-AF65-F5344CB8AC3E}">
+        <p14:creationId xmlns:p14="http://schemas.microsoft.com/office/powerpoint/2010/main" val="2560490521"/>
+      </p:ext>
+    </p:extLst>
+  </p:cSld>
+  <p:clrMapOvr>
+    <a:masterClrMapping/>
+  </p:clrMapOvr>
+</p:sld>
+</file>
+
+<file path=ppt/slides/slide6.xml><?xml version="1.0" encoding="utf-8"?>
+<p:sld xmlns:a="http://schemas.openxmlformats.org/drawingml/2006/main" xmlns:r="http://schemas.openxmlformats.org/officeDocument/2006/relationships" xmlns:p="http://schemas.openxmlformats.org/presentationml/2006/main">
+  <p:cSld>
+    <p:spTree>
+      <p:nvGrpSpPr>
+        <p:cNvPr id="1" name=""/>
+        <p:cNvGrpSpPr/>
+        <p:nvPr/>
+      </p:nvGrpSpPr>
+      <p:grpSpPr>
+        <a:xfrm>
+          <a:off x="0" y="0"/>
+          <a:ext cx="0" cy="0"/>
+          <a:chOff x="0" y="0"/>
+          <a:chExt cx="0" cy="0"/>
+        </a:xfrm>
+      </p:grpSpPr>
+      <p:sp>
+        <p:nvSpPr>
+          <p:cNvPr id="4" name="正方形/長方形 3"/>
+          <p:cNvSpPr/>
+          <p:nvPr/>
+        </p:nvSpPr>
+        <p:spPr>
+          <a:xfrm>
+            <a:off x="887087" y="1260705"/>
+            <a:ext cx="634968" cy="625683"/>
+          </a:xfrm>
+          <a:prstGeom prst="rect">
+            <a:avLst/>
+          </a:prstGeom>
           <a:ln w="19050" cmpd="sng"/>
         </p:spPr>
         <p:style>
@@ -12819,6 +14018,48 @@
       </p:sp>
       <p:sp>
         <p:nvSpPr>
+          <p:cNvPr id="10" name="正方形/長方形 9"/>
+          <p:cNvSpPr/>
+          <p:nvPr/>
+        </p:nvSpPr>
+        <p:spPr>
+          <a:xfrm>
+            <a:off x="3696663" y="730697"/>
+            <a:ext cx="529257" cy="532297"/>
+          </a:xfrm>
+          <a:prstGeom prst="rect">
+            <a:avLst/>
+          </a:prstGeom>
+          <a:solidFill>
+            <a:srgbClr val="DCE6F2"/>
+          </a:solidFill>
+          <a:ln w="19050" cmpd="sng"/>
+        </p:spPr>
+        <p:style>
+          <a:lnRef idx="2">
+            <a:schemeClr val="dk1"/>
+          </a:lnRef>
+          <a:fillRef idx="1">
+            <a:schemeClr val="lt1"/>
+          </a:fillRef>
+          <a:effectRef idx="0">
+            <a:schemeClr val="dk1"/>
+          </a:effectRef>
+          <a:fontRef idx="minor">
+            <a:schemeClr val="dk1"/>
+          </a:fontRef>
+        </p:style>
+        <p:txBody>
+          <a:bodyPr rtlCol="0" anchor="ctr"/>
+          <a:lstStyle/>
+          <a:p>
+            <a:pPr algn="ctr"/>
+            <a:endParaRPr kumimoji="1" lang="ja-JP" altLang="en-US" dirty="0"/>
+          </a:p>
+        </p:txBody>
+      </p:sp>
+      <p:sp>
+        <p:nvSpPr>
           <p:cNvPr id="11" name="テキスト ボックス 10"/>
           <p:cNvSpPr txBox="1"/>
           <p:nvPr/>
@@ -12910,11 +14151,7 @@
           <a:p>
             <a:r>
               <a:rPr kumimoji="1" lang="en-US" altLang="ja-JP" sz="1200" dirty="0" smtClean="0"/>
-              <a:t>10</a:t>
-            </a:r>
-            <a:r>
-              <a:rPr kumimoji="1" lang="en-US" altLang="ja-JP" sz="1200" dirty="0" smtClean="0"/>
-              <a:t> </a:t>
+              <a:t>10 </a:t>
             </a:r>
             <a:r>
               <a:rPr kumimoji="1" lang="en-US" altLang="ja-JP" sz="1200" dirty="0" err="1" smtClean="0"/>
@@ -14177,6 +15414,1738 @@
     <p:extLst>
       <p:ext uri="{BB962C8B-B14F-4D97-AF65-F5344CB8AC3E}">
         <p14:creationId xmlns:p14="http://schemas.microsoft.com/office/powerpoint/2010/main" val="4137533218"/>
+      </p:ext>
+    </p:extLst>
+  </p:cSld>
+  <p:clrMapOvr>
+    <a:masterClrMapping/>
+  </p:clrMapOvr>
+</p:sld>
+</file>
+
+<file path=ppt/slides/slide7.xml><?xml version="1.0" encoding="utf-8"?>
+<p:sld xmlns:a="http://schemas.openxmlformats.org/drawingml/2006/main" xmlns:r="http://schemas.openxmlformats.org/officeDocument/2006/relationships" xmlns:p="http://schemas.openxmlformats.org/presentationml/2006/main">
+  <p:cSld>
+    <p:spTree>
+      <p:nvGrpSpPr>
+        <p:cNvPr id="1" name=""/>
+        <p:cNvGrpSpPr/>
+        <p:nvPr/>
+      </p:nvGrpSpPr>
+      <p:grpSpPr>
+        <a:xfrm>
+          <a:off x="0" y="0"/>
+          <a:ext cx="0" cy="0"/>
+          <a:chOff x="0" y="0"/>
+          <a:chExt cx="0" cy="0"/>
+        </a:xfrm>
+      </p:grpSpPr>
+      <p:graphicFrame>
+        <p:nvGraphicFramePr>
+          <p:cNvPr id="4" name="表 3"/>
+          <p:cNvGraphicFramePr>
+            <a:graphicFrameLocks noGrp="1"/>
+          </p:cNvGraphicFramePr>
+          <p:nvPr>
+            <p:extLst>
+              <p:ext uri="{D42A27DB-BD31-4B8C-83A1-F6EECF244321}">
+                <p14:modId xmlns:p14="http://schemas.microsoft.com/office/powerpoint/2010/main" val="2335216550"/>
+              </p:ext>
+            </p:extLst>
+          </p:nvPr>
+        </p:nvGraphicFramePr>
+        <p:xfrm>
+          <a:off x="1524000" y="1397000"/>
+          <a:ext cx="1511300" cy="1498600"/>
+        </p:xfrm>
+        <a:graphic>
+          <a:graphicData uri="http://schemas.openxmlformats.org/drawingml/2006/table">
+            <a:tbl>
+              <a:tblPr firstRow="1" bandRow="1">
+                <a:tableStyleId>{2D5ABB26-0587-4C30-8999-92F81FD0307C}</a:tableStyleId>
+              </a:tblPr>
+              <a:tblGrid>
+                <a:gridCol w="377825"/>
+                <a:gridCol w="377825"/>
+                <a:gridCol w="377825"/>
+                <a:gridCol w="377825"/>
+              </a:tblGrid>
+              <a:tr h="374650">
+                <a:tc>
+                  <a:txBody>
+                    <a:bodyPr/>
+                    <a:lstStyle/>
+                    <a:p>
+                      <a:pPr algn="ctr"/>
+                      <a:r>
+                        <a:rPr kumimoji="1" lang="en-US" altLang="ja-JP" sz="1400" dirty="0" smtClean="0"/>
+                        <a:t>1</a:t>
+                      </a:r>
+                      <a:endParaRPr kumimoji="1" lang="ja-JP" altLang="en-US" sz="1400" dirty="0"/>
+                    </a:p>
+                  </a:txBody>
+                  <a:tcPr>
+                    <a:lnL w="12700" cap="flat" cmpd="sng" algn="ctr">
+                      <a:solidFill>
+                        <a:prstClr val="white">
+                          <a:lumMod val="75000"/>
+                        </a:prstClr>
+                      </a:solidFill>
+                      <a:prstDash val="solid"/>
+                      <a:round/>
+                      <a:headEnd type="none" w="med" len="med"/>
+                      <a:tailEnd type="none" w="med" len="med"/>
+                    </a:lnL>
+                    <a:lnR w="12700" cap="flat" cmpd="sng" algn="ctr">
+                      <a:solidFill>
+                        <a:prstClr val="white">
+                          <a:lumMod val="75000"/>
+                        </a:prstClr>
+                      </a:solidFill>
+                      <a:prstDash val="solid"/>
+                      <a:round/>
+                      <a:headEnd type="none" w="med" len="med"/>
+                      <a:tailEnd type="none" w="med" len="med"/>
+                    </a:lnR>
+                    <a:lnT w="12700" cap="flat" cmpd="sng" algn="ctr">
+                      <a:solidFill>
+                        <a:prstClr val="white">
+                          <a:lumMod val="75000"/>
+                        </a:prstClr>
+                      </a:solidFill>
+                      <a:prstDash val="solid"/>
+                      <a:round/>
+                      <a:headEnd type="none" w="med" len="med"/>
+                      <a:tailEnd type="none" w="med" len="med"/>
+                    </a:lnT>
+                    <a:lnB w="12700" cap="flat" cmpd="sng" algn="ctr">
+                      <a:solidFill>
+                        <a:prstClr val="white">
+                          <a:lumMod val="75000"/>
+                        </a:prstClr>
+                      </a:solidFill>
+                      <a:prstDash val="solid"/>
+                      <a:round/>
+                      <a:headEnd type="none" w="med" len="med"/>
+                      <a:tailEnd type="none" w="med" len="med"/>
+                    </a:lnB>
+                    <a:solidFill>
+                      <a:schemeClr val="accent1">
+                        <a:lumMod val="40000"/>
+                        <a:lumOff val="60000"/>
+                      </a:schemeClr>
+                    </a:solidFill>
+                  </a:tcPr>
+                </a:tc>
+                <a:tc>
+                  <a:txBody>
+                    <a:bodyPr/>
+                    <a:lstStyle/>
+                    <a:p>
+                      <a:pPr algn="ctr"/>
+                      <a:r>
+                        <a:rPr kumimoji="1" lang="en-US" altLang="ja-JP" sz="1400" dirty="0" smtClean="0"/>
+                        <a:t>9</a:t>
+                      </a:r>
+                      <a:endParaRPr kumimoji="1" lang="ja-JP" altLang="en-US" sz="1400" dirty="0"/>
+                    </a:p>
+                  </a:txBody>
+                  <a:tcPr>
+                    <a:lnL w="12700" cap="flat" cmpd="sng" algn="ctr">
+                      <a:solidFill>
+                        <a:prstClr val="white">
+                          <a:lumMod val="75000"/>
+                        </a:prstClr>
+                      </a:solidFill>
+                      <a:prstDash val="solid"/>
+                      <a:round/>
+                      <a:headEnd type="none" w="med" len="med"/>
+                      <a:tailEnd type="none" w="med" len="med"/>
+                    </a:lnL>
+                    <a:lnR w="12700" cap="flat" cmpd="sng" algn="ctr">
+                      <a:solidFill>
+                        <a:prstClr val="white">
+                          <a:lumMod val="75000"/>
+                        </a:prstClr>
+                      </a:solidFill>
+                      <a:prstDash val="solid"/>
+                      <a:round/>
+                      <a:headEnd type="none" w="med" len="med"/>
+                      <a:tailEnd type="none" w="med" len="med"/>
+                    </a:lnR>
+                    <a:lnT w="12700" cap="flat" cmpd="sng" algn="ctr">
+                      <a:solidFill>
+                        <a:prstClr val="white">
+                          <a:lumMod val="75000"/>
+                        </a:prstClr>
+                      </a:solidFill>
+                      <a:prstDash val="solid"/>
+                      <a:round/>
+                      <a:headEnd type="none" w="med" len="med"/>
+                      <a:tailEnd type="none" w="med" len="med"/>
+                    </a:lnT>
+                    <a:lnB w="12700" cap="flat" cmpd="sng" algn="ctr">
+                      <a:solidFill>
+                        <a:prstClr val="white">
+                          <a:lumMod val="75000"/>
+                        </a:prstClr>
+                      </a:solidFill>
+                      <a:prstDash val="solid"/>
+                      <a:round/>
+                      <a:headEnd type="none" w="med" len="med"/>
+                      <a:tailEnd type="none" w="med" len="med"/>
+                    </a:lnB>
+                    <a:solidFill>
+                      <a:schemeClr val="accent1">
+                        <a:lumMod val="40000"/>
+                        <a:lumOff val="60000"/>
+                      </a:schemeClr>
+                    </a:solidFill>
+                  </a:tcPr>
+                </a:tc>
+                <a:tc>
+                  <a:txBody>
+                    <a:bodyPr/>
+                    <a:lstStyle/>
+                    <a:p>
+                      <a:pPr algn="ctr"/>
+                      <a:r>
+                        <a:rPr kumimoji="1" lang="en-US" altLang="ja-JP" sz="1400" dirty="0" smtClean="0"/>
+                        <a:t>14</a:t>
+                      </a:r>
+                      <a:endParaRPr kumimoji="1" lang="ja-JP" altLang="en-US" sz="1400" dirty="0"/>
+                    </a:p>
+                  </a:txBody>
+                  <a:tcPr>
+                    <a:lnL w="12700" cap="flat" cmpd="sng" algn="ctr">
+                      <a:solidFill>
+                        <a:prstClr val="white">
+                          <a:lumMod val="75000"/>
+                        </a:prstClr>
+                      </a:solidFill>
+                      <a:prstDash val="solid"/>
+                      <a:round/>
+                      <a:headEnd type="none" w="med" len="med"/>
+                      <a:tailEnd type="none" w="med" len="med"/>
+                    </a:lnL>
+                    <a:lnR w="12700" cap="flat" cmpd="sng" algn="ctr">
+                      <a:solidFill>
+                        <a:prstClr val="white">
+                          <a:lumMod val="75000"/>
+                        </a:prstClr>
+                      </a:solidFill>
+                      <a:prstDash val="solid"/>
+                      <a:round/>
+                      <a:headEnd type="none" w="med" len="med"/>
+                      <a:tailEnd type="none" w="med" len="med"/>
+                    </a:lnR>
+                    <a:lnT w="12700" cap="flat" cmpd="sng" algn="ctr">
+                      <a:solidFill>
+                        <a:prstClr val="white">
+                          <a:lumMod val="75000"/>
+                        </a:prstClr>
+                      </a:solidFill>
+                      <a:prstDash val="solid"/>
+                      <a:round/>
+                      <a:headEnd type="none" w="med" len="med"/>
+                      <a:tailEnd type="none" w="med" len="med"/>
+                    </a:lnT>
+                    <a:lnB w="12700" cap="flat" cmpd="sng" algn="ctr">
+                      <a:solidFill>
+                        <a:prstClr val="white">
+                          <a:lumMod val="75000"/>
+                        </a:prstClr>
+                      </a:solidFill>
+                      <a:prstDash val="solid"/>
+                      <a:round/>
+                      <a:headEnd type="none" w="med" len="med"/>
+                      <a:tailEnd type="none" w="med" len="med"/>
+                    </a:lnB>
+                    <a:solidFill>
+                      <a:schemeClr val="accent3">
+                        <a:lumMod val="40000"/>
+                        <a:lumOff val="60000"/>
+                      </a:schemeClr>
+                    </a:solidFill>
+                  </a:tcPr>
+                </a:tc>
+                <a:tc>
+                  <a:txBody>
+                    <a:bodyPr/>
+                    <a:lstStyle/>
+                    <a:p>
+                      <a:pPr algn="ctr"/>
+                      <a:r>
+                        <a:rPr kumimoji="1" lang="en-US" altLang="ja-JP" sz="1400" dirty="0" smtClean="0"/>
+                        <a:t>4</a:t>
+                      </a:r>
+                      <a:endParaRPr kumimoji="1" lang="ja-JP" altLang="en-US" sz="1400" dirty="0"/>
+                    </a:p>
+                  </a:txBody>
+                  <a:tcPr>
+                    <a:lnL w="12700" cap="flat" cmpd="sng" algn="ctr">
+                      <a:solidFill>
+                        <a:prstClr val="white">
+                          <a:lumMod val="75000"/>
+                        </a:prstClr>
+                      </a:solidFill>
+                      <a:prstDash val="solid"/>
+                      <a:round/>
+                      <a:headEnd type="none" w="med" len="med"/>
+                      <a:tailEnd type="none" w="med" len="med"/>
+                    </a:lnL>
+                    <a:lnR w="12700" cap="flat" cmpd="sng" algn="ctr">
+                      <a:solidFill>
+                        <a:prstClr val="white">
+                          <a:lumMod val="75000"/>
+                        </a:prstClr>
+                      </a:solidFill>
+                      <a:prstDash val="solid"/>
+                      <a:round/>
+                      <a:headEnd type="none" w="med" len="med"/>
+                      <a:tailEnd type="none" w="med" len="med"/>
+                    </a:lnR>
+                    <a:lnT w="12700" cap="flat" cmpd="sng" algn="ctr">
+                      <a:solidFill>
+                        <a:prstClr val="white">
+                          <a:lumMod val="75000"/>
+                        </a:prstClr>
+                      </a:solidFill>
+                      <a:prstDash val="solid"/>
+                      <a:round/>
+                      <a:headEnd type="none" w="med" len="med"/>
+                      <a:tailEnd type="none" w="med" len="med"/>
+                    </a:lnT>
+                    <a:lnB w="12700" cap="flat" cmpd="sng" algn="ctr">
+                      <a:solidFill>
+                        <a:prstClr val="white">
+                          <a:lumMod val="75000"/>
+                        </a:prstClr>
+                      </a:solidFill>
+                      <a:prstDash val="solid"/>
+                      <a:round/>
+                      <a:headEnd type="none" w="med" len="med"/>
+                      <a:tailEnd type="none" w="med" len="med"/>
+                    </a:lnB>
+                    <a:solidFill>
+                      <a:schemeClr val="accent3">
+                        <a:lumMod val="40000"/>
+                        <a:lumOff val="60000"/>
+                      </a:schemeClr>
+                    </a:solidFill>
+                  </a:tcPr>
+                </a:tc>
+              </a:tr>
+              <a:tr h="374650">
+                <a:tc>
+                  <a:txBody>
+                    <a:bodyPr/>
+                    <a:lstStyle/>
+                    <a:p>
+                      <a:pPr algn="ctr"/>
+                      <a:r>
+                        <a:rPr kumimoji="1" lang="en-US" altLang="ja-JP" sz="1400" dirty="0" smtClean="0"/>
+                        <a:t>6</a:t>
+                      </a:r>
+                      <a:endParaRPr kumimoji="1" lang="ja-JP" altLang="en-US" sz="1400" dirty="0"/>
+                    </a:p>
+                  </a:txBody>
+                  <a:tcPr>
+                    <a:lnL w="12700" cap="flat" cmpd="sng" algn="ctr">
+                      <a:solidFill>
+                        <a:prstClr val="white">
+                          <a:lumMod val="75000"/>
+                        </a:prstClr>
+                      </a:solidFill>
+                      <a:prstDash val="solid"/>
+                      <a:round/>
+                      <a:headEnd type="none" w="med" len="med"/>
+                      <a:tailEnd type="none" w="med" len="med"/>
+                    </a:lnL>
+                    <a:lnR w="12700" cap="flat" cmpd="sng" algn="ctr">
+                      <a:solidFill>
+                        <a:prstClr val="white">
+                          <a:lumMod val="75000"/>
+                        </a:prstClr>
+                      </a:solidFill>
+                      <a:prstDash val="solid"/>
+                      <a:round/>
+                      <a:headEnd type="none" w="med" len="med"/>
+                      <a:tailEnd type="none" w="med" len="med"/>
+                    </a:lnR>
+                    <a:lnT w="12700" cap="flat" cmpd="sng" algn="ctr">
+                      <a:solidFill>
+                        <a:prstClr val="white">
+                          <a:lumMod val="75000"/>
+                        </a:prstClr>
+                      </a:solidFill>
+                      <a:prstDash val="solid"/>
+                      <a:round/>
+                      <a:headEnd type="none" w="med" len="med"/>
+                      <a:tailEnd type="none" w="med" len="med"/>
+                    </a:lnT>
+                    <a:lnB w="12700" cap="flat" cmpd="sng" algn="ctr">
+                      <a:solidFill>
+                        <a:prstClr val="white">
+                          <a:lumMod val="75000"/>
+                        </a:prstClr>
+                      </a:solidFill>
+                      <a:prstDash val="solid"/>
+                      <a:round/>
+                      <a:headEnd type="none" w="med" len="med"/>
+                      <a:tailEnd type="none" w="med" len="med"/>
+                    </a:lnB>
+                    <a:solidFill>
+                      <a:schemeClr val="accent1">
+                        <a:lumMod val="40000"/>
+                        <a:lumOff val="60000"/>
+                      </a:schemeClr>
+                    </a:solidFill>
+                  </a:tcPr>
+                </a:tc>
+                <a:tc>
+                  <a:txBody>
+                    <a:bodyPr/>
+                    <a:lstStyle/>
+                    <a:p>
+                      <a:pPr algn="ctr"/>
+                      <a:r>
+                        <a:rPr kumimoji="1" lang="en-US" altLang="ja-JP" sz="1400" dirty="0" smtClean="0"/>
+                        <a:t>16</a:t>
+                      </a:r>
+                      <a:endParaRPr kumimoji="1" lang="ja-JP" altLang="en-US" sz="1400" dirty="0"/>
+                    </a:p>
+                  </a:txBody>
+                  <a:tcPr>
+                    <a:lnL w="12700" cap="flat" cmpd="sng" algn="ctr">
+                      <a:solidFill>
+                        <a:prstClr val="white">
+                          <a:lumMod val="75000"/>
+                        </a:prstClr>
+                      </a:solidFill>
+                      <a:prstDash val="solid"/>
+                      <a:round/>
+                      <a:headEnd type="none" w="med" len="med"/>
+                      <a:tailEnd type="none" w="med" len="med"/>
+                    </a:lnL>
+                    <a:lnR w="12700" cap="flat" cmpd="sng" algn="ctr">
+                      <a:solidFill>
+                        <a:prstClr val="white">
+                          <a:lumMod val="75000"/>
+                        </a:prstClr>
+                      </a:solidFill>
+                      <a:prstDash val="solid"/>
+                      <a:round/>
+                      <a:headEnd type="none" w="med" len="med"/>
+                      <a:tailEnd type="none" w="med" len="med"/>
+                    </a:lnR>
+                    <a:lnT w="12700" cap="flat" cmpd="sng" algn="ctr">
+                      <a:solidFill>
+                        <a:prstClr val="white">
+                          <a:lumMod val="75000"/>
+                        </a:prstClr>
+                      </a:solidFill>
+                      <a:prstDash val="solid"/>
+                      <a:round/>
+                      <a:headEnd type="none" w="med" len="med"/>
+                      <a:tailEnd type="none" w="med" len="med"/>
+                    </a:lnT>
+                    <a:lnB w="12700" cap="flat" cmpd="sng" algn="ctr">
+                      <a:solidFill>
+                        <a:prstClr val="white">
+                          <a:lumMod val="75000"/>
+                        </a:prstClr>
+                      </a:solidFill>
+                      <a:prstDash val="solid"/>
+                      <a:round/>
+                      <a:headEnd type="none" w="med" len="med"/>
+                      <a:tailEnd type="none" w="med" len="med"/>
+                    </a:lnB>
+                    <a:solidFill>
+                      <a:schemeClr val="accent1">
+                        <a:lumMod val="40000"/>
+                        <a:lumOff val="60000"/>
+                      </a:schemeClr>
+                    </a:solidFill>
+                  </a:tcPr>
+                </a:tc>
+                <a:tc>
+                  <a:txBody>
+                    <a:bodyPr/>
+                    <a:lstStyle/>
+                    <a:p>
+                      <a:pPr algn="ctr"/>
+                      <a:r>
+                        <a:rPr kumimoji="1" lang="en-US" altLang="ja-JP" sz="1400" dirty="0" smtClean="0"/>
+                        <a:t>7</a:t>
+                      </a:r>
+                      <a:endParaRPr kumimoji="1" lang="ja-JP" altLang="en-US" sz="1400" dirty="0"/>
+                    </a:p>
+                  </a:txBody>
+                  <a:tcPr>
+                    <a:lnL w="12700" cap="flat" cmpd="sng" algn="ctr">
+                      <a:solidFill>
+                        <a:prstClr val="white">
+                          <a:lumMod val="75000"/>
+                        </a:prstClr>
+                      </a:solidFill>
+                      <a:prstDash val="solid"/>
+                      <a:round/>
+                      <a:headEnd type="none" w="med" len="med"/>
+                      <a:tailEnd type="none" w="med" len="med"/>
+                    </a:lnL>
+                    <a:lnR w="12700" cap="flat" cmpd="sng" algn="ctr">
+                      <a:solidFill>
+                        <a:prstClr val="white">
+                          <a:lumMod val="75000"/>
+                        </a:prstClr>
+                      </a:solidFill>
+                      <a:prstDash val="solid"/>
+                      <a:round/>
+                      <a:headEnd type="none" w="med" len="med"/>
+                      <a:tailEnd type="none" w="med" len="med"/>
+                    </a:lnR>
+                    <a:lnT w="12700" cap="flat" cmpd="sng" algn="ctr">
+                      <a:solidFill>
+                        <a:prstClr val="white">
+                          <a:lumMod val="75000"/>
+                        </a:prstClr>
+                      </a:solidFill>
+                      <a:prstDash val="solid"/>
+                      <a:round/>
+                      <a:headEnd type="none" w="med" len="med"/>
+                      <a:tailEnd type="none" w="med" len="med"/>
+                    </a:lnT>
+                    <a:lnB w="12700" cap="flat" cmpd="sng" algn="ctr">
+                      <a:solidFill>
+                        <a:prstClr val="white">
+                          <a:lumMod val="75000"/>
+                        </a:prstClr>
+                      </a:solidFill>
+                      <a:prstDash val="solid"/>
+                      <a:round/>
+                      <a:headEnd type="none" w="med" len="med"/>
+                      <a:tailEnd type="none" w="med" len="med"/>
+                    </a:lnB>
+                    <a:solidFill>
+                      <a:schemeClr val="accent3">
+                        <a:lumMod val="40000"/>
+                        <a:lumOff val="60000"/>
+                      </a:schemeClr>
+                    </a:solidFill>
+                  </a:tcPr>
+                </a:tc>
+                <a:tc>
+                  <a:txBody>
+                    <a:bodyPr/>
+                    <a:lstStyle/>
+                    <a:p>
+                      <a:pPr algn="ctr"/>
+                      <a:r>
+                        <a:rPr kumimoji="1" lang="en-US" altLang="ja-JP" sz="1400" dirty="0" smtClean="0"/>
+                        <a:t>12</a:t>
+                      </a:r>
+                      <a:endParaRPr kumimoji="1" lang="ja-JP" altLang="en-US" sz="1400" dirty="0"/>
+                    </a:p>
+                  </a:txBody>
+                  <a:tcPr>
+                    <a:lnL w="12700" cap="flat" cmpd="sng" algn="ctr">
+                      <a:solidFill>
+                        <a:prstClr val="white">
+                          <a:lumMod val="75000"/>
+                        </a:prstClr>
+                      </a:solidFill>
+                      <a:prstDash val="solid"/>
+                      <a:round/>
+                      <a:headEnd type="none" w="med" len="med"/>
+                      <a:tailEnd type="none" w="med" len="med"/>
+                    </a:lnL>
+                    <a:lnR w="12700" cap="flat" cmpd="sng" algn="ctr">
+                      <a:solidFill>
+                        <a:prstClr val="white">
+                          <a:lumMod val="75000"/>
+                        </a:prstClr>
+                      </a:solidFill>
+                      <a:prstDash val="solid"/>
+                      <a:round/>
+                      <a:headEnd type="none" w="med" len="med"/>
+                      <a:tailEnd type="none" w="med" len="med"/>
+                    </a:lnR>
+                    <a:lnT w="12700" cap="flat" cmpd="sng" algn="ctr">
+                      <a:solidFill>
+                        <a:prstClr val="white">
+                          <a:lumMod val="75000"/>
+                        </a:prstClr>
+                      </a:solidFill>
+                      <a:prstDash val="solid"/>
+                      <a:round/>
+                      <a:headEnd type="none" w="med" len="med"/>
+                      <a:tailEnd type="none" w="med" len="med"/>
+                    </a:lnT>
+                    <a:lnB w="12700" cap="flat" cmpd="sng" algn="ctr">
+                      <a:solidFill>
+                        <a:prstClr val="white">
+                          <a:lumMod val="75000"/>
+                        </a:prstClr>
+                      </a:solidFill>
+                      <a:prstDash val="solid"/>
+                      <a:round/>
+                      <a:headEnd type="none" w="med" len="med"/>
+                      <a:tailEnd type="none" w="med" len="med"/>
+                    </a:lnB>
+                    <a:solidFill>
+                      <a:schemeClr val="accent3">
+                        <a:lumMod val="40000"/>
+                        <a:lumOff val="60000"/>
+                      </a:schemeClr>
+                    </a:solidFill>
+                  </a:tcPr>
+                </a:tc>
+              </a:tr>
+              <a:tr h="374650">
+                <a:tc>
+                  <a:txBody>
+                    <a:bodyPr/>
+                    <a:lstStyle/>
+                    <a:p>
+                      <a:pPr algn="ctr"/>
+                      <a:r>
+                        <a:rPr kumimoji="1" lang="en-US" altLang="ja-JP" sz="1400" dirty="0" smtClean="0"/>
+                        <a:t>15</a:t>
+                      </a:r>
+                      <a:endParaRPr kumimoji="1" lang="ja-JP" altLang="en-US" sz="1400" dirty="0"/>
+                    </a:p>
+                  </a:txBody>
+                  <a:tcPr>
+                    <a:lnL w="12700" cap="flat" cmpd="sng" algn="ctr">
+                      <a:solidFill>
+                        <a:prstClr val="white">
+                          <a:lumMod val="75000"/>
+                        </a:prstClr>
+                      </a:solidFill>
+                      <a:prstDash val="solid"/>
+                      <a:round/>
+                      <a:headEnd type="none" w="med" len="med"/>
+                      <a:tailEnd type="none" w="med" len="med"/>
+                    </a:lnL>
+                    <a:lnR w="12700" cap="flat" cmpd="sng" algn="ctr">
+                      <a:solidFill>
+                        <a:prstClr val="white">
+                          <a:lumMod val="75000"/>
+                        </a:prstClr>
+                      </a:solidFill>
+                      <a:prstDash val="solid"/>
+                      <a:round/>
+                      <a:headEnd type="none" w="med" len="med"/>
+                      <a:tailEnd type="none" w="med" len="med"/>
+                    </a:lnR>
+                    <a:lnT w="12700" cap="flat" cmpd="sng" algn="ctr">
+                      <a:solidFill>
+                        <a:prstClr val="white">
+                          <a:lumMod val="75000"/>
+                        </a:prstClr>
+                      </a:solidFill>
+                      <a:prstDash val="solid"/>
+                      <a:round/>
+                      <a:headEnd type="none" w="med" len="med"/>
+                      <a:tailEnd type="none" w="med" len="med"/>
+                    </a:lnT>
+                    <a:lnB w="12700" cap="flat" cmpd="sng" algn="ctr">
+                      <a:solidFill>
+                        <a:prstClr val="white">
+                          <a:lumMod val="75000"/>
+                        </a:prstClr>
+                      </a:solidFill>
+                      <a:prstDash val="solid"/>
+                      <a:round/>
+                      <a:headEnd type="none" w="med" len="med"/>
+                      <a:tailEnd type="none" w="med" len="med"/>
+                    </a:lnB>
+                    <a:solidFill>
+                      <a:schemeClr val="accent2">
+                        <a:lumMod val="40000"/>
+                        <a:lumOff val="60000"/>
+                      </a:schemeClr>
+                    </a:solidFill>
+                  </a:tcPr>
+                </a:tc>
+                <a:tc>
+                  <a:txBody>
+                    <a:bodyPr/>
+                    <a:lstStyle/>
+                    <a:p>
+                      <a:pPr algn="ctr"/>
+                      <a:r>
+                        <a:rPr kumimoji="1" lang="en-US" altLang="ja-JP" sz="1400" dirty="0" smtClean="0"/>
+                        <a:t>13</a:t>
+                      </a:r>
+                      <a:endParaRPr kumimoji="1" lang="ja-JP" altLang="en-US" sz="1400" dirty="0"/>
+                    </a:p>
+                  </a:txBody>
+                  <a:tcPr>
+                    <a:lnL w="12700" cap="flat" cmpd="sng" algn="ctr">
+                      <a:solidFill>
+                        <a:prstClr val="white">
+                          <a:lumMod val="75000"/>
+                        </a:prstClr>
+                      </a:solidFill>
+                      <a:prstDash val="solid"/>
+                      <a:round/>
+                      <a:headEnd type="none" w="med" len="med"/>
+                      <a:tailEnd type="none" w="med" len="med"/>
+                    </a:lnL>
+                    <a:lnR w="12700" cap="flat" cmpd="sng" algn="ctr">
+                      <a:solidFill>
+                        <a:prstClr val="white">
+                          <a:lumMod val="75000"/>
+                        </a:prstClr>
+                      </a:solidFill>
+                      <a:prstDash val="solid"/>
+                      <a:round/>
+                      <a:headEnd type="none" w="med" len="med"/>
+                      <a:tailEnd type="none" w="med" len="med"/>
+                    </a:lnR>
+                    <a:lnT w="12700" cap="flat" cmpd="sng" algn="ctr">
+                      <a:solidFill>
+                        <a:prstClr val="white">
+                          <a:lumMod val="75000"/>
+                        </a:prstClr>
+                      </a:solidFill>
+                      <a:prstDash val="solid"/>
+                      <a:round/>
+                      <a:headEnd type="none" w="med" len="med"/>
+                      <a:tailEnd type="none" w="med" len="med"/>
+                    </a:lnT>
+                    <a:lnB w="12700" cap="flat" cmpd="sng" algn="ctr">
+                      <a:solidFill>
+                        <a:prstClr val="white">
+                          <a:lumMod val="75000"/>
+                        </a:prstClr>
+                      </a:solidFill>
+                      <a:prstDash val="solid"/>
+                      <a:round/>
+                      <a:headEnd type="none" w="med" len="med"/>
+                      <a:tailEnd type="none" w="med" len="med"/>
+                    </a:lnB>
+                    <a:solidFill>
+                      <a:schemeClr val="accent2">
+                        <a:lumMod val="40000"/>
+                        <a:lumOff val="60000"/>
+                      </a:schemeClr>
+                    </a:solidFill>
+                  </a:tcPr>
+                </a:tc>
+                <a:tc>
+                  <a:txBody>
+                    <a:bodyPr/>
+                    <a:lstStyle/>
+                    <a:p>
+                      <a:pPr algn="ctr"/>
+                      <a:r>
+                        <a:rPr kumimoji="1" lang="en-US" altLang="ja-JP" sz="1400" dirty="0" smtClean="0"/>
+                        <a:t>3</a:t>
+                      </a:r>
+                      <a:endParaRPr kumimoji="1" lang="ja-JP" altLang="en-US" sz="1400" dirty="0"/>
+                    </a:p>
+                  </a:txBody>
+                  <a:tcPr>
+                    <a:lnL w="12700" cap="flat" cmpd="sng" algn="ctr">
+                      <a:solidFill>
+                        <a:prstClr val="white">
+                          <a:lumMod val="75000"/>
+                        </a:prstClr>
+                      </a:solidFill>
+                      <a:prstDash val="solid"/>
+                      <a:round/>
+                      <a:headEnd type="none" w="med" len="med"/>
+                      <a:tailEnd type="none" w="med" len="med"/>
+                    </a:lnL>
+                    <a:lnR w="12700" cap="flat" cmpd="sng" algn="ctr">
+                      <a:solidFill>
+                        <a:prstClr val="white">
+                          <a:lumMod val="75000"/>
+                        </a:prstClr>
+                      </a:solidFill>
+                      <a:prstDash val="solid"/>
+                      <a:round/>
+                      <a:headEnd type="none" w="med" len="med"/>
+                      <a:tailEnd type="none" w="med" len="med"/>
+                    </a:lnR>
+                    <a:lnT w="12700" cap="flat" cmpd="sng" algn="ctr">
+                      <a:solidFill>
+                        <a:prstClr val="white">
+                          <a:lumMod val="75000"/>
+                        </a:prstClr>
+                      </a:solidFill>
+                      <a:prstDash val="solid"/>
+                      <a:round/>
+                      <a:headEnd type="none" w="med" len="med"/>
+                      <a:tailEnd type="none" w="med" len="med"/>
+                    </a:lnT>
+                    <a:lnB w="12700" cap="flat" cmpd="sng" algn="ctr">
+                      <a:solidFill>
+                        <a:prstClr val="white">
+                          <a:lumMod val="75000"/>
+                        </a:prstClr>
+                      </a:solidFill>
+                      <a:prstDash val="solid"/>
+                      <a:round/>
+                      <a:headEnd type="none" w="med" len="med"/>
+                      <a:tailEnd type="none" w="med" len="med"/>
+                    </a:lnB>
+                    <a:solidFill>
+                      <a:schemeClr val="accent6">
+                        <a:lumMod val="40000"/>
+                        <a:lumOff val="60000"/>
+                      </a:schemeClr>
+                    </a:solidFill>
+                  </a:tcPr>
+                </a:tc>
+                <a:tc>
+                  <a:txBody>
+                    <a:bodyPr/>
+                    <a:lstStyle/>
+                    <a:p>
+                      <a:pPr algn="ctr"/>
+                      <a:r>
+                        <a:rPr kumimoji="1" lang="en-US" altLang="ja-JP" sz="1400" dirty="0" smtClean="0"/>
+                        <a:t>10</a:t>
+                      </a:r>
+                      <a:endParaRPr kumimoji="1" lang="ja-JP" altLang="en-US" sz="1400" dirty="0"/>
+                    </a:p>
+                  </a:txBody>
+                  <a:tcPr>
+                    <a:lnL w="12700" cap="flat" cmpd="sng" algn="ctr">
+                      <a:solidFill>
+                        <a:prstClr val="white">
+                          <a:lumMod val="75000"/>
+                        </a:prstClr>
+                      </a:solidFill>
+                      <a:prstDash val="solid"/>
+                      <a:round/>
+                      <a:headEnd type="none" w="med" len="med"/>
+                      <a:tailEnd type="none" w="med" len="med"/>
+                    </a:lnL>
+                    <a:lnR w="12700" cap="flat" cmpd="sng" algn="ctr">
+                      <a:solidFill>
+                        <a:prstClr val="white">
+                          <a:lumMod val="75000"/>
+                        </a:prstClr>
+                      </a:solidFill>
+                      <a:prstDash val="solid"/>
+                      <a:round/>
+                      <a:headEnd type="none" w="med" len="med"/>
+                      <a:tailEnd type="none" w="med" len="med"/>
+                    </a:lnR>
+                    <a:lnT w="12700" cap="flat" cmpd="sng" algn="ctr">
+                      <a:solidFill>
+                        <a:prstClr val="white">
+                          <a:lumMod val="75000"/>
+                        </a:prstClr>
+                      </a:solidFill>
+                      <a:prstDash val="solid"/>
+                      <a:round/>
+                      <a:headEnd type="none" w="med" len="med"/>
+                      <a:tailEnd type="none" w="med" len="med"/>
+                    </a:lnT>
+                    <a:lnB w="12700" cap="flat" cmpd="sng" algn="ctr">
+                      <a:solidFill>
+                        <a:prstClr val="white">
+                          <a:lumMod val="75000"/>
+                        </a:prstClr>
+                      </a:solidFill>
+                      <a:prstDash val="solid"/>
+                      <a:round/>
+                      <a:headEnd type="none" w="med" len="med"/>
+                      <a:tailEnd type="none" w="med" len="med"/>
+                    </a:lnB>
+                    <a:solidFill>
+                      <a:schemeClr val="accent6">
+                        <a:lumMod val="40000"/>
+                        <a:lumOff val="60000"/>
+                      </a:schemeClr>
+                    </a:solidFill>
+                  </a:tcPr>
+                </a:tc>
+              </a:tr>
+              <a:tr h="374650">
+                <a:tc>
+                  <a:txBody>
+                    <a:bodyPr/>
+                    <a:lstStyle/>
+                    <a:p>
+                      <a:pPr algn="ctr"/>
+                      <a:r>
+                        <a:rPr kumimoji="1" lang="en-US" altLang="ja-JP" sz="1400" dirty="0" smtClean="0"/>
+                        <a:t>11</a:t>
+                      </a:r>
+                      <a:endParaRPr kumimoji="1" lang="ja-JP" altLang="en-US" sz="1400" dirty="0"/>
+                    </a:p>
+                  </a:txBody>
+                  <a:tcPr>
+                    <a:lnL w="12700" cap="flat" cmpd="sng" algn="ctr">
+                      <a:solidFill>
+                        <a:prstClr val="white">
+                          <a:lumMod val="75000"/>
+                        </a:prstClr>
+                      </a:solidFill>
+                      <a:prstDash val="solid"/>
+                      <a:round/>
+                      <a:headEnd type="none" w="med" len="med"/>
+                      <a:tailEnd type="none" w="med" len="med"/>
+                    </a:lnL>
+                    <a:lnR w="12700" cap="flat" cmpd="sng" algn="ctr">
+                      <a:solidFill>
+                        <a:prstClr val="white">
+                          <a:lumMod val="75000"/>
+                        </a:prstClr>
+                      </a:solidFill>
+                      <a:prstDash val="solid"/>
+                      <a:round/>
+                      <a:headEnd type="none" w="med" len="med"/>
+                      <a:tailEnd type="none" w="med" len="med"/>
+                    </a:lnR>
+                    <a:lnT w="12700" cap="flat" cmpd="sng" algn="ctr">
+                      <a:solidFill>
+                        <a:prstClr val="white">
+                          <a:lumMod val="75000"/>
+                        </a:prstClr>
+                      </a:solidFill>
+                      <a:prstDash val="solid"/>
+                      <a:round/>
+                      <a:headEnd type="none" w="med" len="med"/>
+                      <a:tailEnd type="none" w="med" len="med"/>
+                    </a:lnT>
+                    <a:lnB w="12700" cap="flat" cmpd="sng" algn="ctr">
+                      <a:solidFill>
+                        <a:prstClr val="white">
+                          <a:lumMod val="75000"/>
+                        </a:prstClr>
+                      </a:solidFill>
+                      <a:prstDash val="solid"/>
+                      <a:round/>
+                      <a:headEnd type="none" w="med" len="med"/>
+                      <a:tailEnd type="none" w="med" len="med"/>
+                    </a:lnB>
+                    <a:solidFill>
+                      <a:schemeClr val="accent2">
+                        <a:lumMod val="40000"/>
+                        <a:lumOff val="60000"/>
+                      </a:schemeClr>
+                    </a:solidFill>
+                  </a:tcPr>
+                </a:tc>
+                <a:tc>
+                  <a:txBody>
+                    <a:bodyPr/>
+                    <a:lstStyle/>
+                    <a:p>
+                      <a:pPr algn="ctr"/>
+                      <a:r>
+                        <a:rPr kumimoji="1" lang="en-US" altLang="ja-JP" sz="1400" dirty="0" smtClean="0"/>
+                        <a:t>2</a:t>
+                      </a:r>
+                      <a:endParaRPr kumimoji="1" lang="ja-JP" altLang="en-US" sz="1400" dirty="0"/>
+                    </a:p>
+                  </a:txBody>
+                  <a:tcPr>
+                    <a:lnL w="12700" cap="flat" cmpd="sng" algn="ctr">
+                      <a:solidFill>
+                        <a:prstClr val="white">
+                          <a:lumMod val="75000"/>
+                        </a:prstClr>
+                      </a:solidFill>
+                      <a:prstDash val="solid"/>
+                      <a:round/>
+                      <a:headEnd type="none" w="med" len="med"/>
+                      <a:tailEnd type="none" w="med" len="med"/>
+                    </a:lnL>
+                    <a:lnR w="12700" cap="flat" cmpd="sng" algn="ctr">
+                      <a:solidFill>
+                        <a:prstClr val="white">
+                          <a:lumMod val="75000"/>
+                        </a:prstClr>
+                      </a:solidFill>
+                      <a:prstDash val="solid"/>
+                      <a:round/>
+                      <a:headEnd type="none" w="med" len="med"/>
+                      <a:tailEnd type="none" w="med" len="med"/>
+                    </a:lnR>
+                    <a:lnT w="12700" cap="flat" cmpd="sng" algn="ctr">
+                      <a:solidFill>
+                        <a:prstClr val="white">
+                          <a:lumMod val="75000"/>
+                        </a:prstClr>
+                      </a:solidFill>
+                      <a:prstDash val="solid"/>
+                      <a:round/>
+                      <a:headEnd type="none" w="med" len="med"/>
+                      <a:tailEnd type="none" w="med" len="med"/>
+                    </a:lnT>
+                    <a:lnB w="12700" cap="flat" cmpd="sng" algn="ctr">
+                      <a:solidFill>
+                        <a:prstClr val="white">
+                          <a:lumMod val="75000"/>
+                        </a:prstClr>
+                      </a:solidFill>
+                      <a:prstDash val="solid"/>
+                      <a:round/>
+                      <a:headEnd type="none" w="med" len="med"/>
+                      <a:tailEnd type="none" w="med" len="med"/>
+                    </a:lnB>
+                    <a:solidFill>
+                      <a:schemeClr val="accent2">
+                        <a:lumMod val="40000"/>
+                        <a:lumOff val="60000"/>
+                      </a:schemeClr>
+                    </a:solidFill>
+                  </a:tcPr>
+                </a:tc>
+                <a:tc>
+                  <a:txBody>
+                    <a:bodyPr/>
+                    <a:lstStyle/>
+                    <a:p>
+                      <a:pPr algn="ctr"/>
+                      <a:r>
+                        <a:rPr kumimoji="1" lang="en-US" altLang="ja-JP" sz="1400" dirty="0" smtClean="0"/>
+                        <a:t>5</a:t>
+                      </a:r>
+                      <a:endParaRPr kumimoji="1" lang="ja-JP" altLang="en-US" sz="1400" dirty="0"/>
+                    </a:p>
+                  </a:txBody>
+                  <a:tcPr>
+                    <a:lnL w="12700" cap="flat" cmpd="sng" algn="ctr">
+                      <a:solidFill>
+                        <a:prstClr val="white">
+                          <a:lumMod val="75000"/>
+                        </a:prstClr>
+                      </a:solidFill>
+                      <a:prstDash val="solid"/>
+                      <a:round/>
+                      <a:headEnd type="none" w="med" len="med"/>
+                      <a:tailEnd type="none" w="med" len="med"/>
+                    </a:lnL>
+                    <a:lnR w="12700" cap="flat" cmpd="sng" algn="ctr">
+                      <a:solidFill>
+                        <a:prstClr val="white">
+                          <a:lumMod val="75000"/>
+                        </a:prstClr>
+                      </a:solidFill>
+                      <a:prstDash val="solid"/>
+                      <a:round/>
+                      <a:headEnd type="none" w="med" len="med"/>
+                      <a:tailEnd type="none" w="med" len="med"/>
+                    </a:lnR>
+                    <a:lnT w="12700" cap="flat" cmpd="sng" algn="ctr">
+                      <a:solidFill>
+                        <a:prstClr val="white">
+                          <a:lumMod val="75000"/>
+                        </a:prstClr>
+                      </a:solidFill>
+                      <a:prstDash val="solid"/>
+                      <a:round/>
+                      <a:headEnd type="none" w="med" len="med"/>
+                      <a:tailEnd type="none" w="med" len="med"/>
+                    </a:lnT>
+                    <a:lnB w="12700" cap="flat" cmpd="sng" algn="ctr">
+                      <a:solidFill>
+                        <a:prstClr val="white">
+                          <a:lumMod val="75000"/>
+                        </a:prstClr>
+                      </a:solidFill>
+                      <a:prstDash val="solid"/>
+                      <a:round/>
+                      <a:headEnd type="none" w="med" len="med"/>
+                      <a:tailEnd type="none" w="med" len="med"/>
+                    </a:lnB>
+                    <a:solidFill>
+                      <a:schemeClr val="accent6">
+                        <a:lumMod val="40000"/>
+                        <a:lumOff val="60000"/>
+                      </a:schemeClr>
+                    </a:solidFill>
+                  </a:tcPr>
+                </a:tc>
+                <a:tc>
+                  <a:txBody>
+                    <a:bodyPr/>
+                    <a:lstStyle/>
+                    <a:p>
+                      <a:pPr algn="ctr"/>
+                      <a:r>
+                        <a:rPr kumimoji="1" lang="en-US" altLang="ja-JP" sz="1400" dirty="0" smtClean="0"/>
+                        <a:t>8</a:t>
+                      </a:r>
+                      <a:endParaRPr kumimoji="1" lang="ja-JP" altLang="en-US" sz="1400" dirty="0"/>
+                    </a:p>
+                  </a:txBody>
+                  <a:tcPr>
+                    <a:lnL w="12700" cap="flat" cmpd="sng" algn="ctr">
+                      <a:solidFill>
+                        <a:prstClr val="white">
+                          <a:lumMod val="75000"/>
+                        </a:prstClr>
+                      </a:solidFill>
+                      <a:prstDash val="solid"/>
+                      <a:round/>
+                      <a:headEnd type="none" w="med" len="med"/>
+                      <a:tailEnd type="none" w="med" len="med"/>
+                    </a:lnL>
+                    <a:lnR w="12700" cap="flat" cmpd="sng" algn="ctr">
+                      <a:solidFill>
+                        <a:prstClr val="white">
+                          <a:lumMod val="75000"/>
+                        </a:prstClr>
+                      </a:solidFill>
+                      <a:prstDash val="solid"/>
+                      <a:round/>
+                      <a:headEnd type="none" w="med" len="med"/>
+                      <a:tailEnd type="none" w="med" len="med"/>
+                    </a:lnR>
+                    <a:lnT w="12700" cap="flat" cmpd="sng" algn="ctr">
+                      <a:solidFill>
+                        <a:prstClr val="white">
+                          <a:lumMod val="75000"/>
+                        </a:prstClr>
+                      </a:solidFill>
+                      <a:prstDash val="solid"/>
+                      <a:round/>
+                      <a:headEnd type="none" w="med" len="med"/>
+                      <a:tailEnd type="none" w="med" len="med"/>
+                    </a:lnT>
+                    <a:lnB w="12700" cap="flat" cmpd="sng" algn="ctr">
+                      <a:solidFill>
+                        <a:prstClr val="white">
+                          <a:lumMod val="75000"/>
+                        </a:prstClr>
+                      </a:solidFill>
+                      <a:prstDash val="solid"/>
+                      <a:round/>
+                      <a:headEnd type="none" w="med" len="med"/>
+                      <a:tailEnd type="none" w="med" len="med"/>
+                    </a:lnB>
+                    <a:solidFill>
+                      <a:schemeClr val="accent6">
+                        <a:lumMod val="40000"/>
+                        <a:lumOff val="60000"/>
+                      </a:schemeClr>
+                    </a:solidFill>
+                  </a:tcPr>
+                </a:tc>
+              </a:tr>
+            </a:tbl>
+          </a:graphicData>
+        </a:graphic>
+      </p:graphicFrame>
+      <p:graphicFrame>
+        <p:nvGraphicFramePr>
+          <p:cNvPr id="5" name="表 4"/>
+          <p:cNvGraphicFramePr>
+            <a:graphicFrameLocks noGrp="1"/>
+          </p:cNvGraphicFramePr>
+          <p:nvPr>
+            <p:extLst>
+              <p:ext uri="{D42A27DB-BD31-4B8C-83A1-F6EECF244321}">
+                <p14:modId xmlns:p14="http://schemas.microsoft.com/office/powerpoint/2010/main" val="3366235091"/>
+              </p:ext>
+            </p:extLst>
+          </p:nvPr>
+        </p:nvGraphicFramePr>
+        <p:xfrm>
+          <a:off x="4756150" y="1771650"/>
+          <a:ext cx="762000" cy="749300"/>
+        </p:xfrm>
+        <a:graphic>
+          <a:graphicData uri="http://schemas.openxmlformats.org/drawingml/2006/table">
+            <a:tbl>
+              <a:tblPr firstRow="1" bandRow="1">
+                <a:tableStyleId>{2D5ABB26-0587-4C30-8999-92F81FD0307C}</a:tableStyleId>
+              </a:tblPr>
+              <a:tblGrid>
+                <a:gridCol w="381000"/>
+                <a:gridCol w="381000"/>
+              </a:tblGrid>
+              <a:tr h="374650">
+                <a:tc>
+                  <a:txBody>
+                    <a:bodyPr/>
+                    <a:lstStyle/>
+                    <a:p>
+                      <a:pPr algn="ctr"/>
+                      <a:r>
+                        <a:rPr kumimoji="1" lang="en-US" altLang="ja-JP" sz="1400" dirty="0" smtClean="0"/>
+                        <a:t>16</a:t>
+                      </a:r>
+                      <a:endParaRPr kumimoji="1" lang="ja-JP" altLang="en-US" sz="1400" dirty="0"/>
+                    </a:p>
+                  </a:txBody>
+                  <a:tcPr>
+                    <a:lnL w="12700" cap="flat" cmpd="sng" algn="ctr">
+                      <a:solidFill>
+                        <a:prstClr val="white">
+                          <a:lumMod val="75000"/>
+                        </a:prstClr>
+                      </a:solidFill>
+                      <a:prstDash val="solid"/>
+                      <a:round/>
+                      <a:headEnd type="none" w="med" len="med"/>
+                      <a:tailEnd type="none" w="med" len="med"/>
+                    </a:lnL>
+                    <a:lnR w="12700" cap="flat" cmpd="sng" algn="ctr">
+                      <a:solidFill>
+                        <a:prstClr val="white">
+                          <a:lumMod val="75000"/>
+                        </a:prstClr>
+                      </a:solidFill>
+                      <a:prstDash val="solid"/>
+                      <a:round/>
+                      <a:headEnd type="none" w="med" len="med"/>
+                      <a:tailEnd type="none" w="med" len="med"/>
+                    </a:lnR>
+                    <a:lnT w="12700" cap="flat" cmpd="sng" algn="ctr">
+                      <a:solidFill>
+                        <a:prstClr val="white">
+                          <a:lumMod val="75000"/>
+                        </a:prstClr>
+                      </a:solidFill>
+                      <a:prstDash val="solid"/>
+                      <a:round/>
+                      <a:headEnd type="none" w="med" len="med"/>
+                      <a:tailEnd type="none" w="med" len="med"/>
+                    </a:lnT>
+                    <a:lnB w="12700" cap="flat" cmpd="sng" algn="ctr">
+                      <a:solidFill>
+                        <a:prstClr val="white">
+                          <a:lumMod val="75000"/>
+                        </a:prstClr>
+                      </a:solidFill>
+                      <a:prstDash val="solid"/>
+                      <a:round/>
+                      <a:headEnd type="none" w="med" len="med"/>
+                      <a:tailEnd type="none" w="med" len="med"/>
+                    </a:lnB>
+                    <a:solidFill>
+                      <a:srgbClr val="B9CDE5"/>
+                    </a:solidFill>
+                  </a:tcPr>
+                </a:tc>
+                <a:tc>
+                  <a:txBody>
+                    <a:bodyPr/>
+                    <a:lstStyle/>
+                    <a:p>
+                      <a:pPr algn="ctr"/>
+                      <a:r>
+                        <a:rPr kumimoji="1" lang="en-US" altLang="ja-JP" sz="1400" dirty="0" smtClean="0"/>
+                        <a:t>14</a:t>
+                      </a:r>
+                      <a:endParaRPr kumimoji="1" lang="ja-JP" altLang="en-US" sz="1400" dirty="0"/>
+                    </a:p>
+                  </a:txBody>
+                  <a:tcPr>
+                    <a:lnL w="12700" cap="flat" cmpd="sng" algn="ctr">
+                      <a:solidFill>
+                        <a:prstClr val="white">
+                          <a:lumMod val="75000"/>
+                        </a:prstClr>
+                      </a:solidFill>
+                      <a:prstDash val="solid"/>
+                      <a:round/>
+                      <a:headEnd type="none" w="med" len="med"/>
+                      <a:tailEnd type="none" w="med" len="med"/>
+                    </a:lnL>
+                    <a:lnR w="12700" cap="flat" cmpd="sng" algn="ctr">
+                      <a:solidFill>
+                        <a:prstClr val="white">
+                          <a:lumMod val="75000"/>
+                        </a:prstClr>
+                      </a:solidFill>
+                      <a:prstDash val="solid"/>
+                      <a:round/>
+                      <a:headEnd type="none" w="med" len="med"/>
+                      <a:tailEnd type="none" w="med" len="med"/>
+                    </a:lnR>
+                    <a:lnT w="12700" cap="flat" cmpd="sng" algn="ctr">
+                      <a:solidFill>
+                        <a:prstClr val="white">
+                          <a:lumMod val="75000"/>
+                        </a:prstClr>
+                      </a:solidFill>
+                      <a:prstDash val="solid"/>
+                      <a:round/>
+                      <a:headEnd type="none" w="med" len="med"/>
+                      <a:tailEnd type="none" w="med" len="med"/>
+                    </a:lnT>
+                    <a:lnB w="12700" cap="flat" cmpd="sng" algn="ctr">
+                      <a:solidFill>
+                        <a:prstClr val="white">
+                          <a:lumMod val="75000"/>
+                        </a:prstClr>
+                      </a:solidFill>
+                      <a:prstDash val="solid"/>
+                      <a:round/>
+                      <a:headEnd type="none" w="med" len="med"/>
+                      <a:tailEnd type="none" w="med" len="med"/>
+                    </a:lnB>
+                    <a:solidFill>
+                      <a:srgbClr val="D7E4BD"/>
+                    </a:solidFill>
+                  </a:tcPr>
+                </a:tc>
+              </a:tr>
+              <a:tr h="374650">
+                <a:tc>
+                  <a:txBody>
+                    <a:bodyPr/>
+                    <a:lstStyle/>
+                    <a:p>
+                      <a:pPr algn="ctr"/>
+                      <a:r>
+                        <a:rPr kumimoji="1" lang="en-US" altLang="ja-JP" sz="1400" dirty="0" smtClean="0"/>
+                        <a:t>15</a:t>
+                      </a:r>
+                      <a:endParaRPr kumimoji="1" lang="ja-JP" altLang="en-US" sz="1400" dirty="0"/>
+                    </a:p>
+                  </a:txBody>
+                  <a:tcPr>
+                    <a:lnL w="12700" cap="flat" cmpd="sng" algn="ctr">
+                      <a:solidFill>
+                        <a:prstClr val="white">
+                          <a:lumMod val="75000"/>
+                        </a:prstClr>
+                      </a:solidFill>
+                      <a:prstDash val="solid"/>
+                      <a:round/>
+                      <a:headEnd type="none" w="med" len="med"/>
+                      <a:tailEnd type="none" w="med" len="med"/>
+                    </a:lnL>
+                    <a:lnR w="12700" cap="flat" cmpd="sng" algn="ctr">
+                      <a:solidFill>
+                        <a:prstClr val="white">
+                          <a:lumMod val="75000"/>
+                        </a:prstClr>
+                      </a:solidFill>
+                      <a:prstDash val="solid"/>
+                      <a:round/>
+                      <a:headEnd type="none" w="med" len="med"/>
+                      <a:tailEnd type="none" w="med" len="med"/>
+                    </a:lnR>
+                    <a:lnT w="12700" cap="flat" cmpd="sng" algn="ctr">
+                      <a:solidFill>
+                        <a:prstClr val="white">
+                          <a:lumMod val="75000"/>
+                        </a:prstClr>
+                      </a:solidFill>
+                      <a:prstDash val="solid"/>
+                      <a:round/>
+                      <a:headEnd type="none" w="med" len="med"/>
+                      <a:tailEnd type="none" w="med" len="med"/>
+                    </a:lnT>
+                    <a:lnB w="12700" cap="flat" cmpd="sng" algn="ctr">
+                      <a:solidFill>
+                        <a:prstClr val="white">
+                          <a:lumMod val="75000"/>
+                        </a:prstClr>
+                      </a:solidFill>
+                      <a:prstDash val="solid"/>
+                      <a:round/>
+                      <a:headEnd type="none" w="med" len="med"/>
+                      <a:tailEnd type="none" w="med" len="med"/>
+                    </a:lnB>
+                    <a:solidFill>
+                      <a:srgbClr val="E6B9B8"/>
+                    </a:solidFill>
+                  </a:tcPr>
+                </a:tc>
+                <a:tc>
+                  <a:txBody>
+                    <a:bodyPr/>
+                    <a:lstStyle/>
+                    <a:p>
+                      <a:pPr algn="ctr"/>
+                      <a:r>
+                        <a:rPr kumimoji="1" lang="en-US" altLang="ja-JP" sz="1400" dirty="0" smtClean="0"/>
+                        <a:t>10</a:t>
+                      </a:r>
+                      <a:endParaRPr kumimoji="1" lang="ja-JP" altLang="en-US" sz="1400" dirty="0"/>
+                    </a:p>
+                  </a:txBody>
+                  <a:tcPr>
+                    <a:lnL w="12700" cap="flat" cmpd="sng" algn="ctr">
+                      <a:solidFill>
+                        <a:prstClr val="white">
+                          <a:lumMod val="75000"/>
+                        </a:prstClr>
+                      </a:solidFill>
+                      <a:prstDash val="solid"/>
+                      <a:round/>
+                      <a:headEnd type="none" w="med" len="med"/>
+                      <a:tailEnd type="none" w="med" len="med"/>
+                    </a:lnL>
+                    <a:lnR w="12700" cap="flat" cmpd="sng" algn="ctr">
+                      <a:solidFill>
+                        <a:prstClr val="white">
+                          <a:lumMod val="75000"/>
+                        </a:prstClr>
+                      </a:solidFill>
+                      <a:prstDash val="solid"/>
+                      <a:round/>
+                      <a:headEnd type="none" w="med" len="med"/>
+                      <a:tailEnd type="none" w="med" len="med"/>
+                    </a:lnR>
+                    <a:lnT w="12700" cap="flat" cmpd="sng" algn="ctr">
+                      <a:solidFill>
+                        <a:prstClr val="white">
+                          <a:lumMod val="75000"/>
+                        </a:prstClr>
+                      </a:solidFill>
+                      <a:prstDash val="solid"/>
+                      <a:round/>
+                      <a:headEnd type="none" w="med" len="med"/>
+                      <a:tailEnd type="none" w="med" len="med"/>
+                    </a:lnT>
+                    <a:lnB w="12700" cap="flat" cmpd="sng" algn="ctr">
+                      <a:solidFill>
+                        <a:prstClr val="white">
+                          <a:lumMod val="75000"/>
+                        </a:prstClr>
+                      </a:solidFill>
+                      <a:prstDash val="solid"/>
+                      <a:round/>
+                      <a:headEnd type="none" w="med" len="med"/>
+                      <a:tailEnd type="none" w="med" len="med"/>
+                    </a:lnB>
+                    <a:solidFill>
+                      <a:srgbClr val="FCD5B5"/>
+                    </a:solidFill>
+                  </a:tcPr>
+                </a:tc>
+              </a:tr>
+            </a:tbl>
+          </a:graphicData>
+        </a:graphic>
+      </p:graphicFrame>
+      <p:cxnSp>
+        <p:nvCxnSpPr>
+          <p:cNvPr id="11" name="直線コネクタ 10"/>
+          <p:cNvCxnSpPr/>
+          <p:nvPr/>
+        </p:nvCxnSpPr>
+        <p:spPr>
+          <a:xfrm flipV="1">
+            <a:off x="1905000" y="990600"/>
+            <a:ext cx="0" cy="406400"/>
+          </a:xfrm>
+          <a:prstGeom prst="line">
+            <a:avLst/>
+          </a:prstGeom>
+        </p:spPr>
+        <p:style>
+          <a:lnRef idx="3">
+            <a:schemeClr val="accent1"/>
+          </a:lnRef>
+          <a:fillRef idx="0">
+            <a:schemeClr val="accent1"/>
+          </a:fillRef>
+          <a:effectRef idx="2">
+            <a:schemeClr val="accent1"/>
+          </a:effectRef>
+          <a:fontRef idx="minor">
+            <a:schemeClr val="tx1"/>
+          </a:fontRef>
+        </p:style>
+      </p:cxnSp>
+      <p:cxnSp>
+        <p:nvCxnSpPr>
+          <p:cNvPr id="12" name="直線コネクタ 11"/>
+          <p:cNvCxnSpPr/>
+          <p:nvPr/>
+        </p:nvCxnSpPr>
+        <p:spPr>
+          <a:xfrm flipH="1">
+            <a:off x="1892300" y="990600"/>
+            <a:ext cx="3035300" cy="0"/>
+          </a:xfrm>
+          <a:prstGeom prst="line">
+            <a:avLst/>
+          </a:prstGeom>
+        </p:spPr>
+        <p:style>
+          <a:lnRef idx="3">
+            <a:schemeClr val="accent1"/>
+          </a:lnRef>
+          <a:fillRef idx="0">
+            <a:schemeClr val="accent1"/>
+          </a:fillRef>
+          <a:effectRef idx="2">
+            <a:schemeClr val="accent1"/>
+          </a:effectRef>
+          <a:fontRef idx="minor">
+            <a:schemeClr val="tx1"/>
+          </a:fontRef>
+        </p:style>
+      </p:cxnSp>
+      <p:cxnSp>
+        <p:nvCxnSpPr>
+          <p:cNvPr id="15" name="直線コネクタ 14"/>
+          <p:cNvCxnSpPr/>
+          <p:nvPr/>
+        </p:nvCxnSpPr>
+        <p:spPr>
+          <a:xfrm flipV="1">
+            <a:off x="4927600" y="977900"/>
+            <a:ext cx="0" cy="793750"/>
+          </a:xfrm>
+          <a:prstGeom prst="line">
+            <a:avLst/>
+          </a:prstGeom>
+          <a:ln>
+            <a:headEnd type="arrow"/>
+            <a:tailEnd type="none"/>
+          </a:ln>
+        </p:spPr>
+        <p:style>
+          <a:lnRef idx="3">
+            <a:schemeClr val="accent1"/>
+          </a:lnRef>
+          <a:fillRef idx="0">
+            <a:schemeClr val="accent1"/>
+          </a:fillRef>
+          <a:effectRef idx="2">
+            <a:schemeClr val="accent1"/>
+          </a:effectRef>
+          <a:fontRef idx="minor">
+            <a:schemeClr val="tx1"/>
+          </a:fontRef>
+        </p:style>
+      </p:cxnSp>
+      <p:cxnSp>
+        <p:nvCxnSpPr>
+          <p:cNvPr id="17" name="直線コネクタ 16"/>
+          <p:cNvCxnSpPr/>
+          <p:nvPr/>
+        </p:nvCxnSpPr>
+        <p:spPr>
+          <a:xfrm>
+            <a:off x="1917700" y="2895600"/>
+            <a:ext cx="0" cy="393700"/>
+          </a:xfrm>
+          <a:prstGeom prst="line">
+            <a:avLst/>
+          </a:prstGeom>
+        </p:spPr>
+        <p:style>
+          <a:lnRef idx="3">
+            <a:schemeClr val="accent2"/>
+          </a:lnRef>
+          <a:fillRef idx="0">
+            <a:schemeClr val="accent2"/>
+          </a:fillRef>
+          <a:effectRef idx="2">
+            <a:schemeClr val="accent2"/>
+          </a:effectRef>
+          <a:fontRef idx="minor">
+            <a:schemeClr val="tx1"/>
+          </a:fontRef>
+        </p:style>
+      </p:cxnSp>
+      <p:cxnSp>
+        <p:nvCxnSpPr>
+          <p:cNvPr id="18" name="直線コネクタ 17"/>
+          <p:cNvCxnSpPr/>
+          <p:nvPr/>
+        </p:nvCxnSpPr>
+        <p:spPr>
+          <a:xfrm flipH="1">
+            <a:off x="1905000" y="3289300"/>
+            <a:ext cx="3035300" cy="0"/>
+          </a:xfrm>
+          <a:prstGeom prst="line">
+            <a:avLst/>
+          </a:prstGeom>
+        </p:spPr>
+        <p:style>
+          <a:lnRef idx="3">
+            <a:schemeClr val="accent2"/>
+          </a:lnRef>
+          <a:fillRef idx="0">
+            <a:schemeClr val="accent2"/>
+          </a:fillRef>
+          <a:effectRef idx="2">
+            <a:schemeClr val="accent2"/>
+          </a:effectRef>
+          <a:fontRef idx="minor">
+            <a:schemeClr val="tx1"/>
+          </a:fontRef>
+        </p:style>
+      </p:cxnSp>
+      <p:cxnSp>
+        <p:nvCxnSpPr>
+          <p:cNvPr id="19" name="直線コネクタ 18"/>
+          <p:cNvCxnSpPr/>
+          <p:nvPr/>
+        </p:nvCxnSpPr>
+        <p:spPr>
+          <a:xfrm>
+            <a:off x="4940300" y="2533650"/>
+            <a:ext cx="0" cy="755650"/>
+          </a:xfrm>
+          <a:prstGeom prst="line">
+            <a:avLst/>
+          </a:prstGeom>
+          <a:ln>
+            <a:headEnd type="arrow"/>
+            <a:tailEnd type="none"/>
+          </a:ln>
+        </p:spPr>
+        <p:style>
+          <a:lnRef idx="3">
+            <a:schemeClr val="accent2"/>
+          </a:lnRef>
+          <a:fillRef idx="0">
+            <a:schemeClr val="accent2"/>
+          </a:fillRef>
+          <a:effectRef idx="2">
+            <a:schemeClr val="accent2"/>
+          </a:effectRef>
+          <a:fontRef idx="minor">
+            <a:schemeClr val="tx1"/>
+          </a:fontRef>
+        </p:style>
+      </p:cxnSp>
+      <p:cxnSp>
+        <p:nvCxnSpPr>
+          <p:cNvPr id="23" name="直線コネクタ 22"/>
+          <p:cNvCxnSpPr/>
+          <p:nvPr/>
+        </p:nvCxnSpPr>
+        <p:spPr>
+          <a:xfrm flipH="1">
+            <a:off x="3035300" y="2794000"/>
+            <a:ext cx="2298700" cy="0"/>
+          </a:xfrm>
+          <a:prstGeom prst="line">
+            <a:avLst/>
+          </a:prstGeom>
+        </p:spPr>
+        <p:style>
+          <a:lnRef idx="3">
+            <a:schemeClr val="accent6"/>
+          </a:lnRef>
+          <a:fillRef idx="0">
+            <a:schemeClr val="accent6"/>
+          </a:fillRef>
+          <a:effectRef idx="2">
+            <a:schemeClr val="accent6"/>
+          </a:effectRef>
+          <a:fontRef idx="minor">
+            <a:schemeClr val="tx1"/>
+          </a:fontRef>
+        </p:style>
+      </p:cxnSp>
+      <p:cxnSp>
+        <p:nvCxnSpPr>
+          <p:cNvPr id="25" name="直線コネクタ 24"/>
+          <p:cNvCxnSpPr/>
+          <p:nvPr/>
+        </p:nvCxnSpPr>
+        <p:spPr>
+          <a:xfrm>
+            <a:off x="5334000" y="2520950"/>
+            <a:ext cx="0" cy="273050"/>
+          </a:xfrm>
+          <a:prstGeom prst="line">
+            <a:avLst/>
+          </a:prstGeom>
+          <a:ln>
+            <a:headEnd type="arrow"/>
+            <a:tailEnd type="none"/>
+          </a:ln>
+        </p:spPr>
+        <p:style>
+          <a:lnRef idx="3">
+            <a:schemeClr val="accent6"/>
+          </a:lnRef>
+          <a:fillRef idx="0">
+            <a:schemeClr val="accent6"/>
+          </a:fillRef>
+          <a:effectRef idx="2">
+            <a:schemeClr val="accent6"/>
+          </a:effectRef>
+          <a:fontRef idx="minor">
+            <a:schemeClr val="tx1"/>
+          </a:fontRef>
+        </p:style>
+      </p:cxnSp>
+      <p:cxnSp>
+        <p:nvCxnSpPr>
+          <p:cNvPr id="27" name="直線コネクタ 26"/>
+          <p:cNvCxnSpPr/>
+          <p:nvPr/>
+        </p:nvCxnSpPr>
+        <p:spPr>
+          <a:xfrm flipH="1">
+            <a:off x="3035300" y="1498600"/>
+            <a:ext cx="2298700" cy="0"/>
+          </a:xfrm>
+          <a:prstGeom prst="line">
+            <a:avLst/>
+          </a:prstGeom>
+        </p:spPr>
+        <p:style>
+          <a:lnRef idx="3">
+            <a:schemeClr val="accent3"/>
+          </a:lnRef>
+          <a:fillRef idx="0">
+            <a:schemeClr val="accent3"/>
+          </a:fillRef>
+          <a:effectRef idx="2">
+            <a:schemeClr val="accent3"/>
+          </a:effectRef>
+          <a:fontRef idx="minor">
+            <a:schemeClr val="tx1"/>
+          </a:fontRef>
+        </p:style>
+      </p:cxnSp>
+      <p:cxnSp>
+        <p:nvCxnSpPr>
+          <p:cNvPr id="28" name="直線コネクタ 27"/>
+          <p:cNvCxnSpPr/>
+          <p:nvPr/>
+        </p:nvCxnSpPr>
+        <p:spPr>
+          <a:xfrm flipV="1">
+            <a:off x="5334000" y="1498600"/>
+            <a:ext cx="0" cy="273050"/>
+          </a:xfrm>
+          <a:prstGeom prst="line">
+            <a:avLst/>
+          </a:prstGeom>
+          <a:ln>
+            <a:headEnd type="arrow"/>
+            <a:tailEnd type="none"/>
+          </a:ln>
+        </p:spPr>
+        <p:style>
+          <a:lnRef idx="3">
+            <a:schemeClr val="accent3"/>
+          </a:lnRef>
+          <a:fillRef idx="0">
+            <a:schemeClr val="accent3"/>
+          </a:fillRef>
+          <a:effectRef idx="2">
+            <a:schemeClr val="accent3"/>
+          </a:effectRef>
+          <a:fontRef idx="minor">
+            <a:schemeClr val="tx1"/>
+          </a:fontRef>
+        </p:style>
+      </p:cxnSp>
+    </p:spTree>
+    <p:extLst>
+      <p:ext uri="{BB962C8B-B14F-4D97-AF65-F5344CB8AC3E}">
+        <p14:creationId xmlns:p14="http://schemas.microsoft.com/office/powerpoint/2010/main" val="3406892933"/>
       </p:ext>
     </p:extLst>
   </p:cSld>

--- a/articles/201608/dl1.pptx
+++ b/articles/201608/dl1.pptx
@@ -12,6 +12,7 @@
     <p:sldId id="261" r:id="rId6"/>
     <p:sldId id="260" r:id="rId7"/>
     <p:sldId id="262" r:id="rId8"/>
+    <p:sldId id="263" r:id="rId9"/>
   </p:sldIdLst>
   <p:sldSz cx="9144000" cy="6858000" type="screen4x3"/>
   <p:notesSz cx="6858000" cy="9144000"/>
@@ -294,7 +295,7 @@
           <a:p>
             <a:fld id="{8B8ED27F-574F-FC40-8672-D039C32B7ACF}" type="datetimeFigureOut">
               <a:rPr kumimoji="1" lang="ja-JP" altLang="en-US" smtClean="0"/>
-              <a:t>9/10/16</a:t>
+              <a:t>16/09/10</a:t>
             </a:fld>
             <a:endParaRPr kumimoji="1" lang="ja-JP" altLang="en-US"/>
           </a:p>
@@ -496,7 +497,7 @@
           <a:p>
             <a:fld id="{8B8ED27F-574F-FC40-8672-D039C32B7ACF}" type="datetimeFigureOut">
               <a:rPr kumimoji="1" lang="ja-JP" altLang="en-US" smtClean="0"/>
-              <a:t>9/10/16</a:t>
+              <a:t>16/09/10</a:t>
             </a:fld>
             <a:endParaRPr kumimoji="1" lang="ja-JP" altLang="en-US"/>
           </a:p>
@@ -708,7 +709,7 @@
           <a:p>
             <a:fld id="{8B8ED27F-574F-FC40-8672-D039C32B7ACF}" type="datetimeFigureOut">
               <a:rPr kumimoji="1" lang="ja-JP" altLang="en-US" smtClean="0"/>
-              <a:t>9/10/16</a:t>
+              <a:t>16/09/10</a:t>
             </a:fld>
             <a:endParaRPr kumimoji="1" lang="ja-JP" altLang="en-US"/>
           </a:p>
@@ -910,7 +911,7 @@
           <a:p>
             <a:fld id="{8B8ED27F-574F-FC40-8672-D039C32B7ACF}" type="datetimeFigureOut">
               <a:rPr kumimoji="1" lang="ja-JP" altLang="en-US" smtClean="0"/>
-              <a:t>9/10/16</a:t>
+              <a:t>16/09/10</a:t>
             </a:fld>
             <a:endParaRPr kumimoji="1" lang="ja-JP" altLang="en-US"/>
           </a:p>
@@ -1156,7 +1157,7 @@
           <a:p>
             <a:fld id="{8B8ED27F-574F-FC40-8672-D039C32B7ACF}" type="datetimeFigureOut">
               <a:rPr kumimoji="1" lang="ja-JP" altLang="en-US" smtClean="0"/>
-              <a:t>9/10/16</a:t>
+              <a:t>16/09/10</a:t>
             </a:fld>
             <a:endParaRPr kumimoji="1" lang="ja-JP" altLang="en-US"/>
           </a:p>
@@ -1508,7 +1509,7 @@
           <a:p>
             <a:fld id="{8B8ED27F-574F-FC40-8672-D039C32B7ACF}" type="datetimeFigureOut">
               <a:rPr kumimoji="1" lang="ja-JP" altLang="en-US" smtClean="0"/>
-              <a:t>9/10/16</a:t>
+              <a:t>16/09/10</a:t>
             </a:fld>
             <a:endParaRPr kumimoji="1" lang="ja-JP" altLang="en-US"/>
           </a:p>
@@ -1994,7 +1995,7 @@
           <a:p>
             <a:fld id="{8B8ED27F-574F-FC40-8672-D039C32B7ACF}" type="datetimeFigureOut">
               <a:rPr kumimoji="1" lang="ja-JP" altLang="en-US" smtClean="0"/>
-              <a:t>9/10/16</a:t>
+              <a:t>16/09/10</a:t>
             </a:fld>
             <a:endParaRPr kumimoji="1" lang="ja-JP" altLang="en-US"/>
           </a:p>
@@ -2112,7 +2113,7 @@
           <a:p>
             <a:fld id="{8B8ED27F-574F-FC40-8672-D039C32B7ACF}" type="datetimeFigureOut">
               <a:rPr kumimoji="1" lang="ja-JP" altLang="en-US" smtClean="0"/>
-              <a:t>9/10/16</a:t>
+              <a:t>16/09/10</a:t>
             </a:fld>
             <a:endParaRPr kumimoji="1" lang="ja-JP" altLang="en-US"/>
           </a:p>
@@ -2207,7 +2208,7 @@
           <a:p>
             <a:fld id="{8B8ED27F-574F-FC40-8672-D039C32B7ACF}" type="datetimeFigureOut">
               <a:rPr kumimoji="1" lang="ja-JP" altLang="en-US" smtClean="0"/>
-              <a:t>9/10/16</a:t>
+              <a:t>16/09/10</a:t>
             </a:fld>
             <a:endParaRPr kumimoji="1" lang="ja-JP" altLang="en-US"/>
           </a:p>
@@ -2516,7 +2517,7 @@
           <a:p>
             <a:fld id="{8B8ED27F-574F-FC40-8672-D039C32B7ACF}" type="datetimeFigureOut">
               <a:rPr kumimoji="1" lang="ja-JP" altLang="en-US" smtClean="0"/>
-              <a:t>9/10/16</a:t>
+              <a:t>16/09/10</a:t>
             </a:fld>
             <a:endParaRPr kumimoji="1" lang="ja-JP" altLang="en-US"/>
           </a:p>
@@ -2769,7 +2770,7 @@
           <a:p>
             <a:fld id="{8B8ED27F-574F-FC40-8672-D039C32B7ACF}" type="datetimeFigureOut">
               <a:rPr kumimoji="1" lang="ja-JP" altLang="en-US" smtClean="0"/>
-              <a:t>9/10/16</a:t>
+              <a:t>16/09/10</a:t>
             </a:fld>
             <a:endParaRPr kumimoji="1" lang="ja-JP" altLang="en-US"/>
           </a:p>
@@ -3014,7 +3015,7 @@
           <a:p>
             <a:fld id="{8B8ED27F-574F-FC40-8672-D039C32B7ACF}" type="datetimeFigureOut">
               <a:rPr kumimoji="1" lang="ja-JP" altLang="en-US" smtClean="0"/>
-              <a:t>9/10/16</a:t>
+              <a:t>16/09/10</a:t>
             </a:fld>
             <a:endParaRPr kumimoji="1" lang="ja-JP" altLang="en-US"/>
           </a:p>
@@ -13548,21 +13549,7 @@
                 <a:latin typeface="Seravek"/>
                 <a:cs typeface="Seravek"/>
               </a:rPr>
-              <a:t>(</a:t>
-            </a:r>
-            <a:r>
-              <a:rPr kumimoji="1" lang="en-US" altLang="ja-JP" sz="1200" dirty="0" smtClean="0">
-                <a:latin typeface="Seravek"/>
-                <a:cs typeface="Seravek"/>
-              </a:rPr>
-              <a:t>1</a:t>
-            </a:r>
-            <a:r>
-              <a:rPr kumimoji="1" lang="en-US" altLang="ja-JP" sz="1200" dirty="0" smtClean="0">
-                <a:latin typeface="Seravek"/>
-                <a:cs typeface="Seravek"/>
-              </a:rPr>
-              <a:t>) s</a:t>
+              <a:t>(1) s</a:t>
             </a:r>
             <a:r>
               <a:rPr kumimoji="1" lang="ja-JP" altLang="en-US" sz="1200" dirty="0" smtClean="0">
@@ -13853,21 +13840,7 @@
                 <a:latin typeface="Seravek"/>
                 <a:cs typeface="Seravek"/>
               </a:rPr>
-              <a:t>(</a:t>
-            </a:r>
-            <a:r>
-              <a:rPr kumimoji="1" lang="en-US" altLang="ja-JP" sz="1200" dirty="0" smtClean="0">
-                <a:latin typeface="Seravek"/>
-                <a:cs typeface="Seravek"/>
-              </a:rPr>
-              <a:t>1</a:t>
-            </a:r>
-            <a:r>
-              <a:rPr kumimoji="1" lang="en-US" altLang="ja-JP" sz="1200" dirty="0" smtClean="0">
-                <a:latin typeface="Seravek"/>
-                <a:cs typeface="Seravek"/>
-              </a:rPr>
-              <a:t>) s</a:t>
+              <a:t>(1) s</a:t>
             </a:r>
             <a:r>
               <a:rPr lang="ja-JP" altLang="en-US" sz="1200" dirty="0" smtClean="0">
@@ -17146,6 +17119,994 @@
     <p:extLst>
       <p:ext uri="{BB962C8B-B14F-4D97-AF65-F5344CB8AC3E}">
         <p14:creationId xmlns:p14="http://schemas.microsoft.com/office/powerpoint/2010/main" val="3406892933"/>
+      </p:ext>
+    </p:extLst>
+  </p:cSld>
+  <p:clrMapOvr>
+    <a:masterClrMapping/>
+  </p:clrMapOvr>
+</p:sld>
+</file>
+
+<file path=ppt/slides/slide8.xml><?xml version="1.0" encoding="utf-8"?>
+<p:sld xmlns:a="http://schemas.openxmlformats.org/drawingml/2006/main" xmlns:r="http://schemas.openxmlformats.org/officeDocument/2006/relationships" xmlns:p="http://schemas.openxmlformats.org/presentationml/2006/main">
+  <p:cSld>
+    <p:spTree>
+      <p:nvGrpSpPr>
+        <p:cNvPr id="1" name=""/>
+        <p:cNvGrpSpPr/>
+        <p:nvPr/>
+      </p:nvGrpSpPr>
+      <p:grpSpPr>
+        <a:xfrm>
+          <a:off x="0" y="0"/>
+          <a:ext cx="0" cy="0"/>
+          <a:chOff x="0" y="0"/>
+          <a:chExt cx="0" cy="0"/>
+        </a:xfrm>
+      </p:grpSpPr>
+      <p:graphicFrame>
+        <p:nvGraphicFramePr>
+          <p:cNvPr id="4" name="表 3"/>
+          <p:cNvGraphicFramePr>
+            <a:graphicFrameLocks noGrp="1"/>
+          </p:cNvGraphicFramePr>
+          <p:nvPr>
+            <p:extLst>
+              <p:ext uri="{D42A27DB-BD31-4B8C-83A1-F6EECF244321}">
+                <p14:modId xmlns:p14="http://schemas.microsoft.com/office/powerpoint/2010/main" val="232456786"/>
+              </p:ext>
+            </p:extLst>
+          </p:nvPr>
+        </p:nvGraphicFramePr>
+        <p:xfrm>
+          <a:off x="1165341" y="708450"/>
+          <a:ext cx="596900" cy="546100"/>
+        </p:xfrm>
+        <a:graphic>
+          <a:graphicData uri="http://schemas.openxmlformats.org/drawingml/2006/table">
+            <a:tbl>
+              <a:tblPr firstRow="1" bandRow="1">
+                <a:tableStyleId>{2D5ABB26-0587-4C30-8999-92F81FD0307C}</a:tableStyleId>
+              </a:tblPr>
+              <a:tblGrid>
+                <a:gridCol w="298450"/>
+                <a:gridCol w="298450"/>
+              </a:tblGrid>
+              <a:tr h="273050">
+                <a:tc>
+                  <a:txBody>
+                    <a:bodyPr/>
+                    <a:lstStyle/>
+                    <a:p>
+                      <a:pPr algn="ctr"/>
+                      <a:r>
+                        <a:rPr kumimoji="1" lang="en-US" altLang="ja-JP" sz="1100" b="0" i="0" dirty="0" smtClean="0">
+                          <a:latin typeface="Seravek"/>
+                          <a:cs typeface="Seravek"/>
+                        </a:rPr>
+                        <a:t>1</a:t>
+                      </a:r>
+                      <a:endParaRPr kumimoji="1" lang="ja-JP" altLang="en-US" sz="1100" b="0" i="0" dirty="0">
+                        <a:latin typeface="Seravek"/>
+                        <a:cs typeface="Seravek"/>
+                      </a:endParaRPr>
+                    </a:p>
+                  </a:txBody>
+                  <a:tcPr>
+                    <a:lnL w="6350" cap="flat" cmpd="sng" algn="ctr">
+                      <a:solidFill>
+                        <a:prstClr val="white">
+                          <a:lumMod val="75000"/>
+                        </a:prstClr>
+                      </a:solidFill>
+                      <a:prstDash val="solid"/>
+                      <a:round/>
+                      <a:headEnd type="none" w="med" len="med"/>
+                      <a:tailEnd type="none" w="med" len="med"/>
+                    </a:lnL>
+                    <a:lnR w="6350" cap="flat" cmpd="sng" algn="ctr">
+                      <a:solidFill>
+                        <a:prstClr val="white">
+                          <a:lumMod val="75000"/>
+                        </a:prstClr>
+                      </a:solidFill>
+                      <a:prstDash val="solid"/>
+                      <a:round/>
+                      <a:headEnd type="none" w="med" len="med"/>
+                      <a:tailEnd type="none" w="med" len="med"/>
+                    </a:lnR>
+                    <a:lnT w="6350" cap="flat" cmpd="sng" algn="ctr">
+                      <a:solidFill>
+                        <a:prstClr val="white">
+                          <a:lumMod val="75000"/>
+                        </a:prstClr>
+                      </a:solidFill>
+                      <a:prstDash val="solid"/>
+                      <a:round/>
+                      <a:headEnd type="none" w="med" len="med"/>
+                      <a:tailEnd type="none" w="med" len="med"/>
+                    </a:lnT>
+                    <a:lnB w="6350" cap="flat" cmpd="sng" algn="ctr">
+                      <a:solidFill>
+                        <a:prstClr val="white">
+                          <a:lumMod val="75000"/>
+                        </a:prstClr>
+                      </a:solidFill>
+                      <a:prstDash val="solid"/>
+                      <a:round/>
+                      <a:headEnd type="none" w="med" len="med"/>
+                      <a:tailEnd type="none" w="med" len="med"/>
+                    </a:lnB>
+                    <a:solidFill>
+                      <a:schemeClr val="tx2">
+                        <a:lumMod val="20000"/>
+                        <a:lumOff val="80000"/>
+                      </a:schemeClr>
+                    </a:solidFill>
+                  </a:tcPr>
+                </a:tc>
+                <a:tc>
+                  <a:txBody>
+                    <a:bodyPr/>
+                    <a:lstStyle/>
+                    <a:p>
+                      <a:pPr algn="ctr"/>
+                      <a:r>
+                        <a:rPr kumimoji="1" lang="en-US" altLang="ja-JP" sz="1100" b="0" i="0" dirty="0" smtClean="0">
+                          <a:latin typeface="Seravek"/>
+                          <a:cs typeface="Seravek"/>
+                        </a:rPr>
+                        <a:t>2</a:t>
+                      </a:r>
+                      <a:endParaRPr kumimoji="1" lang="ja-JP" altLang="en-US" sz="1100" b="0" i="0" dirty="0">
+                        <a:latin typeface="Seravek"/>
+                        <a:cs typeface="Seravek"/>
+                      </a:endParaRPr>
+                    </a:p>
+                  </a:txBody>
+                  <a:tcPr>
+                    <a:lnL w="6350" cap="flat" cmpd="sng" algn="ctr">
+                      <a:solidFill>
+                        <a:prstClr val="white">
+                          <a:lumMod val="75000"/>
+                        </a:prstClr>
+                      </a:solidFill>
+                      <a:prstDash val="solid"/>
+                      <a:round/>
+                      <a:headEnd type="none" w="med" len="med"/>
+                      <a:tailEnd type="none" w="med" len="med"/>
+                    </a:lnL>
+                    <a:lnR w="6350" cap="flat" cmpd="sng" algn="ctr">
+                      <a:solidFill>
+                        <a:prstClr val="white">
+                          <a:lumMod val="75000"/>
+                        </a:prstClr>
+                      </a:solidFill>
+                      <a:prstDash val="solid"/>
+                      <a:round/>
+                      <a:headEnd type="none" w="med" len="med"/>
+                      <a:tailEnd type="none" w="med" len="med"/>
+                    </a:lnR>
+                    <a:lnT w="6350" cap="flat" cmpd="sng" algn="ctr">
+                      <a:solidFill>
+                        <a:prstClr val="white">
+                          <a:lumMod val="75000"/>
+                        </a:prstClr>
+                      </a:solidFill>
+                      <a:prstDash val="solid"/>
+                      <a:round/>
+                      <a:headEnd type="none" w="med" len="med"/>
+                      <a:tailEnd type="none" w="med" len="med"/>
+                    </a:lnT>
+                    <a:lnB w="6350" cap="flat" cmpd="sng" algn="ctr">
+                      <a:solidFill>
+                        <a:prstClr val="white">
+                          <a:lumMod val="75000"/>
+                        </a:prstClr>
+                      </a:solidFill>
+                      <a:prstDash val="solid"/>
+                      <a:round/>
+                      <a:headEnd type="none" w="med" len="med"/>
+                      <a:tailEnd type="none" w="med" len="med"/>
+                    </a:lnB>
+                    <a:solidFill>
+                      <a:schemeClr val="tx2">
+                        <a:lumMod val="20000"/>
+                        <a:lumOff val="80000"/>
+                      </a:schemeClr>
+                    </a:solidFill>
+                  </a:tcPr>
+                </a:tc>
+              </a:tr>
+              <a:tr h="273050">
+                <a:tc>
+                  <a:txBody>
+                    <a:bodyPr/>
+                    <a:lstStyle/>
+                    <a:p>
+                      <a:pPr algn="ctr"/>
+                      <a:r>
+                        <a:rPr kumimoji="1" lang="en-US" altLang="ja-JP" sz="1100" b="0" i="0" dirty="0" smtClean="0">
+                          <a:solidFill>
+                            <a:schemeClr val="tx1"/>
+                          </a:solidFill>
+                          <a:latin typeface="Seravek"/>
+                          <a:cs typeface="Seravek"/>
+                        </a:rPr>
+                        <a:t>3</a:t>
+                      </a:r>
+                      <a:endParaRPr kumimoji="1" lang="ja-JP" altLang="en-US" sz="1100" b="0" i="0" dirty="0">
+                        <a:solidFill>
+                          <a:schemeClr val="tx1"/>
+                        </a:solidFill>
+                        <a:latin typeface="Seravek"/>
+                        <a:cs typeface="Seravek"/>
+                      </a:endParaRPr>
+                    </a:p>
+                  </a:txBody>
+                  <a:tcPr>
+                    <a:lnL w="6350" cap="flat" cmpd="sng" algn="ctr">
+                      <a:solidFill>
+                        <a:prstClr val="white">
+                          <a:lumMod val="75000"/>
+                        </a:prstClr>
+                      </a:solidFill>
+                      <a:prstDash val="solid"/>
+                      <a:round/>
+                      <a:headEnd type="none" w="med" len="med"/>
+                      <a:tailEnd type="none" w="med" len="med"/>
+                    </a:lnL>
+                    <a:lnR w="6350" cap="flat" cmpd="sng" algn="ctr">
+                      <a:solidFill>
+                        <a:prstClr val="white">
+                          <a:lumMod val="75000"/>
+                        </a:prstClr>
+                      </a:solidFill>
+                      <a:prstDash val="solid"/>
+                      <a:round/>
+                      <a:headEnd type="none" w="med" len="med"/>
+                      <a:tailEnd type="none" w="med" len="med"/>
+                    </a:lnR>
+                    <a:lnT w="6350" cap="flat" cmpd="sng" algn="ctr">
+                      <a:solidFill>
+                        <a:prstClr val="white">
+                          <a:lumMod val="75000"/>
+                        </a:prstClr>
+                      </a:solidFill>
+                      <a:prstDash val="solid"/>
+                      <a:round/>
+                      <a:headEnd type="none" w="med" len="med"/>
+                      <a:tailEnd type="none" w="med" len="med"/>
+                    </a:lnT>
+                    <a:lnB w="6350" cap="flat" cmpd="sng" algn="ctr">
+                      <a:solidFill>
+                        <a:prstClr val="white">
+                          <a:lumMod val="75000"/>
+                        </a:prstClr>
+                      </a:solidFill>
+                      <a:prstDash val="solid"/>
+                      <a:round/>
+                      <a:headEnd type="none" w="med" len="med"/>
+                      <a:tailEnd type="none" w="med" len="med"/>
+                    </a:lnB>
+                    <a:solidFill>
+                      <a:schemeClr val="tx2">
+                        <a:lumMod val="20000"/>
+                        <a:lumOff val="80000"/>
+                      </a:schemeClr>
+                    </a:solidFill>
+                  </a:tcPr>
+                </a:tc>
+                <a:tc>
+                  <a:txBody>
+                    <a:bodyPr/>
+                    <a:lstStyle/>
+                    <a:p>
+                      <a:pPr algn="ctr"/>
+                      <a:r>
+                        <a:rPr kumimoji="1" lang="en-US" altLang="ja-JP" sz="1100" b="0" i="0" dirty="0" smtClean="0">
+                          <a:solidFill>
+                            <a:srgbClr val="000000"/>
+                          </a:solidFill>
+                          <a:latin typeface="Seravek"/>
+                          <a:cs typeface="Seravek"/>
+                        </a:rPr>
+                        <a:t>4</a:t>
+                      </a:r>
+                      <a:endParaRPr kumimoji="1" lang="ja-JP" altLang="en-US" sz="1100" b="0" i="0" dirty="0">
+                        <a:solidFill>
+                          <a:srgbClr val="000000"/>
+                        </a:solidFill>
+                        <a:latin typeface="Seravek"/>
+                        <a:cs typeface="Seravek"/>
+                      </a:endParaRPr>
+                    </a:p>
+                  </a:txBody>
+                  <a:tcPr>
+                    <a:lnL w="6350" cap="flat" cmpd="sng" algn="ctr">
+                      <a:solidFill>
+                        <a:prstClr val="white">
+                          <a:lumMod val="75000"/>
+                        </a:prstClr>
+                      </a:solidFill>
+                      <a:prstDash val="solid"/>
+                      <a:round/>
+                      <a:headEnd type="none" w="med" len="med"/>
+                      <a:tailEnd type="none" w="med" len="med"/>
+                    </a:lnL>
+                    <a:lnR w="6350" cap="flat" cmpd="sng" algn="ctr">
+                      <a:solidFill>
+                        <a:prstClr val="white">
+                          <a:lumMod val="75000"/>
+                        </a:prstClr>
+                      </a:solidFill>
+                      <a:prstDash val="solid"/>
+                      <a:round/>
+                      <a:headEnd type="none" w="med" len="med"/>
+                      <a:tailEnd type="none" w="med" len="med"/>
+                    </a:lnR>
+                    <a:lnT w="6350" cap="flat" cmpd="sng" algn="ctr">
+                      <a:solidFill>
+                        <a:prstClr val="white">
+                          <a:lumMod val="75000"/>
+                        </a:prstClr>
+                      </a:solidFill>
+                      <a:prstDash val="solid"/>
+                      <a:round/>
+                      <a:headEnd type="none" w="med" len="med"/>
+                      <a:tailEnd type="none" w="med" len="med"/>
+                    </a:lnT>
+                    <a:lnB w="6350" cap="flat" cmpd="sng" algn="ctr">
+                      <a:solidFill>
+                        <a:prstClr val="white">
+                          <a:lumMod val="75000"/>
+                        </a:prstClr>
+                      </a:solidFill>
+                      <a:prstDash val="solid"/>
+                      <a:round/>
+                      <a:headEnd type="none" w="med" len="med"/>
+                      <a:tailEnd type="none" w="med" len="med"/>
+                    </a:lnB>
+                    <a:solidFill>
+                      <a:schemeClr val="tx2">
+                        <a:lumMod val="20000"/>
+                        <a:lumOff val="80000"/>
+                      </a:schemeClr>
+                    </a:solidFill>
+                  </a:tcPr>
+                </a:tc>
+              </a:tr>
+            </a:tbl>
+          </a:graphicData>
+        </a:graphic>
+      </p:graphicFrame>
+      <p:graphicFrame>
+        <p:nvGraphicFramePr>
+          <p:cNvPr id="5" name="表 4"/>
+          <p:cNvGraphicFramePr>
+            <a:graphicFrameLocks noGrp="1"/>
+          </p:cNvGraphicFramePr>
+          <p:nvPr>
+            <p:extLst>
+              <p:ext uri="{D42A27DB-BD31-4B8C-83A1-F6EECF244321}">
+                <p14:modId xmlns:p14="http://schemas.microsoft.com/office/powerpoint/2010/main" val="601115929"/>
+              </p:ext>
+            </p:extLst>
+          </p:nvPr>
+        </p:nvGraphicFramePr>
+        <p:xfrm>
+          <a:off x="1463791" y="1325247"/>
+          <a:ext cx="596900" cy="546100"/>
+        </p:xfrm>
+        <a:graphic>
+          <a:graphicData uri="http://schemas.openxmlformats.org/drawingml/2006/table">
+            <a:tbl>
+              <a:tblPr firstRow="1" bandRow="1">
+                <a:tableStyleId>{2D5ABB26-0587-4C30-8999-92F81FD0307C}</a:tableStyleId>
+              </a:tblPr>
+              <a:tblGrid>
+                <a:gridCol w="298450"/>
+                <a:gridCol w="298450"/>
+              </a:tblGrid>
+              <a:tr h="273050">
+                <a:tc>
+                  <a:txBody>
+                    <a:bodyPr/>
+                    <a:lstStyle/>
+                    <a:p>
+                      <a:pPr algn="ctr"/>
+                      <a:r>
+                        <a:rPr kumimoji="1" lang="en-US" altLang="ja-JP" sz="1100" b="0" i="0" dirty="0" smtClean="0">
+                          <a:latin typeface="Seravek"/>
+                          <a:cs typeface="Seravek"/>
+                        </a:rPr>
+                        <a:t>5</a:t>
+                      </a:r>
+                      <a:endParaRPr kumimoji="1" lang="ja-JP" altLang="en-US" sz="1100" b="0" i="0" dirty="0">
+                        <a:latin typeface="Seravek"/>
+                        <a:cs typeface="Seravek"/>
+                      </a:endParaRPr>
+                    </a:p>
+                  </a:txBody>
+                  <a:tcPr>
+                    <a:lnL w="6350" cap="flat" cmpd="sng" algn="ctr">
+                      <a:solidFill>
+                        <a:prstClr val="white">
+                          <a:lumMod val="75000"/>
+                        </a:prstClr>
+                      </a:solidFill>
+                      <a:prstDash val="solid"/>
+                      <a:round/>
+                      <a:headEnd type="none" w="med" len="med"/>
+                      <a:tailEnd type="none" w="med" len="med"/>
+                    </a:lnL>
+                    <a:lnR w="6350" cap="flat" cmpd="sng" algn="ctr">
+                      <a:solidFill>
+                        <a:prstClr val="white">
+                          <a:lumMod val="75000"/>
+                        </a:prstClr>
+                      </a:solidFill>
+                      <a:prstDash val="solid"/>
+                      <a:round/>
+                      <a:headEnd type="none" w="med" len="med"/>
+                      <a:tailEnd type="none" w="med" len="med"/>
+                    </a:lnR>
+                    <a:lnT w="6350" cap="flat" cmpd="sng" algn="ctr">
+                      <a:solidFill>
+                        <a:prstClr val="white">
+                          <a:lumMod val="75000"/>
+                        </a:prstClr>
+                      </a:solidFill>
+                      <a:prstDash val="solid"/>
+                      <a:round/>
+                      <a:headEnd type="none" w="med" len="med"/>
+                      <a:tailEnd type="none" w="med" len="med"/>
+                    </a:lnT>
+                    <a:lnB w="6350" cap="flat" cmpd="sng" algn="ctr">
+                      <a:solidFill>
+                        <a:prstClr val="white">
+                          <a:lumMod val="75000"/>
+                        </a:prstClr>
+                      </a:solidFill>
+                      <a:prstDash val="solid"/>
+                      <a:round/>
+                      <a:headEnd type="none" w="med" len="med"/>
+                      <a:tailEnd type="none" w="med" len="med"/>
+                    </a:lnB>
+                    <a:solidFill>
+                      <a:schemeClr val="accent2">
+                        <a:lumMod val="20000"/>
+                        <a:lumOff val="80000"/>
+                      </a:schemeClr>
+                    </a:solidFill>
+                  </a:tcPr>
+                </a:tc>
+                <a:tc>
+                  <a:txBody>
+                    <a:bodyPr/>
+                    <a:lstStyle/>
+                    <a:p>
+                      <a:pPr algn="ctr"/>
+                      <a:r>
+                        <a:rPr kumimoji="1" lang="en-US" altLang="ja-JP" sz="1100" b="0" i="0" dirty="0" smtClean="0">
+                          <a:latin typeface="Seravek"/>
+                          <a:cs typeface="Seravek"/>
+                        </a:rPr>
+                        <a:t>6</a:t>
+                      </a:r>
+                      <a:endParaRPr kumimoji="1" lang="ja-JP" altLang="en-US" sz="1100" b="0" i="0" dirty="0">
+                        <a:latin typeface="Seravek"/>
+                        <a:cs typeface="Seravek"/>
+                      </a:endParaRPr>
+                    </a:p>
+                  </a:txBody>
+                  <a:tcPr>
+                    <a:lnL w="6350" cap="flat" cmpd="sng" algn="ctr">
+                      <a:solidFill>
+                        <a:prstClr val="white">
+                          <a:lumMod val="75000"/>
+                        </a:prstClr>
+                      </a:solidFill>
+                      <a:prstDash val="solid"/>
+                      <a:round/>
+                      <a:headEnd type="none" w="med" len="med"/>
+                      <a:tailEnd type="none" w="med" len="med"/>
+                    </a:lnL>
+                    <a:lnR w="6350" cap="flat" cmpd="sng" algn="ctr">
+                      <a:solidFill>
+                        <a:prstClr val="white">
+                          <a:lumMod val="75000"/>
+                        </a:prstClr>
+                      </a:solidFill>
+                      <a:prstDash val="solid"/>
+                      <a:round/>
+                      <a:headEnd type="none" w="med" len="med"/>
+                      <a:tailEnd type="none" w="med" len="med"/>
+                    </a:lnR>
+                    <a:lnT w="6350" cap="flat" cmpd="sng" algn="ctr">
+                      <a:solidFill>
+                        <a:prstClr val="white">
+                          <a:lumMod val="75000"/>
+                        </a:prstClr>
+                      </a:solidFill>
+                      <a:prstDash val="solid"/>
+                      <a:round/>
+                      <a:headEnd type="none" w="med" len="med"/>
+                      <a:tailEnd type="none" w="med" len="med"/>
+                    </a:lnT>
+                    <a:lnB w="6350" cap="flat" cmpd="sng" algn="ctr">
+                      <a:solidFill>
+                        <a:prstClr val="white">
+                          <a:lumMod val="75000"/>
+                        </a:prstClr>
+                      </a:solidFill>
+                      <a:prstDash val="solid"/>
+                      <a:round/>
+                      <a:headEnd type="none" w="med" len="med"/>
+                      <a:tailEnd type="none" w="med" len="med"/>
+                    </a:lnB>
+                    <a:solidFill>
+                      <a:schemeClr val="accent2">
+                        <a:lumMod val="20000"/>
+                        <a:lumOff val="80000"/>
+                      </a:schemeClr>
+                    </a:solidFill>
+                  </a:tcPr>
+                </a:tc>
+              </a:tr>
+              <a:tr h="273050">
+                <a:tc>
+                  <a:txBody>
+                    <a:bodyPr/>
+                    <a:lstStyle/>
+                    <a:p>
+                      <a:pPr algn="ctr"/>
+                      <a:r>
+                        <a:rPr kumimoji="1" lang="en-US" altLang="ja-JP" sz="1100" b="0" i="0" dirty="0" smtClean="0">
+                          <a:solidFill>
+                            <a:schemeClr val="tx1"/>
+                          </a:solidFill>
+                          <a:latin typeface="Seravek"/>
+                          <a:cs typeface="Seravek"/>
+                        </a:rPr>
+                        <a:t>7</a:t>
+                      </a:r>
+                      <a:endParaRPr kumimoji="1" lang="ja-JP" altLang="en-US" sz="1100" b="0" i="0" dirty="0">
+                        <a:solidFill>
+                          <a:schemeClr val="tx1"/>
+                        </a:solidFill>
+                        <a:latin typeface="Seravek"/>
+                        <a:cs typeface="Seravek"/>
+                      </a:endParaRPr>
+                    </a:p>
+                  </a:txBody>
+                  <a:tcPr>
+                    <a:lnL w="6350" cap="flat" cmpd="sng" algn="ctr">
+                      <a:solidFill>
+                        <a:prstClr val="white">
+                          <a:lumMod val="75000"/>
+                        </a:prstClr>
+                      </a:solidFill>
+                      <a:prstDash val="solid"/>
+                      <a:round/>
+                      <a:headEnd type="none" w="med" len="med"/>
+                      <a:tailEnd type="none" w="med" len="med"/>
+                    </a:lnL>
+                    <a:lnR w="6350" cap="flat" cmpd="sng" algn="ctr">
+                      <a:solidFill>
+                        <a:prstClr val="white">
+                          <a:lumMod val="75000"/>
+                        </a:prstClr>
+                      </a:solidFill>
+                      <a:prstDash val="solid"/>
+                      <a:round/>
+                      <a:headEnd type="none" w="med" len="med"/>
+                      <a:tailEnd type="none" w="med" len="med"/>
+                    </a:lnR>
+                    <a:lnT w="6350" cap="flat" cmpd="sng" algn="ctr">
+                      <a:solidFill>
+                        <a:prstClr val="white">
+                          <a:lumMod val="75000"/>
+                        </a:prstClr>
+                      </a:solidFill>
+                      <a:prstDash val="solid"/>
+                      <a:round/>
+                      <a:headEnd type="none" w="med" len="med"/>
+                      <a:tailEnd type="none" w="med" len="med"/>
+                    </a:lnT>
+                    <a:lnB w="6350" cap="flat" cmpd="sng" algn="ctr">
+                      <a:solidFill>
+                        <a:prstClr val="white">
+                          <a:lumMod val="75000"/>
+                        </a:prstClr>
+                      </a:solidFill>
+                      <a:prstDash val="solid"/>
+                      <a:round/>
+                      <a:headEnd type="none" w="med" len="med"/>
+                      <a:tailEnd type="none" w="med" len="med"/>
+                    </a:lnB>
+                    <a:solidFill>
+                      <a:schemeClr val="accent2">
+                        <a:lumMod val="20000"/>
+                        <a:lumOff val="80000"/>
+                      </a:schemeClr>
+                    </a:solidFill>
+                  </a:tcPr>
+                </a:tc>
+                <a:tc>
+                  <a:txBody>
+                    <a:bodyPr/>
+                    <a:lstStyle/>
+                    <a:p>
+                      <a:pPr algn="ctr"/>
+                      <a:r>
+                        <a:rPr kumimoji="1" lang="en-US" altLang="ja-JP" sz="1100" b="0" i="0" dirty="0" smtClean="0">
+                          <a:solidFill>
+                            <a:srgbClr val="000000"/>
+                          </a:solidFill>
+                          <a:latin typeface="Seravek"/>
+                          <a:cs typeface="Seravek"/>
+                        </a:rPr>
+                        <a:t>8</a:t>
+                      </a:r>
+                      <a:endParaRPr kumimoji="1" lang="ja-JP" altLang="en-US" sz="1100" b="0" i="0" dirty="0">
+                        <a:solidFill>
+                          <a:srgbClr val="000000"/>
+                        </a:solidFill>
+                        <a:latin typeface="Seravek"/>
+                        <a:cs typeface="Seravek"/>
+                      </a:endParaRPr>
+                    </a:p>
+                  </a:txBody>
+                  <a:tcPr>
+                    <a:lnL w="6350" cap="flat" cmpd="sng" algn="ctr">
+                      <a:solidFill>
+                        <a:prstClr val="white">
+                          <a:lumMod val="75000"/>
+                        </a:prstClr>
+                      </a:solidFill>
+                      <a:prstDash val="solid"/>
+                      <a:round/>
+                      <a:headEnd type="none" w="med" len="med"/>
+                      <a:tailEnd type="none" w="med" len="med"/>
+                    </a:lnL>
+                    <a:lnR w="6350" cap="flat" cmpd="sng" algn="ctr">
+                      <a:solidFill>
+                        <a:prstClr val="white">
+                          <a:lumMod val="75000"/>
+                        </a:prstClr>
+                      </a:solidFill>
+                      <a:prstDash val="solid"/>
+                      <a:round/>
+                      <a:headEnd type="none" w="med" len="med"/>
+                      <a:tailEnd type="none" w="med" len="med"/>
+                    </a:lnR>
+                    <a:lnT w="6350" cap="flat" cmpd="sng" algn="ctr">
+                      <a:solidFill>
+                        <a:prstClr val="white">
+                          <a:lumMod val="75000"/>
+                        </a:prstClr>
+                      </a:solidFill>
+                      <a:prstDash val="solid"/>
+                      <a:round/>
+                      <a:headEnd type="none" w="med" len="med"/>
+                      <a:tailEnd type="none" w="med" len="med"/>
+                    </a:lnT>
+                    <a:lnB w="6350" cap="flat" cmpd="sng" algn="ctr">
+                      <a:solidFill>
+                        <a:prstClr val="white">
+                          <a:lumMod val="75000"/>
+                        </a:prstClr>
+                      </a:solidFill>
+                      <a:prstDash val="solid"/>
+                      <a:round/>
+                      <a:headEnd type="none" w="med" len="med"/>
+                      <a:tailEnd type="none" w="med" len="med"/>
+                    </a:lnB>
+                    <a:solidFill>
+                      <a:schemeClr val="accent2">
+                        <a:lumMod val="20000"/>
+                        <a:lumOff val="80000"/>
+                      </a:schemeClr>
+                    </a:solidFill>
+                  </a:tcPr>
+                </a:tc>
+              </a:tr>
+            </a:tbl>
+          </a:graphicData>
+        </a:graphic>
+      </p:graphicFrame>
+      <p:sp>
+        <p:nvSpPr>
+          <p:cNvPr id="6" name="テキスト ボックス 5"/>
+          <p:cNvSpPr txBox="1"/>
+          <p:nvPr/>
+        </p:nvSpPr>
+        <p:spPr>
+          <a:xfrm>
+            <a:off x="643969" y="832348"/>
+            <a:ext cx="460357" cy="276999"/>
+          </a:xfrm>
+          <a:prstGeom prst="rect">
+            <a:avLst/>
+          </a:prstGeom>
+          <a:noFill/>
+        </p:spPr>
+        <p:txBody>
+          <a:bodyPr wrap="none" rtlCol="0">
+            <a:spAutoFit/>
+          </a:bodyPr>
+          <a:lstStyle/>
+          <a:p>
+            <a:r>
+              <a:rPr kumimoji="1" lang="en-US" altLang="ja-JP" sz="1200" dirty="0" err="1" smtClean="0"/>
+              <a:t>Ch</a:t>
+            </a:r>
+            <a:r>
+              <a:rPr kumimoji="1" lang="en-US" altLang="ja-JP" sz="1200" dirty="0" smtClean="0"/>
+              <a:t> 1</a:t>
+            </a:r>
+            <a:endParaRPr kumimoji="1" lang="ja-JP" altLang="en-US" sz="1200" dirty="0"/>
+          </a:p>
+        </p:txBody>
+      </p:sp>
+      <p:sp>
+        <p:nvSpPr>
+          <p:cNvPr id="7" name="テキスト ボックス 6"/>
+          <p:cNvSpPr txBox="1"/>
+          <p:nvPr/>
+        </p:nvSpPr>
+        <p:spPr>
+          <a:xfrm>
+            <a:off x="935162" y="1477295"/>
+            <a:ext cx="460357" cy="276999"/>
+          </a:xfrm>
+          <a:prstGeom prst="rect">
+            <a:avLst/>
+          </a:prstGeom>
+          <a:noFill/>
+        </p:spPr>
+        <p:txBody>
+          <a:bodyPr wrap="none" rtlCol="0">
+            <a:spAutoFit/>
+          </a:bodyPr>
+          <a:lstStyle/>
+          <a:p>
+            <a:r>
+              <a:rPr kumimoji="1" lang="en-US" altLang="ja-JP" sz="1200" dirty="0" err="1" smtClean="0"/>
+              <a:t>Ch</a:t>
+            </a:r>
+            <a:r>
+              <a:rPr kumimoji="1" lang="en-US" altLang="ja-JP" sz="1200" dirty="0" smtClean="0"/>
+              <a:t> 2</a:t>
+            </a:r>
+            <a:endParaRPr kumimoji="1" lang="ja-JP" altLang="en-US" sz="1200" dirty="0"/>
+          </a:p>
+        </p:txBody>
+      </p:sp>
+      <p:sp>
+        <p:nvSpPr>
+          <p:cNvPr id="8" name="テキスト ボックス 7"/>
+          <p:cNvSpPr txBox="1"/>
+          <p:nvPr/>
+        </p:nvSpPr>
+        <p:spPr>
+          <a:xfrm>
+            <a:off x="3145869" y="1123247"/>
+            <a:ext cx="1409310" cy="276999"/>
+          </a:xfrm>
+          <a:prstGeom prst="rect">
+            <a:avLst/>
+          </a:prstGeom>
+          <a:noFill/>
+        </p:spPr>
+        <p:txBody>
+          <a:bodyPr wrap="none" rtlCol="0">
+            <a:spAutoFit/>
+          </a:bodyPr>
+          <a:lstStyle/>
+          <a:p>
+            <a:r>
+              <a:rPr kumimoji="1" lang="en-US" altLang="ja-JP" sz="1200" dirty="0" smtClean="0"/>
+              <a:t>[1, 2, 3, 4, 5, 6, 7, 8]</a:t>
+            </a:r>
+            <a:endParaRPr kumimoji="1" lang="ja-JP" altLang="en-US" sz="1200" dirty="0"/>
+          </a:p>
+        </p:txBody>
+      </p:sp>
+      <p:cxnSp>
+        <p:nvCxnSpPr>
+          <p:cNvPr id="10" name="直線コネクタ 9"/>
+          <p:cNvCxnSpPr/>
+          <p:nvPr/>
+        </p:nvCxnSpPr>
+        <p:spPr>
+          <a:xfrm>
+            <a:off x="3251200" y="1123247"/>
+            <a:ext cx="586624" cy="0"/>
+          </a:xfrm>
+          <a:prstGeom prst="line">
+            <a:avLst/>
+          </a:prstGeom>
+        </p:spPr>
+        <p:style>
+          <a:lnRef idx="3">
+            <a:schemeClr val="accent1"/>
+          </a:lnRef>
+          <a:fillRef idx="0">
+            <a:schemeClr val="accent1"/>
+          </a:fillRef>
+          <a:effectRef idx="2">
+            <a:schemeClr val="accent1"/>
+          </a:effectRef>
+          <a:fontRef idx="minor">
+            <a:schemeClr val="tx1"/>
+          </a:fontRef>
+        </p:style>
+      </p:cxnSp>
+      <p:cxnSp>
+        <p:nvCxnSpPr>
+          <p:cNvPr id="11" name="直線コネクタ 10"/>
+          <p:cNvCxnSpPr/>
+          <p:nvPr/>
+        </p:nvCxnSpPr>
+        <p:spPr>
+          <a:xfrm>
+            <a:off x="3863224" y="1418593"/>
+            <a:ext cx="586624" cy="0"/>
+          </a:xfrm>
+          <a:prstGeom prst="line">
+            <a:avLst/>
+          </a:prstGeom>
+        </p:spPr>
+        <p:style>
+          <a:lnRef idx="3">
+            <a:schemeClr val="accent2"/>
+          </a:lnRef>
+          <a:fillRef idx="0">
+            <a:schemeClr val="accent2"/>
+          </a:fillRef>
+          <a:effectRef idx="2">
+            <a:schemeClr val="accent2"/>
+          </a:effectRef>
+          <a:fontRef idx="minor">
+            <a:schemeClr val="tx1"/>
+          </a:fontRef>
+        </p:style>
+      </p:cxnSp>
+      <p:cxnSp>
+        <p:nvCxnSpPr>
+          <p:cNvPr id="12" name="直線コネクタ 11"/>
+          <p:cNvCxnSpPr/>
+          <p:nvPr/>
+        </p:nvCxnSpPr>
+        <p:spPr>
+          <a:xfrm flipH="1">
+            <a:off x="1762242" y="845048"/>
+            <a:ext cx="1717558" cy="0"/>
+          </a:xfrm>
+          <a:prstGeom prst="line">
+            <a:avLst/>
+          </a:prstGeom>
+        </p:spPr>
+        <p:style>
+          <a:lnRef idx="3">
+            <a:schemeClr val="accent1"/>
+          </a:lnRef>
+          <a:fillRef idx="0">
+            <a:schemeClr val="accent1"/>
+          </a:fillRef>
+          <a:effectRef idx="2">
+            <a:schemeClr val="accent1"/>
+          </a:effectRef>
+          <a:fontRef idx="minor">
+            <a:schemeClr val="tx1"/>
+          </a:fontRef>
+        </p:style>
+      </p:cxnSp>
+      <p:cxnSp>
+        <p:nvCxnSpPr>
+          <p:cNvPr id="13" name="直線コネクタ 12"/>
+          <p:cNvCxnSpPr/>
+          <p:nvPr/>
+        </p:nvCxnSpPr>
+        <p:spPr>
+          <a:xfrm flipV="1">
+            <a:off x="3479801" y="832348"/>
+            <a:ext cx="0" cy="290899"/>
+          </a:xfrm>
+          <a:prstGeom prst="line">
+            <a:avLst/>
+          </a:prstGeom>
+          <a:ln>
+            <a:headEnd type="arrow"/>
+            <a:tailEnd type="none"/>
+          </a:ln>
+        </p:spPr>
+        <p:style>
+          <a:lnRef idx="3">
+            <a:schemeClr val="accent1"/>
+          </a:lnRef>
+          <a:fillRef idx="0">
+            <a:schemeClr val="accent1"/>
+          </a:fillRef>
+          <a:effectRef idx="2">
+            <a:schemeClr val="accent1"/>
+          </a:effectRef>
+          <a:fontRef idx="minor">
+            <a:schemeClr val="tx1"/>
+          </a:fontRef>
+        </p:style>
+      </p:cxnSp>
+      <p:cxnSp>
+        <p:nvCxnSpPr>
+          <p:cNvPr id="21" name="直線コネクタ 20"/>
+          <p:cNvCxnSpPr/>
+          <p:nvPr/>
+        </p:nvCxnSpPr>
+        <p:spPr>
+          <a:xfrm flipH="1">
+            <a:off x="2060691" y="1741594"/>
+            <a:ext cx="1977909" cy="0"/>
+          </a:xfrm>
+          <a:prstGeom prst="line">
+            <a:avLst/>
+          </a:prstGeom>
+        </p:spPr>
+        <p:style>
+          <a:lnRef idx="3">
+            <a:schemeClr val="accent2"/>
+          </a:lnRef>
+          <a:fillRef idx="0">
+            <a:schemeClr val="accent2"/>
+          </a:fillRef>
+          <a:effectRef idx="2">
+            <a:schemeClr val="accent2"/>
+          </a:effectRef>
+          <a:fontRef idx="minor">
+            <a:schemeClr val="tx1"/>
+          </a:fontRef>
+        </p:style>
+      </p:cxnSp>
+      <p:cxnSp>
+        <p:nvCxnSpPr>
+          <p:cNvPr id="22" name="直線コネクタ 21"/>
+          <p:cNvCxnSpPr/>
+          <p:nvPr/>
+        </p:nvCxnSpPr>
+        <p:spPr>
+          <a:xfrm>
+            <a:off x="4025900" y="1400246"/>
+            <a:ext cx="0" cy="354048"/>
+          </a:xfrm>
+          <a:prstGeom prst="line">
+            <a:avLst/>
+          </a:prstGeom>
+          <a:ln>
+            <a:headEnd type="arrow"/>
+            <a:tailEnd type="none"/>
+          </a:ln>
+        </p:spPr>
+        <p:style>
+          <a:lnRef idx="3">
+            <a:schemeClr val="accent2"/>
+          </a:lnRef>
+          <a:fillRef idx="0">
+            <a:schemeClr val="accent2"/>
+          </a:fillRef>
+          <a:effectRef idx="2">
+            <a:schemeClr val="accent2"/>
+          </a:effectRef>
+          <a:fontRef idx="minor">
+            <a:schemeClr val="tx1"/>
+          </a:fontRef>
+        </p:style>
+      </p:cxnSp>
+    </p:spTree>
+    <p:extLst>
+      <p:ext uri="{BB962C8B-B14F-4D97-AF65-F5344CB8AC3E}">
+        <p14:creationId xmlns:p14="http://schemas.microsoft.com/office/powerpoint/2010/main" val="573188713"/>
       </p:ext>
     </p:extLst>
   </p:cSld>
